--- a/fifth_review.pptx
+++ b/fifth_review.pptx
@@ -4,6 +4,9 @@
   <p:sldMasterIdLst>
     <p:sldMasterId id="2147483648" r:id="rId1"/>
   </p:sldMasterIdLst>
+  <p:sldIdLst>
+    <p:sldId id="256" r:id="rId2"/>
+  </p:sldIdLst>
   <p:sldSz cx="9144000" cy="6858000" type="screen4x3"/>
   <p:notesSz cx="6858000" cy="9144000"/>
   <p:defaultTextStyle>
@@ -286,7 +289,7 @@
             <a:fld id="{1D8BD707-D9CF-40AE-B4C6-C98DA3205C09}" type="datetimeFigureOut">
               <a:rPr lang="en-US" smtClean="0"/>
               <a:pPr/>
-              <a:t>9/18/2006</a:t>
+              <a:t>2/21/2021</a:t>
             </a:fld>
             <a:endParaRPr lang="en-US"/>
           </a:p>
@@ -453,7 +456,7 @@
             <a:fld id="{1D8BD707-D9CF-40AE-B4C6-C98DA3205C09}" type="datetimeFigureOut">
               <a:rPr lang="en-US" smtClean="0"/>
               <a:pPr/>
-              <a:t>9/18/2006</a:t>
+              <a:t>2/21/2021</a:t>
             </a:fld>
             <a:endParaRPr lang="en-US"/>
           </a:p>
@@ -630,7 +633,7 @@
             <a:fld id="{1D8BD707-D9CF-40AE-B4C6-C98DA3205C09}" type="datetimeFigureOut">
               <a:rPr lang="en-US" smtClean="0"/>
               <a:pPr/>
-              <a:t>9/18/2006</a:t>
+              <a:t>2/21/2021</a:t>
             </a:fld>
             <a:endParaRPr lang="en-US"/>
           </a:p>
@@ -797,7 +800,7 @@
             <a:fld id="{1D8BD707-D9CF-40AE-B4C6-C98DA3205C09}" type="datetimeFigureOut">
               <a:rPr lang="en-US" smtClean="0"/>
               <a:pPr/>
-              <a:t>9/18/2006</a:t>
+              <a:t>2/21/2021</a:t>
             </a:fld>
             <a:endParaRPr lang="en-US"/>
           </a:p>
@@ -1040,7 +1043,7 @@
             <a:fld id="{1D8BD707-D9CF-40AE-B4C6-C98DA3205C09}" type="datetimeFigureOut">
               <a:rPr lang="en-US" smtClean="0"/>
               <a:pPr/>
-              <a:t>9/18/2006</a:t>
+              <a:t>2/21/2021</a:t>
             </a:fld>
             <a:endParaRPr lang="en-US"/>
           </a:p>
@@ -1325,7 +1328,7 @@
             <a:fld id="{1D8BD707-D9CF-40AE-B4C6-C98DA3205C09}" type="datetimeFigureOut">
               <a:rPr lang="en-US" smtClean="0"/>
               <a:pPr/>
-              <a:t>9/18/2006</a:t>
+              <a:t>2/21/2021</a:t>
             </a:fld>
             <a:endParaRPr lang="en-US"/>
           </a:p>
@@ -1744,7 +1747,7 @@
             <a:fld id="{1D8BD707-D9CF-40AE-B4C6-C98DA3205C09}" type="datetimeFigureOut">
               <a:rPr lang="en-US" smtClean="0"/>
               <a:pPr/>
-              <a:t>9/18/2006</a:t>
+              <a:t>2/21/2021</a:t>
             </a:fld>
             <a:endParaRPr lang="en-US"/>
           </a:p>
@@ -1859,7 +1862,7 @@
             <a:fld id="{1D8BD707-D9CF-40AE-B4C6-C98DA3205C09}" type="datetimeFigureOut">
               <a:rPr lang="en-US" smtClean="0"/>
               <a:pPr/>
-              <a:t>9/18/2006</a:t>
+              <a:t>2/21/2021</a:t>
             </a:fld>
             <a:endParaRPr lang="en-US"/>
           </a:p>
@@ -1951,7 +1954,7 @@
             <a:fld id="{1D8BD707-D9CF-40AE-B4C6-C98DA3205C09}" type="datetimeFigureOut">
               <a:rPr lang="en-US" smtClean="0"/>
               <a:pPr/>
-              <a:t>9/18/2006</a:t>
+              <a:t>2/21/2021</a:t>
             </a:fld>
             <a:endParaRPr lang="en-US"/>
           </a:p>
@@ -2225,7 +2228,7 @@
             <a:fld id="{1D8BD707-D9CF-40AE-B4C6-C98DA3205C09}" type="datetimeFigureOut">
               <a:rPr lang="en-US" smtClean="0"/>
               <a:pPr/>
-              <a:t>9/18/2006</a:t>
+              <a:t>2/21/2021</a:t>
             </a:fld>
             <a:endParaRPr lang="en-US"/>
           </a:p>
@@ -2475,7 +2478,7 @@
             <a:fld id="{1D8BD707-D9CF-40AE-B4C6-C98DA3205C09}" type="datetimeFigureOut">
               <a:rPr lang="en-US" smtClean="0"/>
               <a:pPr/>
-              <a:t>9/18/2006</a:t>
+              <a:t>2/21/2021</a:t>
             </a:fld>
             <a:endParaRPr lang="en-US"/>
           </a:p>
@@ -2685,7 +2688,7 @@
             <a:fld id="{1D8BD707-D9CF-40AE-B4C6-C98DA3205C09}" type="datetimeFigureOut">
               <a:rPr lang="en-US" smtClean="0"/>
               <a:pPr/>
-              <a:t>9/18/2006</a:t>
+              <a:t>2/21/2021</a:t>
             </a:fld>
             <a:endParaRPr lang="en-US"/>
           </a:p>
@@ -3037,6 +3040,97 @@
     </p:otherStyle>
   </p:txStyles>
 </p:sldMaster>
+</file>
+
+<file path=ppt/slides/slide1.xml><?xml version="1.0" encoding="utf-8"?>
+<p:sld xmlns:a="http://schemas.openxmlformats.org/drawingml/2006/main" xmlns:r="http://schemas.openxmlformats.org/officeDocument/2006/relationships" xmlns:p="http://schemas.openxmlformats.org/presentationml/2006/main">
+  <p:cSld>
+    <p:spTree>
+      <p:nvGrpSpPr>
+        <p:cNvPr id="1" name=""/>
+        <p:cNvGrpSpPr/>
+        <p:nvPr/>
+      </p:nvGrpSpPr>
+      <p:grpSpPr>
+        <a:xfrm>
+          <a:off x="0" y="0"/>
+          <a:ext cx="0" cy="0"/>
+          <a:chOff x="0" y="0"/>
+          <a:chExt cx="0" cy="0"/>
+        </a:xfrm>
+      </p:grpSpPr>
+      <p:sp>
+        <p:nvSpPr>
+          <p:cNvPr id="2" name="Title 1"/>
+          <p:cNvSpPr>
+            <a:spLocks noGrp="1"/>
+          </p:cNvSpPr>
+          <p:nvPr>
+            <p:ph type="ctrTitle"/>
+          </p:nvPr>
+        </p:nvSpPr>
+        <p:spPr>
+          <a:xfrm>
+            <a:off x="685800" y="2895600"/>
+            <a:ext cx="7772400" cy="1470025"/>
+          </a:xfrm>
+        </p:spPr>
+        <p:txBody>
+          <a:bodyPr/>
+          <a:lstStyle/>
+          <a:p>
+            <a:r>
+              <a:rPr lang="en-US" b="1" dirty="0" smtClean="0">
+                <a:solidFill>
+                  <a:schemeClr val="tx2">
+                    <a:lumMod val="50000"/>
+                  </a:schemeClr>
+                </a:solidFill>
+              </a:rPr>
+              <a:t>Student Information Management System</a:t>
+            </a:r>
+            <a:endParaRPr lang="en-US" b="1" dirty="0">
+              <a:solidFill>
+                <a:schemeClr val="tx2">
+                  <a:lumMod val="50000"/>
+                </a:schemeClr>
+              </a:solidFill>
+            </a:endParaRPr>
+          </a:p>
+        </p:txBody>
+      </p:sp>
+      <p:pic>
+        <p:nvPicPr>
+          <p:cNvPr id="1026" name="Picture 2" descr="GCIT"/>
+          <p:cNvPicPr>
+            <a:picLocks noChangeAspect="1" noChangeArrowheads="1"/>
+          </p:cNvPicPr>
+          <p:nvPr/>
+        </p:nvPicPr>
+        <p:blipFill>
+          <a:blip r:embed="rId2"/>
+          <a:srcRect r="1445"/>
+          <a:stretch>
+            <a:fillRect/>
+          </a:stretch>
+        </p:blipFill>
+        <p:spPr bwMode="auto">
+          <a:xfrm>
+            <a:off x="0" y="-1"/>
+            <a:ext cx="9144000" cy="1447801"/>
+          </a:xfrm>
+          <a:prstGeom prst="rect">
+            <a:avLst/>
+          </a:prstGeom>
+          <a:noFill/>
+        </p:spPr>
+      </p:pic>
+    </p:spTree>
+  </p:cSld>
+  <p:clrMapOvr>
+    <a:masterClrMapping/>
+  </p:clrMapOvr>
+</p:sld>
 </file>
 
 <file path=ppt/theme/theme1.xml><?xml version="1.0" encoding="utf-8"?>

--- a/fifth_review.pptx
+++ b/fifth_review.pptx
@@ -4,8 +4,12 @@
   <p:sldMasterIdLst>
     <p:sldMasterId id="2147483648" r:id="rId1"/>
   </p:sldMasterIdLst>
+  <p:notesMasterIdLst>
+    <p:notesMasterId r:id="rId4"/>
+  </p:notesMasterIdLst>
   <p:sldIdLst>
     <p:sldId id="256" r:id="rId2"/>
+    <p:sldId id="257" r:id="rId3"/>
   </p:sldIdLst>
   <p:sldSz cx="9144000" cy="6858000" type="screen4x3"/>
   <p:notesSz cx="6858000" cy="9144000"/>
@@ -107,6 +111,353 @@
 </p:presentation>
 </file>
 
+<file path=ppt/notesMasters/notesMaster1.xml><?xml version="1.0" encoding="utf-8"?>
+<p:notesMaster xmlns:a="http://schemas.openxmlformats.org/drawingml/2006/main" xmlns:r="http://schemas.openxmlformats.org/officeDocument/2006/relationships" xmlns:p="http://schemas.openxmlformats.org/presentationml/2006/main">
+  <p:cSld>
+    <p:bg>
+      <p:bgRef idx="1001">
+        <a:schemeClr val="bg1"/>
+      </p:bgRef>
+    </p:bg>
+    <p:spTree>
+      <p:nvGrpSpPr>
+        <p:cNvPr id="1" name=""/>
+        <p:cNvGrpSpPr/>
+        <p:nvPr/>
+      </p:nvGrpSpPr>
+      <p:grpSpPr>
+        <a:xfrm>
+          <a:off x="0" y="0"/>
+          <a:ext cx="0" cy="0"/>
+          <a:chOff x="0" y="0"/>
+          <a:chExt cx="0" cy="0"/>
+        </a:xfrm>
+      </p:grpSpPr>
+      <p:sp>
+        <p:nvSpPr>
+          <p:cNvPr id="2" name="Header Placeholder 1"/>
+          <p:cNvSpPr>
+            <a:spLocks noGrp="1"/>
+          </p:cNvSpPr>
+          <p:nvPr>
+            <p:ph type="hdr" sz="quarter"/>
+          </p:nvPr>
+        </p:nvSpPr>
+        <p:spPr>
+          <a:xfrm>
+            <a:off x="0" y="0"/>
+            <a:ext cx="2971800" cy="457200"/>
+          </a:xfrm>
+          <a:prstGeom prst="rect">
+            <a:avLst/>
+          </a:prstGeom>
+        </p:spPr>
+        <p:txBody>
+          <a:bodyPr vert="horz" lIns="91440" tIns="45720" rIns="91440" bIns="45720" rtlCol="0"/>
+          <a:lstStyle>
+            <a:lvl1pPr algn="l">
+              <a:defRPr sz="1200"/>
+            </a:lvl1pPr>
+          </a:lstStyle>
+          <a:p>
+            <a:endParaRPr lang="en-US"/>
+          </a:p>
+        </p:txBody>
+      </p:sp>
+      <p:sp>
+        <p:nvSpPr>
+          <p:cNvPr id="3" name="Date Placeholder 2"/>
+          <p:cNvSpPr>
+            <a:spLocks noGrp="1"/>
+          </p:cNvSpPr>
+          <p:nvPr>
+            <p:ph type="dt" idx="1"/>
+          </p:nvPr>
+        </p:nvSpPr>
+        <p:spPr>
+          <a:xfrm>
+            <a:off x="3884613" y="0"/>
+            <a:ext cx="2971800" cy="457200"/>
+          </a:xfrm>
+          <a:prstGeom prst="rect">
+            <a:avLst/>
+          </a:prstGeom>
+        </p:spPr>
+        <p:txBody>
+          <a:bodyPr vert="horz" lIns="91440" tIns="45720" rIns="91440" bIns="45720" rtlCol="0"/>
+          <a:lstStyle>
+            <a:lvl1pPr algn="r">
+              <a:defRPr sz="1200"/>
+            </a:lvl1pPr>
+          </a:lstStyle>
+          <a:p>
+            <a:fld id="{27B7BF55-4331-405B-BD3D-A916DA9DD4EF}" type="datetimeFigureOut">
+              <a:rPr lang="en-US" smtClean="0"/>
+              <a:t>2/21/2021</a:t>
+            </a:fld>
+            <a:endParaRPr lang="en-US"/>
+          </a:p>
+        </p:txBody>
+      </p:sp>
+      <p:sp>
+        <p:nvSpPr>
+          <p:cNvPr id="4" name="Slide Image Placeholder 3"/>
+          <p:cNvSpPr>
+            <a:spLocks noGrp="1" noRot="1" noChangeAspect="1"/>
+          </p:cNvSpPr>
+          <p:nvPr>
+            <p:ph type="sldImg" idx="2"/>
+          </p:nvPr>
+        </p:nvSpPr>
+        <p:spPr>
+          <a:xfrm>
+            <a:off x="1143000" y="685800"/>
+            <a:ext cx="4572000" cy="3429000"/>
+          </a:xfrm>
+          <a:prstGeom prst="rect">
+            <a:avLst/>
+          </a:prstGeom>
+          <a:noFill/>
+          <a:ln w="12700">
+            <a:solidFill>
+              <a:prstClr val="black"/>
+            </a:solidFill>
+          </a:ln>
+        </p:spPr>
+        <p:txBody>
+          <a:bodyPr vert="horz" lIns="91440" tIns="45720" rIns="91440" bIns="45720" rtlCol="0" anchor="ctr"/>
+          <a:lstStyle/>
+          <a:p>
+            <a:endParaRPr lang="en-US"/>
+          </a:p>
+        </p:txBody>
+      </p:sp>
+      <p:sp>
+        <p:nvSpPr>
+          <p:cNvPr id="5" name="Notes Placeholder 4"/>
+          <p:cNvSpPr>
+            <a:spLocks noGrp="1"/>
+          </p:cNvSpPr>
+          <p:nvPr>
+            <p:ph type="body" sz="quarter" idx="3"/>
+          </p:nvPr>
+        </p:nvSpPr>
+        <p:spPr>
+          <a:xfrm>
+            <a:off x="685800" y="4343400"/>
+            <a:ext cx="5486400" cy="4114800"/>
+          </a:xfrm>
+          <a:prstGeom prst="rect">
+            <a:avLst/>
+          </a:prstGeom>
+        </p:spPr>
+        <p:txBody>
+          <a:bodyPr vert="horz" lIns="91440" tIns="45720" rIns="91440" bIns="45720" rtlCol="0">
+            <a:normAutofit/>
+          </a:bodyPr>
+          <a:lstStyle/>
+          <a:p>
+            <a:pPr lvl="0"/>
+            <a:r>
+              <a:rPr lang="en-US" smtClean="0"/>
+              <a:t>Click to edit Master text styles</a:t>
+            </a:r>
+          </a:p>
+          <a:p>
+            <a:pPr lvl="1"/>
+            <a:r>
+              <a:rPr lang="en-US" smtClean="0"/>
+              <a:t>Second level</a:t>
+            </a:r>
+          </a:p>
+          <a:p>
+            <a:pPr lvl="2"/>
+            <a:r>
+              <a:rPr lang="en-US" smtClean="0"/>
+              <a:t>Third level</a:t>
+            </a:r>
+          </a:p>
+          <a:p>
+            <a:pPr lvl="3"/>
+            <a:r>
+              <a:rPr lang="en-US" smtClean="0"/>
+              <a:t>Fourth level</a:t>
+            </a:r>
+          </a:p>
+          <a:p>
+            <a:pPr lvl="4"/>
+            <a:r>
+              <a:rPr lang="en-US" smtClean="0"/>
+              <a:t>Fifth level</a:t>
+            </a:r>
+            <a:endParaRPr lang="en-US"/>
+          </a:p>
+        </p:txBody>
+      </p:sp>
+      <p:sp>
+        <p:nvSpPr>
+          <p:cNvPr id="6" name="Footer Placeholder 5"/>
+          <p:cNvSpPr>
+            <a:spLocks noGrp="1"/>
+          </p:cNvSpPr>
+          <p:nvPr>
+            <p:ph type="ftr" sz="quarter" idx="4"/>
+          </p:nvPr>
+        </p:nvSpPr>
+        <p:spPr>
+          <a:xfrm>
+            <a:off x="0" y="8685213"/>
+            <a:ext cx="2971800" cy="457200"/>
+          </a:xfrm>
+          <a:prstGeom prst="rect">
+            <a:avLst/>
+          </a:prstGeom>
+        </p:spPr>
+        <p:txBody>
+          <a:bodyPr vert="horz" lIns="91440" tIns="45720" rIns="91440" bIns="45720" rtlCol="0" anchor="b"/>
+          <a:lstStyle>
+            <a:lvl1pPr algn="l">
+              <a:defRPr sz="1200"/>
+            </a:lvl1pPr>
+          </a:lstStyle>
+          <a:p>
+            <a:endParaRPr lang="en-US"/>
+          </a:p>
+        </p:txBody>
+      </p:sp>
+      <p:sp>
+        <p:nvSpPr>
+          <p:cNvPr id="7" name="Slide Number Placeholder 6"/>
+          <p:cNvSpPr>
+            <a:spLocks noGrp="1"/>
+          </p:cNvSpPr>
+          <p:nvPr>
+            <p:ph type="sldNum" sz="quarter" idx="5"/>
+          </p:nvPr>
+        </p:nvSpPr>
+        <p:spPr>
+          <a:xfrm>
+            <a:off x="3884613" y="8685213"/>
+            <a:ext cx="2971800" cy="457200"/>
+          </a:xfrm>
+          <a:prstGeom prst="rect">
+            <a:avLst/>
+          </a:prstGeom>
+        </p:spPr>
+        <p:txBody>
+          <a:bodyPr vert="horz" lIns="91440" tIns="45720" rIns="91440" bIns="45720" rtlCol="0" anchor="b"/>
+          <a:lstStyle>
+            <a:lvl1pPr algn="r">
+              <a:defRPr sz="1200"/>
+            </a:lvl1pPr>
+          </a:lstStyle>
+          <a:p>
+            <a:fld id="{53803850-3974-4A34-8498-CA9FB7558B04}" type="slidenum">
+              <a:rPr lang="en-US" smtClean="0"/>
+              <a:t>‹#›</a:t>
+            </a:fld>
+            <a:endParaRPr lang="en-US"/>
+          </a:p>
+        </p:txBody>
+      </p:sp>
+    </p:spTree>
+  </p:cSld>
+  <p:clrMap bg1="lt1" tx1="dk1" bg2="lt2" tx2="dk2" accent1="accent1" accent2="accent2" accent3="accent3" accent4="accent4" accent5="accent5" accent6="accent6" hlink="hlink" folHlink="folHlink"/>
+  <p:notesStyle>
+    <a:lvl1pPr marL="0" algn="l" defTabSz="914400" rtl="0" eaLnBrk="1" latinLnBrk="0" hangingPunct="1">
+      <a:defRPr sz="1200" kern="1200">
+        <a:solidFill>
+          <a:schemeClr val="tx1"/>
+        </a:solidFill>
+        <a:latin typeface="+mn-lt"/>
+        <a:ea typeface="+mn-ea"/>
+        <a:cs typeface="+mn-cs"/>
+      </a:defRPr>
+    </a:lvl1pPr>
+    <a:lvl2pPr marL="457200" algn="l" defTabSz="914400" rtl="0" eaLnBrk="1" latinLnBrk="0" hangingPunct="1">
+      <a:defRPr sz="1200" kern="1200">
+        <a:solidFill>
+          <a:schemeClr val="tx1"/>
+        </a:solidFill>
+        <a:latin typeface="+mn-lt"/>
+        <a:ea typeface="+mn-ea"/>
+        <a:cs typeface="+mn-cs"/>
+      </a:defRPr>
+    </a:lvl2pPr>
+    <a:lvl3pPr marL="914400" algn="l" defTabSz="914400" rtl="0" eaLnBrk="1" latinLnBrk="0" hangingPunct="1">
+      <a:defRPr sz="1200" kern="1200">
+        <a:solidFill>
+          <a:schemeClr val="tx1"/>
+        </a:solidFill>
+        <a:latin typeface="+mn-lt"/>
+        <a:ea typeface="+mn-ea"/>
+        <a:cs typeface="+mn-cs"/>
+      </a:defRPr>
+    </a:lvl3pPr>
+    <a:lvl4pPr marL="1371600" algn="l" defTabSz="914400" rtl="0" eaLnBrk="1" latinLnBrk="0" hangingPunct="1">
+      <a:defRPr sz="1200" kern="1200">
+        <a:solidFill>
+          <a:schemeClr val="tx1"/>
+        </a:solidFill>
+        <a:latin typeface="+mn-lt"/>
+        <a:ea typeface="+mn-ea"/>
+        <a:cs typeface="+mn-cs"/>
+      </a:defRPr>
+    </a:lvl4pPr>
+    <a:lvl5pPr marL="1828800" algn="l" defTabSz="914400" rtl="0" eaLnBrk="1" latinLnBrk="0" hangingPunct="1">
+      <a:defRPr sz="1200" kern="1200">
+        <a:solidFill>
+          <a:schemeClr val="tx1"/>
+        </a:solidFill>
+        <a:latin typeface="+mn-lt"/>
+        <a:ea typeface="+mn-ea"/>
+        <a:cs typeface="+mn-cs"/>
+      </a:defRPr>
+    </a:lvl5pPr>
+    <a:lvl6pPr marL="2286000" algn="l" defTabSz="914400" rtl="0" eaLnBrk="1" latinLnBrk="0" hangingPunct="1">
+      <a:defRPr sz="1200" kern="1200">
+        <a:solidFill>
+          <a:schemeClr val="tx1"/>
+        </a:solidFill>
+        <a:latin typeface="+mn-lt"/>
+        <a:ea typeface="+mn-ea"/>
+        <a:cs typeface="+mn-cs"/>
+      </a:defRPr>
+    </a:lvl6pPr>
+    <a:lvl7pPr marL="2743200" algn="l" defTabSz="914400" rtl="0" eaLnBrk="1" latinLnBrk="0" hangingPunct="1">
+      <a:defRPr sz="1200" kern="1200">
+        <a:solidFill>
+          <a:schemeClr val="tx1"/>
+        </a:solidFill>
+        <a:latin typeface="+mn-lt"/>
+        <a:ea typeface="+mn-ea"/>
+        <a:cs typeface="+mn-cs"/>
+      </a:defRPr>
+    </a:lvl7pPr>
+    <a:lvl8pPr marL="3200400" algn="l" defTabSz="914400" rtl="0" eaLnBrk="1" latinLnBrk="0" hangingPunct="1">
+      <a:defRPr sz="1200" kern="1200">
+        <a:solidFill>
+          <a:schemeClr val="tx1"/>
+        </a:solidFill>
+        <a:latin typeface="+mn-lt"/>
+        <a:ea typeface="+mn-ea"/>
+        <a:cs typeface="+mn-cs"/>
+      </a:defRPr>
+    </a:lvl8pPr>
+    <a:lvl9pPr marL="3657600" algn="l" defTabSz="914400" rtl="0" eaLnBrk="1" latinLnBrk="0" hangingPunct="1">
+      <a:defRPr sz="1200" kern="1200">
+        <a:solidFill>
+          <a:schemeClr val="tx1"/>
+        </a:solidFill>
+        <a:latin typeface="+mn-lt"/>
+        <a:ea typeface="+mn-ea"/>
+        <a:cs typeface="+mn-cs"/>
+      </a:defRPr>
+    </a:lvl9pPr>
+  </p:notesStyle>
+</p:notesMaster>
+</file>
+
 <file path=ppt/slideLayouts/slideLayout1.xml><?xml version="1.0" encoding="utf-8"?>
 <p:sldLayout xmlns:a="http://schemas.openxmlformats.org/drawingml/2006/main" xmlns:r="http://schemas.openxmlformats.org/officeDocument/2006/relationships" xmlns:p="http://schemas.openxmlformats.org/presentationml/2006/main" type="title" preserve="1">
   <p:cSld name="Title Slide">
@@ -286,9 +637,8 @@
           <a:bodyPr/>
           <a:lstStyle/>
           <a:p>
-            <a:fld id="{1D8BD707-D9CF-40AE-B4C6-C98DA3205C09}" type="datetimeFigureOut">
-              <a:rPr lang="en-US" smtClean="0"/>
-              <a:pPr/>
+            <a:fld id="{4C484411-CE80-4393-BC22-731792D8F56D}" type="datetime1">
+              <a:rPr lang="en-US" smtClean="0"/>
               <a:t>2/21/2021</a:t>
             </a:fld>
             <a:endParaRPr lang="en-US"/>
@@ -310,6 +660,10 @@
           <a:bodyPr/>
           <a:lstStyle/>
           <a:p>
+            <a:r>
+              <a:rPr lang="en-US" smtClean="0"/>
+              <a:t>Student IMS @copyright 2021</a:t>
+            </a:r>
             <a:endParaRPr lang="en-US"/>
           </a:p>
         </p:txBody>
@@ -453,9 +807,8 @@
           <a:bodyPr/>
           <a:lstStyle/>
           <a:p>
-            <a:fld id="{1D8BD707-D9CF-40AE-B4C6-C98DA3205C09}" type="datetimeFigureOut">
-              <a:rPr lang="en-US" smtClean="0"/>
-              <a:pPr/>
+            <a:fld id="{1CA51FB7-0011-4112-B16C-C28BEE58E834}" type="datetime1">
+              <a:rPr lang="en-US" smtClean="0"/>
               <a:t>2/21/2021</a:t>
             </a:fld>
             <a:endParaRPr lang="en-US"/>
@@ -477,6 +830,10 @@
           <a:bodyPr/>
           <a:lstStyle/>
           <a:p>
+            <a:r>
+              <a:rPr lang="en-US" smtClean="0"/>
+              <a:t>Student IMS @copyright 2021</a:t>
+            </a:r>
             <a:endParaRPr lang="en-US"/>
           </a:p>
         </p:txBody>
@@ -630,9 +987,8 @@
           <a:bodyPr/>
           <a:lstStyle/>
           <a:p>
-            <a:fld id="{1D8BD707-D9CF-40AE-B4C6-C98DA3205C09}" type="datetimeFigureOut">
-              <a:rPr lang="en-US" smtClean="0"/>
-              <a:pPr/>
+            <a:fld id="{0D810325-AC91-463B-9DEC-6DFD76EF917E}" type="datetime1">
+              <a:rPr lang="en-US" smtClean="0"/>
               <a:t>2/21/2021</a:t>
             </a:fld>
             <a:endParaRPr lang="en-US"/>
@@ -654,6 +1010,10 @@
           <a:bodyPr/>
           <a:lstStyle/>
           <a:p>
+            <a:r>
+              <a:rPr lang="en-US" smtClean="0"/>
+              <a:t>Student IMS @copyright 2021</a:t>
+            </a:r>
             <a:endParaRPr lang="en-US"/>
           </a:p>
         </p:txBody>
@@ -797,9 +1157,8 @@
           <a:bodyPr/>
           <a:lstStyle/>
           <a:p>
-            <a:fld id="{1D8BD707-D9CF-40AE-B4C6-C98DA3205C09}" type="datetimeFigureOut">
-              <a:rPr lang="en-US" smtClean="0"/>
-              <a:pPr/>
+            <a:fld id="{29FF40B1-8B0E-4B72-970D-715561CA4C5D}" type="datetime1">
+              <a:rPr lang="en-US" smtClean="0"/>
               <a:t>2/21/2021</a:t>
             </a:fld>
             <a:endParaRPr lang="en-US"/>
@@ -821,6 +1180,10 @@
           <a:bodyPr/>
           <a:lstStyle/>
           <a:p>
+            <a:r>
+              <a:rPr lang="en-US" smtClean="0"/>
+              <a:t>Student IMS @copyright 2021</a:t>
+            </a:r>
             <a:endParaRPr lang="en-US"/>
           </a:p>
         </p:txBody>
@@ -1040,9 +1403,8 @@
           <a:bodyPr/>
           <a:lstStyle/>
           <a:p>
-            <a:fld id="{1D8BD707-D9CF-40AE-B4C6-C98DA3205C09}" type="datetimeFigureOut">
-              <a:rPr lang="en-US" smtClean="0"/>
-              <a:pPr/>
+            <a:fld id="{C256BA5A-254D-4C01-A5C1-C9457C87A202}" type="datetime1">
+              <a:rPr lang="en-US" smtClean="0"/>
               <a:t>2/21/2021</a:t>
             </a:fld>
             <a:endParaRPr lang="en-US"/>
@@ -1064,6 +1426,10 @@
           <a:bodyPr/>
           <a:lstStyle/>
           <a:p>
+            <a:r>
+              <a:rPr lang="en-US" smtClean="0"/>
+              <a:t>Student IMS @copyright 2021</a:t>
+            </a:r>
             <a:endParaRPr lang="en-US"/>
           </a:p>
         </p:txBody>
@@ -1325,9 +1691,8 @@
           <a:bodyPr/>
           <a:lstStyle/>
           <a:p>
-            <a:fld id="{1D8BD707-D9CF-40AE-B4C6-C98DA3205C09}" type="datetimeFigureOut">
-              <a:rPr lang="en-US" smtClean="0"/>
-              <a:pPr/>
+            <a:fld id="{11FC07AE-EECC-4B39-B2AC-B06E310F3617}" type="datetime1">
+              <a:rPr lang="en-US" smtClean="0"/>
               <a:t>2/21/2021</a:t>
             </a:fld>
             <a:endParaRPr lang="en-US"/>
@@ -1349,6 +1714,10 @@
           <a:bodyPr/>
           <a:lstStyle/>
           <a:p>
+            <a:r>
+              <a:rPr lang="en-US" smtClean="0"/>
+              <a:t>Student IMS @copyright 2021</a:t>
+            </a:r>
             <a:endParaRPr lang="en-US"/>
           </a:p>
         </p:txBody>
@@ -1744,9 +2113,8 @@
           <a:bodyPr/>
           <a:lstStyle/>
           <a:p>
-            <a:fld id="{1D8BD707-D9CF-40AE-B4C6-C98DA3205C09}" type="datetimeFigureOut">
-              <a:rPr lang="en-US" smtClean="0"/>
-              <a:pPr/>
+            <a:fld id="{BB69D00F-91AD-43A6-9361-AB22366665FE}" type="datetime1">
+              <a:rPr lang="en-US" smtClean="0"/>
               <a:t>2/21/2021</a:t>
             </a:fld>
             <a:endParaRPr lang="en-US"/>
@@ -1768,6 +2136,10 @@
           <a:bodyPr/>
           <a:lstStyle/>
           <a:p>
+            <a:r>
+              <a:rPr lang="en-US" smtClean="0"/>
+              <a:t>Student IMS @copyright 2021</a:t>
+            </a:r>
             <a:endParaRPr lang="en-US"/>
           </a:p>
         </p:txBody>
@@ -1859,9 +2231,8 @@
           <a:bodyPr/>
           <a:lstStyle/>
           <a:p>
-            <a:fld id="{1D8BD707-D9CF-40AE-B4C6-C98DA3205C09}" type="datetimeFigureOut">
-              <a:rPr lang="en-US" smtClean="0"/>
-              <a:pPr/>
+            <a:fld id="{56146552-625F-461E-A982-793A12B6DAF8}" type="datetime1">
+              <a:rPr lang="en-US" smtClean="0"/>
               <a:t>2/21/2021</a:t>
             </a:fld>
             <a:endParaRPr lang="en-US"/>
@@ -1883,6 +2254,10 @@
           <a:bodyPr/>
           <a:lstStyle/>
           <a:p>
+            <a:r>
+              <a:rPr lang="en-US" smtClean="0"/>
+              <a:t>Student IMS @copyright 2021</a:t>
+            </a:r>
             <a:endParaRPr lang="en-US"/>
           </a:p>
         </p:txBody>
@@ -1951,9 +2326,8 @@
           <a:bodyPr/>
           <a:lstStyle/>
           <a:p>
-            <a:fld id="{1D8BD707-D9CF-40AE-B4C6-C98DA3205C09}" type="datetimeFigureOut">
-              <a:rPr lang="en-US" smtClean="0"/>
-              <a:pPr/>
+            <a:fld id="{08E4212E-F36A-40A9-859F-7B0EFF380630}" type="datetime1">
+              <a:rPr lang="en-US" smtClean="0"/>
               <a:t>2/21/2021</a:t>
             </a:fld>
             <a:endParaRPr lang="en-US"/>
@@ -1975,6 +2349,10 @@
           <a:bodyPr/>
           <a:lstStyle/>
           <a:p>
+            <a:r>
+              <a:rPr lang="en-US" smtClean="0"/>
+              <a:t>Student IMS @copyright 2021</a:t>
+            </a:r>
             <a:endParaRPr lang="en-US"/>
           </a:p>
         </p:txBody>
@@ -2225,9 +2603,8 @@
           <a:bodyPr/>
           <a:lstStyle/>
           <a:p>
-            <a:fld id="{1D8BD707-D9CF-40AE-B4C6-C98DA3205C09}" type="datetimeFigureOut">
-              <a:rPr lang="en-US" smtClean="0"/>
-              <a:pPr/>
+            <a:fld id="{1256D674-32B0-4689-AB1B-636389CFCA04}" type="datetime1">
+              <a:rPr lang="en-US" smtClean="0"/>
               <a:t>2/21/2021</a:t>
             </a:fld>
             <a:endParaRPr lang="en-US"/>
@@ -2249,6 +2626,10 @@
           <a:bodyPr/>
           <a:lstStyle/>
           <a:p>
+            <a:r>
+              <a:rPr lang="en-US" smtClean="0"/>
+              <a:t>Student IMS @copyright 2021</a:t>
+            </a:r>
             <a:endParaRPr lang="en-US"/>
           </a:p>
         </p:txBody>
@@ -2475,9 +2856,8 @@
           <a:bodyPr/>
           <a:lstStyle/>
           <a:p>
-            <a:fld id="{1D8BD707-D9CF-40AE-B4C6-C98DA3205C09}" type="datetimeFigureOut">
-              <a:rPr lang="en-US" smtClean="0"/>
-              <a:pPr/>
+            <a:fld id="{4766EF3B-70A3-4B13-97EA-E44332BDF0AF}" type="datetime1">
+              <a:rPr lang="en-US" smtClean="0"/>
               <a:t>2/21/2021</a:t>
             </a:fld>
             <a:endParaRPr lang="en-US"/>
@@ -2499,6 +2879,10 @@
           <a:bodyPr/>
           <a:lstStyle/>
           <a:p>
+            <a:r>
+              <a:rPr lang="en-US" smtClean="0"/>
+              <a:t>Student IMS @copyright 2021</a:t>
+            </a:r>
             <a:endParaRPr lang="en-US"/>
           </a:p>
         </p:txBody>
@@ -2685,9 +3069,8 @@
             </a:lvl1pPr>
           </a:lstStyle>
           <a:p>
-            <a:fld id="{1D8BD707-D9CF-40AE-B4C6-C98DA3205C09}" type="datetimeFigureOut">
-              <a:rPr lang="en-US" smtClean="0"/>
-              <a:pPr/>
+            <a:fld id="{4E3BC41F-EA4F-43A4-B4D7-7693D03AF8C4}" type="datetime1">
+              <a:rPr lang="en-US" smtClean="0"/>
               <a:t>2/21/2021</a:t>
             </a:fld>
             <a:endParaRPr lang="en-US"/>
@@ -2727,6 +3110,10 @@
             </a:lvl1pPr>
           </a:lstStyle>
           <a:p>
+            <a:r>
+              <a:rPr lang="en-US" smtClean="0"/>
+              <a:t>Student IMS @copyright 2021</a:t>
+            </a:r>
             <a:endParaRPr lang="en-US"/>
           </a:p>
         </p:txBody>
@@ -2789,6 +3176,7 @@
     <p:sldLayoutId id="2147483658" r:id="rId10"/>
     <p:sldLayoutId id="2147483659" r:id="rId11"/>
   </p:sldLayoutIdLst>
+  <p:hf hdr="0"/>
   <p:txStyles>
     <p:titleStyle>
       <a:lvl1pPr algn="ctr" defTabSz="914400" rtl="0" eaLnBrk="1" latinLnBrk="0" hangingPunct="1">
@@ -3125,6 +3513,346 @@
           <a:noFill/>
         </p:spPr>
       </p:pic>
+      <p:sp>
+        <p:nvSpPr>
+          <p:cNvPr id="5" name="Date Placeholder 4"/>
+          <p:cNvSpPr>
+            <a:spLocks noGrp="1"/>
+          </p:cNvSpPr>
+          <p:nvPr>
+            <p:ph type="dt" sz="half" idx="10"/>
+          </p:nvPr>
+        </p:nvSpPr>
+        <p:spPr/>
+        <p:txBody>
+          <a:bodyPr/>
+          <a:lstStyle/>
+          <a:p>
+            <a:fld id="{931F7737-6EA6-4FBE-AACE-8EEC38063CAC}" type="datetime1">
+              <a:rPr lang="en-US" smtClean="0"/>
+              <a:t>2/21/2021</a:t>
+            </a:fld>
+            <a:endParaRPr lang="en-US"/>
+          </a:p>
+        </p:txBody>
+      </p:sp>
+      <p:sp>
+        <p:nvSpPr>
+          <p:cNvPr id="6" name="Slide Number Placeholder 5"/>
+          <p:cNvSpPr>
+            <a:spLocks noGrp="1"/>
+          </p:cNvSpPr>
+          <p:nvPr>
+            <p:ph type="sldNum" sz="quarter" idx="12"/>
+          </p:nvPr>
+        </p:nvSpPr>
+        <p:spPr/>
+        <p:txBody>
+          <a:bodyPr/>
+          <a:lstStyle/>
+          <a:p>
+            <a:fld id="{B6F15528-21DE-4FAA-801E-634DDDAF4B2B}" type="slidenum">
+              <a:rPr lang="en-US" smtClean="0"/>
+              <a:pPr/>
+              <a:t>1</a:t>
+            </a:fld>
+            <a:endParaRPr lang="en-US"/>
+          </a:p>
+        </p:txBody>
+      </p:sp>
+      <p:sp>
+        <p:nvSpPr>
+          <p:cNvPr id="7" name="Footer Placeholder 6"/>
+          <p:cNvSpPr>
+            <a:spLocks noGrp="1"/>
+          </p:cNvSpPr>
+          <p:nvPr>
+            <p:ph type="ftr" sz="quarter" idx="11"/>
+          </p:nvPr>
+        </p:nvSpPr>
+        <p:spPr/>
+        <p:txBody>
+          <a:bodyPr/>
+          <a:lstStyle/>
+          <a:p>
+            <a:r>
+              <a:rPr lang="en-US" smtClean="0"/>
+              <a:t>Student IMS @copyright 2021</a:t>
+            </a:r>
+            <a:endParaRPr lang="en-US"/>
+          </a:p>
+        </p:txBody>
+      </p:sp>
+    </p:spTree>
+  </p:cSld>
+  <p:clrMapOvr>
+    <a:masterClrMapping/>
+  </p:clrMapOvr>
+</p:sld>
+</file>
+
+<file path=ppt/slides/slide2.xml><?xml version="1.0" encoding="utf-8"?>
+<p:sld xmlns:a="http://schemas.openxmlformats.org/drawingml/2006/main" xmlns:r="http://schemas.openxmlformats.org/officeDocument/2006/relationships" xmlns:p="http://schemas.openxmlformats.org/presentationml/2006/main">
+  <p:cSld>
+    <p:spTree>
+      <p:nvGrpSpPr>
+        <p:cNvPr id="1" name=""/>
+        <p:cNvGrpSpPr/>
+        <p:nvPr/>
+      </p:nvGrpSpPr>
+      <p:grpSpPr>
+        <a:xfrm>
+          <a:off x="0" y="0"/>
+          <a:ext cx="0" cy="0"/>
+          <a:chOff x="0" y="0"/>
+          <a:chExt cx="0" cy="0"/>
+        </a:xfrm>
+      </p:grpSpPr>
+      <p:sp>
+        <p:nvSpPr>
+          <p:cNvPr id="4" name="Date Placeholder 3"/>
+          <p:cNvSpPr>
+            <a:spLocks noGrp="1"/>
+          </p:cNvSpPr>
+          <p:nvPr>
+            <p:ph type="dt" sz="half" idx="10"/>
+          </p:nvPr>
+        </p:nvSpPr>
+        <p:spPr/>
+        <p:txBody>
+          <a:bodyPr/>
+          <a:lstStyle/>
+          <a:p>
+            <a:fld id="{29FF40B1-8B0E-4B72-970D-715561CA4C5D}" type="datetime1">
+              <a:rPr lang="en-US" smtClean="0"/>
+              <a:t>2/21/2021</a:t>
+            </a:fld>
+            <a:endParaRPr lang="en-US"/>
+          </a:p>
+        </p:txBody>
+      </p:sp>
+      <p:sp>
+        <p:nvSpPr>
+          <p:cNvPr id="5" name="Footer Placeholder 4"/>
+          <p:cNvSpPr>
+            <a:spLocks noGrp="1"/>
+          </p:cNvSpPr>
+          <p:nvPr>
+            <p:ph type="ftr" sz="quarter" idx="11"/>
+          </p:nvPr>
+        </p:nvSpPr>
+        <p:spPr/>
+        <p:txBody>
+          <a:bodyPr/>
+          <a:lstStyle/>
+          <a:p>
+            <a:r>
+              <a:rPr lang="en-US" smtClean="0"/>
+              <a:t>Student IMS @copyright 2021</a:t>
+            </a:r>
+            <a:endParaRPr lang="en-US"/>
+          </a:p>
+        </p:txBody>
+      </p:sp>
+      <p:sp>
+        <p:nvSpPr>
+          <p:cNvPr id="6" name="Slide Number Placeholder 5"/>
+          <p:cNvSpPr>
+            <a:spLocks noGrp="1"/>
+          </p:cNvSpPr>
+          <p:nvPr>
+            <p:ph type="sldNum" sz="quarter" idx="12"/>
+          </p:nvPr>
+        </p:nvSpPr>
+        <p:spPr/>
+        <p:txBody>
+          <a:bodyPr/>
+          <a:lstStyle/>
+          <a:p>
+            <a:fld id="{B6F15528-21DE-4FAA-801E-634DDDAF4B2B}" type="slidenum">
+              <a:rPr lang="en-US" smtClean="0"/>
+              <a:pPr/>
+              <a:t>2</a:t>
+            </a:fld>
+            <a:endParaRPr lang="en-US"/>
+          </a:p>
+        </p:txBody>
+      </p:sp>
+      <p:pic>
+        <p:nvPicPr>
+          <p:cNvPr id="7" name="Picture 2" descr="GCIT"/>
+          <p:cNvPicPr>
+            <a:picLocks noChangeAspect="1" noChangeArrowheads="1"/>
+          </p:cNvPicPr>
+          <p:nvPr/>
+        </p:nvPicPr>
+        <p:blipFill>
+          <a:blip r:embed="rId2"/>
+          <a:srcRect r="1445"/>
+          <a:stretch>
+            <a:fillRect/>
+          </a:stretch>
+        </p:blipFill>
+        <p:spPr bwMode="auto">
+          <a:xfrm>
+            <a:off x="0" y="-1"/>
+            <a:ext cx="9144000" cy="1447801"/>
+          </a:xfrm>
+          <a:prstGeom prst="rect">
+            <a:avLst/>
+          </a:prstGeom>
+          <a:noFill/>
+        </p:spPr>
+      </p:pic>
+      <p:sp>
+        <p:nvSpPr>
+          <p:cNvPr id="8" name="TextBox 7"/>
+          <p:cNvSpPr txBox="1"/>
+          <p:nvPr/>
+        </p:nvSpPr>
+        <p:spPr>
+          <a:xfrm>
+            <a:off x="1676400" y="1973282"/>
+            <a:ext cx="4876800" cy="3970318"/>
+          </a:xfrm>
+          <a:prstGeom prst="rect">
+            <a:avLst/>
+          </a:prstGeom>
+          <a:noFill/>
+        </p:spPr>
+        <p:txBody>
+          <a:bodyPr wrap="square" rtlCol="0">
+            <a:spAutoFit/>
+          </a:bodyPr>
+          <a:lstStyle/>
+          <a:p>
+            <a:r>
+              <a:rPr lang="en-US" sz="2800" b="1" dirty="0" smtClean="0">
+                <a:solidFill>
+                  <a:schemeClr val="tx2">
+                    <a:lumMod val="50000"/>
+                  </a:schemeClr>
+                </a:solidFill>
+              </a:rPr>
+              <a:t>Outline</a:t>
+            </a:r>
+          </a:p>
+          <a:p>
+            <a:pPr marL="342900" indent="-342900">
+              <a:buAutoNum type="arabicPeriod"/>
+            </a:pPr>
+            <a:r>
+              <a:rPr lang="en-US" sz="2800" b="1" dirty="0" smtClean="0">
+                <a:solidFill>
+                  <a:schemeClr val="tx2">
+                    <a:lumMod val="50000"/>
+                  </a:schemeClr>
+                </a:solidFill>
+              </a:rPr>
+              <a:t>Background Information,</a:t>
+            </a:r>
+          </a:p>
+          <a:p>
+            <a:pPr marL="342900" indent="-342900">
+              <a:buAutoNum type="arabicPeriod"/>
+            </a:pPr>
+            <a:r>
+              <a:rPr lang="en-US" sz="2800" b="1" dirty="0" smtClean="0">
+                <a:solidFill>
+                  <a:schemeClr val="tx2">
+                    <a:lumMod val="50000"/>
+                  </a:schemeClr>
+                </a:solidFill>
+              </a:rPr>
+              <a:t>Changes in Requirement,</a:t>
+            </a:r>
+          </a:p>
+          <a:p>
+            <a:pPr marL="342900" indent="-342900">
+              <a:buAutoNum type="arabicPeriod"/>
+            </a:pPr>
+            <a:r>
+              <a:rPr lang="en-US" sz="2800" b="1" dirty="0" smtClean="0">
+                <a:solidFill>
+                  <a:schemeClr val="tx2">
+                    <a:lumMod val="50000"/>
+                  </a:schemeClr>
+                </a:solidFill>
+              </a:rPr>
+              <a:t>Scope,</a:t>
+            </a:r>
+          </a:p>
+          <a:p>
+            <a:pPr marL="342900" indent="-342900">
+              <a:buAutoNum type="arabicPeriod"/>
+            </a:pPr>
+            <a:r>
+              <a:rPr lang="en-US" sz="2800" b="1" dirty="0" smtClean="0">
+                <a:solidFill>
+                  <a:schemeClr val="tx2">
+                    <a:lumMod val="50000"/>
+                  </a:schemeClr>
+                </a:solidFill>
+              </a:rPr>
+              <a:t>Site Map,</a:t>
+            </a:r>
+          </a:p>
+          <a:p>
+            <a:pPr marL="342900" indent="-342900">
+              <a:buAutoNum type="arabicPeriod"/>
+            </a:pPr>
+            <a:r>
+              <a:rPr lang="en-US" sz="2800" b="1" dirty="0" smtClean="0">
+                <a:solidFill>
+                  <a:schemeClr val="tx2">
+                    <a:lumMod val="50000"/>
+                  </a:schemeClr>
+                </a:solidFill>
+              </a:rPr>
+              <a:t>Work Progress,</a:t>
+            </a:r>
+          </a:p>
+          <a:p>
+            <a:pPr marL="342900" indent="-342900">
+              <a:buAutoNum type="arabicPeriod"/>
+            </a:pPr>
+            <a:r>
+              <a:rPr lang="en-US" sz="2800" b="1" dirty="0" smtClean="0">
+                <a:solidFill>
+                  <a:schemeClr val="tx2">
+                    <a:lumMod val="50000"/>
+                  </a:schemeClr>
+                </a:solidFill>
+              </a:rPr>
+              <a:t>UI Demo, and</a:t>
+            </a:r>
+          </a:p>
+          <a:p>
+            <a:pPr marL="342900" indent="-342900">
+              <a:buAutoNum type="arabicPeriod"/>
+            </a:pPr>
+            <a:r>
+              <a:rPr lang="en-US" sz="2800" b="1" dirty="0" smtClean="0">
+                <a:solidFill>
+                  <a:schemeClr val="tx2">
+                    <a:lumMod val="50000"/>
+                  </a:schemeClr>
+                </a:solidFill>
+              </a:rPr>
+              <a:t>Future work.</a:t>
+            </a:r>
+          </a:p>
+          <a:p>
+            <a:endParaRPr lang="en-US" sz="2800" b="1" dirty="0">
+              <a:solidFill>
+                <a:schemeClr val="tx2">
+                  <a:lumMod val="50000"/>
+                </a:schemeClr>
+              </a:solidFill>
+            </a:endParaRPr>
+          </a:p>
+        </p:txBody>
+      </p:sp>
     </p:spTree>
   </p:cSld>
   <p:clrMapOvr>
@@ -3414,4 +4142,287 @@
   <a:objectDefaults/>
   <a:extraClrSchemeLst/>
 </a:theme>
+</file>
+
+<file path=ppt/theme/theme2.xml><?xml version="1.0" encoding="utf-8"?>
+<a:theme xmlns:a="http://schemas.openxmlformats.org/drawingml/2006/main" name="Office Theme">
+  <a:themeElements>
+    <a:clrScheme name="Office">
+      <a:dk1>
+        <a:sysClr val="windowText" lastClr="000000"/>
+      </a:dk1>
+      <a:lt1>
+        <a:sysClr val="window" lastClr="FFFFFF"/>
+      </a:lt1>
+      <a:dk2>
+        <a:srgbClr val="1F497D"/>
+      </a:dk2>
+      <a:lt2>
+        <a:srgbClr val="EEECE1"/>
+      </a:lt2>
+      <a:accent1>
+        <a:srgbClr val="4F81BD"/>
+      </a:accent1>
+      <a:accent2>
+        <a:srgbClr val="C0504D"/>
+      </a:accent2>
+      <a:accent3>
+        <a:srgbClr val="9BBB59"/>
+      </a:accent3>
+      <a:accent4>
+        <a:srgbClr val="8064A2"/>
+      </a:accent4>
+      <a:accent5>
+        <a:srgbClr val="4BACC6"/>
+      </a:accent5>
+      <a:accent6>
+        <a:srgbClr val="F79646"/>
+      </a:accent6>
+      <a:hlink>
+        <a:srgbClr val="0000FF"/>
+      </a:hlink>
+      <a:folHlink>
+        <a:srgbClr val="800080"/>
+      </a:folHlink>
+    </a:clrScheme>
+    <a:fontScheme name="Office">
+      <a:majorFont>
+        <a:latin typeface="Calibri"/>
+        <a:ea typeface=""/>
+        <a:cs typeface=""/>
+        <a:font script="Jpan" typeface="ＭＳ Ｐゴシック"/>
+        <a:font script="Hang" typeface="맑은 고딕"/>
+        <a:font script="Hans" typeface="宋体"/>
+        <a:font script="Hant" typeface="新細明體"/>
+        <a:font script="Arab" typeface="Times New Roman"/>
+        <a:font script="Hebr" typeface="Times New Roman"/>
+        <a:font script="Thai" typeface="Angsana New"/>
+        <a:font script="Ethi" typeface="Nyala"/>
+        <a:font script="Beng" typeface="Vrinda"/>
+        <a:font script="Gujr" typeface="Shruti"/>
+        <a:font script="Khmr" typeface="MoolBoran"/>
+        <a:font script="Knda" typeface="Tunga"/>
+        <a:font script="Guru" typeface="Raavi"/>
+        <a:font script="Cans" typeface="Euphemia"/>
+        <a:font script="Cher" typeface="Plantagenet Cherokee"/>
+        <a:font script="Yiii" typeface="Microsoft Yi Baiti"/>
+        <a:font script="Tibt" typeface="Microsoft Himalaya"/>
+        <a:font script="Thaa" typeface="MV Boli"/>
+        <a:font script="Deva" typeface="Mangal"/>
+        <a:font script="Telu" typeface="Gautami"/>
+        <a:font script="Taml" typeface="Latha"/>
+        <a:font script="Syrc" typeface="Estrangelo Edessa"/>
+        <a:font script="Orya" typeface="Kalinga"/>
+        <a:font script="Mlym" typeface="Kartika"/>
+        <a:font script="Laoo" typeface="DokChampa"/>
+        <a:font script="Sinh" typeface="Iskoola Pota"/>
+        <a:font script="Mong" typeface="Mongolian Baiti"/>
+        <a:font script="Viet" typeface="Times New Roman"/>
+        <a:font script="Uigh" typeface="Microsoft Uighur"/>
+      </a:majorFont>
+      <a:minorFont>
+        <a:latin typeface="Calibri"/>
+        <a:ea typeface=""/>
+        <a:cs typeface=""/>
+        <a:font script="Jpan" typeface="ＭＳ Ｐゴシック"/>
+        <a:font script="Hang" typeface="맑은 고딕"/>
+        <a:font script="Hans" typeface="宋体"/>
+        <a:font script="Hant" typeface="新細明體"/>
+        <a:font script="Arab" typeface="Arial"/>
+        <a:font script="Hebr" typeface="Arial"/>
+        <a:font script="Thai" typeface="Cordia New"/>
+        <a:font script="Ethi" typeface="Nyala"/>
+        <a:font script="Beng" typeface="Vrinda"/>
+        <a:font script="Gujr" typeface="Shruti"/>
+        <a:font script="Khmr" typeface="DaunPenh"/>
+        <a:font script="Knda" typeface="Tunga"/>
+        <a:font script="Guru" typeface="Raavi"/>
+        <a:font script="Cans" typeface="Euphemia"/>
+        <a:font script="Cher" typeface="Plantagenet Cherokee"/>
+        <a:font script="Yiii" typeface="Microsoft Yi Baiti"/>
+        <a:font script="Tibt" typeface="Microsoft Himalaya"/>
+        <a:font script="Thaa" typeface="MV Boli"/>
+        <a:font script="Deva" typeface="Mangal"/>
+        <a:font script="Telu" typeface="Gautami"/>
+        <a:font script="Taml" typeface="Latha"/>
+        <a:font script="Syrc" typeface="Estrangelo Edessa"/>
+        <a:font script="Orya" typeface="Kalinga"/>
+        <a:font script="Mlym" typeface="Kartika"/>
+        <a:font script="Laoo" typeface="DokChampa"/>
+        <a:font script="Sinh" typeface="Iskoola Pota"/>
+        <a:font script="Mong" typeface="Mongolian Baiti"/>
+        <a:font script="Viet" typeface="Arial"/>
+        <a:font script="Uigh" typeface="Microsoft Uighur"/>
+      </a:minorFont>
+    </a:fontScheme>
+    <a:fmtScheme name="Office">
+      <a:fillStyleLst>
+        <a:solidFill>
+          <a:schemeClr val="phClr"/>
+        </a:solidFill>
+        <a:gradFill rotWithShape="1">
+          <a:gsLst>
+            <a:gs pos="0">
+              <a:schemeClr val="phClr">
+                <a:tint val="50000"/>
+                <a:satMod val="300000"/>
+              </a:schemeClr>
+            </a:gs>
+            <a:gs pos="35000">
+              <a:schemeClr val="phClr">
+                <a:tint val="37000"/>
+                <a:satMod val="300000"/>
+              </a:schemeClr>
+            </a:gs>
+            <a:gs pos="100000">
+              <a:schemeClr val="phClr">
+                <a:tint val="15000"/>
+                <a:satMod val="350000"/>
+              </a:schemeClr>
+            </a:gs>
+          </a:gsLst>
+          <a:lin ang="16200000" scaled="1"/>
+        </a:gradFill>
+        <a:gradFill rotWithShape="1">
+          <a:gsLst>
+            <a:gs pos="0">
+              <a:schemeClr val="phClr">
+                <a:shade val="51000"/>
+                <a:satMod val="130000"/>
+              </a:schemeClr>
+            </a:gs>
+            <a:gs pos="80000">
+              <a:schemeClr val="phClr">
+                <a:shade val="93000"/>
+                <a:satMod val="130000"/>
+              </a:schemeClr>
+            </a:gs>
+            <a:gs pos="100000">
+              <a:schemeClr val="phClr">
+                <a:shade val="94000"/>
+                <a:satMod val="135000"/>
+              </a:schemeClr>
+            </a:gs>
+          </a:gsLst>
+          <a:lin ang="16200000" scaled="0"/>
+        </a:gradFill>
+      </a:fillStyleLst>
+      <a:lnStyleLst>
+        <a:ln w="9525" cap="flat" cmpd="sng" algn="ctr">
+          <a:solidFill>
+            <a:schemeClr val="phClr">
+              <a:shade val="95000"/>
+              <a:satMod val="105000"/>
+            </a:schemeClr>
+          </a:solidFill>
+          <a:prstDash val="solid"/>
+        </a:ln>
+        <a:ln w="25400" cap="flat" cmpd="sng" algn="ctr">
+          <a:solidFill>
+            <a:schemeClr val="phClr"/>
+          </a:solidFill>
+          <a:prstDash val="solid"/>
+        </a:ln>
+        <a:ln w="38100" cap="flat" cmpd="sng" algn="ctr">
+          <a:solidFill>
+            <a:schemeClr val="phClr"/>
+          </a:solidFill>
+          <a:prstDash val="solid"/>
+        </a:ln>
+      </a:lnStyleLst>
+      <a:effectStyleLst>
+        <a:effectStyle>
+          <a:effectLst>
+            <a:outerShdw blurRad="40000" dist="20000" dir="5400000" rotWithShape="0">
+              <a:srgbClr val="000000">
+                <a:alpha val="38000"/>
+              </a:srgbClr>
+            </a:outerShdw>
+          </a:effectLst>
+        </a:effectStyle>
+        <a:effectStyle>
+          <a:effectLst>
+            <a:outerShdw blurRad="40000" dist="23000" dir="5400000" rotWithShape="0">
+              <a:srgbClr val="000000">
+                <a:alpha val="35000"/>
+              </a:srgbClr>
+            </a:outerShdw>
+          </a:effectLst>
+        </a:effectStyle>
+        <a:effectStyle>
+          <a:effectLst>
+            <a:outerShdw blurRad="40000" dist="23000" dir="5400000" rotWithShape="0">
+              <a:srgbClr val="000000">
+                <a:alpha val="35000"/>
+              </a:srgbClr>
+            </a:outerShdw>
+          </a:effectLst>
+          <a:scene3d>
+            <a:camera prst="orthographicFront">
+              <a:rot lat="0" lon="0" rev="0"/>
+            </a:camera>
+            <a:lightRig rig="threePt" dir="t">
+              <a:rot lat="0" lon="0" rev="1200000"/>
+            </a:lightRig>
+          </a:scene3d>
+          <a:sp3d>
+            <a:bevelT w="63500" h="25400"/>
+          </a:sp3d>
+        </a:effectStyle>
+      </a:effectStyleLst>
+      <a:bgFillStyleLst>
+        <a:solidFill>
+          <a:schemeClr val="phClr"/>
+        </a:solidFill>
+        <a:gradFill rotWithShape="1">
+          <a:gsLst>
+            <a:gs pos="0">
+              <a:schemeClr val="phClr">
+                <a:tint val="40000"/>
+                <a:satMod val="350000"/>
+              </a:schemeClr>
+            </a:gs>
+            <a:gs pos="40000">
+              <a:schemeClr val="phClr">
+                <a:tint val="45000"/>
+                <a:shade val="99000"/>
+                <a:satMod val="350000"/>
+              </a:schemeClr>
+            </a:gs>
+            <a:gs pos="100000">
+              <a:schemeClr val="phClr">
+                <a:shade val="20000"/>
+                <a:satMod val="255000"/>
+              </a:schemeClr>
+            </a:gs>
+          </a:gsLst>
+          <a:path path="circle">
+            <a:fillToRect l="50000" t="-80000" r="50000" b="180000"/>
+          </a:path>
+        </a:gradFill>
+        <a:gradFill rotWithShape="1">
+          <a:gsLst>
+            <a:gs pos="0">
+              <a:schemeClr val="phClr">
+                <a:tint val="80000"/>
+                <a:satMod val="300000"/>
+              </a:schemeClr>
+            </a:gs>
+            <a:gs pos="100000">
+              <a:schemeClr val="phClr">
+                <a:shade val="30000"/>
+                <a:satMod val="200000"/>
+              </a:schemeClr>
+            </a:gs>
+          </a:gsLst>
+          <a:path path="circle">
+            <a:fillToRect l="50000" t="50000" r="50000" b="50000"/>
+          </a:path>
+        </a:gradFill>
+      </a:bgFillStyleLst>
+    </a:fmtScheme>
+  </a:themeElements>
+  <a:objectDefaults/>
+  <a:extraClrSchemeLst/>
+</a:theme>
 </file>
--- a/fifth_review.pptx
+++ b/fifth_review.pptx
@@ -1,15 +1,23 @@
 
 <file path=ppt/presentation.xml><?xml version="1.0" encoding="utf-8"?>
-<p:presentation xmlns:a="http://schemas.openxmlformats.org/drawingml/2006/main" xmlns:r="http://schemas.openxmlformats.org/officeDocument/2006/relationships" xmlns:p="http://schemas.openxmlformats.org/presentationml/2006/main" saveSubsetFonts="1">
+<p:presentation xmlns:a="http://schemas.openxmlformats.org/drawingml/2006/main" xmlns:r="http://schemas.openxmlformats.org/officeDocument/2006/relationships" xmlns:p="http://schemas.openxmlformats.org/presentationml/2006/main">
   <p:sldMasterIdLst>
     <p:sldMasterId id="2147483648" r:id="rId1"/>
   </p:sldMasterIdLst>
   <p:notesMasterIdLst>
-    <p:notesMasterId r:id="rId4"/>
+    <p:notesMasterId r:id="rId13"/>
   </p:notesMasterIdLst>
   <p:sldIdLst>
-    <p:sldId id="256" r:id="rId2"/>
-    <p:sldId id="257" r:id="rId3"/>
+    <p:sldId id="256" r:id="rId3"/>
+    <p:sldId id="257" r:id="rId4"/>
+    <p:sldId id="258" r:id="rId5"/>
+    <p:sldId id="259" r:id="rId6"/>
+    <p:sldId id="260" r:id="rId7"/>
+    <p:sldId id="261" r:id="rId8"/>
+    <p:sldId id="262" r:id="rId9"/>
+    <p:sldId id="263" r:id="rId10"/>
+    <p:sldId id="264" r:id="rId11"/>
+    <p:sldId id="265" r:id="rId12"/>
   </p:sldIdLst>
   <p:sldSz cx="9144000" cy="6858000" type="screen4x3"/>
   <p:notesSz cx="6858000" cy="9144000"/>
@@ -193,7 +201,6 @@
           <a:p>
             <a:fld id="{27B7BF55-4331-405B-BD3D-A916DA9DD4EF}" type="datetimeFigureOut">
               <a:rPr lang="en-US" smtClean="0"/>
-              <a:t>2/21/2021</a:t>
             </a:fld>
             <a:endParaRPr lang="en-US"/>
           </a:p>
@@ -262,6 +269,7 @@
               <a:rPr lang="en-US" smtClean="0"/>
               <a:t>Click to edit Master text styles</a:t>
             </a:r>
+            <a:endParaRPr lang="en-US" smtClean="0"/>
           </a:p>
           <a:p>
             <a:pPr lvl="1"/>
@@ -269,6 +277,7 @@
               <a:rPr lang="en-US" smtClean="0"/>
               <a:t>Second level</a:t>
             </a:r>
+            <a:endParaRPr lang="en-US" smtClean="0"/>
           </a:p>
           <a:p>
             <a:pPr lvl="2"/>
@@ -276,6 +285,7 @@
               <a:rPr lang="en-US" smtClean="0"/>
               <a:t>Third level</a:t>
             </a:r>
+            <a:endParaRPr lang="en-US" smtClean="0"/>
           </a:p>
           <a:p>
             <a:pPr lvl="3"/>
@@ -283,6 +293,7 @@
               <a:rPr lang="en-US" smtClean="0"/>
               <a:t>Fourth level</a:t>
             </a:r>
+            <a:endParaRPr lang="en-US" smtClean="0"/>
           </a:p>
           <a:p>
             <a:pPr lvl="4"/>
@@ -354,7 +365,6 @@
           <a:p>
             <a:fld id="{53803850-3974-4A34-8498-CA9FB7558B04}" type="slidenum">
               <a:rPr lang="en-US" smtClean="0"/>
-              <a:t>‹#›</a:t>
             </a:fld>
             <a:endParaRPr lang="en-US"/>
           </a:p>
@@ -639,7 +649,6 @@
           <a:p>
             <a:fld id="{4C484411-CE80-4393-BC22-731792D8F56D}" type="datetime1">
               <a:rPr lang="en-US" smtClean="0"/>
-              <a:t>2/21/2021</a:t>
             </a:fld>
             <a:endParaRPr lang="en-US"/>
           </a:p>
@@ -685,8 +694,6 @@
           <a:p>
             <a:fld id="{B6F15528-21DE-4FAA-801E-634DDDAF4B2B}" type="slidenum">
               <a:rPr lang="en-US" smtClean="0"/>
-              <a:pPr/>
-              <a:t>‹#›</a:t>
             </a:fld>
             <a:endParaRPr lang="en-US"/>
           </a:p>
@@ -760,6 +767,7 @@
               <a:rPr lang="en-US" smtClean="0"/>
               <a:t>Click to edit Master text styles</a:t>
             </a:r>
+            <a:endParaRPr lang="en-US" smtClean="0"/>
           </a:p>
           <a:p>
             <a:pPr lvl="1"/>
@@ -767,6 +775,7 @@
               <a:rPr lang="en-US" smtClean="0"/>
               <a:t>Second level</a:t>
             </a:r>
+            <a:endParaRPr lang="en-US" smtClean="0"/>
           </a:p>
           <a:p>
             <a:pPr lvl="2"/>
@@ -774,6 +783,7 @@
               <a:rPr lang="en-US" smtClean="0"/>
               <a:t>Third level</a:t>
             </a:r>
+            <a:endParaRPr lang="en-US" smtClean="0"/>
           </a:p>
           <a:p>
             <a:pPr lvl="3"/>
@@ -781,6 +791,7 @@
               <a:rPr lang="en-US" smtClean="0"/>
               <a:t>Fourth level</a:t>
             </a:r>
+            <a:endParaRPr lang="en-US" smtClean="0"/>
           </a:p>
           <a:p>
             <a:pPr lvl="4"/>
@@ -809,7 +820,6 @@
           <a:p>
             <a:fld id="{1CA51FB7-0011-4112-B16C-C28BEE58E834}" type="datetime1">
               <a:rPr lang="en-US" smtClean="0"/>
-              <a:t>2/21/2021</a:t>
             </a:fld>
             <a:endParaRPr lang="en-US"/>
           </a:p>
@@ -855,8 +865,6 @@
           <a:p>
             <a:fld id="{B6F15528-21DE-4FAA-801E-634DDDAF4B2B}" type="slidenum">
               <a:rPr lang="en-US" smtClean="0"/>
-              <a:pPr/>
-              <a:t>‹#›</a:t>
             </a:fld>
             <a:endParaRPr lang="en-US"/>
           </a:p>
@@ -940,6 +948,7 @@
               <a:rPr lang="en-US" smtClean="0"/>
               <a:t>Click to edit Master text styles</a:t>
             </a:r>
+            <a:endParaRPr lang="en-US" smtClean="0"/>
           </a:p>
           <a:p>
             <a:pPr lvl="1"/>
@@ -947,6 +956,7 @@
               <a:rPr lang="en-US" smtClean="0"/>
               <a:t>Second level</a:t>
             </a:r>
+            <a:endParaRPr lang="en-US" smtClean="0"/>
           </a:p>
           <a:p>
             <a:pPr lvl="2"/>
@@ -954,6 +964,7 @@
               <a:rPr lang="en-US" smtClean="0"/>
               <a:t>Third level</a:t>
             </a:r>
+            <a:endParaRPr lang="en-US" smtClean="0"/>
           </a:p>
           <a:p>
             <a:pPr lvl="3"/>
@@ -961,6 +972,7 @@
               <a:rPr lang="en-US" smtClean="0"/>
               <a:t>Fourth level</a:t>
             </a:r>
+            <a:endParaRPr lang="en-US" smtClean="0"/>
           </a:p>
           <a:p>
             <a:pPr lvl="4"/>
@@ -989,7 +1001,6 @@
           <a:p>
             <a:fld id="{0D810325-AC91-463B-9DEC-6DFD76EF917E}" type="datetime1">
               <a:rPr lang="en-US" smtClean="0"/>
-              <a:t>2/21/2021</a:t>
             </a:fld>
             <a:endParaRPr lang="en-US"/>
           </a:p>
@@ -1035,8 +1046,6 @@
           <a:p>
             <a:fld id="{B6F15528-21DE-4FAA-801E-634DDDAF4B2B}" type="slidenum">
               <a:rPr lang="en-US" smtClean="0"/>
-              <a:pPr/>
-              <a:t>‹#›</a:t>
             </a:fld>
             <a:endParaRPr lang="en-US"/>
           </a:p>
@@ -1110,6 +1119,7 @@
               <a:rPr lang="en-US" smtClean="0"/>
               <a:t>Click to edit Master text styles</a:t>
             </a:r>
+            <a:endParaRPr lang="en-US" smtClean="0"/>
           </a:p>
           <a:p>
             <a:pPr lvl="1"/>
@@ -1117,6 +1127,7 @@
               <a:rPr lang="en-US" smtClean="0"/>
               <a:t>Second level</a:t>
             </a:r>
+            <a:endParaRPr lang="en-US" smtClean="0"/>
           </a:p>
           <a:p>
             <a:pPr lvl="2"/>
@@ -1124,6 +1135,7 @@
               <a:rPr lang="en-US" smtClean="0"/>
               <a:t>Third level</a:t>
             </a:r>
+            <a:endParaRPr lang="en-US" smtClean="0"/>
           </a:p>
           <a:p>
             <a:pPr lvl="3"/>
@@ -1131,6 +1143,7 @@
               <a:rPr lang="en-US" smtClean="0"/>
               <a:t>Fourth level</a:t>
             </a:r>
+            <a:endParaRPr lang="en-US" smtClean="0"/>
           </a:p>
           <a:p>
             <a:pPr lvl="4"/>
@@ -1159,7 +1172,6 @@
           <a:p>
             <a:fld id="{29FF40B1-8B0E-4B72-970D-715561CA4C5D}" type="datetime1">
               <a:rPr lang="en-US" smtClean="0"/>
-              <a:t>2/21/2021</a:t>
             </a:fld>
             <a:endParaRPr lang="en-US"/>
           </a:p>
@@ -1205,8 +1217,6 @@
           <a:p>
             <a:fld id="{B6F15528-21DE-4FAA-801E-634DDDAF4B2B}" type="slidenum">
               <a:rPr lang="en-US" smtClean="0"/>
-              <a:pPr/>
-              <a:t>‹#›</a:t>
             </a:fld>
             <a:endParaRPr lang="en-US"/>
           </a:p>
@@ -1385,6 +1395,7 @@
               <a:rPr lang="en-US" smtClean="0"/>
               <a:t>Click to edit Master text styles</a:t>
             </a:r>
+            <a:endParaRPr lang="en-US" smtClean="0"/>
           </a:p>
         </p:txBody>
       </p:sp>
@@ -1405,7 +1416,6 @@
           <a:p>
             <a:fld id="{C256BA5A-254D-4C01-A5C1-C9457C87A202}" type="datetime1">
               <a:rPr lang="en-US" smtClean="0"/>
-              <a:t>2/21/2021</a:t>
             </a:fld>
             <a:endParaRPr lang="en-US"/>
           </a:p>
@@ -1451,8 +1461,6 @@
           <a:p>
             <a:fld id="{B6F15528-21DE-4FAA-801E-634DDDAF4B2B}" type="slidenum">
               <a:rPr lang="en-US" smtClean="0"/>
-              <a:pPr/>
-              <a:t>‹#›</a:t>
             </a:fld>
             <a:endParaRPr lang="en-US"/>
           </a:p>
@@ -1559,6 +1567,7 @@
               <a:rPr lang="en-US" smtClean="0"/>
               <a:t>Click to edit Master text styles</a:t>
             </a:r>
+            <a:endParaRPr lang="en-US" smtClean="0"/>
           </a:p>
           <a:p>
             <a:pPr lvl="1"/>
@@ -1566,6 +1575,7 @@
               <a:rPr lang="en-US" smtClean="0"/>
               <a:t>Second level</a:t>
             </a:r>
+            <a:endParaRPr lang="en-US" smtClean="0"/>
           </a:p>
           <a:p>
             <a:pPr lvl="2"/>
@@ -1573,6 +1583,7 @@
               <a:rPr lang="en-US" smtClean="0"/>
               <a:t>Third level</a:t>
             </a:r>
+            <a:endParaRPr lang="en-US" smtClean="0"/>
           </a:p>
           <a:p>
             <a:pPr lvl="3"/>
@@ -1580,6 +1591,7 @@
               <a:rPr lang="en-US" smtClean="0"/>
               <a:t>Fourth level</a:t>
             </a:r>
+            <a:endParaRPr lang="en-US" smtClean="0"/>
           </a:p>
           <a:p>
             <a:pPr lvl="4"/>
@@ -1644,6 +1656,7 @@
               <a:rPr lang="en-US" smtClean="0"/>
               <a:t>Click to edit Master text styles</a:t>
             </a:r>
+            <a:endParaRPr lang="en-US" smtClean="0"/>
           </a:p>
           <a:p>
             <a:pPr lvl="1"/>
@@ -1651,6 +1664,7 @@
               <a:rPr lang="en-US" smtClean="0"/>
               <a:t>Second level</a:t>
             </a:r>
+            <a:endParaRPr lang="en-US" smtClean="0"/>
           </a:p>
           <a:p>
             <a:pPr lvl="2"/>
@@ -1658,6 +1672,7 @@
               <a:rPr lang="en-US" smtClean="0"/>
               <a:t>Third level</a:t>
             </a:r>
+            <a:endParaRPr lang="en-US" smtClean="0"/>
           </a:p>
           <a:p>
             <a:pPr lvl="3"/>
@@ -1665,6 +1680,7 @@
               <a:rPr lang="en-US" smtClean="0"/>
               <a:t>Fourth level</a:t>
             </a:r>
+            <a:endParaRPr lang="en-US" smtClean="0"/>
           </a:p>
           <a:p>
             <a:pPr lvl="4"/>
@@ -1693,7 +1709,6 @@
           <a:p>
             <a:fld id="{11FC07AE-EECC-4B39-B2AC-B06E310F3617}" type="datetime1">
               <a:rPr lang="en-US" smtClean="0"/>
-              <a:t>2/21/2021</a:t>
             </a:fld>
             <a:endParaRPr lang="en-US"/>
           </a:p>
@@ -1739,8 +1754,6 @@
           <a:p>
             <a:fld id="{B6F15528-21DE-4FAA-801E-634DDDAF4B2B}" type="slidenum">
               <a:rPr lang="en-US" smtClean="0"/>
-              <a:pPr/>
-              <a:t>‹#›</a:t>
             </a:fld>
             <a:endParaRPr lang="en-US"/>
           </a:p>
@@ -1860,6 +1873,7 @@
               <a:rPr lang="en-US" smtClean="0"/>
               <a:t>Click to edit Master text styles</a:t>
             </a:r>
+            <a:endParaRPr lang="en-US" smtClean="0"/>
           </a:p>
         </p:txBody>
       </p:sp>
@@ -1916,6 +1930,7 @@
               <a:rPr lang="en-US" smtClean="0"/>
               <a:t>Click to edit Master text styles</a:t>
             </a:r>
+            <a:endParaRPr lang="en-US" smtClean="0"/>
           </a:p>
           <a:p>
             <a:pPr lvl="1"/>
@@ -1923,6 +1938,7 @@
               <a:rPr lang="en-US" smtClean="0"/>
               <a:t>Second level</a:t>
             </a:r>
+            <a:endParaRPr lang="en-US" smtClean="0"/>
           </a:p>
           <a:p>
             <a:pPr lvl="2"/>
@@ -1930,6 +1946,7 @@
               <a:rPr lang="en-US" smtClean="0"/>
               <a:t>Third level</a:t>
             </a:r>
+            <a:endParaRPr lang="en-US" smtClean="0"/>
           </a:p>
           <a:p>
             <a:pPr lvl="3"/>
@@ -1937,6 +1954,7 @@
               <a:rPr lang="en-US" smtClean="0"/>
               <a:t>Fourth level</a:t>
             </a:r>
+            <a:endParaRPr lang="en-US" smtClean="0"/>
           </a:p>
           <a:p>
             <a:pPr lvl="4"/>
@@ -2010,6 +2028,7 @@
               <a:rPr lang="en-US" smtClean="0"/>
               <a:t>Click to edit Master text styles</a:t>
             </a:r>
+            <a:endParaRPr lang="en-US" smtClean="0"/>
           </a:p>
         </p:txBody>
       </p:sp>
@@ -2066,6 +2085,7 @@
               <a:rPr lang="en-US" smtClean="0"/>
               <a:t>Click to edit Master text styles</a:t>
             </a:r>
+            <a:endParaRPr lang="en-US" smtClean="0"/>
           </a:p>
           <a:p>
             <a:pPr lvl="1"/>
@@ -2073,6 +2093,7 @@
               <a:rPr lang="en-US" smtClean="0"/>
               <a:t>Second level</a:t>
             </a:r>
+            <a:endParaRPr lang="en-US" smtClean="0"/>
           </a:p>
           <a:p>
             <a:pPr lvl="2"/>
@@ -2080,6 +2101,7 @@
               <a:rPr lang="en-US" smtClean="0"/>
               <a:t>Third level</a:t>
             </a:r>
+            <a:endParaRPr lang="en-US" smtClean="0"/>
           </a:p>
           <a:p>
             <a:pPr lvl="3"/>
@@ -2087,6 +2109,7 @@
               <a:rPr lang="en-US" smtClean="0"/>
               <a:t>Fourth level</a:t>
             </a:r>
+            <a:endParaRPr lang="en-US" smtClean="0"/>
           </a:p>
           <a:p>
             <a:pPr lvl="4"/>
@@ -2115,7 +2138,6 @@
           <a:p>
             <a:fld id="{BB69D00F-91AD-43A6-9361-AB22366665FE}" type="datetime1">
               <a:rPr lang="en-US" smtClean="0"/>
-              <a:t>2/21/2021</a:t>
             </a:fld>
             <a:endParaRPr lang="en-US"/>
           </a:p>
@@ -2161,8 +2183,6 @@
           <a:p>
             <a:fld id="{B6F15528-21DE-4FAA-801E-634DDDAF4B2B}" type="slidenum">
               <a:rPr lang="en-US" smtClean="0"/>
-              <a:pPr/>
-              <a:t>‹#›</a:t>
             </a:fld>
             <a:endParaRPr lang="en-US"/>
           </a:p>
@@ -2233,7 +2253,6 @@
           <a:p>
             <a:fld id="{56146552-625F-461E-A982-793A12B6DAF8}" type="datetime1">
               <a:rPr lang="en-US" smtClean="0"/>
-              <a:t>2/21/2021</a:t>
             </a:fld>
             <a:endParaRPr lang="en-US"/>
           </a:p>
@@ -2279,8 +2298,6 @@
           <a:p>
             <a:fld id="{B6F15528-21DE-4FAA-801E-634DDDAF4B2B}" type="slidenum">
               <a:rPr lang="en-US" smtClean="0"/>
-              <a:pPr/>
-              <a:t>‹#›</a:t>
             </a:fld>
             <a:endParaRPr lang="en-US"/>
           </a:p>
@@ -2328,7 +2345,6 @@
           <a:p>
             <a:fld id="{08E4212E-F36A-40A9-859F-7B0EFF380630}" type="datetime1">
               <a:rPr lang="en-US" smtClean="0"/>
-              <a:t>2/21/2021</a:t>
             </a:fld>
             <a:endParaRPr lang="en-US"/>
           </a:p>
@@ -2374,8 +2390,6 @@
           <a:p>
             <a:fld id="{B6F15528-21DE-4FAA-801E-634DDDAF4B2B}" type="slidenum">
               <a:rPr lang="en-US" smtClean="0"/>
-              <a:pPr/>
-              <a:t>‹#›</a:t>
             </a:fld>
             <a:endParaRPr lang="en-US"/>
           </a:p>
@@ -2491,6 +2505,7 @@
               <a:rPr lang="en-US" smtClean="0"/>
               <a:t>Click to edit Master text styles</a:t>
             </a:r>
+            <a:endParaRPr lang="en-US" smtClean="0"/>
           </a:p>
           <a:p>
             <a:pPr lvl="1"/>
@@ -2498,6 +2513,7 @@
               <a:rPr lang="en-US" smtClean="0"/>
               <a:t>Second level</a:t>
             </a:r>
+            <a:endParaRPr lang="en-US" smtClean="0"/>
           </a:p>
           <a:p>
             <a:pPr lvl="2"/>
@@ -2505,6 +2521,7 @@
               <a:rPr lang="en-US" smtClean="0"/>
               <a:t>Third level</a:t>
             </a:r>
+            <a:endParaRPr lang="en-US" smtClean="0"/>
           </a:p>
           <a:p>
             <a:pPr lvl="3"/>
@@ -2512,6 +2529,7 @@
               <a:rPr lang="en-US" smtClean="0"/>
               <a:t>Fourth level</a:t>
             </a:r>
+            <a:endParaRPr lang="en-US" smtClean="0"/>
           </a:p>
           <a:p>
             <a:pPr lvl="4"/>
@@ -2585,6 +2603,7 @@
               <a:rPr lang="en-US" smtClean="0"/>
               <a:t>Click to edit Master text styles</a:t>
             </a:r>
+            <a:endParaRPr lang="en-US" smtClean="0"/>
           </a:p>
         </p:txBody>
       </p:sp>
@@ -2605,7 +2624,6 @@
           <a:p>
             <a:fld id="{1256D674-32B0-4689-AB1B-636389CFCA04}" type="datetime1">
               <a:rPr lang="en-US" smtClean="0"/>
-              <a:t>2/21/2021</a:t>
             </a:fld>
             <a:endParaRPr lang="en-US"/>
           </a:p>
@@ -2651,8 +2669,6 @@
           <a:p>
             <a:fld id="{B6F15528-21DE-4FAA-801E-634DDDAF4B2B}" type="slidenum">
               <a:rPr lang="en-US" smtClean="0"/>
-              <a:pPr/>
-              <a:t>‹#›</a:t>
             </a:fld>
             <a:endParaRPr lang="en-US"/>
           </a:p>
@@ -2838,6 +2854,7 @@
               <a:rPr lang="en-US" smtClean="0"/>
               <a:t>Click to edit Master text styles</a:t>
             </a:r>
+            <a:endParaRPr lang="en-US" smtClean="0"/>
           </a:p>
         </p:txBody>
       </p:sp>
@@ -2858,7 +2875,6 @@
           <a:p>
             <a:fld id="{4766EF3B-70A3-4B13-97EA-E44332BDF0AF}" type="datetime1">
               <a:rPr lang="en-US" smtClean="0"/>
-              <a:t>2/21/2021</a:t>
             </a:fld>
             <a:endParaRPr lang="en-US"/>
           </a:p>
@@ -2904,8 +2920,6 @@
           <a:p>
             <a:fld id="{B6F15528-21DE-4FAA-801E-634DDDAF4B2B}" type="slidenum">
               <a:rPr lang="en-US" smtClean="0"/>
-              <a:pPr/>
-              <a:t>‹#›</a:t>
             </a:fld>
             <a:endParaRPr lang="en-US"/>
           </a:p>
@@ -3004,6 +3018,7 @@
               <a:rPr lang="en-US" smtClean="0"/>
               <a:t>Click to edit Master text styles</a:t>
             </a:r>
+            <a:endParaRPr lang="en-US" smtClean="0"/>
           </a:p>
           <a:p>
             <a:pPr lvl="1"/>
@@ -3011,6 +3026,7 @@
               <a:rPr lang="en-US" smtClean="0"/>
               <a:t>Second level</a:t>
             </a:r>
+            <a:endParaRPr lang="en-US" smtClean="0"/>
           </a:p>
           <a:p>
             <a:pPr lvl="2"/>
@@ -3018,6 +3034,7 @@
               <a:rPr lang="en-US" smtClean="0"/>
               <a:t>Third level</a:t>
             </a:r>
+            <a:endParaRPr lang="en-US" smtClean="0"/>
           </a:p>
           <a:p>
             <a:pPr lvl="3"/>
@@ -3025,6 +3042,7 @@
               <a:rPr lang="en-US" smtClean="0"/>
               <a:t>Fourth level</a:t>
             </a:r>
+            <a:endParaRPr lang="en-US" smtClean="0"/>
           </a:p>
           <a:p>
             <a:pPr lvl="4"/>
@@ -3071,7 +3089,6 @@
           <a:p>
             <a:fld id="{4E3BC41F-EA4F-43A4-B4D7-7693D03AF8C4}" type="datetime1">
               <a:rPr lang="en-US" smtClean="0"/>
-              <a:t>2/21/2021</a:t>
             </a:fld>
             <a:endParaRPr lang="en-US"/>
           </a:p>
@@ -3153,8 +3170,6 @@
           <a:p>
             <a:fld id="{B6F15528-21DE-4FAA-801E-634DDDAF4B2B}" type="slidenum">
               <a:rPr lang="en-US" smtClean="0"/>
-              <a:pPr/>
-              <a:t>‹#›</a:t>
             </a:fld>
             <a:endParaRPr lang="en-US"/>
           </a:p>
@@ -3199,7 +3214,7 @@
         <a:spcBef>
           <a:spcPct val="20000"/>
         </a:spcBef>
-        <a:buFont typeface="Arial" pitchFamily="34" charset="0"/>
+        <a:buFont typeface="Arial" panose="020B0604020202020204" pitchFamily="34" charset="0"/>
         <a:buChar char="•"/>
         <a:defRPr sz="3200" kern="1200">
           <a:solidFill>
@@ -3214,7 +3229,7 @@
         <a:spcBef>
           <a:spcPct val="20000"/>
         </a:spcBef>
-        <a:buFont typeface="Arial" pitchFamily="34" charset="0"/>
+        <a:buFont typeface="Arial" panose="020B0604020202020204" pitchFamily="34" charset="0"/>
         <a:buChar char="–"/>
         <a:defRPr sz="2800" kern="1200">
           <a:solidFill>
@@ -3229,7 +3244,7 @@
         <a:spcBef>
           <a:spcPct val="20000"/>
         </a:spcBef>
-        <a:buFont typeface="Arial" pitchFamily="34" charset="0"/>
+        <a:buFont typeface="Arial" panose="020B0604020202020204" pitchFamily="34" charset="0"/>
         <a:buChar char="•"/>
         <a:defRPr sz="2400" kern="1200">
           <a:solidFill>
@@ -3244,7 +3259,7 @@
         <a:spcBef>
           <a:spcPct val="20000"/>
         </a:spcBef>
-        <a:buFont typeface="Arial" pitchFamily="34" charset="0"/>
+        <a:buFont typeface="Arial" panose="020B0604020202020204" pitchFamily="34" charset="0"/>
         <a:buChar char="–"/>
         <a:defRPr sz="2000" kern="1200">
           <a:solidFill>
@@ -3259,7 +3274,7 @@
         <a:spcBef>
           <a:spcPct val="20000"/>
         </a:spcBef>
-        <a:buFont typeface="Arial" pitchFamily="34" charset="0"/>
+        <a:buFont typeface="Arial" panose="020B0604020202020204" pitchFamily="34" charset="0"/>
         <a:buChar char="»"/>
         <a:defRPr sz="2000" kern="1200">
           <a:solidFill>
@@ -3274,7 +3289,7 @@
         <a:spcBef>
           <a:spcPct val="20000"/>
         </a:spcBef>
-        <a:buFont typeface="Arial" pitchFamily="34" charset="0"/>
+        <a:buFont typeface="Arial" panose="020B0604020202020204" pitchFamily="34" charset="0"/>
         <a:buChar char="•"/>
         <a:defRPr sz="2000" kern="1200">
           <a:solidFill>
@@ -3289,7 +3304,7 @@
         <a:spcBef>
           <a:spcPct val="20000"/>
         </a:spcBef>
-        <a:buFont typeface="Arial" pitchFamily="34" charset="0"/>
+        <a:buFont typeface="Arial" panose="020B0604020202020204" pitchFamily="34" charset="0"/>
         <a:buChar char="•"/>
         <a:defRPr sz="2000" kern="1200">
           <a:solidFill>
@@ -3304,7 +3319,7 @@
         <a:spcBef>
           <a:spcPct val="20000"/>
         </a:spcBef>
-        <a:buFont typeface="Arial" pitchFamily="34" charset="0"/>
+        <a:buFont typeface="Arial" panose="020B0604020202020204" pitchFamily="34" charset="0"/>
         <a:buChar char="•"/>
         <a:defRPr sz="2000" kern="1200">
           <a:solidFill>
@@ -3319,7 +3334,7 @@
         <a:spcBef>
           <a:spcPct val="20000"/>
         </a:spcBef>
-        <a:buFont typeface="Arial" pitchFamily="34" charset="0"/>
+        <a:buFont typeface="Arial" panose="020B0604020202020204" pitchFamily="34" charset="0"/>
         <a:buChar char="•"/>
         <a:defRPr sz="2000" kern="1200">
           <a:solidFill>
@@ -3459,8 +3474,8 @@
         </p:nvSpPr>
         <p:spPr>
           <a:xfrm>
-            <a:off x="685800" y="2895600"/>
-            <a:ext cx="7772400" cy="1470025"/>
+            <a:off x="76200" y="2590800"/>
+            <a:ext cx="8803005" cy="1470025"/>
           </a:xfrm>
         </p:spPr>
         <p:txBody>
@@ -3474,6 +3489,8 @@
                     <a:lumMod val="50000"/>
                   </a:schemeClr>
                 </a:solidFill>
+                <a:latin typeface="Times New Roman" panose="02020603050405020304" charset="0"/>
+                <a:cs typeface="Times New Roman" panose="02020603050405020304" charset="0"/>
               </a:rPr>
               <a:t>Student Information Management System</a:t>
             </a:r>
@@ -3483,6 +3500,8 @@
                   <a:lumMod val="50000"/>
                 </a:schemeClr>
               </a:solidFill>
+              <a:latin typeface="Times New Roman" panose="02020603050405020304" charset="0"/>
+              <a:cs typeface="Times New Roman" panose="02020603050405020304" charset="0"/>
             </a:endParaRPr>
           </a:p>
         </p:txBody>
@@ -3496,7 +3515,7 @@
           <p:nvPr/>
         </p:nvPicPr>
         <p:blipFill>
-          <a:blip r:embed="rId2"/>
+          <a:blip r:embed="rId1"/>
           <a:srcRect r="1445"/>
           <a:stretch>
             <a:fillRect/>
@@ -3530,7 +3549,6 @@
           <a:p>
             <a:fld id="{931F7737-6EA6-4FBE-AACE-8EEC38063CAC}" type="datetime1">
               <a:rPr lang="en-US" smtClean="0"/>
-              <a:t>2/21/2021</a:t>
             </a:fld>
             <a:endParaRPr lang="en-US"/>
           </a:p>
@@ -3553,8 +3571,6 @@
           <a:p>
             <a:fld id="{B6F15528-21DE-4FAA-801E-634DDDAF4B2B}" type="slidenum">
               <a:rPr lang="en-US" smtClean="0"/>
-              <a:pPr/>
-              <a:t>1</a:t>
             </a:fld>
             <a:endParaRPr lang="en-US"/>
           </a:p>
@@ -3583,6 +3599,164 @@
           </a:p>
         </p:txBody>
       </p:sp>
+    </p:spTree>
+  </p:cSld>
+  <p:clrMapOvr>
+    <a:masterClrMapping/>
+  </p:clrMapOvr>
+</p:sld>
+</file>
+
+<file path=ppt/slides/slide10.xml><?xml version="1.0" encoding="utf-8"?>
+<p:sld xmlns:a="http://schemas.openxmlformats.org/drawingml/2006/main" xmlns:r="http://schemas.openxmlformats.org/officeDocument/2006/relationships" xmlns:p="http://schemas.openxmlformats.org/presentationml/2006/main">
+  <p:cSld>
+    <p:spTree>
+      <p:nvGrpSpPr>
+        <p:cNvPr id="1" name=""/>
+        <p:cNvGrpSpPr/>
+        <p:nvPr/>
+      </p:nvGrpSpPr>
+      <p:grpSpPr/>
+      <p:sp>
+        <p:nvSpPr>
+          <p:cNvPr id="2" name="Title 1"/>
+          <p:cNvSpPr>
+            <a:spLocks noGrp="1"/>
+          </p:cNvSpPr>
+          <p:nvPr>
+            <p:ph type="title"/>
+          </p:nvPr>
+        </p:nvSpPr>
+        <p:spPr>
+          <a:xfrm>
+            <a:off x="762000" y="2742883"/>
+            <a:ext cx="8229600" cy="1143000"/>
+          </a:xfrm>
+        </p:spPr>
+        <p:txBody>
+          <a:bodyPr>
+            <a:normAutofit fontScale="90000"/>
+          </a:bodyPr>
+          <a:p>
+            <a:r>
+              <a:rPr lang="en-US" b="1" dirty="0" smtClean="0">
+                <a:solidFill>
+                  <a:schemeClr val="tx2">
+                    <a:lumMod val="50000"/>
+                  </a:schemeClr>
+                </a:solidFill>
+                <a:latin typeface="Times New Roman" panose="02020603050405020304" charset="0"/>
+                <a:cs typeface="Times New Roman" panose="02020603050405020304" charset="0"/>
+              </a:rPr>
+              <a:t>Thank you for listening!</a:t>
+            </a:r>
+            <a:br>
+              <a:rPr lang="en-US" b="1" dirty="0" smtClean="0">
+                <a:solidFill>
+                  <a:schemeClr val="tx2">
+                    <a:lumMod val="50000"/>
+                  </a:schemeClr>
+                </a:solidFill>
+                <a:latin typeface="Times New Roman" panose="02020603050405020304" charset="0"/>
+                <a:cs typeface="Times New Roman" panose="02020603050405020304" charset="0"/>
+              </a:rPr>
+            </a:br>
+            <a:endParaRPr lang="en-US"/>
+          </a:p>
+        </p:txBody>
+      </p:sp>
+      <p:sp>
+        <p:nvSpPr>
+          <p:cNvPr id="4" name="Date Placeholder 3"/>
+          <p:cNvSpPr>
+            <a:spLocks noGrp="1"/>
+          </p:cNvSpPr>
+          <p:nvPr>
+            <p:ph type="dt" sz="half" idx="10"/>
+          </p:nvPr>
+        </p:nvSpPr>
+        <p:spPr/>
+        <p:txBody>
+          <a:bodyPr/>
+          <a:p>
+            <a:fld id="{29FF40B1-8B0E-4B72-970D-715561CA4C5D}" type="datetime1">
+              <a:rPr lang="en-US" smtClean="0"/>
+            </a:fld>
+            <a:endParaRPr lang="en-US"/>
+          </a:p>
+        </p:txBody>
+      </p:sp>
+      <p:sp>
+        <p:nvSpPr>
+          <p:cNvPr id="5" name="Footer Placeholder 4"/>
+          <p:cNvSpPr>
+            <a:spLocks noGrp="1"/>
+          </p:cNvSpPr>
+          <p:nvPr>
+            <p:ph type="ftr" sz="quarter" idx="11"/>
+          </p:nvPr>
+        </p:nvSpPr>
+        <p:spPr/>
+        <p:txBody>
+          <a:bodyPr/>
+          <a:p>
+            <a:r>
+              <a:rPr lang="en-US" smtClean="0"/>
+              <a:t>Student IMS @copyright 2021</a:t>
+            </a:r>
+            <a:endParaRPr lang="en-US"/>
+          </a:p>
+        </p:txBody>
+      </p:sp>
+      <p:sp>
+        <p:nvSpPr>
+          <p:cNvPr id="6" name="Slide Number Placeholder 5"/>
+          <p:cNvSpPr>
+            <a:spLocks noGrp="1"/>
+          </p:cNvSpPr>
+          <p:nvPr>
+            <p:ph type="sldNum" sz="quarter" idx="12"/>
+          </p:nvPr>
+        </p:nvSpPr>
+        <p:spPr/>
+        <p:txBody>
+          <a:bodyPr/>
+          <a:p>
+            <a:fld id="{B6F15528-21DE-4FAA-801E-634DDDAF4B2B}" type="slidenum">
+              <a:rPr lang="en-US" smtClean="0"/>
+            </a:fld>
+            <a:endParaRPr lang="en-US"/>
+          </a:p>
+        </p:txBody>
+      </p:sp>
+      <p:pic>
+        <p:nvPicPr>
+          <p:cNvPr id="7" name="Picture 2" descr="GCIT"/>
+          <p:cNvPicPr>
+            <a:picLocks noChangeAspect="1" noChangeArrowheads="1"/>
+          </p:cNvPicPr>
+          <p:nvPr>
+            <p:ph sz="half" idx="2"/>
+          </p:nvPr>
+        </p:nvPicPr>
+        <p:blipFill>
+          <a:blip r:embed="rId1"/>
+          <a:srcRect r="1445"/>
+          <a:stretch>
+            <a:fillRect/>
+          </a:stretch>
+        </p:blipFill>
+        <p:spPr bwMode="auto">
+          <a:xfrm>
+            <a:off x="-23495" y="0"/>
+            <a:ext cx="9168130" cy="1371600"/>
+          </a:xfrm>
+          <a:prstGeom prst="rect">
+            <a:avLst/>
+          </a:prstGeom>
+          <a:noFill/>
+        </p:spPr>
+      </p:pic>
     </p:spTree>
   </p:cSld>
   <p:clrMapOvr>
@@ -3625,7 +3799,6 @@
           <a:p>
             <a:fld id="{29FF40B1-8B0E-4B72-970D-715561CA4C5D}" type="datetime1">
               <a:rPr lang="en-US" smtClean="0"/>
-              <a:t>2/21/2021</a:t>
             </a:fld>
             <a:endParaRPr lang="en-US"/>
           </a:p>
@@ -3671,8 +3844,6 @@
           <a:p>
             <a:fld id="{B6F15528-21DE-4FAA-801E-634DDDAF4B2B}" type="slidenum">
               <a:rPr lang="en-US" smtClean="0"/>
-              <a:pPr/>
-              <a:t>2</a:t>
             </a:fld>
             <a:endParaRPr lang="en-US"/>
           </a:p>
@@ -3687,7 +3858,7 @@
           <p:nvPr/>
         </p:nvPicPr>
         <p:blipFill>
-          <a:blip r:embed="rId2"/>
+          <a:blip r:embed="rId1"/>
           <a:srcRect r="1445"/>
           <a:stretch>
             <a:fillRect/>
@@ -3712,8 +3883,8 @@
         </p:nvSpPr>
         <p:spPr>
           <a:xfrm>
-            <a:off x="1676400" y="1973282"/>
-            <a:ext cx="4876800" cy="3970318"/>
+            <a:off x="683260" y="1973580"/>
+            <a:ext cx="7594600" cy="3969385"/>
           </a:xfrm>
           <a:prstGeom prst="rect">
             <a:avLst/>
@@ -3733,9 +3904,20 @@
                     <a:lumMod val="50000"/>
                   </a:schemeClr>
                 </a:solidFill>
+                <a:latin typeface="Times New Roman" panose="02020603050405020304" charset="0"/>
+                <a:cs typeface="Times New Roman" panose="02020603050405020304" charset="0"/>
               </a:rPr>
-              <a:t>Outline</a:t>
-            </a:r>
+              <a:t>Outlines</a:t>
+            </a:r>
+            <a:endParaRPr lang="en-US" sz="2800" b="1" dirty="0" smtClean="0">
+              <a:solidFill>
+                <a:schemeClr val="tx2">
+                  <a:lumMod val="50000"/>
+                </a:schemeClr>
+              </a:solidFill>
+              <a:latin typeface="Times New Roman" panose="02020603050405020304" charset="0"/>
+              <a:cs typeface="Times New Roman" panose="02020603050405020304" charset="0"/>
+            </a:endParaRPr>
           </a:p>
           <a:p>
             <a:pPr marL="342900" indent="-342900">
@@ -3748,9 +3930,20 @@
                     <a:lumMod val="50000"/>
                   </a:schemeClr>
                 </a:solidFill>
+                <a:latin typeface="Times New Roman" panose="02020603050405020304" charset="0"/>
+                <a:cs typeface="Times New Roman" panose="02020603050405020304" charset="0"/>
               </a:rPr>
-              <a:t>Background Information,</a:t>
-            </a:r>
+              <a:t>Background Information</a:t>
+            </a:r>
+            <a:endParaRPr lang="en-US" sz="2800" b="1" dirty="0" smtClean="0">
+              <a:solidFill>
+                <a:schemeClr val="tx2">
+                  <a:lumMod val="50000"/>
+                </a:schemeClr>
+              </a:solidFill>
+              <a:latin typeface="Times New Roman" panose="02020603050405020304" charset="0"/>
+              <a:cs typeface="Times New Roman" panose="02020603050405020304" charset="0"/>
+            </a:endParaRPr>
           </a:p>
           <a:p>
             <a:pPr marL="342900" indent="-342900">
@@ -3763,9 +3956,20 @@
                     <a:lumMod val="50000"/>
                   </a:schemeClr>
                 </a:solidFill>
+                <a:latin typeface="Times New Roman" panose="02020603050405020304" charset="0"/>
+                <a:cs typeface="Times New Roman" panose="02020603050405020304" charset="0"/>
               </a:rPr>
-              <a:t>Changes in Requirement,</a:t>
-            </a:r>
+              <a:t>Changes in Requirement</a:t>
+            </a:r>
+            <a:endParaRPr lang="en-US" sz="2800" b="1" dirty="0" smtClean="0">
+              <a:solidFill>
+                <a:schemeClr val="tx2">
+                  <a:lumMod val="50000"/>
+                </a:schemeClr>
+              </a:solidFill>
+              <a:latin typeface="Times New Roman" panose="02020603050405020304" charset="0"/>
+              <a:cs typeface="Times New Roman" panose="02020603050405020304" charset="0"/>
+            </a:endParaRPr>
           </a:p>
           <a:p>
             <a:pPr marL="342900" indent="-342900">
@@ -3778,9 +3982,20 @@
                     <a:lumMod val="50000"/>
                   </a:schemeClr>
                 </a:solidFill>
+                <a:latin typeface="Times New Roman" panose="02020603050405020304" charset="0"/>
+                <a:cs typeface="Times New Roman" panose="02020603050405020304" charset="0"/>
               </a:rPr>
-              <a:t>Scope,</a:t>
-            </a:r>
+              <a:t>Product Scope</a:t>
+            </a:r>
+            <a:endParaRPr lang="en-US" sz="2800" b="1" dirty="0" smtClean="0">
+              <a:solidFill>
+                <a:schemeClr val="tx2">
+                  <a:lumMod val="50000"/>
+                </a:schemeClr>
+              </a:solidFill>
+              <a:latin typeface="Times New Roman" panose="02020603050405020304" charset="0"/>
+              <a:cs typeface="Times New Roman" panose="02020603050405020304" charset="0"/>
+            </a:endParaRPr>
           </a:p>
           <a:p>
             <a:pPr marL="342900" indent="-342900">
@@ -3793,9 +4008,20 @@
                     <a:lumMod val="50000"/>
                   </a:schemeClr>
                 </a:solidFill>
+                <a:latin typeface="Times New Roman" panose="02020603050405020304" charset="0"/>
+                <a:cs typeface="Times New Roman" panose="02020603050405020304" charset="0"/>
               </a:rPr>
-              <a:t>Site Map,</a:t>
-            </a:r>
+              <a:t>Site Map</a:t>
+            </a:r>
+            <a:endParaRPr lang="en-US" sz="2800" b="1" dirty="0" smtClean="0">
+              <a:solidFill>
+                <a:schemeClr val="tx2">
+                  <a:lumMod val="50000"/>
+                </a:schemeClr>
+              </a:solidFill>
+              <a:latin typeface="Times New Roman" panose="02020603050405020304" charset="0"/>
+              <a:cs typeface="Times New Roman" panose="02020603050405020304" charset="0"/>
+            </a:endParaRPr>
           </a:p>
           <a:p>
             <a:pPr marL="342900" indent="-342900">
@@ -3808,9 +4034,20 @@
                     <a:lumMod val="50000"/>
                   </a:schemeClr>
                 </a:solidFill>
+                <a:latin typeface="Times New Roman" panose="02020603050405020304" charset="0"/>
+                <a:cs typeface="Times New Roman" panose="02020603050405020304" charset="0"/>
               </a:rPr>
-              <a:t>Work Progress,</a:t>
-            </a:r>
+              <a:t>Work Progress</a:t>
+            </a:r>
+            <a:endParaRPr lang="en-US" sz="2800" b="1" dirty="0" smtClean="0">
+              <a:solidFill>
+                <a:schemeClr val="tx2">
+                  <a:lumMod val="50000"/>
+                </a:schemeClr>
+              </a:solidFill>
+              <a:latin typeface="Times New Roman" panose="02020603050405020304" charset="0"/>
+              <a:cs typeface="Times New Roman" panose="02020603050405020304" charset="0"/>
+            </a:endParaRPr>
           </a:p>
           <a:p>
             <a:pPr marL="342900" indent="-342900">
@@ -3823,9 +4060,20 @@
                     <a:lumMod val="50000"/>
                   </a:schemeClr>
                 </a:solidFill>
+                <a:latin typeface="Times New Roman" panose="02020603050405020304" charset="0"/>
+                <a:cs typeface="Times New Roman" panose="02020603050405020304" charset="0"/>
               </a:rPr>
-              <a:t>UI Demo, and</a:t>
-            </a:r>
+              <a:t>UI Demo</a:t>
+            </a:r>
+            <a:endParaRPr lang="en-US" sz="2800" b="1" dirty="0" smtClean="0">
+              <a:solidFill>
+                <a:schemeClr val="tx2">
+                  <a:lumMod val="50000"/>
+                </a:schemeClr>
+              </a:solidFill>
+              <a:latin typeface="Times New Roman" panose="02020603050405020304" charset="0"/>
+              <a:cs typeface="Times New Roman" panose="02020603050405020304" charset="0"/>
+            </a:endParaRPr>
           </a:p>
           <a:p>
             <a:pPr marL="342900" indent="-342900">
@@ -3838,9 +4086,20 @@
                     <a:lumMod val="50000"/>
                   </a:schemeClr>
                 </a:solidFill>
+                <a:latin typeface="Times New Roman" panose="02020603050405020304" charset="0"/>
+                <a:cs typeface="Times New Roman" panose="02020603050405020304" charset="0"/>
               </a:rPr>
-              <a:t>Future work.</a:t>
-            </a:r>
+              <a:t>Future work</a:t>
+            </a:r>
+            <a:endParaRPr lang="en-US" sz="2800" b="1" dirty="0" smtClean="0">
+              <a:solidFill>
+                <a:schemeClr val="tx2">
+                  <a:lumMod val="50000"/>
+                </a:schemeClr>
+              </a:solidFill>
+              <a:latin typeface="Times New Roman" panose="02020603050405020304" charset="0"/>
+              <a:cs typeface="Times New Roman" panose="02020603050405020304" charset="0"/>
+            </a:endParaRPr>
           </a:p>
           <a:p>
             <a:endParaRPr lang="en-US" sz="2800" b="1" dirty="0">
@@ -3849,10 +4108,1317 @@
                   <a:lumMod val="50000"/>
                 </a:schemeClr>
               </a:solidFill>
+              <a:latin typeface="Times New Roman" panose="02020603050405020304" charset="0"/>
+              <a:cs typeface="Times New Roman" panose="02020603050405020304" charset="0"/>
             </a:endParaRPr>
           </a:p>
         </p:txBody>
       </p:sp>
+    </p:spTree>
+  </p:cSld>
+  <p:clrMapOvr>
+    <a:masterClrMapping/>
+  </p:clrMapOvr>
+</p:sld>
+</file>
+
+<file path=ppt/slides/slide3.xml><?xml version="1.0" encoding="utf-8"?>
+<p:sld xmlns:a="http://schemas.openxmlformats.org/drawingml/2006/main" xmlns:r="http://schemas.openxmlformats.org/officeDocument/2006/relationships" xmlns:p="http://schemas.openxmlformats.org/presentationml/2006/main">
+  <p:cSld>
+    <p:spTree>
+      <p:nvGrpSpPr>
+        <p:cNvPr id="1" name=""/>
+        <p:cNvGrpSpPr/>
+        <p:nvPr/>
+      </p:nvGrpSpPr>
+      <p:grpSpPr/>
+      <p:sp>
+        <p:nvSpPr>
+          <p:cNvPr id="2" name="Title 1"/>
+          <p:cNvSpPr>
+            <a:spLocks noGrp="1"/>
+          </p:cNvSpPr>
+          <p:nvPr>
+            <p:ph type="title"/>
+          </p:nvPr>
+        </p:nvSpPr>
+        <p:spPr>
+          <a:xfrm>
+            <a:off x="228600" y="1904683"/>
+            <a:ext cx="8229600" cy="1143000"/>
+          </a:xfrm>
+        </p:spPr>
+        <p:txBody>
+          <a:bodyPr/>
+          <a:p>
+            <a:pPr algn="l"/>
+            <a:r>
+              <a:rPr lang="en-US" sz="3600" b="1" dirty="0" smtClean="0">
+                <a:solidFill>
+                  <a:schemeClr val="tx2">
+                    <a:lumMod val="50000"/>
+                  </a:schemeClr>
+                </a:solidFill>
+                <a:latin typeface="Times New Roman" panose="02020603050405020304" charset="0"/>
+                <a:cs typeface="Times New Roman" panose="02020603050405020304" charset="0"/>
+                <a:sym typeface="+mn-ea"/>
+              </a:rPr>
+              <a:t>Background Information</a:t>
+            </a:r>
+            <a:endParaRPr lang="en-US" sz="3600" b="1" dirty="0" smtClean="0">
+              <a:solidFill>
+                <a:schemeClr val="tx2">
+                  <a:lumMod val="50000"/>
+                </a:schemeClr>
+              </a:solidFill>
+              <a:latin typeface="Times New Roman" panose="02020603050405020304" charset="0"/>
+              <a:cs typeface="Times New Roman" panose="02020603050405020304" charset="0"/>
+              <a:sym typeface="+mn-ea"/>
+            </a:endParaRPr>
+          </a:p>
+        </p:txBody>
+      </p:sp>
+      <p:sp>
+        <p:nvSpPr>
+          <p:cNvPr id="3" name="Content Placeholder 2"/>
+          <p:cNvSpPr>
+            <a:spLocks noGrp="1"/>
+          </p:cNvSpPr>
+          <p:nvPr>
+            <p:ph sz="half" idx="1"/>
+          </p:nvPr>
+        </p:nvSpPr>
+        <p:spPr>
+          <a:xfrm>
+            <a:off x="533400" y="3276600"/>
+            <a:ext cx="4038600" cy="1947545"/>
+          </a:xfrm>
+        </p:spPr>
+        <p:txBody>
+          <a:bodyPr/>
+          <a:p>
+            <a:r>
+              <a:rPr lang="en-US">
+                <a:latin typeface="Times New Roman" panose="02020603050405020304" charset="0"/>
+                <a:cs typeface="Times New Roman" panose="02020603050405020304" charset="0"/>
+              </a:rPr>
+              <a:t>Introduction</a:t>
+            </a:r>
+            <a:endParaRPr lang="en-US">
+              <a:latin typeface="Times New Roman" panose="02020603050405020304" charset="0"/>
+              <a:cs typeface="Times New Roman" panose="02020603050405020304" charset="0"/>
+            </a:endParaRPr>
+          </a:p>
+          <a:p>
+            <a:r>
+              <a:rPr lang="en-US">
+                <a:latin typeface="Times New Roman" panose="02020603050405020304" charset="0"/>
+                <a:cs typeface="Times New Roman" panose="02020603050405020304" charset="0"/>
+              </a:rPr>
+              <a:t>Purpose</a:t>
+            </a:r>
+            <a:endParaRPr lang="en-US">
+              <a:latin typeface="Times New Roman" panose="02020603050405020304" charset="0"/>
+              <a:cs typeface="Times New Roman" panose="02020603050405020304" charset="0"/>
+            </a:endParaRPr>
+          </a:p>
+          <a:p>
+            <a:r>
+              <a:rPr lang="en-US">
+                <a:latin typeface="Times New Roman" panose="02020603050405020304" charset="0"/>
+                <a:cs typeface="Times New Roman" panose="02020603050405020304" charset="0"/>
+              </a:rPr>
+              <a:t>Functionalities</a:t>
+            </a:r>
+            <a:endParaRPr lang="en-US">
+              <a:latin typeface="Times New Roman" panose="02020603050405020304" charset="0"/>
+              <a:cs typeface="Times New Roman" panose="02020603050405020304" charset="0"/>
+            </a:endParaRPr>
+          </a:p>
+        </p:txBody>
+      </p:sp>
+      <p:sp>
+        <p:nvSpPr>
+          <p:cNvPr id="4" name="Date Placeholder 3"/>
+          <p:cNvSpPr>
+            <a:spLocks noGrp="1"/>
+          </p:cNvSpPr>
+          <p:nvPr>
+            <p:ph type="dt" sz="half" idx="10"/>
+          </p:nvPr>
+        </p:nvSpPr>
+        <p:spPr/>
+        <p:txBody>
+          <a:bodyPr/>
+          <a:p>
+            <a:fld id="{29FF40B1-8B0E-4B72-970D-715561CA4C5D}" type="datetime1">
+              <a:rPr lang="en-US" smtClean="0"/>
+            </a:fld>
+            <a:endParaRPr lang="en-US"/>
+          </a:p>
+        </p:txBody>
+      </p:sp>
+      <p:sp>
+        <p:nvSpPr>
+          <p:cNvPr id="5" name="Footer Placeholder 4"/>
+          <p:cNvSpPr>
+            <a:spLocks noGrp="1"/>
+          </p:cNvSpPr>
+          <p:nvPr>
+            <p:ph type="ftr" sz="quarter" idx="11"/>
+          </p:nvPr>
+        </p:nvSpPr>
+        <p:spPr/>
+        <p:txBody>
+          <a:bodyPr/>
+          <a:p>
+            <a:r>
+              <a:rPr lang="en-US" smtClean="0"/>
+              <a:t>Student IMS @copyright 2021</a:t>
+            </a:r>
+            <a:endParaRPr lang="en-US"/>
+          </a:p>
+        </p:txBody>
+      </p:sp>
+      <p:sp>
+        <p:nvSpPr>
+          <p:cNvPr id="6" name="Slide Number Placeholder 5"/>
+          <p:cNvSpPr>
+            <a:spLocks noGrp="1"/>
+          </p:cNvSpPr>
+          <p:nvPr>
+            <p:ph type="sldNum" sz="quarter" idx="12"/>
+          </p:nvPr>
+        </p:nvSpPr>
+        <p:spPr/>
+        <p:txBody>
+          <a:bodyPr/>
+          <a:p>
+            <a:fld id="{B6F15528-21DE-4FAA-801E-634DDDAF4B2B}" type="slidenum">
+              <a:rPr lang="en-US" smtClean="0"/>
+            </a:fld>
+            <a:endParaRPr lang="en-US"/>
+          </a:p>
+        </p:txBody>
+      </p:sp>
+      <p:pic>
+        <p:nvPicPr>
+          <p:cNvPr id="7" name="Picture 2" descr="GCIT"/>
+          <p:cNvPicPr>
+            <a:picLocks noChangeAspect="1" noChangeArrowheads="1"/>
+          </p:cNvPicPr>
+          <p:nvPr>
+            <p:ph sz="half" idx="2"/>
+          </p:nvPr>
+        </p:nvPicPr>
+        <p:blipFill>
+          <a:blip r:embed="rId1"/>
+          <a:srcRect r="1445"/>
+          <a:stretch>
+            <a:fillRect/>
+          </a:stretch>
+        </p:blipFill>
+        <p:spPr bwMode="auto">
+          <a:xfrm>
+            <a:off x="-23495" y="0"/>
+            <a:ext cx="9168130" cy="1371600"/>
+          </a:xfrm>
+          <a:prstGeom prst="rect">
+            <a:avLst/>
+          </a:prstGeom>
+          <a:noFill/>
+        </p:spPr>
+      </p:pic>
+    </p:spTree>
+  </p:cSld>
+  <p:clrMapOvr>
+    <a:masterClrMapping/>
+  </p:clrMapOvr>
+</p:sld>
+</file>
+
+<file path=ppt/slides/slide4.xml><?xml version="1.0" encoding="utf-8"?>
+<p:sld xmlns:a="http://schemas.openxmlformats.org/drawingml/2006/main" xmlns:r="http://schemas.openxmlformats.org/officeDocument/2006/relationships" xmlns:p="http://schemas.openxmlformats.org/presentationml/2006/main">
+  <p:cSld>
+    <p:spTree>
+      <p:nvGrpSpPr>
+        <p:cNvPr id="1" name=""/>
+        <p:cNvGrpSpPr/>
+        <p:nvPr/>
+      </p:nvGrpSpPr>
+      <p:grpSpPr/>
+      <p:sp>
+        <p:nvSpPr>
+          <p:cNvPr id="2" name="Title 1"/>
+          <p:cNvSpPr>
+            <a:spLocks noGrp="1"/>
+          </p:cNvSpPr>
+          <p:nvPr>
+            <p:ph type="title"/>
+          </p:nvPr>
+        </p:nvSpPr>
+        <p:spPr>
+          <a:xfrm>
+            <a:off x="457200" y="1599883"/>
+            <a:ext cx="8229600" cy="1143000"/>
+          </a:xfrm>
+        </p:spPr>
+        <p:txBody>
+          <a:bodyPr/>
+          <a:p>
+            <a:pPr algn="l"/>
+            <a:r>
+              <a:rPr lang="en-US" sz="3600" b="1" dirty="0" smtClean="0">
+                <a:solidFill>
+                  <a:schemeClr val="tx2">
+                    <a:lumMod val="50000"/>
+                  </a:schemeClr>
+                </a:solidFill>
+                <a:latin typeface="Times New Roman" panose="02020603050405020304" charset="0"/>
+                <a:cs typeface="Times New Roman" panose="02020603050405020304" charset="0"/>
+                <a:sym typeface="+mn-ea"/>
+              </a:rPr>
+              <a:t>Changes in Requirement</a:t>
+            </a:r>
+            <a:endParaRPr lang="en-US" sz="3600" b="1" dirty="0" smtClean="0">
+              <a:solidFill>
+                <a:schemeClr val="tx2">
+                  <a:lumMod val="50000"/>
+                </a:schemeClr>
+              </a:solidFill>
+              <a:latin typeface="Times New Roman" panose="02020603050405020304" charset="0"/>
+              <a:cs typeface="Times New Roman" panose="02020603050405020304" charset="0"/>
+              <a:sym typeface="+mn-ea"/>
+            </a:endParaRPr>
+          </a:p>
+        </p:txBody>
+      </p:sp>
+      <p:sp>
+        <p:nvSpPr>
+          <p:cNvPr id="3" name="Content Placeholder 2"/>
+          <p:cNvSpPr>
+            <a:spLocks noGrp="1"/>
+          </p:cNvSpPr>
+          <p:nvPr>
+            <p:ph idx="1"/>
+          </p:nvPr>
+        </p:nvSpPr>
+        <p:spPr>
+          <a:xfrm>
+            <a:off x="457200" y="2940685"/>
+            <a:ext cx="8229600" cy="3185795"/>
+          </a:xfrm>
+        </p:spPr>
+        <p:txBody>
+          <a:bodyPr/>
+          <a:p>
+            <a:endParaRPr lang="en-US"/>
+          </a:p>
+        </p:txBody>
+      </p:sp>
+      <p:sp>
+        <p:nvSpPr>
+          <p:cNvPr id="4" name="Date Placeholder 3"/>
+          <p:cNvSpPr>
+            <a:spLocks noGrp="1"/>
+          </p:cNvSpPr>
+          <p:nvPr>
+            <p:ph type="dt" sz="half" idx="10"/>
+          </p:nvPr>
+        </p:nvSpPr>
+        <p:spPr/>
+        <p:txBody>
+          <a:bodyPr/>
+          <a:p>
+            <a:fld id="{29FF40B1-8B0E-4B72-970D-715561CA4C5D}" type="datetime1">
+              <a:rPr lang="en-US" smtClean="0"/>
+            </a:fld>
+            <a:endParaRPr lang="en-US"/>
+          </a:p>
+        </p:txBody>
+      </p:sp>
+      <p:sp>
+        <p:nvSpPr>
+          <p:cNvPr id="5" name="Footer Placeholder 4"/>
+          <p:cNvSpPr>
+            <a:spLocks noGrp="1"/>
+          </p:cNvSpPr>
+          <p:nvPr>
+            <p:ph type="ftr" sz="quarter" idx="11"/>
+          </p:nvPr>
+        </p:nvSpPr>
+        <p:spPr/>
+        <p:txBody>
+          <a:bodyPr/>
+          <a:p>
+            <a:r>
+              <a:rPr lang="en-US" smtClean="0"/>
+              <a:t>Student IMS @copyright 2021</a:t>
+            </a:r>
+            <a:endParaRPr lang="en-US"/>
+          </a:p>
+        </p:txBody>
+      </p:sp>
+      <p:sp>
+        <p:nvSpPr>
+          <p:cNvPr id="6" name="Slide Number Placeholder 5"/>
+          <p:cNvSpPr>
+            <a:spLocks noGrp="1"/>
+          </p:cNvSpPr>
+          <p:nvPr>
+            <p:ph type="sldNum" sz="quarter" idx="12"/>
+          </p:nvPr>
+        </p:nvSpPr>
+        <p:spPr/>
+        <p:txBody>
+          <a:bodyPr/>
+          <a:p>
+            <a:fld id="{B6F15528-21DE-4FAA-801E-634DDDAF4B2B}" type="slidenum">
+              <a:rPr lang="en-US" smtClean="0"/>
+            </a:fld>
+            <a:endParaRPr lang="en-US"/>
+          </a:p>
+        </p:txBody>
+      </p:sp>
+      <p:pic>
+        <p:nvPicPr>
+          <p:cNvPr id="7" name="Picture 2" descr="GCIT"/>
+          <p:cNvPicPr>
+            <a:picLocks noChangeAspect="1" noChangeArrowheads="1"/>
+          </p:cNvPicPr>
+          <p:nvPr>
+            <p:ph sz="half" idx="2"/>
+          </p:nvPr>
+        </p:nvPicPr>
+        <p:blipFill>
+          <a:blip r:embed="rId1"/>
+          <a:srcRect r="1445"/>
+          <a:stretch>
+            <a:fillRect/>
+          </a:stretch>
+        </p:blipFill>
+        <p:spPr bwMode="auto">
+          <a:xfrm>
+            <a:off x="-23495" y="0"/>
+            <a:ext cx="9168130" cy="1371600"/>
+          </a:xfrm>
+          <a:prstGeom prst="rect">
+            <a:avLst/>
+          </a:prstGeom>
+          <a:noFill/>
+        </p:spPr>
+      </p:pic>
+    </p:spTree>
+  </p:cSld>
+  <p:clrMapOvr>
+    <a:masterClrMapping/>
+  </p:clrMapOvr>
+</p:sld>
+</file>
+
+<file path=ppt/slides/slide5.xml><?xml version="1.0" encoding="utf-8"?>
+<p:sld xmlns:a="http://schemas.openxmlformats.org/drawingml/2006/main" xmlns:r="http://schemas.openxmlformats.org/officeDocument/2006/relationships" xmlns:p="http://schemas.openxmlformats.org/presentationml/2006/main">
+  <p:cSld>
+    <p:spTree>
+      <p:nvGrpSpPr>
+        <p:cNvPr id="1" name=""/>
+        <p:cNvGrpSpPr/>
+        <p:nvPr/>
+      </p:nvGrpSpPr>
+      <p:grpSpPr/>
+      <p:sp>
+        <p:nvSpPr>
+          <p:cNvPr id="2" name="Title 1"/>
+          <p:cNvSpPr>
+            <a:spLocks noGrp="1"/>
+          </p:cNvSpPr>
+          <p:nvPr>
+            <p:ph type="title"/>
+          </p:nvPr>
+        </p:nvSpPr>
+        <p:spPr>
+          <a:xfrm>
+            <a:off x="533400" y="1599883"/>
+            <a:ext cx="8229600" cy="1143000"/>
+          </a:xfrm>
+        </p:spPr>
+        <p:txBody>
+          <a:bodyPr/>
+          <a:p>
+            <a:pPr algn="l"/>
+            <a:r>
+              <a:rPr lang="en-US" sz="3600" b="1" dirty="0" smtClean="0">
+                <a:solidFill>
+                  <a:schemeClr val="tx2">
+                    <a:lumMod val="50000"/>
+                  </a:schemeClr>
+                </a:solidFill>
+                <a:latin typeface="Times New Roman" panose="02020603050405020304" charset="0"/>
+                <a:cs typeface="Times New Roman" panose="02020603050405020304" charset="0"/>
+                <a:sym typeface="+mn-ea"/>
+              </a:rPr>
+              <a:t>Product Scope</a:t>
+            </a:r>
+            <a:endParaRPr lang="en-US" sz="3600" b="1" dirty="0" smtClean="0">
+              <a:solidFill>
+                <a:schemeClr val="tx2">
+                  <a:lumMod val="50000"/>
+                </a:schemeClr>
+              </a:solidFill>
+              <a:latin typeface="Times New Roman" panose="02020603050405020304" charset="0"/>
+              <a:cs typeface="Times New Roman" panose="02020603050405020304" charset="0"/>
+              <a:sym typeface="+mn-ea"/>
+            </a:endParaRPr>
+          </a:p>
+        </p:txBody>
+      </p:sp>
+      <p:sp>
+        <p:nvSpPr>
+          <p:cNvPr id="3" name="Content Placeholder 2"/>
+          <p:cNvSpPr>
+            <a:spLocks noGrp="1"/>
+          </p:cNvSpPr>
+          <p:nvPr>
+            <p:ph idx="1"/>
+          </p:nvPr>
+        </p:nvSpPr>
+        <p:spPr>
+          <a:xfrm>
+            <a:off x="513715" y="2968625"/>
+            <a:ext cx="8173085" cy="3157855"/>
+          </a:xfrm>
+        </p:spPr>
+        <p:txBody>
+          <a:bodyPr/>
+          <a:p>
+            <a:r>
+              <a:rPr lang="en-US">
+                <a:latin typeface="Times New Roman" panose="02020603050405020304" charset="0"/>
+                <a:cs typeface="Times New Roman" panose="02020603050405020304" charset="0"/>
+              </a:rPr>
+              <a:t>Introducing digitized student registration system </a:t>
+            </a:r>
+            <a:endParaRPr lang="en-US">
+              <a:latin typeface="Times New Roman" panose="02020603050405020304" charset="0"/>
+              <a:cs typeface="Times New Roman" panose="02020603050405020304" charset="0"/>
+            </a:endParaRPr>
+          </a:p>
+          <a:p>
+            <a:r>
+              <a:rPr lang="en-US">
+                <a:latin typeface="Times New Roman" panose="02020603050405020304" charset="0"/>
+                <a:cs typeface="Times New Roman" panose="02020603050405020304" charset="0"/>
+              </a:rPr>
+              <a:t>Replacing paper-based student information management system </a:t>
+            </a:r>
+            <a:endParaRPr lang="en-US">
+              <a:latin typeface="Times New Roman" panose="02020603050405020304" charset="0"/>
+              <a:cs typeface="Times New Roman" panose="02020603050405020304" charset="0"/>
+            </a:endParaRPr>
+          </a:p>
+        </p:txBody>
+      </p:sp>
+      <p:sp>
+        <p:nvSpPr>
+          <p:cNvPr id="4" name="Date Placeholder 3"/>
+          <p:cNvSpPr>
+            <a:spLocks noGrp="1"/>
+          </p:cNvSpPr>
+          <p:nvPr>
+            <p:ph type="dt" sz="half" idx="10"/>
+          </p:nvPr>
+        </p:nvSpPr>
+        <p:spPr/>
+        <p:txBody>
+          <a:bodyPr/>
+          <a:p>
+            <a:fld id="{29FF40B1-8B0E-4B72-970D-715561CA4C5D}" type="datetime1">
+              <a:rPr lang="en-US" smtClean="0"/>
+            </a:fld>
+            <a:endParaRPr lang="en-US"/>
+          </a:p>
+        </p:txBody>
+      </p:sp>
+      <p:sp>
+        <p:nvSpPr>
+          <p:cNvPr id="5" name="Footer Placeholder 4"/>
+          <p:cNvSpPr>
+            <a:spLocks noGrp="1"/>
+          </p:cNvSpPr>
+          <p:nvPr>
+            <p:ph type="ftr" sz="quarter" idx="11"/>
+          </p:nvPr>
+        </p:nvSpPr>
+        <p:spPr/>
+        <p:txBody>
+          <a:bodyPr/>
+          <a:p>
+            <a:r>
+              <a:rPr lang="en-US" smtClean="0"/>
+              <a:t>Student IMS @copyright 2021</a:t>
+            </a:r>
+            <a:endParaRPr lang="en-US"/>
+          </a:p>
+        </p:txBody>
+      </p:sp>
+      <p:sp>
+        <p:nvSpPr>
+          <p:cNvPr id="6" name="Slide Number Placeholder 5"/>
+          <p:cNvSpPr>
+            <a:spLocks noGrp="1"/>
+          </p:cNvSpPr>
+          <p:nvPr>
+            <p:ph type="sldNum" sz="quarter" idx="12"/>
+          </p:nvPr>
+        </p:nvSpPr>
+        <p:spPr/>
+        <p:txBody>
+          <a:bodyPr/>
+          <a:p>
+            <a:fld id="{B6F15528-21DE-4FAA-801E-634DDDAF4B2B}" type="slidenum">
+              <a:rPr lang="en-US" smtClean="0"/>
+            </a:fld>
+            <a:endParaRPr lang="en-US"/>
+          </a:p>
+        </p:txBody>
+      </p:sp>
+      <p:pic>
+        <p:nvPicPr>
+          <p:cNvPr id="7" name="Picture 2" descr="GCIT"/>
+          <p:cNvPicPr>
+            <a:picLocks noChangeAspect="1" noChangeArrowheads="1"/>
+          </p:cNvPicPr>
+          <p:nvPr>
+            <p:ph sz="half" idx="2"/>
+          </p:nvPr>
+        </p:nvPicPr>
+        <p:blipFill>
+          <a:blip r:embed="rId1"/>
+          <a:srcRect r="1445"/>
+          <a:stretch>
+            <a:fillRect/>
+          </a:stretch>
+        </p:blipFill>
+        <p:spPr bwMode="auto">
+          <a:xfrm>
+            <a:off x="-23495" y="0"/>
+            <a:ext cx="9168130" cy="1371600"/>
+          </a:xfrm>
+          <a:prstGeom prst="rect">
+            <a:avLst/>
+          </a:prstGeom>
+          <a:noFill/>
+        </p:spPr>
+      </p:pic>
+    </p:spTree>
+  </p:cSld>
+  <p:clrMapOvr>
+    <a:masterClrMapping/>
+  </p:clrMapOvr>
+</p:sld>
+</file>
+
+<file path=ppt/slides/slide6.xml><?xml version="1.0" encoding="utf-8"?>
+<p:sld xmlns:a="http://schemas.openxmlformats.org/drawingml/2006/main" xmlns:r="http://schemas.openxmlformats.org/officeDocument/2006/relationships" xmlns:p="http://schemas.openxmlformats.org/presentationml/2006/main">
+  <p:cSld>
+    <p:spTree>
+      <p:nvGrpSpPr>
+        <p:cNvPr id="1" name=""/>
+        <p:cNvGrpSpPr/>
+        <p:nvPr/>
+      </p:nvGrpSpPr>
+      <p:grpSpPr/>
+      <p:sp>
+        <p:nvSpPr>
+          <p:cNvPr id="2" name="Title 1"/>
+          <p:cNvSpPr>
+            <a:spLocks noGrp="1"/>
+          </p:cNvSpPr>
+          <p:nvPr>
+            <p:ph type="title"/>
+          </p:nvPr>
+        </p:nvSpPr>
+        <p:spPr>
+          <a:xfrm>
+            <a:off x="468630" y="1752283"/>
+            <a:ext cx="8229600" cy="1143000"/>
+          </a:xfrm>
+        </p:spPr>
+        <p:txBody>
+          <a:bodyPr/>
+          <a:p>
+            <a:pPr algn="l"/>
+            <a:r>
+              <a:rPr lang="en-US" sz="3600" b="1">
+                <a:latin typeface="Times New Roman" panose="02020603050405020304" charset="0"/>
+                <a:cs typeface="Times New Roman" panose="02020603050405020304" charset="0"/>
+              </a:rPr>
+              <a:t>Site Map</a:t>
+            </a:r>
+            <a:endParaRPr lang="en-US" sz="3600" b="1">
+              <a:latin typeface="Times New Roman" panose="02020603050405020304" charset="0"/>
+              <a:cs typeface="Times New Roman" panose="02020603050405020304" charset="0"/>
+            </a:endParaRPr>
+          </a:p>
+        </p:txBody>
+      </p:sp>
+      <p:sp>
+        <p:nvSpPr>
+          <p:cNvPr id="3" name="Content Placeholder 2"/>
+          <p:cNvSpPr>
+            <a:spLocks noGrp="1"/>
+          </p:cNvSpPr>
+          <p:nvPr>
+            <p:ph idx="1"/>
+          </p:nvPr>
+        </p:nvSpPr>
+        <p:spPr>
+          <a:xfrm>
+            <a:off x="476885" y="2894965"/>
+            <a:ext cx="8209915" cy="3231515"/>
+          </a:xfrm>
+        </p:spPr>
+        <p:txBody>
+          <a:bodyPr/>
+          <a:p>
+            <a:endParaRPr lang="en-US">
+              <a:latin typeface="Times New Roman" panose="02020603050405020304" charset="0"/>
+              <a:cs typeface="Times New Roman" panose="02020603050405020304" charset="0"/>
+            </a:endParaRPr>
+          </a:p>
+        </p:txBody>
+      </p:sp>
+      <p:sp>
+        <p:nvSpPr>
+          <p:cNvPr id="4" name="Date Placeholder 3"/>
+          <p:cNvSpPr>
+            <a:spLocks noGrp="1"/>
+          </p:cNvSpPr>
+          <p:nvPr>
+            <p:ph type="dt" sz="half" idx="10"/>
+          </p:nvPr>
+        </p:nvSpPr>
+        <p:spPr/>
+        <p:txBody>
+          <a:bodyPr/>
+          <a:p>
+            <a:fld id="{29FF40B1-8B0E-4B72-970D-715561CA4C5D}" type="datetime1">
+              <a:rPr lang="en-US" smtClean="0"/>
+            </a:fld>
+            <a:endParaRPr lang="en-US"/>
+          </a:p>
+        </p:txBody>
+      </p:sp>
+      <p:sp>
+        <p:nvSpPr>
+          <p:cNvPr id="5" name="Footer Placeholder 4"/>
+          <p:cNvSpPr>
+            <a:spLocks noGrp="1"/>
+          </p:cNvSpPr>
+          <p:nvPr>
+            <p:ph type="ftr" sz="quarter" idx="11"/>
+          </p:nvPr>
+        </p:nvSpPr>
+        <p:spPr/>
+        <p:txBody>
+          <a:bodyPr/>
+          <a:p>
+            <a:r>
+              <a:rPr lang="en-US" smtClean="0"/>
+              <a:t>Student IMS @copyright 2021</a:t>
+            </a:r>
+            <a:endParaRPr lang="en-US"/>
+          </a:p>
+        </p:txBody>
+      </p:sp>
+      <p:sp>
+        <p:nvSpPr>
+          <p:cNvPr id="6" name="Slide Number Placeholder 5"/>
+          <p:cNvSpPr>
+            <a:spLocks noGrp="1"/>
+          </p:cNvSpPr>
+          <p:nvPr>
+            <p:ph type="sldNum" sz="quarter" idx="12"/>
+          </p:nvPr>
+        </p:nvSpPr>
+        <p:spPr/>
+        <p:txBody>
+          <a:bodyPr/>
+          <a:p>
+            <a:fld id="{B6F15528-21DE-4FAA-801E-634DDDAF4B2B}" type="slidenum">
+              <a:rPr lang="en-US" smtClean="0"/>
+            </a:fld>
+            <a:endParaRPr lang="en-US"/>
+          </a:p>
+        </p:txBody>
+      </p:sp>
+      <p:pic>
+        <p:nvPicPr>
+          <p:cNvPr id="7" name="Picture 2" descr="GCIT"/>
+          <p:cNvPicPr>
+            <a:picLocks noChangeAspect="1" noChangeArrowheads="1"/>
+          </p:cNvPicPr>
+          <p:nvPr>
+            <p:ph sz="half" idx="2"/>
+          </p:nvPr>
+        </p:nvPicPr>
+        <p:blipFill>
+          <a:blip r:embed="rId1"/>
+          <a:srcRect r="1445"/>
+          <a:stretch>
+            <a:fillRect/>
+          </a:stretch>
+        </p:blipFill>
+        <p:spPr bwMode="auto">
+          <a:xfrm>
+            <a:off x="-23495" y="0"/>
+            <a:ext cx="9168130" cy="1371600"/>
+          </a:xfrm>
+          <a:prstGeom prst="rect">
+            <a:avLst/>
+          </a:prstGeom>
+          <a:noFill/>
+        </p:spPr>
+      </p:pic>
+    </p:spTree>
+  </p:cSld>
+  <p:clrMapOvr>
+    <a:masterClrMapping/>
+  </p:clrMapOvr>
+</p:sld>
+</file>
+
+<file path=ppt/slides/slide7.xml><?xml version="1.0" encoding="utf-8"?>
+<p:sld xmlns:a="http://schemas.openxmlformats.org/drawingml/2006/main" xmlns:r="http://schemas.openxmlformats.org/officeDocument/2006/relationships" xmlns:p="http://schemas.openxmlformats.org/presentationml/2006/main">
+  <p:cSld>
+    <p:spTree>
+      <p:nvGrpSpPr>
+        <p:cNvPr id="1" name=""/>
+        <p:cNvGrpSpPr/>
+        <p:nvPr/>
+      </p:nvGrpSpPr>
+      <p:grpSpPr/>
+      <p:sp>
+        <p:nvSpPr>
+          <p:cNvPr id="2" name="Title 1"/>
+          <p:cNvSpPr>
+            <a:spLocks noGrp="1"/>
+          </p:cNvSpPr>
+          <p:nvPr>
+            <p:ph type="title"/>
+          </p:nvPr>
+        </p:nvSpPr>
+        <p:spPr>
+          <a:xfrm>
+            <a:off x="434340" y="1569720"/>
+            <a:ext cx="8252460" cy="716280"/>
+          </a:xfrm>
+        </p:spPr>
+        <p:txBody>
+          <a:bodyPr/>
+          <a:p>
+            <a:pPr algn="l"/>
+            <a:r>
+              <a:rPr lang="en-US" sz="3600" b="1" dirty="0" smtClean="0">
+                <a:solidFill>
+                  <a:schemeClr val="tx2">
+                    <a:lumMod val="50000"/>
+                  </a:schemeClr>
+                </a:solidFill>
+                <a:latin typeface="Times New Roman" panose="02020603050405020304" charset="0"/>
+                <a:cs typeface="Times New Roman" panose="02020603050405020304" charset="0"/>
+                <a:sym typeface="+mn-ea"/>
+              </a:rPr>
+              <a:t>Work Progress</a:t>
+            </a:r>
+            <a:endParaRPr lang="en-US" sz="3600" b="1" dirty="0" smtClean="0">
+              <a:solidFill>
+                <a:schemeClr val="tx2">
+                  <a:lumMod val="50000"/>
+                </a:schemeClr>
+              </a:solidFill>
+              <a:latin typeface="Times New Roman" panose="02020603050405020304" charset="0"/>
+              <a:cs typeface="Times New Roman" panose="02020603050405020304" charset="0"/>
+              <a:sym typeface="+mn-ea"/>
+            </a:endParaRPr>
+          </a:p>
+        </p:txBody>
+      </p:sp>
+      <p:sp>
+        <p:nvSpPr>
+          <p:cNvPr id="3" name="Content Placeholder 2"/>
+          <p:cNvSpPr>
+            <a:spLocks noGrp="1"/>
+          </p:cNvSpPr>
+          <p:nvPr>
+            <p:ph idx="1"/>
+          </p:nvPr>
+        </p:nvSpPr>
+        <p:spPr>
+          <a:xfrm>
+            <a:off x="465455" y="2483485"/>
+            <a:ext cx="8221345" cy="3642995"/>
+          </a:xfrm>
+        </p:spPr>
+        <p:txBody>
+          <a:bodyPr/>
+          <a:p>
+            <a:endParaRPr lang="en-US"/>
+          </a:p>
+        </p:txBody>
+      </p:sp>
+      <p:sp>
+        <p:nvSpPr>
+          <p:cNvPr id="4" name="Date Placeholder 3"/>
+          <p:cNvSpPr>
+            <a:spLocks noGrp="1"/>
+          </p:cNvSpPr>
+          <p:nvPr>
+            <p:ph type="dt" sz="half" idx="10"/>
+          </p:nvPr>
+        </p:nvSpPr>
+        <p:spPr/>
+        <p:txBody>
+          <a:bodyPr/>
+          <a:p>
+            <a:fld id="{29FF40B1-8B0E-4B72-970D-715561CA4C5D}" type="datetime1">
+              <a:rPr lang="en-US" smtClean="0"/>
+            </a:fld>
+            <a:endParaRPr lang="en-US"/>
+          </a:p>
+        </p:txBody>
+      </p:sp>
+      <p:sp>
+        <p:nvSpPr>
+          <p:cNvPr id="5" name="Footer Placeholder 4"/>
+          <p:cNvSpPr>
+            <a:spLocks noGrp="1"/>
+          </p:cNvSpPr>
+          <p:nvPr>
+            <p:ph type="ftr" sz="quarter" idx="11"/>
+          </p:nvPr>
+        </p:nvSpPr>
+        <p:spPr/>
+        <p:txBody>
+          <a:bodyPr/>
+          <a:p>
+            <a:r>
+              <a:rPr lang="en-US" smtClean="0"/>
+              <a:t>Student IMS @copyright 2021</a:t>
+            </a:r>
+            <a:endParaRPr lang="en-US"/>
+          </a:p>
+        </p:txBody>
+      </p:sp>
+      <p:sp>
+        <p:nvSpPr>
+          <p:cNvPr id="6" name="Slide Number Placeholder 5"/>
+          <p:cNvSpPr>
+            <a:spLocks noGrp="1"/>
+          </p:cNvSpPr>
+          <p:nvPr>
+            <p:ph type="sldNum" sz="quarter" idx="12"/>
+          </p:nvPr>
+        </p:nvSpPr>
+        <p:spPr/>
+        <p:txBody>
+          <a:bodyPr/>
+          <a:p>
+            <a:fld id="{B6F15528-21DE-4FAA-801E-634DDDAF4B2B}" type="slidenum">
+              <a:rPr lang="en-US" smtClean="0"/>
+            </a:fld>
+            <a:endParaRPr lang="en-US"/>
+          </a:p>
+        </p:txBody>
+      </p:sp>
+      <p:pic>
+        <p:nvPicPr>
+          <p:cNvPr id="7" name="Picture 2" descr="GCIT"/>
+          <p:cNvPicPr>
+            <a:picLocks noChangeAspect="1" noChangeArrowheads="1"/>
+          </p:cNvPicPr>
+          <p:nvPr>
+            <p:ph sz="half" idx="2"/>
+          </p:nvPr>
+        </p:nvPicPr>
+        <p:blipFill>
+          <a:blip r:embed="rId1"/>
+          <a:srcRect r="1445"/>
+          <a:stretch>
+            <a:fillRect/>
+          </a:stretch>
+        </p:blipFill>
+        <p:spPr bwMode="auto">
+          <a:xfrm>
+            <a:off x="-23495" y="0"/>
+            <a:ext cx="9168130" cy="1371600"/>
+          </a:xfrm>
+          <a:prstGeom prst="rect">
+            <a:avLst/>
+          </a:prstGeom>
+          <a:noFill/>
+        </p:spPr>
+      </p:pic>
+    </p:spTree>
+  </p:cSld>
+  <p:clrMapOvr>
+    <a:masterClrMapping/>
+  </p:clrMapOvr>
+</p:sld>
+</file>
+
+<file path=ppt/slides/slide8.xml><?xml version="1.0" encoding="utf-8"?>
+<p:sld xmlns:a="http://schemas.openxmlformats.org/drawingml/2006/main" xmlns:r="http://schemas.openxmlformats.org/officeDocument/2006/relationships" xmlns:p="http://schemas.openxmlformats.org/presentationml/2006/main">
+  <p:cSld>
+    <p:spTree>
+      <p:nvGrpSpPr>
+        <p:cNvPr id="1" name=""/>
+        <p:cNvGrpSpPr/>
+        <p:nvPr/>
+      </p:nvGrpSpPr>
+      <p:grpSpPr/>
+      <p:sp>
+        <p:nvSpPr>
+          <p:cNvPr id="2" name="Title 1"/>
+          <p:cNvSpPr>
+            <a:spLocks noGrp="1"/>
+          </p:cNvSpPr>
+          <p:nvPr>
+            <p:ph type="title"/>
+          </p:nvPr>
+        </p:nvSpPr>
+        <p:spPr>
+          <a:xfrm>
+            <a:off x="469900" y="1447800"/>
+            <a:ext cx="8216900" cy="837565"/>
+          </a:xfrm>
+        </p:spPr>
+        <p:txBody>
+          <a:bodyPr/>
+          <a:p>
+            <a:pPr algn="l"/>
+            <a:r>
+              <a:rPr lang="en-US" sz="3600" b="1" dirty="0" smtClean="0">
+                <a:solidFill>
+                  <a:schemeClr val="tx2">
+                    <a:lumMod val="50000"/>
+                  </a:schemeClr>
+                </a:solidFill>
+                <a:latin typeface="Times New Roman" panose="02020603050405020304" charset="0"/>
+                <a:cs typeface="Times New Roman" panose="02020603050405020304" charset="0"/>
+                <a:sym typeface="+mn-ea"/>
+              </a:rPr>
+              <a:t>UI Demo</a:t>
+            </a:r>
+            <a:endParaRPr lang="en-US" sz="3600" b="1" dirty="0" smtClean="0">
+              <a:solidFill>
+                <a:schemeClr val="tx2">
+                  <a:lumMod val="50000"/>
+                </a:schemeClr>
+              </a:solidFill>
+              <a:latin typeface="Times New Roman" panose="02020603050405020304" charset="0"/>
+              <a:cs typeface="Times New Roman" panose="02020603050405020304" charset="0"/>
+              <a:sym typeface="+mn-ea"/>
+            </a:endParaRPr>
+          </a:p>
+        </p:txBody>
+      </p:sp>
+      <p:sp>
+        <p:nvSpPr>
+          <p:cNvPr id="3" name="Content Placeholder 2"/>
+          <p:cNvSpPr>
+            <a:spLocks noGrp="1"/>
+          </p:cNvSpPr>
+          <p:nvPr>
+            <p:ph idx="1"/>
+          </p:nvPr>
+        </p:nvSpPr>
+        <p:spPr>
+          <a:xfrm>
+            <a:off x="480695" y="2387600"/>
+            <a:ext cx="8206105" cy="3738880"/>
+          </a:xfrm>
+        </p:spPr>
+        <p:txBody>
+          <a:bodyPr/>
+          <a:p>
+            <a:endParaRPr lang="en-US"/>
+          </a:p>
+        </p:txBody>
+      </p:sp>
+      <p:sp>
+        <p:nvSpPr>
+          <p:cNvPr id="4" name="Date Placeholder 3"/>
+          <p:cNvSpPr>
+            <a:spLocks noGrp="1"/>
+          </p:cNvSpPr>
+          <p:nvPr>
+            <p:ph type="dt" sz="half" idx="10"/>
+          </p:nvPr>
+        </p:nvSpPr>
+        <p:spPr/>
+        <p:txBody>
+          <a:bodyPr/>
+          <a:p>
+            <a:fld id="{29FF40B1-8B0E-4B72-970D-715561CA4C5D}" type="datetime1">
+              <a:rPr lang="en-US" smtClean="0"/>
+            </a:fld>
+            <a:endParaRPr lang="en-US"/>
+          </a:p>
+        </p:txBody>
+      </p:sp>
+      <p:sp>
+        <p:nvSpPr>
+          <p:cNvPr id="5" name="Footer Placeholder 4"/>
+          <p:cNvSpPr>
+            <a:spLocks noGrp="1"/>
+          </p:cNvSpPr>
+          <p:nvPr>
+            <p:ph type="ftr" sz="quarter" idx="11"/>
+          </p:nvPr>
+        </p:nvSpPr>
+        <p:spPr/>
+        <p:txBody>
+          <a:bodyPr/>
+          <a:p>
+            <a:r>
+              <a:rPr lang="en-US" smtClean="0"/>
+              <a:t>Student IMS @copyright 2021</a:t>
+            </a:r>
+            <a:endParaRPr lang="en-US"/>
+          </a:p>
+        </p:txBody>
+      </p:sp>
+      <p:sp>
+        <p:nvSpPr>
+          <p:cNvPr id="6" name="Slide Number Placeholder 5"/>
+          <p:cNvSpPr>
+            <a:spLocks noGrp="1"/>
+          </p:cNvSpPr>
+          <p:nvPr>
+            <p:ph type="sldNum" sz="quarter" idx="12"/>
+          </p:nvPr>
+        </p:nvSpPr>
+        <p:spPr/>
+        <p:txBody>
+          <a:bodyPr/>
+          <a:p>
+            <a:fld id="{B6F15528-21DE-4FAA-801E-634DDDAF4B2B}" type="slidenum">
+              <a:rPr lang="en-US" smtClean="0"/>
+            </a:fld>
+            <a:endParaRPr lang="en-US"/>
+          </a:p>
+        </p:txBody>
+      </p:sp>
+      <p:pic>
+        <p:nvPicPr>
+          <p:cNvPr id="7" name="Picture 2" descr="GCIT"/>
+          <p:cNvPicPr>
+            <a:picLocks noChangeAspect="1" noChangeArrowheads="1"/>
+          </p:cNvPicPr>
+          <p:nvPr>
+            <p:ph sz="half" idx="2"/>
+          </p:nvPr>
+        </p:nvPicPr>
+        <p:blipFill>
+          <a:blip r:embed="rId1"/>
+          <a:srcRect r="1445"/>
+          <a:stretch>
+            <a:fillRect/>
+          </a:stretch>
+        </p:blipFill>
+        <p:spPr bwMode="auto">
+          <a:xfrm>
+            <a:off x="-23495" y="0"/>
+            <a:ext cx="9168130" cy="1371600"/>
+          </a:xfrm>
+          <a:prstGeom prst="rect">
+            <a:avLst/>
+          </a:prstGeom>
+          <a:noFill/>
+        </p:spPr>
+      </p:pic>
+    </p:spTree>
+  </p:cSld>
+  <p:clrMapOvr>
+    <a:masterClrMapping/>
+  </p:clrMapOvr>
+</p:sld>
+</file>
+
+<file path=ppt/slides/slide9.xml><?xml version="1.0" encoding="utf-8"?>
+<p:sld xmlns:a="http://schemas.openxmlformats.org/drawingml/2006/main" xmlns:r="http://schemas.openxmlformats.org/officeDocument/2006/relationships" xmlns:p="http://schemas.openxmlformats.org/presentationml/2006/main">
+  <p:cSld>
+    <p:spTree>
+      <p:nvGrpSpPr>
+        <p:cNvPr id="1" name=""/>
+        <p:cNvGrpSpPr/>
+        <p:nvPr/>
+      </p:nvGrpSpPr>
+      <p:grpSpPr/>
+      <p:sp>
+        <p:nvSpPr>
+          <p:cNvPr id="2" name="Title 1"/>
+          <p:cNvSpPr>
+            <a:spLocks noGrp="1"/>
+          </p:cNvSpPr>
+          <p:nvPr>
+            <p:ph type="title"/>
+          </p:nvPr>
+        </p:nvSpPr>
+        <p:spPr>
+          <a:xfrm>
+            <a:off x="449580" y="1676400"/>
+            <a:ext cx="8221345" cy="500380"/>
+          </a:xfrm>
+        </p:spPr>
+        <p:txBody>
+          <a:bodyPr>
+            <a:noAutofit/>
+          </a:bodyPr>
+          <a:p>
+            <a:pPr algn="l"/>
+            <a:r>
+              <a:rPr lang="en-US" sz="3600" b="1" dirty="0" smtClean="0">
+                <a:solidFill>
+                  <a:schemeClr val="tx2">
+                    <a:lumMod val="50000"/>
+                  </a:schemeClr>
+                </a:solidFill>
+                <a:latin typeface="Times New Roman" panose="02020603050405020304" charset="0"/>
+                <a:cs typeface="Times New Roman" panose="02020603050405020304" charset="0"/>
+                <a:sym typeface="+mn-ea"/>
+              </a:rPr>
+              <a:t>Future work</a:t>
+            </a:r>
+            <a:endParaRPr lang="en-US" sz="3600" b="1" dirty="0" smtClean="0">
+              <a:solidFill>
+                <a:schemeClr val="tx2">
+                  <a:lumMod val="50000"/>
+                </a:schemeClr>
+              </a:solidFill>
+              <a:latin typeface="Times New Roman" panose="02020603050405020304" charset="0"/>
+              <a:cs typeface="Times New Roman" panose="02020603050405020304" charset="0"/>
+              <a:sym typeface="+mn-ea"/>
+            </a:endParaRPr>
+          </a:p>
+        </p:txBody>
+      </p:sp>
+      <p:sp>
+        <p:nvSpPr>
+          <p:cNvPr id="3" name="Content Placeholder 2"/>
+          <p:cNvSpPr>
+            <a:spLocks noGrp="1"/>
+          </p:cNvSpPr>
+          <p:nvPr>
+            <p:ph idx="1"/>
+          </p:nvPr>
+        </p:nvSpPr>
+        <p:spPr>
+          <a:xfrm>
+            <a:off x="523875" y="2468245"/>
+            <a:ext cx="8162925" cy="3658235"/>
+          </a:xfrm>
+        </p:spPr>
+        <p:txBody>
+          <a:bodyPr/>
+          <a:p>
+            <a:endParaRPr lang="en-US"/>
+          </a:p>
+        </p:txBody>
+      </p:sp>
+      <p:sp>
+        <p:nvSpPr>
+          <p:cNvPr id="4" name="Date Placeholder 3"/>
+          <p:cNvSpPr>
+            <a:spLocks noGrp="1"/>
+          </p:cNvSpPr>
+          <p:nvPr>
+            <p:ph type="dt" sz="half" idx="10"/>
+          </p:nvPr>
+        </p:nvSpPr>
+        <p:spPr/>
+        <p:txBody>
+          <a:bodyPr/>
+          <a:p>
+            <a:fld id="{29FF40B1-8B0E-4B72-970D-715561CA4C5D}" type="datetime1">
+              <a:rPr lang="en-US" smtClean="0"/>
+            </a:fld>
+            <a:endParaRPr lang="en-US"/>
+          </a:p>
+        </p:txBody>
+      </p:sp>
+      <p:sp>
+        <p:nvSpPr>
+          <p:cNvPr id="5" name="Footer Placeholder 4"/>
+          <p:cNvSpPr>
+            <a:spLocks noGrp="1"/>
+          </p:cNvSpPr>
+          <p:nvPr>
+            <p:ph type="ftr" sz="quarter" idx="11"/>
+          </p:nvPr>
+        </p:nvSpPr>
+        <p:spPr/>
+        <p:txBody>
+          <a:bodyPr/>
+          <a:p>
+            <a:r>
+              <a:rPr lang="en-US" smtClean="0"/>
+              <a:t>Student IMS @copyright 2021</a:t>
+            </a:r>
+            <a:endParaRPr lang="en-US"/>
+          </a:p>
+        </p:txBody>
+      </p:sp>
+      <p:sp>
+        <p:nvSpPr>
+          <p:cNvPr id="6" name="Slide Number Placeholder 5"/>
+          <p:cNvSpPr>
+            <a:spLocks noGrp="1"/>
+          </p:cNvSpPr>
+          <p:nvPr>
+            <p:ph type="sldNum" sz="quarter" idx="12"/>
+          </p:nvPr>
+        </p:nvSpPr>
+        <p:spPr/>
+        <p:txBody>
+          <a:bodyPr/>
+          <a:p>
+            <a:fld id="{B6F15528-21DE-4FAA-801E-634DDDAF4B2B}" type="slidenum">
+              <a:rPr lang="en-US" smtClean="0"/>
+            </a:fld>
+            <a:endParaRPr lang="en-US"/>
+          </a:p>
+        </p:txBody>
+      </p:sp>
+      <p:pic>
+        <p:nvPicPr>
+          <p:cNvPr id="7" name="Picture 2" descr="GCIT"/>
+          <p:cNvPicPr>
+            <a:picLocks noChangeAspect="1" noChangeArrowheads="1"/>
+          </p:cNvPicPr>
+          <p:nvPr>
+            <p:ph sz="half" idx="2"/>
+          </p:nvPr>
+        </p:nvPicPr>
+        <p:blipFill>
+          <a:blip r:embed="rId1"/>
+          <a:srcRect r="1445"/>
+          <a:stretch>
+            <a:fillRect/>
+          </a:stretch>
+        </p:blipFill>
+        <p:spPr bwMode="auto">
+          <a:xfrm>
+            <a:off x="-23495" y="0"/>
+            <a:ext cx="9168130" cy="1371600"/>
+          </a:xfrm>
+          <a:prstGeom prst="rect">
+            <a:avLst/>
+          </a:prstGeom>
+          <a:noFill/>
+        </p:spPr>
+      </p:pic>
     </p:spTree>
   </p:cSld>
   <p:clrMapOvr>
@@ -4139,8 +5705,11 @@
       </a:bgFillStyleLst>
     </a:fmtScheme>
   </a:themeElements>
-  <a:objectDefaults/>
-  <a:extraClrSchemeLst/>
+  <a:extLst>
+    <a:ext uri="{05A4C25C-085E-4340-85A3-A5531E510DB2}">
+      <thm15:themeFamily xmlns:thm15="http://schemas.microsoft.com/office/thememl/2012/main" name="Office Theme" id="{62F939B6-93AF-4DB8-9C6B-D6C7DFDC589F}" vid="{4A3C46E8-61CC-4603-A589-7422A47A8E4A}"/>
+    </a:ext>
+  </a:extLst>
 </a:theme>
 </file>
 
@@ -4422,7 +5991,10 @@
       </a:bgFillStyleLst>
     </a:fmtScheme>
   </a:themeElements>
-  <a:objectDefaults/>
-  <a:extraClrSchemeLst/>
+  <a:extLst>
+    <a:ext uri="{05A4C25C-085E-4340-85A3-A5531E510DB2}">
+      <thm15:themeFamily xmlns:thm15="http://schemas.microsoft.com/office/thememl/2012/main" name="Office Theme" id="{62F939B6-93AF-4DB8-9C6B-D6C7DFDC589F}" vid="{4A3C46E8-61CC-4603-A589-7422A47A8E4A}"/>
+    </a:ext>
+  </a:extLst>
 </a:theme>
 </file>
--- a/fifth_review.pptx
+++ b/fifth_review.pptx
@@ -4144,8 +4144,8 @@
         </p:nvSpPr>
         <p:spPr>
           <a:xfrm>
-            <a:off x="228600" y="1904683"/>
-            <a:ext cx="8229600" cy="1143000"/>
+            <a:off x="288925" y="1905000"/>
+            <a:ext cx="8169275" cy="720090"/>
           </a:xfrm>
         </p:spPr>
         <p:txBody>
@@ -4153,7 +4153,7 @@
           <a:p>
             <a:pPr algn="l"/>
             <a:r>
-              <a:rPr lang="en-US" sz="3600" b="1" dirty="0" smtClean="0">
+              <a:rPr lang="en-US" sz="3200" b="1" dirty="0" smtClean="0">
                 <a:solidFill>
                   <a:schemeClr val="tx2">
                     <a:lumMod val="50000"/>
@@ -4165,7 +4165,7 @@
               </a:rPr>
               <a:t>Background Information</a:t>
             </a:r>
-            <a:endParaRPr lang="en-US" sz="3600" b="1" dirty="0" smtClean="0">
+            <a:endParaRPr lang="en-US" sz="3200" b="1" dirty="0" smtClean="0">
               <a:solidFill>
                 <a:schemeClr val="tx2">
                   <a:lumMod val="50000"/>
@@ -4190,8 +4190,8 @@
         </p:nvSpPr>
         <p:spPr>
           <a:xfrm>
-            <a:off x="533400" y="3276600"/>
-            <a:ext cx="4038600" cy="1947545"/>
+            <a:off x="515620" y="2889885"/>
+            <a:ext cx="4056380" cy="2334260"/>
           </a:xfrm>
         </p:spPr>
         <p:txBody>
@@ -4359,8 +4359,8 @@
         </p:nvSpPr>
         <p:spPr>
           <a:xfrm>
-            <a:off x="457200" y="1599883"/>
-            <a:ext cx="8229600" cy="1143000"/>
+            <a:off x="440690" y="1600200"/>
+            <a:ext cx="8246110" cy="777240"/>
           </a:xfrm>
         </p:spPr>
         <p:txBody>
@@ -4368,7 +4368,7 @@
           <a:p>
             <a:pPr algn="l"/>
             <a:r>
-              <a:rPr lang="en-US" sz="3600" b="1" dirty="0" smtClean="0">
+              <a:rPr lang="en-US" sz="3200" b="1" dirty="0" smtClean="0">
                 <a:solidFill>
                   <a:schemeClr val="tx2">
                     <a:lumMod val="50000"/>
@@ -4380,7 +4380,7 @@
               </a:rPr>
               <a:t>Changes in Requirement</a:t>
             </a:r>
-            <a:endParaRPr lang="en-US" sz="3600" b="1" dirty="0" smtClean="0">
+            <a:endParaRPr lang="en-US" sz="3200" b="1" dirty="0" smtClean="0">
               <a:solidFill>
                 <a:schemeClr val="tx2">
                   <a:lumMod val="50000"/>
@@ -4405,14 +4405,140 @@
         </p:nvSpPr>
         <p:spPr>
           <a:xfrm>
-            <a:off x="457200" y="2940685"/>
-            <a:ext cx="8229600" cy="3185795"/>
+            <a:off x="509905" y="2645410"/>
+            <a:ext cx="8176895" cy="3481070"/>
           </a:xfrm>
         </p:spPr>
         <p:txBody>
-          <a:bodyPr/>
-          <a:p>
-            <a:endParaRPr lang="en-US"/>
+          <a:bodyPr>
+            <a:normAutofit/>
+          </a:bodyPr>
+          <a:p>
+            <a:r>
+              <a:rPr lang="en-US" sz="2400">
+                <a:latin typeface="Times New Roman" panose="02020603050405020304" charset="0"/>
+                <a:cs typeface="Times New Roman" panose="02020603050405020304" charset="0"/>
+              </a:rPr>
+              <a:t>4.1 Student Registration</a:t>
+            </a:r>
+            <a:endParaRPr lang="en-US" sz="2400">
+              <a:latin typeface="Times New Roman" panose="02020603050405020304" charset="0"/>
+              <a:cs typeface="Times New Roman" panose="02020603050405020304" charset="0"/>
+            </a:endParaRPr>
+          </a:p>
+          <a:p>
+            <a:pPr lvl="1">
+              <a:buFont typeface="Wingdings" panose="05000000000000000000" charset="0"/>
+              <a:buChar char="ü"/>
+            </a:pPr>
+            <a:r>
+              <a:rPr lang="en-US" sz="2400">
+                <a:latin typeface="Times New Roman" panose="02020603050405020304" charset="0"/>
+                <a:cs typeface="Times New Roman" panose="02020603050405020304" charset="0"/>
+              </a:rPr>
+              <a:t>Approval of students is done by class teacher</a:t>
+            </a:r>
+            <a:endParaRPr lang="en-US" sz="2400">
+              <a:latin typeface="Times New Roman" panose="02020603050405020304" charset="0"/>
+              <a:cs typeface="Times New Roman" panose="02020603050405020304" charset="0"/>
+            </a:endParaRPr>
+          </a:p>
+          <a:p>
+            <a:pPr marL="332740" lvl="1" indent="-285115">
+              <a:buFont typeface="Arial" panose="020B0604020202020204" pitchFamily="34" charset="0"/>
+              <a:buChar char="•"/>
+            </a:pPr>
+            <a:r>
+              <a:rPr lang="en-US" sz="2400">
+                <a:latin typeface="Times New Roman" panose="02020603050405020304" charset="0"/>
+                <a:cs typeface="Times New Roman" panose="02020603050405020304" charset="0"/>
+              </a:rPr>
+              <a:t> 4.2 Class Teacher Account Management </a:t>
+            </a:r>
+            <a:endParaRPr lang="en-US" sz="2400">
+              <a:latin typeface="Times New Roman" panose="02020603050405020304" charset="0"/>
+              <a:cs typeface="Times New Roman" panose="02020603050405020304" charset="0"/>
+            </a:endParaRPr>
+          </a:p>
+          <a:p>
+            <a:pPr marL="504825" lvl="1" indent="222250" defTabSz="914400">
+              <a:buFont typeface="Wingdings" panose="05000000000000000000" charset="0"/>
+              <a:buChar char="ü"/>
+              <a:tabLst>
+                <a:tab pos="457200" algn="l"/>
+              </a:tabLst>
+            </a:pPr>
+            <a:r>
+              <a:rPr lang="en-US" sz="2400">
+                <a:latin typeface="Times New Roman" panose="02020603050405020304" charset="0"/>
+                <a:cs typeface="Times New Roman" panose="02020603050405020304" charset="0"/>
+              </a:rPr>
+              <a:t> Edit action for admin</a:t>
+            </a:r>
+            <a:endParaRPr lang="en-US" sz="2400">
+              <a:latin typeface="Times New Roman" panose="02020603050405020304" charset="0"/>
+              <a:cs typeface="Times New Roman" panose="02020603050405020304" charset="0"/>
+            </a:endParaRPr>
+          </a:p>
+          <a:p>
+            <a:pPr marL="499745" lvl="1" indent="-456565" defTabSz="914400">
+              <a:buFont typeface="Arial" panose="020B0604020202020204" pitchFamily="34" charset="0"/>
+              <a:buChar char="•"/>
+              <a:tabLst>
+                <a:tab pos="228600" algn="l"/>
+              </a:tabLst>
+            </a:pPr>
+            <a:r>
+              <a:rPr lang="en-US" sz="2400">
+                <a:latin typeface="Times New Roman" panose="02020603050405020304" charset="0"/>
+                <a:cs typeface="Times New Roman" panose="02020603050405020304" charset="0"/>
+              </a:rPr>
+              <a:t>4.3 Student Personal Detail Management	</a:t>
+            </a:r>
+            <a:endParaRPr lang="en-US" sz="2400">
+              <a:latin typeface="Times New Roman" panose="02020603050405020304" charset="0"/>
+              <a:cs typeface="Times New Roman" panose="02020603050405020304" charset="0"/>
+            </a:endParaRPr>
+          </a:p>
+          <a:p>
+            <a:pPr marL="500380" lvl="1" indent="-15875" defTabSz="914400">
+              <a:buFont typeface="Wingdings" panose="05000000000000000000" charset="0"/>
+              <a:buChar char="ü"/>
+              <a:tabLst>
+                <a:tab pos="228600" algn="l"/>
+              </a:tabLst>
+            </a:pPr>
+            <a:r>
+              <a:rPr lang="en-US" sz="2400">
+                <a:latin typeface="Times New Roman" panose="02020603050405020304" charset="0"/>
+                <a:cs typeface="Times New Roman" panose="02020603050405020304" charset="0"/>
+              </a:rPr>
+              <a:t>Edit action for admin</a:t>
+            </a:r>
+            <a:endParaRPr lang="en-US" sz="2400">
+              <a:latin typeface="Times New Roman" panose="02020603050405020304" charset="0"/>
+              <a:cs typeface="Times New Roman" panose="02020603050405020304" charset="0"/>
+            </a:endParaRPr>
+          </a:p>
+          <a:p>
+            <a:pPr marL="500380" lvl="1" indent="-15875" defTabSz="914400">
+              <a:buFont typeface="Wingdings" panose="05000000000000000000" charset="0"/>
+              <a:buChar char="ü"/>
+              <a:tabLst>
+                <a:tab pos="228600" algn="l"/>
+              </a:tabLst>
+            </a:pPr>
+            <a:r>
+              <a:rPr lang="en-US" sz="2400">
+                <a:latin typeface="Times New Roman" panose="02020603050405020304" charset="0"/>
+                <a:cs typeface="Times New Roman" panose="02020603050405020304" charset="0"/>
+              </a:rPr>
+              <a:t>Create action for student</a:t>
+            </a:r>
+            <a:endParaRPr lang="en-US" sz="2400">
+              <a:latin typeface="Times New Roman" panose="02020603050405020304" charset="0"/>
+              <a:cs typeface="Times New Roman" panose="02020603050405020304" charset="0"/>
+            </a:endParaRPr>
           </a:p>
         </p:txBody>
       </p:sp>
@@ -4538,12 +4664,14 @@
         </p:nvSpPr>
         <p:spPr>
           <a:xfrm>
-            <a:off x="533400" y="1599883"/>
-            <a:ext cx="8229600" cy="1143000"/>
+            <a:off x="609600" y="1863090"/>
+            <a:ext cx="8250555" cy="614680"/>
           </a:xfrm>
         </p:spPr>
         <p:txBody>
-          <a:bodyPr/>
+          <a:bodyPr>
+            <a:normAutofit fontScale="90000"/>
+          </a:bodyPr>
           <a:p>
             <a:pPr algn="l"/>
             <a:r>
@@ -4592,26 +4720,26 @@
           <a:bodyPr/>
           <a:p>
             <a:r>
-              <a:rPr lang="en-US">
+              <a:rPr lang="en-US" sz="2800">
                 <a:latin typeface="Times New Roman" panose="02020603050405020304" charset="0"/>
                 <a:cs typeface="Times New Roman" panose="02020603050405020304" charset="0"/>
               </a:rPr>
               <a:t>Introducing digitized student registration system </a:t>
             </a:r>
-            <a:endParaRPr lang="en-US">
+            <a:endParaRPr lang="en-US" sz="2800">
               <a:latin typeface="Times New Roman" panose="02020603050405020304" charset="0"/>
               <a:cs typeface="Times New Roman" panose="02020603050405020304" charset="0"/>
             </a:endParaRPr>
           </a:p>
           <a:p>
             <a:r>
-              <a:rPr lang="en-US">
+              <a:rPr lang="en-US" sz="2800">
                 <a:latin typeface="Times New Roman" panose="02020603050405020304" charset="0"/>
                 <a:cs typeface="Times New Roman" panose="02020603050405020304" charset="0"/>
               </a:rPr>
               <a:t>Replacing paper-based student information management system </a:t>
             </a:r>
-            <a:endParaRPr lang="en-US">
+            <a:endParaRPr lang="en-US" sz="2800">
               <a:latin typeface="Times New Roman" panose="02020603050405020304" charset="0"/>
               <a:cs typeface="Times New Roman" panose="02020603050405020304" charset="0"/>
             </a:endParaRPr>
@@ -4740,8 +4868,8 @@
         </p:nvSpPr>
         <p:spPr>
           <a:xfrm>
-            <a:off x="468630" y="1752283"/>
-            <a:ext cx="8229600" cy="1143000"/>
+            <a:off x="420370" y="1676400"/>
+            <a:ext cx="8322945" cy="761365"/>
           </a:xfrm>
         </p:spPr>
         <p:txBody>
@@ -4749,13 +4877,13 @@
           <a:p>
             <a:pPr algn="l"/>
             <a:r>
-              <a:rPr lang="en-US" sz="3600" b="1">
+              <a:rPr lang="en-US" sz="3200" b="1">
                 <a:latin typeface="Times New Roman" panose="02020603050405020304" charset="0"/>
                 <a:cs typeface="Times New Roman" panose="02020603050405020304" charset="0"/>
               </a:rPr>
               <a:t>Site Map</a:t>
             </a:r>
-            <a:endParaRPr lang="en-US" sz="3600" b="1">
+            <a:endParaRPr lang="en-US" sz="3200" b="1">
               <a:latin typeface="Times New Roman" panose="02020603050405020304" charset="0"/>
               <a:cs typeface="Times New Roman" panose="02020603050405020304" charset="0"/>
             </a:endParaRPr>
@@ -4774,8 +4902,8 @@
         </p:nvSpPr>
         <p:spPr>
           <a:xfrm>
-            <a:off x="476885" y="2894965"/>
-            <a:ext cx="8209915" cy="3231515"/>
+            <a:off x="420370" y="2599690"/>
+            <a:ext cx="8266430" cy="3526790"/>
           </a:xfrm>
         </p:spPr>
         <p:txBody>
@@ -4919,7 +5047,7 @@
           <a:p>
             <a:pPr algn="l"/>
             <a:r>
-              <a:rPr lang="en-US" sz="3600" b="1" dirty="0" smtClean="0">
+              <a:rPr lang="en-US" sz="3200" b="1" dirty="0" smtClean="0">
                 <a:solidFill>
                   <a:schemeClr val="tx2">
                     <a:lumMod val="50000"/>
@@ -4931,7 +5059,7 @@
               </a:rPr>
               <a:t>Work Progress</a:t>
             </a:r>
-            <a:endParaRPr lang="en-US" sz="3600" b="1" dirty="0" smtClean="0">
+            <a:endParaRPr lang="en-US" sz="3200" b="1" dirty="0" smtClean="0">
               <a:solidFill>
                 <a:schemeClr val="tx2">
                   <a:lumMod val="50000"/>
@@ -5098,7 +5226,7 @@
           <a:p>
             <a:pPr algn="l"/>
             <a:r>
-              <a:rPr lang="en-US" sz="3600" b="1" dirty="0" smtClean="0">
+              <a:rPr lang="en-US" sz="3200" b="1" dirty="0" smtClean="0">
                 <a:solidFill>
                   <a:schemeClr val="tx2">
                     <a:lumMod val="50000"/>
@@ -5110,7 +5238,7 @@
               </a:rPr>
               <a:t>UI Demo</a:t>
             </a:r>
-            <a:endParaRPr lang="en-US" sz="3600" b="1" dirty="0" smtClean="0">
+            <a:endParaRPr lang="en-US" sz="3200" b="1" dirty="0" smtClean="0">
               <a:solidFill>
                 <a:schemeClr val="tx2">
                   <a:lumMod val="50000"/>
@@ -5279,7 +5407,7 @@
           <a:p>
             <a:pPr algn="l"/>
             <a:r>
-              <a:rPr lang="en-US" sz="3600" b="1" dirty="0" smtClean="0">
+              <a:rPr lang="en-US" sz="3200" b="1" dirty="0" smtClean="0">
                 <a:solidFill>
                   <a:schemeClr val="tx2">
                     <a:lumMod val="50000"/>
@@ -5291,7 +5419,7 @@
               </a:rPr>
               <a:t>Future work</a:t>
             </a:r>
-            <a:endParaRPr lang="en-US" sz="3600" b="1" dirty="0" smtClean="0">
+            <a:endParaRPr lang="en-US" sz="3200" b="1" dirty="0" smtClean="0">
               <a:solidFill>
                 <a:schemeClr val="tx2">
                   <a:lumMod val="50000"/>

--- a/fifth_review.pptx
+++ b/fifth_review.pptx
@@ -5,7 +5,7 @@
     <p:sldMasterId id="2147483648" r:id="rId1"/>
   </p:sldMasterIdLst>
   <p:notesMasterIdLst>
-    <p:notesMasterId r:id="rId13"/>
+    <p:notesMasterId r:id="rId12"/>
   </p:notesMasterIdLst>
   <p:sldIdLst>
     <p:sldId id="256" r:id="rId3"/>
@@ -14,10 +14,9 @@
     <p:sldId id="259" r:id="rId6"/>
     <p:sldId id="260" r:id="rId7"/>
     <p:sldId id="261" r:id="rId8"/>
-    <p:sldId id="262" r:id="rId9"/>
-    <p:sldId id="263" r:id="rId10"/>
-    <p:sldId id="264" r:id="rId11"/>
-    <p:sldId id="265" r:id="rId12"/>
+    <p:sldId id="263" r:id="rId9"/>
+    <p:sldId id="264" r:id="rId10"/>
+    <p:sldId id="265" r:id="rId11"/>
   </p:sldIdLst>
   <p:sldSz cx="9144000" cy="6858000" type="screen4x3"/>
   <p:notesSz cx="6858000" cy="9144000"/>
@@ -3607,164 +3606,6 @@
 </p:sld>
 </file>
 
-<file path=ppt/slides/slide10.xml><?xml version="1.0" encoding="utf-8"?>
-<p:sld xmlns:a="http://schemas.openxmlformats.org/drawingml/2006/main" xmlns:r="http://schemas.openxmlformats.org/officeDocument/2006/relationships" xmlns:p="http://schemas.openxmlformats.org/presentationml/2006/main">
-  <p:cSld>
-    <p:spTree>
-      <p:nvGrpSpPr>
-        <p:cNvPr id="1" name=""/>
-        <p:cNvGrpSpPr/>
-        <p:nvPr/>
-      </p:nvGrpSpPr>
-      <p:grpSpPr/>
-      <p:sp>
-        <p:nvSpPr>
-          <p:cNvPr id="2" name="Title 1"/>
-          <p:cNvSpPr>
-            <a:spLocks noGrp="1"/>
-          </p:cNvSpPr>
-          <p:nvPr>
-            <p:ph type="title"/>
-          </p:nvPr>
-        </p:nvSpPr>
-        <p:spPr>
-          <a:xfrm>
-            <a:off x="762000" y="2742883"/>
-            <a:ext cx="8229600" cy="1143000"/>
-          </a:xfrm>
-        </p:spPr>
-        <p:txBody>
-          <a:bodyPr>
-            <a:normAutofit fontScale="90000"/>
-          </a:bodyPr>
-          <a:p>
-            <a:r>
-              <a:rPr lang="en-US" b="1" dirty="0" smtClean="0">
-                <a:solidFill>
-                  <a:schemeClr val="tx2">
-                    <a:lumMod val="50000"/>
-                  </a:schemeClr>
-                </a:solidFill>
-                <a:latin typeface="Times New Roman" panose="02020603050405020304" charset="0"/>
-                <a:cs typeface="Times New Roman" panose="02020603050405020304" charset="0"/>
-              </a:rPr>
-              <a:t>Thank you for listening!</a:t>
-            </a:r>
-            <a:br>
-              <a:rPr lang="en-US" b="1" dirty="0" smtClean="0">
-                <a:solidFill>
-                  <a:schemeClr val="tx2">
-                    <a:lumMod val="50000"/>
-                  </a:schemeClr>
-                </a:solidFill>
-                <a:latin typeface="Times New Roman" panose="02020603050405020304" charset="0"/>
-                <a:cs typeface="Times New Roman" panose="02020603050405020304" charset="0"/>
-              </a:rPr>
-            </a:br>
-            <a:endParaRPr lang="en-US"/>
-          </a:p>
-        </p:txBody>
-      </p:sp>
-      <p:sp>
-        <p:nvSpPr>
-          <p:cNvPr id="4" name="Date Placeholder 3"/>
-          <p:cNvSpPr>
-            <a:spLocks noGrp="1"/>
-          </p:cNvSpPr>
-          <p:nvPr>
-            <p:ph type="dt" sz="half" idx="10"/>
-          </p:nvPr>
-        </p:nvSpPr>
-        <p:spPr/>
-        <p:txBody>
-          <a:bodyPr/>
-          <a:p>
-            <a:fld id="{29FF40B1-8B0E-4B72-970D-715561CA4C5D}" type="datetime1">
-              <a:rPr lang="en-US" smtClean="0"/>
-            </a:fld>
-            <a:endParaRPr lang="en-US"/>
-          </a:p>
-        </p:txBody>
-      </p:sp>
-      <p:sp>
-        <p:nvSpPr>
-          <p:cNvPr id="5" name="Footer Placeholder 4"/>
-          <p:cNvSpPr>
-            <a:spLocks noGrp="1"/>
-          </p:cNvSpPr>
-          <p:nvPr>
-            <p:ph type="ftr" sz="quarter" idx="11"/>
-          </p:nvPr>
-        </p:nvSpPr>
-        <p:spPr/>
-        <p:txBody>
-          <a:bodyPr/>
-          <a:p>
-            <a:r>
-              <a:rPr lang="en-US" smtClean="0"/>
-              <a:t>Student IMS @copyright 2021</a:t>
-            </a:r>
-            <a:endParaRPr lang="en-US"/>
-          </a:p>
-        </p:txBody>
-      </p:sp>
-      <p:sp>
-        <p:nvSpPr>
-          <p:cNvPr id="6" name="Slide Number Placeholder 5"/>
-          <p:cNvSpPr>
-            <a:spLocks noGrp="1"/>
-          </p:cNvSpPr>
-          <p:nvPr>
-            <p:ph type="sldNum" sz="quarter" idx="12"/>
-          </p:nvPr>
-        </p:nvSpPr>
-        <p:spPr/>
-        <p:txBody>
-          <a:bodyPr/>
-          <a:p>
-            <a:fld id="{B6F15528-21DE-4FAA-801E-634DDDAF4B2B}" type="slidenum">
-              <a:rPr lang="en-US" smtClean="0"/>
-            </a:fld>
-            <a:endParaRPr lang="en-US"/>
-          </a:p>
-        </p:txBody>
-      </p:sp>
-      <p:pic>
-        <p:nvPicPr>
-          <p:cNvPr id="7" name="Picture 2" descr="GCIT"/>
-          <p:cNvPicPr>
-            <a:picLocks noChangeAspect="1" noChangeArrowheads="1"/>
-          </p:cNvPicPr>
-          <p:nvPr>
-            <p:ph sz="half" idx="2"/>
-          </p:nvPr>
-        </p:nvPicPr>
-        <p:blipFill>
-          <a:blip r:embed="rId1"/>
-          <a:srcRect r="1445"/>
-          <a:stretch>
-            <a:fillRect/>
-          </a:stretch>
-        </p:blipFill>
-        <p:spPr bwMode="auto">
-          <a:xfrm>
-            <a:off x="-23495" y="0"/>
-            <a:ext cx="9168130" cy="1371600"/>
-          </a:xfrm>
-          <a:prstGeom prst="rect">
-            <a:avLst/>
-          </a:prstGeom>
-          <a:noFill/>
-        </p:spPr>
-      </p:pic>
-    </p:spTree>
-  </p:cSld>
-  <p:clrMapOvr>
-    <a:masterClrMapping/>
-  </p:clrMapOvr>
-</p:sld>
-</file>
-
 <file path=ppt/slides/slide2.xml><?xml version="1.0" encoding="utf-8"?>
 <p:sld xmlns:a="http://schemas.openxmlformats.org/drawingml/2006/main" xmlns:r="http://schemas.openxmlformats.org/officeDocument/2006/relationships" xmlns:p="http://schemas.openxmlformats.org/presentationml/2006/main">
   <p:cSld>
@@ -3884,7 +3725,7 @@
         <p:spPr>
           <a:xfrm>
             <a:off x="683260" y="1973580"/>
-            <a:ext cx="7594600" cy="3969385"/>
+            <a:ext cx="7594600" cy="3538220"/>
           </a:xfrm>
           <a:prstGeom prst="rect">
             <a:avLst/>
@@ -4037,7 +3878,7 @@
                 <a:latin typeface="Times New Roman" panose="02020603050405020304" charset="0"/>
                 <a:cs typeface="Times New Roman" panose="02020603050405020304" charset="0"/>
               </a:rPr>
-              <a:t>Work Progress</a:t>
+              <a:t>UI Demo</a:t>
             </a:r>
             <a:endParaRPr lang="en-US" sz="2800" b="1" dirty="0" smtClean="0">
               <a:solidFill>
@@ -4063,33 +3904,7 @@
                 <a:latin typeface="Times New Roman" panose="02020603050405020304" charset="0"/>
                 <a:cs typeface="Times New Roman" panose="02020603050405020304" charset="0"/>
               </a:rPr>
-              <a:t>UI Demo</a:t>
-            </a:r>
-            <a:endParaRPr lang="en-US" sz="2800" b="1" dirty="0" smtClean="0">
-              <a:solidFill>
-                <a:schemeClr val="tx2">
-                  <a:lumMod val="50000"/>
-                </a:schemeClr>
-              </a:solidFill>
-              <a:latin typeface="Times New Roman" panose="02020603050405020304" charset="0"/>
-              <a:cs typeface="Times New Roman" panose="02020603050405020304" charset="0"/>
-            </a:endParaRPr>
-          </a:p>
-          <a:p>
-            <a:pPr marL="342900" indent="-342900">
-              <a:buAutoNum type="arabicPeriod"/>
-            </a:pPr>
-            <a:r>
-              <a:rPr lang="en-US" sz="2800" b="1" dirty="0" smtClean="0">
-                <a:solidFill>
-                  <a:schemeClr val="tx2">
-                    <a:lumMod val="50000"/>
-                  </a:schemeClr>
-                </a:solidFill>
-                <a:latin typeface="Times New Roman" panose="02020603050405020304" charset="0"/>
-                <a:cs typeface="Times New Roman" panose="02020603050405020304" charset="0"/>
-              </a:rPr>
-              <a:t>Future work</a:t>
+              <a:t>Work progress</a:t>
             </a:r>
             <a:endParaRPr lang="en-US" sz="2800" b="1" dirty="0" smtClean="0">
               <a:solidFill>
@@ -4481,7 +4296,7 @@
             </a:endParaRPr>
           </a:p>
           <a:p>
-            <a:pPr marL="499745" lvl="1" indent="-456565" defTabSz="914400">
+            <a:pPr marL="423545" lvl="1" indent="-379730" defTabSz="914400">
               <a:buFont typeface="Arial" panose="020B0604020202020204" pitchFamily="34" charset="0"/>
               <a:buChar char="•"/>
               <a:tabLst>
@@ -5038,8 +4853,8 @@
         </p:nvSpPr>
         <p:spPr>
           <a:xfrm>
-            <a:off x="434340" y="1569720"/>
-            <a:ext cx="8252460" cy="716280"/>
+            <a:off x="469900" y="1447800"/>
+            <a:ext cx="8216900" cy="837565"/>
           </a:xfrm>
         </p:spPr>
         <p:txBody>
@@ -5057,7 +4872,7 @@
                 <a:cs typeface="Times New Roman" panose="02020603050405020304" charset="0"/>
                 <a:sym typeface="+mn-ea"/>
               </a:rPr>
-              <a:t>Work Progress</a:t>
+              <a:t>UI Demo</a:t>
             </a:r>
             <a:endParaRPr lang="en-US" sz="3200" b="1" dirty="0" smtClean="0">
               <a:solidFill>
@@ -5084,14 +4899,17 @@
         </p:nvSpPr>
         <p:spPr>
           <a:xfrm>
-            <a:off x="465455" y="2483485"/>
-            <a:ext cx="8221345" cy="3642995"/>
+            <a:off x="480695" y="2387600"/>
+            <a:ext cx="8206105" cy="3738880"/>
           </a:xfrm>
         </p:spPr>
         <p:txBody>
           <a:bodyPr/>
           <a:p>
-            <a:endParaRPr lang="en-US"/>
+            <a:endParaRPr lang="en-US">
+              <a:latin typeface="Times New Roman" panose="02020603050405020304" charset="0"/>
+              <a:cs typeface="Times New Roman" panose="02020603050405020304" charset="0"/>
+            </a:endParaRPr>
           </a:p>
         </p:txBody>
       </p:sp>
@@ -5217,12 +5035,14 @@
         </p:nvSpPr>
         <p:spPr>
           <a:xfrm>
-            <a:off x="469900" y="1447800"/>
-            <a:ext cx="8216900" cy="837565"/>
+            <a:off x="449580" y="1676400"/>
+            <a:ext cx="8221345" cy="500380"/>
           </a:xfrm>
         </p:spPr>
         <p:txBody>
-          <a:bodyPr/>
+          <a:bodyPr>
+            <a:noAutofit/>
+          </a:bodyPr>
           <a:p>
             <a:pPr algn="l"/>
             <a:r>
@@ -5236,7 +5056,7 @@
                 <a:cs typeface="Times New Roman" panose="02020603050405020304" charset="0"/>
                 <a:sym typeface="+mn-ea"/>
               </a:rPr>
-              <a:t>UI Demo</a:t>
+              <a:t>Work progress</a:t>
             </a:r>
             <a:endParaRPr lang="en-US" sz="3200" b="1" dirty="0" smtClean="0">
               <a:solidFill>
@@ -5263,14 +5083,62 @@
         </p:nvSpPr>
         <p:spPr>
           <a:xfrm>
-            <a:off x="480695" y="2387600"/>
-            <a:ext cx="8206105" cy="3738880"/>
+            <a:off x="523875" y="2468245"/>
+            <a:ext cx="8162925" cy="3658235"/>
           </a:xfrm>
         </p:spPr>
         <p:txBody>
           <a:bodyPr/>
           <a:p>
-            <a:endParaRPr lang="en-US"/>
+            <a:r>
+              <a:rPr lang="en-US">
+                <a:latin typeface="Times New Roman" panose="02020603050405020304" charset="0"/>
+                <a:cs typeface="Times New Roman" panose="02020603050405020304" charset="0"/>
+              </a:rPr>
+              <a:t>Frontend </a:t>
+            </a:r>
+            <a:endParaRPr lang="en-US">
+              <a:latin typeface="Times New Roman" panose="02020603050405020304" charset="0"/>
+              <a:cs typeface="Times New Roman" panose="02020603050405020304" charset="0"/>
+            </a:endParaRPr>
+          </a:p>
+          <a:p>
+            <a:pPr marL="0" indent="0">
+              <a:buNone/>
+            </a:pPr>
+            <a:r>
+              <a:rPr lang="en-US" b="1">
+                <a:latin typeface="Times New Roman" panose="02020603050405020304" charset="0"/>
+                <a:cs typeface="Times New Roman" panose="02020603050405020304" charset="0"/>
+              </a:rPr>
+              <a:t>Future work</a:t>
+            </a:r>
+            <a:endParaRPr lang="en-US" b="1">
+              <a:latin typeface="Times New Roman" panose="02020603050405020304" charset="0"/>
+              <a:cs typeface="Times New Roman" panose="02020603050405020304" charset="0"/>
+            </a:endParaRPr>
+          </a:p>
+          <a:p>
+            <a:r>
+              <a:rPr lang="en-US">
+                <a:latin typeface="Times New Roman" panose="02020603050405020304" charset="0"/>
+                <a:cs typeface="Times New Roman" panose="02020603050405020304" charset="0"/>
+              </a:rPr>
+              <a:t>Backend using Laravel framework</a:t>
+            </a:r>
+            <a:endParaRPr lang="en-US">
+              <a:latin typeface="Times New Roman" panose="02020603050405020304" charset="0"/>
+              <a:cs typeface="Times New Roman" panose="02020603050405020304" charset="0"/>
+            </a:endParaRPr>
+          </a:p>
+          <a:p>
+            <a:pPr marL="0" indent="0">
+              <a:buNone/>
+            </a:pPr>
+            <a:endParaRPr lang="en-US">
+              <a:latin typeface="Times New Roman" panose="02020603050405020304" charset="0"/>
+              <a:cs typeface="Times New Roman" panose="02020603050405020304" charset="0"/>
+            </a:endParaRPr>
           </a:p>
         </p:txBody>
       </p:sp>
@@ -5396,18 +5264,17 @@
         </p:nvSpPr>
         <p:spPr>
           <a:xfrm>
-            <a:off x="449580" y="1676400"/>
-            <a:ext cx="8221345" cy="500380"/>
+            <a:off x="762000" y="2742883"/>
+            <a:ext cx="8229600" cy="1143000"/>
           </a:xfrm>
         </p:spPr>
         <p:txBody>
           <a:bodyPr>
-            <a:noAutofit/>
+            <a:normAutofit fontScale="90000"/>
           </a:bodyPr>
           <a:p>
-            <a:pPr algn="l"/>
-            <a:r>
-              <a:rPr lang="en-US" sz="3200" b="1" dirty="0" smtClean="0">
+            <a:r>
+              <a:rPr lang="en-US" b="1" dirty="0" smtClean="0">
                 <a:solidFill>
                   <a:schemeClr val="tx2">
                     <a:lumMod val="50000"/>
@@ -5415,42 +5282,20 @@
                 </a:solidFill>
                 <a:latin typeface="Times New Roman" panose="02020603050405020304" charset="0"/>
                 <a:cs typeface="Times New Roman" panose="02020603050405020304" charset="0"/>
-                <a:sym typeface="+mn-ea"/>
               </a:rPr>
-              <a:t>Future work</a:t>
-            </a:r>
-            <a:endParaRPr lang="en-US" sz="3200" b="1" dirty="0" smtClean="0">
-              <a:solidFill>
-                <a:schemeClr val="tx2">
-                  <a:lumMod val="50000"/>
-                </a:schemeClr>
-              </a:solidFill>
-              <a:latin typeface="Times New Roman" panose="02020603050405020304" charset="0"/>
-              <a:cs typeface="Times New Roman" panose="02020603050405020304" charset="0"/>
-              <a:sym typeface="+mn-ea"/>
-            </a:endParaRPr>
-          </a:p>
-        </p:txBody>
-      </p:sp>
-      <p:sp>
-        <p:nvSpPr>
-          <p:cNvPr id="3" name="Content Placeholder 2"/>
-          <p:cNvSpPr>
-            <a:spLocks noGrp="1"/>
-          </p:cNvSpPr>
-          <p:nvPr>
-            <p:ph idx="1"/>
-          </p:nvPr>
-        </p:nvSpPr>
-        <p:spPr>
-          <a:xfrm>
-            <a:off x="523875" y="2468245"/>
-            <a:ext cx="8162925" cy="3658235"/>
-          </a:xfrm>
-        </p:spPr>
-        <p:txBody>
-          <a:bodyPr/>
-          <a:p>
+              <a:t>Thank you for listening!</a:t>
+            </a:r>
+            <a:br>
+              <a:rPr lang="en-US" b="1" dirty="0" smtClean="0">
+                <a:solidFill>
+                  <a:schemeClr val="tx2">
+                    <a:lumMod val="50000"/>
+                  </a:schemeClr>
+                </a:solidFill>
+                <a:latin typeface="Times New Roman" panose="02020603050405020304" charset="0"/>
+                <a:cs typeface="Times New Roman" panose="02020603050405020304" charset="0"/>
+              </a:rPr>
+            </a:br>
             <a:endParaRPr lang="en-US"/>
           </a:p>
         </p:txBody>

--- a/fifth_review.pptx
+++ b/fifth_review.pptx
@@ -5,18 +5,18 @@
     <p:sldMasterId id="2147483648" r:id="rId1"/>
   </p:sldMasterIdLst>
   <p:notesMasterIdLst>
-    <p:notesMasterId r:id="rId12"/>
+    <p:notesMasterId r:id="rId11"/>
   </p:notesMasterIdLst>
   <p:sldIdLst>
-    <p:sldId id="256" r:id="rId3"/>
-    <p:sldId id="257" r:id="rId4"/>
-    <p:sldId id="258" r:id="rId5"/>
-    <p:sldId id="259" r:id="rId6"/>
-    <p:sldId id="260" r:id="rId7"/>
-    <p:sldId id="261" r:id="rId8"/>
-    <p:sldId id="263" r:id="rId9"/>
-    <p:sldId id="264" r:id="rId10"/>
-    <p:sldId id="265" r:id="rId11"/>
+    <p:sldId id="256" r:id="rId2"/>
+    <p:sldId id="257" r:id="rId3"/>
+    <p:sldId id="258" r:id="rId4"/>
+    <p:sldId id="259" r:id="rId5"/>
+    <p:sldId id="260" r:id="rId6"/>
+    <p:sldId id="261" r:id="rId7"/>
+    <p:sldId id="263" r:id="rId8"/>
+    <p:sldId id="264" r:id="rId9"/>
+    <p:sldId id="265" r:id="rId10"/>
   </p:sldIdLst>
   <p:sldSz cx="9144000" cy="6858000" type="screen4x3"/>
   <p:notesSz cx="6858000" cy="9144000"/>
@@ -200,6 +200,8 @@
           <a:p>
             <a:fld id="{27B7BF55-4331-405B-BD3D-A916DA9DD4EF}" type="datetimeFigureOut">
               <a:rPr lang="en-US" smtClean="0"/>
+              <a:pPr/>
+              <a:t>2/21/2021</a:t>
             </a:fld>
             <a:endParaRPr lang="en-US"/>
           </a:p>
@@ -268,7 +270,6 @@
               <a:rPr lang="en-US" smtClean="0"/>
               <a:t>Click to edit Master text styles</a:t>
             </a:r>
-            <a:endParaRPr lang="en-US" smtClean="0"/>
           </a:p>
           <a:p>
             <a:pPr lvl="1"/>
@@ -276,7 +277,6 @@
               <a:rPr lang="en-US" smtClean="0"/>
               <a:t>Second level</a:t>
             </a:r>
-            <a:endParaRPr lang="en-US" smtClean="0"/>
           </a:p>
           <a:p>
             <a:pPr lvl="2"/>
@@ -284,7 +284,6 @@
               <a:rPr lang="en-US" smtClean="0"/>
               <a:t>Third level</a:t>
             </a:r>
-            <a:endParaRPr lang="en-US" smtClean="0"/>
           </a:p>
           <a:p>
             <a:pPr lvl="3"/>
@@ -292,7 +291,6 @@
               <a:rPr lang="en-US" smtClean="0"/>
               <a:t>Fourth level</a:t>
             </a:r>
-            <a:endParaRPr lang="en-US" smtClean="0"/>
           </a:p>
           <a:p>
             <a:pPr lvl="4"/>
@@ -364,6 +362,8 @@
           <a:p>
             <a:fld id="{53803850-3974-4A34-8498-CA9FB7558B04}" type="slidenum">
               <a:rPr lang="en-US" smtClean="0"/>
+              <a:pPr/>
+              <a:t>‹#›</a:t>
             </a:fld>
             <a:endParaRPr lang="en-US"/>
           </a:p>
@@ -648,6 +648,8 @@
           <a:p>
             <a:fld id="{4C484411-CE80-4393-BC22-731792D8F56D}" type="datetime1">
               <a:rPr lang="en-US" smtClean="0"/>
+              <a:pPr/>
+              <a:t>2/21/2021</a:t>
             </a:fld>
             <a:endParaRPr lang="en-US"/>
           </a:p>
@@ -693,6 +695,8 @@
           <a:p>
             <a:fld id="{B6F15528-21DE-4FAA-801E-634DDDAF4B2B}" type="slidenum">
               <a:rPr lang="en-US" smtClean="0"/>
+              <a:pPr/>
+              <a:t>‹#›</a:t>
             </a:fld>
             <a:endParaRPr lang="en-US"/>
           </a:p>
@@ -766,7 +770,6 @@
               <a:rPr lang="en-US" smtClean="0"/>
               <a:t>Click to edit Master text styles</a:t>
             </a:r>
-            <a:endParaRPr lang="en-US" smtClean="0"/>
           </a:p>
           <a:p>
             <a:pPr lvl="1"/>
@@ -774,7 +777,6 @@
               <a:rPr lang="en-US" smtClean="0"/>
               <a:t>Second level</a:t>
             </a:r>
-            <a:endParaRPr lang="en-US" smtClean="0"/>
           </a:p>
           <a:p>
             <a:pPr lvl="2"/>
@@ -782,7 +784,6 @@
               <a:rPr lang="en-US" smtClean="0"/>
               <a:t>Third level</a:t>
             </a:r>
-            <a:endParaRPr lang="en-US" smtClean="0"/>
           </a:p>
           <a:p>
             <a:pPr lvl="3"/>
@@ -790,7 +791,6 @@
               <a:rPr lang="en-US" smtClean="0"/>
               <a:t>Fourth level</a:t>
             </a:r>
-            <a:endParaRPr lang="en-US" smtClean="0"/>
           </a:p>
           <a:p>
             <a:pPr lvl="4"/>
@@ -819,6 +819,8 @@
           <a:p>
             <a:fld id="{1CA51FB7-0011-4112-B16C-C28BEE58E834}" type="datetime1">
               <a:rPr lang="en-US" smtClean="0"/>
+              <a:pPr/>
+              <a:t>2/21/2021</a:t>
             </a:fld>
             <a:endParaRPr lang="en-US"/>
           </a:p>
@@ -864,6 +866,8 @@
           <a:p>
             <a:fld id="{B6F15528-21DE-4FAA-801E-634DDDAF4B2B}" type="slidenum">
               <a:rPr lang="en-US" smtClean="0"/>
+              <a:pPr/>
+              <a:t>‹#›</a:t>
             </a:fld>
             <a:endParaRPr lang="en-US"/>
           </a:p>
@@ -947,7 +951,6 @@
               <a:rPr lang="en-US" smtClean="0"/>
               <a:t>Click to edit Master text styles</a:t>
             </a:r>
-            <a:endParaRPr lang="en-US" smtClean="0"/>
           </a:p>
           <a:p>
             <a:pPr lvl="1"/>
@@ -955,7 +958,6 @@
               <a:rPr lang="en-US" smtClean="0"/>
               <a:t>Second level</a:t>
             </a:r>
-            <a:endParaRPr lang="en-US" smtClean="0"/>
           </a:p>
           <a:p>
             <a:pPr lvl="2"/>
@@ -963,7 +965,6 @@
               <a:rPr lang="en-US" smtClean="0"/>
               <a:t>Third level</a:t>
             </a:r>
-            <a:endParaRPr lang="en-US" smtClean="0"/>
           </a:p>
           <a:p>
             <a:pPr lvl="3"/>
@@ -971,7 +972,6 @@
               <a:rPr lang="en-US" smtClean="0"/>
               <a:t>Fourth level</a:t>
             </a:r>
-            <a:endParaRPr lang="en-US" smtClean="0"/>
           </a:p>
           <a:p>
             <a:pPr lvl="4"/>
@@ -1000,6 +1000,8 @@
           <a:p>
             <a:fld id="{0D810325-AC91-463B-9DEC-6DFD76EF917E}" type="datetime1">
               <a:rPr lang="en-US" smtClean="0"/>
+              <a:pPr/>
+              <a:t>2/21/2021</a:t>
             </a:fld>
             <a:endParaRPr lang="en-US"/>
           </a:p>
@@ -1045,6 +1047,8 @@
           <a:p>
             <a:fld id="{B6F15528-21DE-4FAA-801E-634DDDAF4B2B}" type="slidenum">
               <a:rPr lang="en-US" smtClean="0"/>
+              <a:pPr/>
+              <a:t>‹#›</a:t>
             </a:fld>
             <a:endParaRPr lang="en-US"/>
           </a:p>
@@ -1118,7 +1122,6 @@
               <a:rPr lang="en-US" smtClean="0"/>
               <a:t>Click to edit Master text styles</a:t>
             </a:r>
-            <a:endParaRPr lang="en-US" smtClean="0"/>
           </a:p>
           <a:p>
             <a:pPr lvl="1"/>
@@ -1126,7 +1129,6 @@
               <a:rPr lang="en-US" smtClean="0"/>
               <a:t>Second level</a:t>
             </a:r>
-            <a:endParaRPr lang="en-US" smtClean="0"/>
           </a:p>
           <a:p>
             <a:pPr lvl="2"/>
@@ -1134,7 +1136,6 @@
               <a:rPr lang="en-US" smtClean="0"/>
               <a:t>Third level</a:t>
             </a:r>
-            <a:endParaRPr lang="en-US" smtClean="0"/>
           </a:p>
           <a:p>
             <a:pPr lvl="3"/>
@@ -1142,7 +1143,6 @@
               <a:rPr lang="en-US" smtClean="0"/>
               <a:t>Fourth level</a:t>
             </a:r>
-            <a:endParaRPr lang="en-US" smtClean="0"/>
           </a:p>
           <a:p>
             <a:pPr lvl="4"/>
@@ -1171,6 +1171,8 @@
           <a:p>
             <a:fld id="{29FF40B1-8B0E-4B72-970D-715561CA4C5D}" type="datetime1">
               <a:rPr lang="en-US" smtClean="0"/>
+              <a:pPr/>
+              <a:t>2/21/2021</a:t>
             </a:fld>
             <a:endParaRPr lang="en-US"/>
           </a:p>
@@ -1216,6 +1218,8 @@
           <a:p>
             <a:fld id="{B6F15528-21DE-4FAA-801E-634DDDAF4B2B}" type="slidenum">
               <a:rPr lang="en-US" smtClean="0"/>
+              <a:pPr/>
+              <a:t>‹#›</a:t>
             </a:fld>
             <a:endParaRPr lang="en-US"/>
           </a:p>
@@ -1394,7 +1398,6 @@
               <a:rPr lang="en-US" smtClean="0"/>
               <a:t>Click to edit Master text styles</a:t>
             </a:r>
-            <a:endParaRPr lang="en-US" smtClean="0"/>
           </a:p>
         </p:txBody>
       </p:sp>
@@ -1415,6 +1418,8 @@
           <a:p>
             <a:fld id="{C256BA5A-254D-4C01-A5C1-C9457C87A202}" type="datetime1">
               <a:rPr lang="en-US" smtClean="0"/>
+              <a:pPr/>
+              <a:t>2/21/2021</a:t>
             </a:fld>
             <a:endParaRPr lang="en-US"/>
           </a:p>
@@ -1460,6 +1465,8 @@
           <a:p>
             <a:fld id="{B6F15528-21DE-4FAA-801E-634DDDAF4B2B}" type="slidenum">
               <a:rPr lang="en-US" smtClean="0"/>
+              <a:pPr/>
+              <a:t>‹#›</a:t>
             </a:fld>
             <a:endParaRPr lang="en-US"/>
           </a:p>
@@ -1566,7 +1573,6 @@
               <a:rPr lang="en-US" smtClean="0"/>
               <a:t>Click to edit Master text styles</a:t>
             </a:r>
-            <a:endParaRPr lang="en-US" smtClean="0"/>
           </a:p>
           <a:p>
             <a:pPr lvl="1"/>
@@ -1574,7 +1580,6 @@
               <a:rPr lang="en-US" smtClean="0"/>
               <a:t>Second level</a:t>
             </a:r>
-            <a:endParaRPr lang="en-US" smtClean="0"/>
           </a:p>
           <a:p>
             <a:pPr lvl="2"/>
@@ -1582,7 +1587,6 @@
               <a:rPr lang="en-US" smtClean="0"/>
               <a:t>Third level</a:t>
             </a:r>
-            <a:endParaRPr lang="en-US" smtClean="0"/>
           </a:p>
           <a:p>
             <a:pPr lvl="3"/>
@@ -1590,7 +1594,6 @@
               <a:rPr lang="en-US" smtClean="0"/>
               <a:t>Fourth level</a:t>
             </a:r>
-            <a:endParaRPr lang="en-US" smtClean="0"/>
           </a:p>
           <a:p>
             <a:pPr lvl="4"/>
@@ -1655,7 +1658,6 @@
               <a:rPr lang="en-US" smtClean="0"/>
               <a:t>Click to edit Master text styles</a:t>
             </a:r>
-            <a:endParaRPr lang="en-US" smtClean="0"/>
           </a:p>
           <a:p>
             <a:pPr lvl="1"/>
@@ -1663,7 +1665,6 @@
               <a:rPr lang="en-US" smtClean="0"/>
               <a:t>Second level</a:t>
             </a:r>
-            <a:endParaRPr lang="en-US" smtClean="0"/>
           </a:p>
           <a:p>
             <a:pPr lvl="2"/>
@@ -1671,7 +1672,6 @@
               <a:rPr lang="en-US" smtClean="0"/>
               <a:t>Third level</a:t>
             </a:r>
-            <a:endParaRPr lang="en-US" smtClean="0"/>
           </a:p>
           <a:p>
             <a:pPr lvl="3"/>
@@ -1679,7 +1679,6 @@
               <a:rPr lang="en-US" smtClean="0"/>
               <a:t>Fourth level</a:t>
             </a:r>
-            <a:endParaRPr lang="en-US" smtClean="0"/>
           </a:p>
           <a:p>
             <a:pPr lvl="4"/>
@@ -1708,6 +1707,8 @@
           <a:p>
             <a:fld id="{11FC07AE-EECC-4B39-B2AC-B06E310F3617}" type="datetime1">
               <a:rPr lang="en-US" smtClean="0"/>
+              <a:pPr/>
+              <a:t>2/21/2021</a:t>
             </a:fld>
             <a:endParaRPr lang="en-US"/>
           </a:p>
@@ -1753,6 +1754,8 @@
           <a:p>
             <a:fld id="{B6F15528-21DE-4FAA-801E-634DDDAF4B2B}" type="slidenum">
               <a:rPr lang="en-US" smtClean="0"/>
+              <a:pPr/>
+              <a:t>‹#›</a:t>
             </a:fld>
             <a:endParaRPr lang="en-US"/>
           </a:p>
@@ -1872,7 +1875,6 @@
               <a:rPr lang="en-US" smtClean="0"/>
               <a:t>Click to edit Master text styles</a:t>
             </a:r>
-            <a:endParaRPr lang="en-US" smtClean="0"/>
           </a:p>
         </p:txBody>
       </p:sp>
@@ -1929,7 +1931,6 @@
               <a:rPr lang="en-US" smtClean="0"/>
               <a:t>Click to edit Master text styles</a:t>
             </a:r>
-            <a:endParaRPr lang="en-US" smtClean="0"/>
           </a:p>
           <a:p>
             <a:pPr lvl="1"/>
@@ -1937,7 +1938,6 @@
               <a:rPr lang="en-US" smtClean="0"/>
               <a:t>Second level</a:t>
             </a:r>
-            <a:endParaRPr lang="en-US" smtClean="0"/>
           </a:p>
           <a:p>
             <a:pPr lvl="2"/>
@@ -1945,7 +1945,6 @@
               <a:rPr lang="en-US" smtClean="0"/>
               <a:t>Third level</a:t>
             </a:r>
-            <a:endParaRPr lang="en-US" smtClean="0"/>
           </a:p>
           <a:p>
             <a:pPr lvl="3"/>
@@ -1953,7 +1952,6 @@
               <a:rPr lang="en-US" smtClean="0"/>
               <a:t>Fourth level</a:t>
             </a:r>
-            <a:endParaRPr lang="en-US" smtClean="0"/>
           </a:p>
           <a:p>
             <a:pPr lvl="4"/>
@@ -2027,7 +2025,6 @@
               <a:rPr lang="en-US" smtClean="0"/>
               <a:t>Click to edit Master text styles</a:t>
             </a:r>
-            <a:endParaRPr lang="en-US" smtClean="0"/>
           </a:p>
         </p:txBody>
       </p:sp>
@@ -2084,7 +2081,6 @@
               <a:rPr lang="en-US" smtClean="0"/>
               <a:t>Click to edit Master text styles</a:t>
             </a:r>
-            <a:endParaRPr lang="en-US" smtClean="0"/>
           </a:p>
           <a:p>
             <a:pPr lvl="1"/>
@@ -2092,7 +2088,6 @@
               <a:rPr lang="en-US" smtClean="0"/>
               <a:t>Second level</a:t>
             </a:r>
-            <a:endParaRPr lang="en-US" smtClean="0"/>
           </a:p>
           <a:p>
             <a:pPr lvl="2"/>
@@ -2100,7 +2095,6 @@
               <a:rPr lang="en-US" smtClean="0"/>
               <a:t>Third level</a:t>
             </a:r>
-            <a:endParaRPr lang="en-US" smtClean="0"/>
           </a:p>
           <a:p>
             <a:pPr lvl="3"/>
@@ -2108,7 +2102,6 @@
               <a:rPr lang="en-US" smtClean="0"/>
               <a:t>Fourth level</a:t>
             </a:r>
-            <a:endParaRPr lang="en-US" smtClean="0"/>
           </a:p>
           <a:p>
             <a:pPr lvl="4"/>
@@ -2137,6 +2130,8 @@
           <a:p>
             <a:fld id="{BB69D00F-91AD-43A6-9361-AB22366665FE}" type="datetime1">
               <a:rPr lang="en-US" smtClean="0"/>
+              <a:pPr/>
+              <a:t>2/21/2021</a:t>
             </a:fld>
             <a:endParaRPr lang="en-US"/>
           </a:p>
@@ -2182,6 +2177,8 @@
           <a:p>
             <a:fld id="{B6F15528-21DE-4FAA-801E-634DDDAF4B2B}" type="slidenum">
               <a:rPr lang="en-US" smtClean="0"/>
+              <a:pPr/>
+              <a:t>‹#›</a:t>
             </a:fld>
             <a:endParaRPr lang="en-US"/>
           </a:p>
@@ -2252,6 +2249,8 @@
           <a:p>
             <a:fld id="{56146552-625F-461E-A982-793A12B6DAF8}" type="datetime1">
               <a:rPr lang="en-US" smtClean="0"/>
+              <a:pPr/>
+              <a:t>2/21/2021</a:t>
             </a:fld>
             <a:endParaRPr lang="en-US"/>
           </a:p>
@@ -2297,6 +2296,8 @@
           <a:p>
             <a:fld id="{B6F15528-21DE-4FAA-801E-634DDDAF4B2B}" type="slidenum">
               <a:rPr lang="en-US" smtClean="0"/>
+              <a:pPr/>
+              <a:t>‹#›</a:t>
             </a:fld>
             <a:endParaRPr lang="en-US"/>
           </a:p>
@@ -2344,6 +2345,8 @@
           <a:p>
             <a:fld id="{08E4212E-F36A-40A9-859F-7B0EFF380630}" type="datetime1">
               <a:rPr lang="en-US" smtClean="0"/>
+              <a:pPr/>
+              <a:t>2/21/2021</a:t>
             </a:fld>
             <a:endParaRPr lang="en-US"/>
           </a:p>
@@ -2389,6 +2392,8 @@
           <a:p>
             <a:fld id="{B6F15528-21DE-4FAA-801E-634DDDAF4B2B}" type="slidenum">
               <a:rPr lang="en-US" smtClean="0"/>
+              <a:pPr/>
+              <a:t>‹#›</a:t>
             </a:fld>
             <a:endParaRPr lang="en-US"/>
           </a:p>
@@ -2504,7 +2509,6 @@
               <a:rPr lang="en-US" smtClean="0"/>
               <a:t>Click to edit Master text styles</a:t>
             </a:r>
-            <a:endParaRPr lang="en-US" smtClean="0"/>
           </a:p>
           <a:p>
             <a:pPr lvl="1"/>
@@ -2512,7 +2516,6 @@
               <a:rPr lang="en-US" smtClean="0"/>
               <a:t>Second level</a:t>
             </a:r>
-            <a:endParaRPr lang="en-US" smtClean="0"/>
           </a:p>
           <a:p>
             <a:pPr lvl="2"/>
@@ -2520,7 +2523,6 @@
               <a:rPr lang="en-US" smtClean="0"/>
               <a:t>Third level</a:t>
             </a:r>
-            <a:endParaRPr lang="en-US" smtClean="0"/>
           </a:p>
           <a:p>
             <a:pPr lvl="3"/>
@@ -2528,7 +2530,6 @@
               <a:rPr lang="en-US" smtClean="0"/>
               <a:t>Fourth level</a:t>
             </a:r>
-            <a:endParaRPr lang="en-US" smtClean="0"/>
           </a:p>
           <a:p>
             <a:pPr lvl="4"/>
@@ -2602,7 +2603,6 @@
               <a:rPr lang="en-US" smtClean="0"/>
               <a:t>Click to edit Master text styles</a:t>
             </a:r>
-            <a:endParaRPr lang="en-US" smtClean="0"/>
           </a:p>
         </p:txBody>
       </p:sp>
@@ -2623,6 +2623,8 @@
           <a:p>
             <a:fld id="{1256D674-32B0-4689-AB1B-636389CFCA04}" type="datetime1">
               <a:rPr lang="en-US" smtClean="0"/>
+              <a:pPr/>
+              <a:t>2/21/2021</a:t>
             </a:fld>
             <a:endParaRPr lang="en-US"/>
           </a:p>
@@ -2668,6 +2670,8 @@
           <a:p>
             <a:fld id="{B6F15528-21DE-4FAA-801E-634DDDAF4B2B}" type="slidenum">
               <a:rPr lang="en-US" smtClean="0"/>
+              <a:pPr/>
+              <a:t>‹#›</a:t>
             </a:fld>
             <a:endParaRPr lang="en-US"/>
           </a:p>
@@ -2853,7 +2857,6 @@
               <a:rPr lang="en-US" smtClean="0"/>
               <a:t>Click to edit Master text styles</a:t>
             </a:r>
-            <a:endParaRPr lang="en-US" smtClean="0"/>
           </a:p>
         </p:txBody>
       </p:sp>
@@ -2874,6 +2877,8 @@
           <a:p>
             <a:fld id="{4766EF3B-70A3-4B13-97EA-E44332BDF0AF}" type="datetime1">
               <a:rPr lang="en-US" smtClean="0"/>
+              <a:pPr/>
+              <a:t>2/21/2021</a:t>
             </a:fld>
             <a:endParaRPr lang="en-US"/>
           </a:p>
@@ -2919,6 +2924,8 @@
           <a:p>
             <a:fld id="{B6F15528-21DE-4FAA-801E-634DDDAF4B2B}" type="slidenum">
               <a:rPr lang="en-US" smtClean="0"/>
+              <a:pPr/>
+              <a:t>‹#›</a:t>
             </a:fld>
             <a:endParaRPr lang="en-US"/>
           </a:p>
@@ -3017,7 +3024,6 @@
               <a:rPr lang="en-US" smtClean="0"/>
               <a:t>Click to edit Master text styles</a:t>
             </a:r>
-            <a:endParaRPr lang="en-US" smtClean="0"/>
           </a:p>
           <a:p>
             <a:pPr lvl="1"/>
@@ -3025,7 +3031,6 @@
               <a:rPr lang="en-US" smtClean="0"/>
               <a:t>Second level</a:t>
             </a:r>
-            <a:endParaRPr lang="en-US" smtClean="0"/>
           </a:p>
           <a:p>
             <a:pPr lvl="2"/>
@@ -3033,7 +3038,6 @@
               <a:rPr lang="en-US" smtClean="0"/>
               <a:t>Third level</a:t>
             </a:r>
-            <a:endParaRPr lang="en-US" smtClean="0"/>
           </a:p>
           <a:p>
             <a:pPr lvl="3"/>
@@ -3041,7 +3045,6 @@
               <a:rPr lang="en-US" smtClean="0"/>
               <a:t>Fourth level</a:t>
             </a:r>
-            <a:endParaRPr lang="en-US" smtClean="0"/>
           </a:p>
           <a:p>
             <a:pPr lvl="4"/>
@@ -3088,6 +3091,8 @@
           <a:p>
             <a:fld id="{4E3BC41F-EA4F-43A4-B4D7-7693D03AF8C4}" type="datetime1">
               <a:rPr lang="en-US" smtClean="0"/>
+              <a:pPr/>
+              <a:t>2/21/2021</a:t>
             </a:fld>
             <a:endParaRPr lang="en-US"/>
           </a:p>
@@ -3169,6 +3174,8 @@
           <a:p>
             <a:fld id="{B6F15528-21DE-4FAA-801E-634DDDAF4B2B}" type="slidenum">
               <a:rPr lang="en-US" smtClean="0"/>
+              <a:pPr/>
+              <a:t>‹#›</a:t>
             </a:fld>
             <a:endParaRPr lang="en-US"/>
           </a:p>
@@ -3514,7 +3521,7 @@
           <p:nvPr/>
         </p:nvPicPr>
         <p:blipFill>
-          <a:blip r:embed="rId1"/>
+          <a:blip r:embed="rId2"/>
           <a:srcRect r="1445"/>
           <a:stretch>
             <a:fillRect/>
@@ -3548,6 +3555,8 @@
           <a:p>
             <a:fld id="{931F7737-6EA6-4FBE-AACE-8EEC38063CAC}" type="datetime1">
               <a:rPr lang="en-US" smtClean="0"/>
+              <a:pPr/>
+              <a:t>2/21/2021</a:t>
             </a:fld>
             <a:endParaRPr lang="en-US"/>
           </a:p>
@@ -3570,6 +3579,8 @@
           <a:p>
             <a:fld id="{B6F15528-21DE-4FAA-801E-634DDDAF4B2B}" type="slidenum">
               <a:rPr lang="en-US" smtClean="0"/>
+              <a:pPr/>
+              <a:t>1</a:t>
             </a:fld>
             <a:endParaRPr lang="en-US"/>
           </a:p>
@@ -3640,6 +3651,8 @@
           <a:p>
             <a:fld id="{29FF40B1-8B0E-4B72-970D-715561CA4C5D}" type="datetime1">
               <a:rPr lang="en-US" smtClean="0"/>
+              <a:pPr/>
+              <a:t>2/21/2021</a:t>
             </a:fld>
             <a:endParaRPr lang="en-US"/>
           </a:p>
@@ -3685,6 +3698,8 @@
           <a:p>
             <a:fld id="{B6F15528-21DE-4FAA-801E-634DDDAF4B2B}" type="slidenum">
               <a:rPr lang="en-US" smtClean="0"/>
+              <a:pPr/>
+              <a:t>2</a:t>
             </a:fld>
             <a:endParaRPr lang="en-US"/>
           </a:p>
@@ -3699,7 +3714,7 @@
           <p:nvPr/>
         </p:nvPicPr>
         <p:blipFill>
-          <a:blip r:embed="rId1"/>
+          <a:blip r:embed="rId2"/>
           <a:srcRect r="1445"/>
           <a:stretch>
             <a:fillRect/>
@@ -3750,15 +3765,6 @@
               </a:rPr>
               <a:t>Outlines</a:t>
             </a:r>
-            <a:endParaRPr lang="en-US" sz="2800" b="1" dirty="0" smtClean="0">
-              <a:solidFill>
-                <a:schemeClr val="tx2">
-                  <a:lumMod val="50000"/>
-                </a:schemeClr>
-              </a:solidFill>
-              <a:latin typeface="Times New Roman" panose="02020603050405020304" charset="0"/>
-              <a:cs typeface="Times New Roman" panose="02020603050405020304" charset="0"/>
-            </a:endParaRPr>
           </a:p>
           <a:p>
             <a:pPr marL="342900" indent="-342900">
@@ -3776,15 +3782,6 @@
               </a:rPr>
               <a:t>Background Information</a:t>
             </a:r>
-            <a:endParaRPr lang="en-US" sz="2800" b="1" dirty="0" smtClean="0">
-              <a:solidFill>
-                <a:schemeClr val="tx2">
-                  <a:lumMod val="50000"/>
-                </a:schemeClr>
-              </a:solidFill>
-              <a:latin typeface="Times New Roman" panose="02020603050405020304" charset="0"/>
-              <a:cs typeface="Times New Roman" panose="02020603050405020304" charset="0"/>
-            </a:endParaRPr>
           </a:p>
           <a:p>
             <a:pPr marL="342900" indent="-342900">
@@ -3802,15 +3799,6 @@
               </a:rPr>
               <a:t>Changes in Requirement</a:t>
             </a:r>
-            <a:endParaRPr lang="en-US" sz="2800" b="1" dirty="0" smtClean="0">
-              <a:solidFill>
-                <a:schemeClr val="tx2">
-                  <a:lumMod val="50000"/>
-                </a:schemeClr>
-              </a:solidFill>
-              <a:latin typeface="Times New Roman" panose="02020603050405020304" charset="0"/>
-              <a:cs typeface="Times New Roman" panose="02020603050405020304" charset="0"/>
-            </a:endParaRPr>
           </a:p>
           <a:p>
             <a:pPr marL="342900" indent="-342900">
@@ -3828,15 +3816,6 @@
               </a:rPr>
               <a:t>Product Scope</a:t>
             </a:r>
-            <a:endParaRPr lang="en-US" sz="2800" b="1" dirty="0" smtClean="0">
-              <a:solidFill>
-                <a:schemeClr val="tx2">
-                  <a:lumMod val="50000"/>
-                </a:schemeClr>
-              </a:solidFill>
-              <a:latin typeface="Times New Roman" panose="02020603050405020304" charset="0"/>
-              <a:cs typeface="Times New Roman" panose="02020603050405020304" charset="0"/>
-            </a:endParaRPr>
           </a:p>
           <a:p>
             <a:pPr marL="342900" indent="-342900">
@@ -3854,15 +3833,6 @@
               </a:rPr>
               <a:t>Site Map</a:t>
             </a:r>
-            <a:endParaRPr lang="en-US" sz="2800" b="1" dirty="0" smtClean="0">
-              <a:solidFill>
-                <a:schemeClr val="tx2">
-                  <a:lumMod val="50000"/>
-                </a:schemeClr>
-              </a:solidFill>
-              <a:latin typeface="Times New Roman" panose="02020603050405020304" charset="0"/>
-              <a:cs typeface="Times New Roman" panose="02020603050405020304" charset="0"/>
-            </a:endParaRPr>
           </a:p>
           <a:p>
             <a:pPr marL="342900" indent="-342900">
@@ -3880,15 +3850,6 @@
               </a:rPr>
               <a:t>UI Demo</a:t>
             </a:r>
-            <a:endParaRPr lang="en-US" sz="2800" b="1" dirty="0" smtClean="0">
-              <a:solidFill>
-                <a:schemeClr val="tx2">
-                  <a:lumMod val="50000"/>
-                </a:schemeClr>
-              </a:solidFill>
-              <a:latin typeface="Times New Roman" panose="02020603050405020304" charset="0"/>
-              <a:cs typeface="Times New Roman" panose="02020603050405020304" charset="0"/>
-            </a:endParaRPr>
           </a:p>
           <a:p>
             <a:pPr marL="342900" indent="-342900">
@@ -3906,15 +3867,6 @@
               </a:rPr>
               <a:t>Work progress</a:t>
             </a:r>
-            <a:endParaRPr lang="en-US" sz="2800" b="1" dirty="0" smtClean="0">
-              <a:solidFill>
-                <a:schemeClr val="tx2">
-                  <a:lumMod val="50000"/>
-                </a:schemeClr>
-              </a:solidFill>
-              <a:latin typeface="Times New Roman" panose="02020603050405020304" charset="0"/>
-              <a:cs typeface="Times New Roman" panose="02020603050405020304" charset="0"/>
-            </a:endParaRPr>
           </a:p>
           <a:p>
             <a:endParaRPr lang="en-US" sz="2800" b="1" dirty="0">
@@ -3946,7 +3898,14 @@
         <p:cNvGrpSpPr/>
         <p:nvPr/>
       </p:nvGrpSpPr>
-      <p:grpSpPr/>
+      <p:grpSpPr>
+        <a:xfrm>
+          <a:off x="0" y="0"/>
+          <a:ext cx="0" cy="0"/>
+          <a:chOff x="0" y="0"/>
+          <a:chExt cx="0" cy="0"/>
+        </a:xfrm>
+      </p:grpSpPr>
       <p:sp>
         <p:nvSpPr>
           <p:cNvPr id="2" name="Title 1"/>
@@ -3965,6 +3924,7 @@
         </p:spPr>
         <p:txBody>
           <a:bodyPr/>
+          <a:lstStyle/>
           <a:p>
             <a:pPr algn="l"/>
             <a:r>
@@ -3980,16 +3940,6 @@
               </a:rPr>
               <a:t>Background Information</a:t>
             </a:r>
-            <a:endParaRPr lang="en-US" sz="3200" b="1" dirty="0" smtClean="0">
-              <a:solidFill>
-                <a:schemeClr val="tx2">
-                  <a:lumMod val="50000"/>
-                </a:schemeClr>
-              </a:solidFill>
-              <a:latin typeface="Times New Roman" panose="02020603050405020304" charset="0"/>
-              <a:cs typeface="Times New Roman" panose="02020603050405020304" charset="0"/>
-              <a:sym typeface="+mn-ea"/>
-            </a:endParaRPr>
           </a:p>
         </p:txBody>
       </p:sp>
@@ -4011,6 +3961,7 @@
         </p:spPr>
         <p:txBody>
           <a:bodyPr/>
+          <a:lstStyle/>
           <a:p>
             <a:r>
               <a:rPr lang="en-US">
@@ -4019,10 +3970,6 @@
               </a:rPr>
               <a:t>Introduction</a:t>
             </a:r>
-            <a:endParaRPr lang="en-US">
-              <a:latin typeface="Times New Roman" panose="02020603050405020304" charset="0"/>
-              <a:cs typeface="Times New Roman" panose="02020603050405020304" charset="0"/>
-            </a:endParaRPr>
           </a:p>
           <a:p>
             <a:r>
@@ -4032,10 +3979,6 @@
               </a:rPr>
               <a:t>Purpose</a:t>
             </a:r>
-            <a:endParaRPr lang="en-US">
-              <a:latin typeface="Times New Roman" panose="02020603050405020304" charset="0"/>
-              <a:cs typeface="Times New Roman" panose="02020603050405020304" charset="0"/>
-            </a:endParaRPr>
           </a:p>
           <a:p>
             <a:r>
@@ -4045,10 +3988,6 @@
               </a:rPr>
               <a:t>Functionalities</a:t>
             </a:r>
-            <a:endParaRPr lang="en-US">
-              <a:latin typeface="Times New Roman" panose="02020603050405020304" charset="0"/>
-              <a:cs typeface="Times New Roman" panose="02020603050405020304" charset="0"/>
-            </a:endParaRPr>
           </a:p>
         </p:txBody>
       </p:sp>
@@ -4065,9 +4004,12 @@
         <p:spPr/>
         <p:txBody>
           <a:bodyPr/>
+          <a:lstStyle/>
           <a:p>
             <a:fld id="{29FF40B1-8B0E-4B72-970D-715561CA4C5D}" type="datetime1">
               <a:rPr lang="en-US" smtClean="0"/>
+              <a:pPr/>
+              <a:t>2/21/2021</a:t>
             </a:fld>
             <a:endParaRPr lang="en-US"/>
           </a:p>
@@ -4086,6 +4028,7 @@
         <p:spPr/>
         <p:txBody>
           <a:bodyPr/>
+          <a:lstStyle/>
           <a:p>
             <a:r>
               <a:rPr lang="en-US" smtClean="0"/>
@@ -4108,9 +4051,12 @@
         <p:spPr/>
         <p:txBody>
           <a:bodyPr/>
+          <a:lstStyle/>
           <a:p>
             <a:fld id="{B6F15528-21DE-4FAA-801E-634DDDAF4B2B}" type="slidenum">
               <a:rPr lang="en-US" smtClean="0"/>
+              <a:pPr/>
+              <a:t>3</a:t>
             </a:fld>
             <a:endParaRPr lang="en-US"/>
           </a:p>
@@ -4120,14 +4066,14 @@
         <p:nvPicPr>
           <p:cNvPr id="7" name="Picture 2" descr="GCIT"/>
           <p:cNvPicPr>
-            <a:picLocks noChangeAspect="1" noChangeArrowheads="1"/>
+            <a:picLocks noGrp="1" noChangeAspect="1" noChangeArrowheads="1"/>
           </p:cNvPicPr>
           <p:nvPr>
             <p:ph sz="half" idx="2"/>
           </p:nvPr>
         </p:nvPicPr>
         <p:blipFill>
-          <a:blip r:embed="rId1"/>
+          <a:blip r:embed="rId2"/>
           <a:srcRect r="1445"/>
           <a:stretch>
             <a:fillRect/>
@@ -4161,7 +4107,14 @@
         <p:cNvGrpSpPr/>
         <p:nvPr/>
       </p:nvGrpSpPr>
-      <p:grpSpPr/>
+      <p:grpSpPr>
+        <a:xfrm>
+          <a:off x="0" y="0"/>
+          <a:ext cx="0" cy="0"/>
+          <a:chOff x="0" y="0"/>
+          <a:chExt cx="0" cy="0"/>
+        </a:xfrm>
+      </p:grpSpPr>
       <p:sp>
         <p:nvSpPr>
           <p:cNvPr id="2" name="Title 1"/>
@@ -4180,6 +4133,7 @@
         </p:spPr>
         <p:txBody>
           <a:bodyPr/>
+          <a:lstStyle/>
           <a:p>
             <a:pPr algn="l"/>
             <a:r>
@@ -4195,16 +4149,6 @@
               </a:rPr>
               <a:t>Changes in Requirement</a:t>
             </a:r>
-            <a:endParaRPr lang="en-US" sz="3200" b="1" dirty="0" smtClean="0">
-              <a:solidFill>
-                <a:schemeClr val="tx2">
-                  <a:lumMod val="50000"/>
-                </a:schemeClr>
-              </a:solidFill>
-              <a:latin typeface="Times New Roman" panose="02020603050405020304" charset="0"/>
-              <a:cs typeface="Times New Roman" panose="02020603050405020304" charset="0"/>
-              <a:sym typeface="+mn-ea"/>
-            </a:endParaRPr>
           </a:p>
         </p:txBody>
       </p:sp>
@@ -4228,6 +4172,7 @@
           <a:bodyPr>
             <a:normAutofit/>
           </a:bodyPr>
+          <a:lstStyle/>
           <a:p>
             <a:r>
               <a:rPr lang="en-US" sz="2400">
@@ -4236,10 +4181,6 @@
               </a:rPr>
               <a:t>4.1 Student Registration</a:t>
             </a:r>
-            <a:endParaRPr lang="en-US" sz="2400">
-              <a:latin typeface="Times New Roman" panose="02020603050405020304" charset="0"/>
-              <a:cs typeface="Times New Roman" panose="02020603050405020304" charset="0"/>
-            </a:endParaRPr>
           </a:p>
           <a:p>
             <a:pPr lvl="1">
@@ -4253,10 +4194,6 @@
               </a:rPr>
               <a:t>Approval of students is done by class teacher</a:t>
             </a:r>
-            <a:endParaRPr lang="en-US" sz="2400">
-              <a:latin typeface="Times New Roman" panose="02020603050405020304" charset="0"/>
-              <a:cs typeface="Times New Roman" panose="02020603050405020304" charset="0"/>
-            </a:endParaRPr>
           </a:p>
           <a:p>
             <a:pPr marL="332740" lvl="1" indent="-285115">
@@ -4270,10 +4207,6 @@
               </a:rPr>
               <a:t> 4.2 Class Teacher Account Management </a:t>
             </a:r>
-            <a:endParaRPr lang="en-US" sz="2400">
-              <a:latin typeface="Times New Roman" panose="02020603050405020304" charset="0"/>
-              <a:cs typeface="Times New Roman" panose="02020603050405020304" charset="0"/>
-            </a:endParaRPr>
           </a:p>
           <a:p>
             <a:pPr marL="504825" lvl="1" indent="222250" defTabSz="914400">
@@ -4290,10 +4223,6 @@
               </a:rPr>
               <a:t> Edit action for admin</a:t>
             </a:r>
-            <a:endParaRPr lang="en-US" sz="2400">
-              <a:latin typeface="Times New Roman" panose="02020603050405020304" charset="0"/>
-              <a:cs typeface="Times New Roman" panose="02020603050405020304" charset="0"/>
-            </a:endParaRPr>
           </a:p>
           <a:p>
             <a:pPr marL="423545" lvl="1" indent="-379730" defTabSz="914400">
@@ -4310,10 +4239,6 @@
               </a:rPr>
               <a:t>4.3 Student Personal Detail Management	</a:t>
             </a:r>
-            <a:endParaRPr lang="en-US" sz="2400">
-              <a:latin typeface="Times New Roman" panose="02020603050405020304" charset="0"/>
-              <a:cs typeface="Times New Roman" panose="02020603050405020304" charset="0"/>
-            </a:endParaRPr>
           </a:p>
           <a:p>
             <a:pPr marL="500380" lvl="1" indent="-15875" defTabSz="914400">
@@ -4330,10 +4255,6 @@
               </a:rPr>
               <a:t>Edit action for admin</a:t>
             </a:r>
-            <a:endParaRPr lang="en-US" sz="2400">
-              <a:latin typeface="Times New Roman" panose="02020603050405020304" charset="0"/>
-              <a:cs typeface="Times New Roman" panose="02020603050405020304" charset="0"/>
-            </a:endParaRPr>
           </a:p>
           <a:p>
             <a:pPr marL="500380" lvl="1" indent="-15875" defTabSz="914400">
@@ -4350,10 +4271,6 @@
               </a:rPr>
               <a:t>Create action for student</a:t>
             </a:r>
-            <a:endParaRPr lang="en-US" sz="2400">
-              <a:latin typeface="Times New Roman" panose="02020603050405020304" charset="0"/>
-              <a:cs typeface="Times New Roman" panose="02020603050405020304" charset="0"/>
-            </a:endParaRPr>
           </a:p>
         </p:txBody>
       </p:sp>
@@ -4370,9 +4287,12 @@
         <p:spPr/>
         <p:txBody>
           <a:bodyPr/>
+          <a:lstStyle/>
           <a:p>
             <a:fld id="{29FF40B1-8B0E-4B72-970D-715561CA4C5D}" type="datetime1">
               <a:rPr lang="en-US" smtClean="0"/>
+              <a:pPr/>
+              <a:t>2/21/2021</a:t>
             </a:fld>
             <a:endParaRPr lang="en-US"/>
           </a:p>
@@ -4391,6 +4311,7 @@
         <p:spPr/>
         <p:txBody>
           <a:bodyPr/>
+          <a:lstStyle/>
           <a:p>
             <a:r>
               <a:rPr lang="en-US" smtClean="0"/>
@@ -4413,9 +4334,12 @@
         <p:spPr/>
         <p:txBody>
           <a:bodyPr/>
+          <a:lstStyle/>
           <a:p>
             <a:fld id="{B6F15528-21DE-4FAA-801E-634DDDAF4B2B}" type="slidenum">
               <a:rPr lang="en-US" smtClean="0"/>
+              <a:pPr/>
+              <a:t>4</a:t>
             </a:fld>
             <a:endParaRPr lang="en-US"/>
           </a:p>
@@ -4425,14 +4349,14 @@
         <p:nvPicPr>
           <p:cNvPr id="7" name="Picture 2" descr="GCIT"/>
           <p:cNvPicPr>
-            <a:picLocks noChangeAspect="1" noChangeArrowheads="1"/>
+            <a:picLocks noGrp="1" noChangeAspect="1" noChangeArrowheads="1"/>
           </p:cNvPicPr>
           <p:nvPr>
             <p:ph sz="half" idx="2"/>
           </p:nvPr>
         </p:nvPicPr>
         <p:blipFill>
-          <a:blip r:embed="rId1"/>
+          <a:blip r:embed="rId2"/>
           <a:srcRect r="1445"/>
           <a:stretch>
             <a:fillRect/>
@@ -4466,7 +4390,14 @@
         <p:cNvGrpSpPr/>
         <p:nvPr/>
       </p:nvGrpSpPr>
-      <p:grpSpPr/>
+      <p:grpSpPr>
+        <a:xfrm>
+          <a:off x="0" y="0"/>
+          <a:ext cx="0" cy="0"/>
+          <a:chOff x="0" y="0"/>
+          <a:chExt cx="0" cy="0"/>
+        </a:xfrm>
+      </p:grpSpPr>
       <p:sp>
         <p:nvSpPr>
           <p:cNvPr id="2" name="Title 1"/>
@@ -4487,6 +4418,7 @@
           <a:bodyPr>
             <a:normAutofit fontScale="90000"/>
           </a:bodyPr>
+          <a:lstStyle/>
           <a:p>
             <a:pPr algn="l"/>
             <a:r>
@@ -4502,16 +4434,6 @@
               </a:rPr>
               <a:t>Product Scope</a:t>
             </a:r>
-            <a:endParaRPr lang="en-US" sz="3600" b="1" dirty="0" smtClean="0">
-              <a:solidFill>
-                <a:schemeClr val="tx2">
-                  <a:lumMod val="50000"/>
-                </a:schemeClr>
-              </a:solidFill>
-              <a:latin typeface="Times New Roman" panose="02020603050405020304" charset="0"/>
-              <a:cs typeface="Times New Roman" panose="02020603050405020304" charset="0"/>
-              <a:sym typeface="+mn-ea"/>
-            </a:endParaRPr>
           </a:p>
         </p:txBody>
       </p:sp>
@@ -4533,31 +4455,55 @@
         </p:spPr>
         <p:txBody>
           <a:bodyPr/>
-          <a:p>
-            <a:r>
-              <a:rPr lang="en-US" sz="2800">
+          <a:lstStyle/>
+          <a:p>
+            <a:r>
+              <a:rPr lang="en-US" sz="2800" dirty="0" smtClean="0">
                 <a:latin typeface="Times New Roman" panose="02020603050405020304" charset="0"/>
                 <a:cs typeface="Times New Roman" panose="02020603050405020304" charset="0"/>
               </a:rPr>
-              <a:t>Introducing digitized student registration system </a:t>
-            </a:r>
-            <a:endParaRPr lang="en-US" sz="2800">
-              <a:latin typeface="Times New Roman" panose="02020603050405020304" charset="0"/>
-              <a:cs typeface="Times New Roman" panose="02020603050405020304" charset="0"/>
-            </a:endParaRPr>
-          </a:p>
-          <a:p>
-            <a:r>
-              <a:rPr lang="en-US" sz="2800">
+              <a:t>The end product should be able to manage student detail such as :-</a:t>
+            </a:r>
+          </a:p>
+          <a:p>
+            <a:pPr lvl="1"/>
+            <a:r>
+              <a:rPr lang="en-US" sz="2400" dirty="0" smtClean="0">
                 <a:latin typeface="Times New Roman" panose="02020603050405020304" charset="0"/>
                 <a:cs typeface="Times New Roman" panose="02020603050405020304" charset="0"/>
               </a:rPr>
-              <a:t>Replacing paper-based student information management system </a:t>
-            </a:r>
-            <a:endParaRPr lang="en-US" sz="2800">
-              <a:latin typeface="Times New Roman" panose="02020603050405020304" charset="0"/>
-              <a:cs typeface="Times New Roman" panose="02020603050405020304" charset="0"/>
-            </a:endParaRPr>
+              <a:t>Attendance</a:t>
+            </a:r>
+          </a:p>
+          <a:p>
+            <a:pPr lvl="1"/>
+            <a:r>
+              <a:rPr lang="en-US" sz="2400" dirty="0" smtClean="0">
+                <a:latin typeface="Times New Roman" panose="02020603050405020304" charset="0"/>
+                <a:cs typeface="Times New Roman" panose="02020603050405020304" charset="0"/>
+              </a:rPr>
+              <a:t>Statement</a:t>
+            </a:r>
+          </a:p>
+          <a:p>
+            <a:pPr lvl="1"/>
+            <a:r>
+              <a:rPr lang="en-US" sz="2400" dirty="0" smtClean="0">
+                <a:latin typeface="Times New Roman" panose="02020603050405020304" charset="0"/>
+                <a:cs typeface="Times New Roman" panose="02020603050405020304" charset="0"/>
+              </a:rPr>
+              <a:t>Result</a:t>
+            </a:r>
+          </a:p>
+          <a:p>
+            <a:pPr lvl="1"/>
+            <a:r>
+              <a:rPr lang="en-US" sz="2400" dirty="0" smtClean="0">
+                <a:latin typeface="Times New Roman" panose="02020603050405020304" charset="0"/>
+                <a:cs typeface="Times New Roman" panose="02020603050405020304" charset="0"/>
+              </a:rPr>
+              <a:t>Bio data</a:t>
+            </a:r>
           </a:p>
         </p:txBody>
       </p:sp>
@@ -4574,9 +4520,12 @@
         <p:spPr/>
         <p:txBody>
           <a:bodyPr/>
+          <a:lstStyle/>
           <a:p>
             <a:fld id="{29FF40B1-8B0E-4B72-970D-715561CA4C5D}" type="datetime1">
               <a:rPr lang="en-US" smtClean="0"/>
+              <a:pPr/>
+              <a:t>2/21/2021</a:t>
             </a:fld>
             <a:endParaRPr lang="en-US"/>
           </a:p>
@@ -4595,6 +4544,7 @@
         <p:spPr/>
         <p:txBody>
           <a:bodyPr/>
+          <a:lstStyle/>
           <a:p>
             <a:r>
               <a:rPr lang="en-US" smtClean="0"/>
@@ -4617,9 +4567,12 @@
         <p:spPr/>
         <p:txBody>
           <a:bodyPr/>
+          <a:lstStyle/>
           <a:p>
             <a:fld id="{B6F15528-21DE-4FAA-801E-634DDDAF4B2B}" type="slidenum">
               <a:rPr lang="en-US" smtClean="0"/>
+              <a:pPr/>
+              <a:t>5</a:t>
             </a:fld>
             <a:endParaRPr lang="en-US"/>
           </a:p>
@@ -4629,14 +4582,14 @@
         <p:nvPicPr>
           <p:cNvPr id="7" name="Picture 2" descr="GCIT"/>
           <p:cNvPicPr>
-            <a:picLocks noChangeAspect="1" noChangeArrowheads="1"/>
+            <a:picLocks noGrp="1" noChangeAspect="1" noChangeArrowheads="1"/>
           </p:cNvPicPr>
           <p:nvPr>
             <p:ph sz="half" idx="2"/>
           </p:nvPr>
         </p:nvPicPr>
         <p:blipFill>
-          <a:blip r:embed="rId1"/>
+          <a:blip r:embed="rId2"/>
           <a:srcRect r="1445"/>
           <a:stretch>
             <a:fillRect/>
@@ -4670,7 +4623,14 @@
         <p:cNvGrpSpPr/>
         <p:nvPr/>
       </p:nvGrpSpPr>
-      <p:grpSpPr/>
+      <p:grpSpPr>
+        <a:xfrm>
+          <a:off x="0" y="0"/>
+          <a:ext cx="0" cy="0"/>
+          <a:chOff x="0" y="0"/>
+          <a:chExt cx="0" cy="0"/>
+        </a:xfrm>
+      </p:grpSpPr>
       <p:sp>
         <p:nvSpPr>
           <p:cNvPr id="2" name="Title 1"/>
@@ -4689,6 +4649,7 @@
         </p:spPr>
         <p:txBody>
           <a:bodyPr/>
+          <a:lstStyle/>
           <a:p>
             <a:pPr algn="l"/>
             <a:r>
@@ -4698,10 +4659,6 @@
               </a:rPr>
               <a:t>Site Map</a:t>
             </a:r>
-            <a:endParaRPr lang="en-US" sz="3200" b="1">
-              <a:latin typeface="Times New Roman" panose="02020603050405020304" charset="0"/>
-              <a:cs typeface="Times New Roman" panose="02020603050405020304" charset="0"/>
-            </a:endParaRPr>
           </a:p>
         </p:txBody>
       </p:sp>
@@ -4723,6 +4680,7 @@
         </p:spPr>
         <p:txBody>
           <a:bodyPr/>
+          <a:lstStyle/>
           <a:p>
             <a:endParaRPr lang="en-US">
               <a:latin typeface="Times New Roman" panose="02020603050405020304" charset="0"/>
@@ -4744,9 +4702,12 @@
         <p:spPr/>
         <p:txBody>
           <a:bodyPr/>
+          <a:lstStyle/>
           <a:p>
             <a:fld id="{29FF40B1-8B0E-4B72-970D-715561CA4C5D}" type="datetime1">
               <a:rPr lang="en-US" smtClean="0"/>
+              <a:pPr/>
+              <a:t>2/21/2021</a:t>
             </a:fld>
             <a:endParaRPr lang="en-US"/>
           </a:p>
@@ -4765,6 +4726,7 @@
         <p:spPr/>
         <p:txBody>
           <a:bodyPr/>
+          <a:lstStyle/>
           <a:p>
             <a:r>
               <a:rPr lang="en-US" smtClean="0"/>
@@ -4787,9 +4749,12 @@
         <p:spPr/>
         <p:txBody>
           <a:bodyPr/>
+          <a:lstStyle/>
           <a:p>
             <a:fld id="{B6F15528-21DE-4FAA-801E-634DDDAF4B2B}" type="slidenum">
               <a:rPr lang="en-US" smtClean="0"/>
+              <a:pPr/>
+              <a:t>6</a:t>
             </a:fld>
             <a:endParaRPr lang="en-US"/>
           </a:p>
@@ -4799,14 +4764,14 @@
         <p:nvPicPr>
           <p:cNvPr id="7" name="Picture 2" descr="GCIT"/>
           <p:cNvPicPr>
-            <a:picLocks noChangeAspect="1" noChangeArrowheads="1"/>
+            <a:picLocks noGrp="1" noChangeAspect="1" noChangeArrowheads="1"/>
           </p:cNvPicPr>
           <p:nvPr>
             <p:ph sz="half" idx="2"/>
           </p:nvPr>
         </p:nvPicPr>
         <p:blipFill>
-          <a:blip r:embed="rId1"/>
+          <a:blip r:embed="rId2"/>
           <a:srcRect r="1445"/>
           <a:stretch>
             <a:fillRect/>
@@ -4840,7 +4805,14 @@
         <p:cNvGrpSpPr/>
         <p:nvPr/>
       </p:nvGrpSpPr>
-      <p:grpSpPr/>
+      <p:grpSpPr>
+        <a:xfrm>
+          <a:off x="0" y="0"/>
+          <a:ext cx="0" cy="0"/>
+          <a:chOff x="0" y="0"/>
+          <a:chExt cx="0" cy="0"/>
+        </a:xfrm>
+      </p:grpSpPr>
       <p:sp>
         <p:nvSpPr>
           <p:cNvPr id="2" name="Title 1"/>
@@ -4859,6 +4831,7 @@
         </p:spPr>
         <p:txBody>
           <a:bodyPr/>
+          <a:lstStyle/>
           <a:p>
             <a:pPr algn="l"/>
             <a:r>
@@ -4874,16 +4847,6 @@
               </a:rPr>
               <a:t>UI Demo</a:t>
             </a:r>
-            <a:endParaRPr lang="en-US" sz="3200" b="1" dirty="0" smtClean="0">
-              <a:solidFill>
-                <a:schemeClr val="tx2">
-                  <a:lumMod val="50000"/>
-                </a:schemeClr>
-              </a:solidFill>
-              <a:latin typeface="Times New Roman" panose="02020603050405020304" charset="0"/>
-              <a:cs typeface="Times New Roman" panose="02020603050405020304" charset="0"/>
-              <a:sym typeface="+mn-ea"/>
-            </a:endParaRPr>
           </a:p>
         </p:txBody>
       </p:sp>
@@ -4905,6 +4868,7 @@
         </p:spPr>
         <p:txBody>
           <a:bodyPr/>
+          <a:lstStyle/>
           <a:p>
             <a:endParaRPr lang="en-US">
               <a:latin typeface="Times New Roman" panose="02020603050405020304" charset="0"/>
@@ -4926,9 +4890,12 @@
         <p:spPr/>
         <p:txBody>
           <a:bodyPr/>
+          <a:lstStyle/>
           <a:p>
             <a:fld id="{29FF40B1-8B0E-4B72-970D-715561CA4C5D}" type="datetime1">
               <a:rPr lang="en-US" smtClean="0"/>
+              <a:pPr/>
+              <a:t>2/21/2021</a:t>
             </a:fld>
             <a:endParaRPr lang="en-US"/>
           </a:p>
@@ -4947,6 +4914,7 @@
         <p:spPr/>
         <p:txBody>
           <a:bodyPr/>
+          <a:lstStyle/>
           <a:p>
             <a:r>
               <a:rPr lang="en-US" smtClean="0"/>
@@ -4969,9 +4937,12 @@
         <p:spPr/>
         <p:txBody>
           <a:bodyPr/>
+          <a:lstStyle/>
           <a:p>
             <a:fld id="{B6F15528-21DE-4FAA-801E-634DDDAF4B2B}" type="slidenum">
               <a:rPr lang="en-US" smtClean="0"/>
+              <a:pPr/>
+              <a:t>7</a:t>
             </a:fld>
             <a:endParaRPr lang="en-US"/>
           </a:p>
@@ -4981,14 +4952,14 @@
         <p:nvPicPr>
           <p:cNvPr id="7" name="Picture 2" descr="GCIT"/>
           <p:cNvPicPr>
-            <a:picLocks noChangeAspect="1" noChangeArrowheads="1"/>
+            <a:picLocks noGrp="1" noChangeAspect="1" noChangeArrowheads="1"/>
           </p:cNvPicPr>
           <p:nvPr>
             <p:ph sz="half" idx="2"/>
           </p:nvPr>
         </p:nvPicPr>
         <p:blipFill>
-          <a:blip r:embed="rId1"/>
+          <a:blip r:embed="rId2"/>
           <a:srcRect r="1445"/>
           <a:stretch>
             <a:fillRect/>
@@ -5022,7 +4993,14 @@
         <p:cNvGrpSpPr/>
         <p:nvPr/>
       </p:nvGrpSpPr>
-      <p:grpSpPr/>
+      <p:grpSpPr>
+        <a:xfrm>
+          <a:off x="0" y="0"/>
+          <a:ext cx="0" cy="0"/>
+          <a:chOff x="0" y="0"/>
+          <a:chExt cx="0" cy="0"/>
+        </a:xfrm>
+      </p:grpSpPr>
       <p:sp>
         <p:nvSpPr>
           <p:cNvPr id="2" name="Title 1"/>
@@ -5043,6 +5021,7 @@
           <a:bodyPr>
             <a:noAutofit/>
           </a:bodyPr>
+          <a:lstStyle/>
           <a:p>
             <a:pPr algn="l"/>
             <a:r>
@@ -5058,16 +5037,6 @@
               </a:rPr>
               <a:t>Work progress</a:t>
             </a:r>
-            <a:endParaRPr lang="en-US" sz="3200" b="1" dirty="0" smtClean="0">
-              <a:solidFill>
-                <a:schemeClr val="tx2">
-                  <a:lumMod val="50000"/>
-                </a:schemeClr>
-              </a:solidFill>
-              <a:latin typeface="Times New Roman" panose="02020603050405020304" charset="0"/>
-              <a:cs typeface="Times New Roman" panose="02020603050405020304" charset="0"/>
-              <a:sym typeface="+mn-ea"/>
-            </a:endParaRPr>
           </a:p>
         </p:txBody>
       </p:sp>
@@ -5088,58 +5057,91 @@
           </a:xfrm>
         </p:spPr>
         <p:txBody>
-          <a:bodyPr/>
-          <a:p>
-            <a:r>
-              <a:rPr lang="en-US">
+          <a:bodyPr>
+            <a:normAutofit/>
+          </a:bodyPr>
+          <a:lstStyle/>
+          <a:p>
+            <a:r>
+              <a:rPr lang="en-US" sz="2400" dirty="0">
                 <a:latin typeface="Times New Roman" panose="02020603050405020304" charset="0"/>
                 <a:cs typeface="Times New Roman" panose="02020603050405020304" charset="0"/>
               </a:rPr>
               <a:t>Frontend </a:t>
             </a:r>
-            <a:endParaRPr lang="en-US">
+          </a:p>
+          <a:p>
+            <a:pPr marL="0" indent="0">
+              <a:buNone/>
+            </a:pPr>
+            <a:r>
+              <a:rPr lang="en-US" sz="2400" b="1" dirty="0">
+                <a:latin typeface="Times New Roman" panose="02020603050405020304" charset="0"/>
+                <a:cs typeface="Times New Roman" panose="02020603050405020304" charset="0"/>
+              </a:rPr>
+              <a:t>Future </a:t>
+            </a:r>
+            <a:r>
+              <a:rPr lang="en-US" sz="2400" b="1" dirty="0" smtClean="0">
+                <a:latin typeface="Times New Roman" panose="02020603050405020304" charset="0"/>
+                <a:cs typeface="Times New Roman" panose="02020603050405020304" charset="0"/>
+              </a:rPr>
+              <a:t>work</a:t>
+            </a:r>
+          </a:p>
+          <a:p>
+            <a:r>
+              <a:rPr lang="en-US" sz="2400" dirty="0" smtClean="0">
+                <a:latin typeface="Times New Roman" panose="02020603050405020304" charset="0"/>
+                <a:cs typeface="Times New Roman" panose="02020603050405020304" charset="0"/>
+              </a:rPr>
+              <a:t>Creating Migration and Models,</a:t>
+            </a:r>
+          </a:p>
+          <a:p>
+            <a:r>
+              <a:rPr lang="en-US" sz="2400" dirty="0" smtClean="0">
+                <a:latin typeface="Times New Roman" panose="02020603050405020304" charset="0"/>
+                <a:cs typeface="Times New Roman" panose="02020603050405020304" charset="0"/>
+              </a:rPr>
+              <a:t>Seeding database,</a:t>
+            </a:r>
+          </a:p>
+          <a:p>
+            <a:r>
+              <a:rPr lang="en-US" sz="2400" dirty="0" smtClean="0">
+                <a:latin typeface="Times New Roman" panose="02020603050405020304" charset="0"/>
+                <a:cs typeface="Times New Roman" panose="02020603050405020304" charset="0"/>
+              </a:rPr>
+              <a:t>Generating resource controllers,</a:t>
+            </a:r>
+            <a:endParaRPr lang="en-US" sz="2400" dirty="0" smtClean="0">
               <a:latin typeface="Times New Roman" panose="02020603050405020304" charset="0"/>
               <a:cs typeface="Times New Roman" panose="02020603050405020304" charset="0"/>
             </a:endParaRPr>
           </a:p>
           <a:p>
-            <a:pPr marL="0" indent="0">
-              <a:buNone/>
-            </a:pPr>
-            <a:r>
-              <a:rPr lang="en-US" b="1">
+            <a:r>
+              <a:rPr lang="en-US" sz="2400" dirty="0" smtClean="0">
                 <a:latin typeface="Times New Roman" panose="02020603050405020304" charset="0"/>
                 <a:cs typeface="Times New Roman" panose="02020603050405020304" charset="0"/>
               </a:rPr>
-              <a:t>Future work</a:t>
-            </a:r>
-            <a:endParaRPr lang="en-US" b="1">
+              <a:t>Gates and policy,</a:t>
+            </a:r>
+            <a:endParaRPr lang="en-US" sz="2400" dirty="0" smtClean="0">
               <a:latin typeface="Times New Roman" panose="02020603050405020304" charset="0"/>
               <a:cs typeface="Times New Roman" panose="02020603050405020304" charset="0"/>
             </a:endParaRPr>
           </a:p>
           <a:p>
-            <a:r>
-              <a:rPr lang="en-US">
-                <a:latin typeface="Times New Roman" panose="02020603050405020304" charset="0"/>
-                <a:cs typeface="Times New Roman" panose="02020603050405020304" charset="0"/>
-              </a:rPr>
-              <a:t>Backend using Laravel framework</a:t>
-            </a:r>
-            <a:endParaRPr lang="en-US">
+            <a:pPr marL="0" indent="0">
+              <a:buNone/>
+            </a:pPr>
+            <a:endParaRPr lang="en-US" sz="2400" dirty="0">
               <a:latin typeface="Times New Roman" panose="02020603050405020304" charset="0"/>
               <a:cs typeface="Times New Roman" panose="02020603050405020304" charset="0"/>
             </a:endParaRPr>
           </a:p>
-          <a:p>
-            <a:pPr marL="0" indent="0">
-              <a:buNone/>
-            </a:pPr>
-            <a:endParaRPr lang="en-US">
-              <a:latin typeface="Times New Roman" panose="02020603050405020304" charset="0"/>
-              <a:cs typeface="Times New Roman" panose="02020603050405020304" charset="0"/>
-            </a:endParaRPr>
-          </a:p>
         </p:txBody>
       </p:sp>
       <p:sp>
@@ -5155,9 +5157,12 @@
         <p:spPr/>
         <p:txBody>
           <a:bodyPr/>
+          <a:lstStyle/>
           <a:p>
             <a:fld id="{29FF40B1-8B0E-4B72-970D-715561CA4C5D}" type="datetime1">
               <a:rPr lang="en-US" smtClean="0"/>
+              <a:pPr/>
+              <a:t>2/21/2021</a:t>
             </a:fld>
             <a:endParaRPr lang="en-US"/>
           </a:p>
@@ -5176,6 +5181,7 @@
         <p:spPr/>
         <p:txBody>
           <a:bodyPr/>
+          <a:lstStyle/>
           <a:p>
             <a:r>
               <a:rPr lang="en-US" smtClean="0"/>
@@ -5198,9 +5204,12 @@
         <p:spPr/>
         <p:txBody>
           <a:bodyPr/>
+          <a:lstStyle/>
           <a:p>
             <a:fld id="{B6F15528-21DE-4FAA-801E-634DDDAF4B2B}" type="slidenum">
               <a:rPr lang="en-US" smtClean="0"/>
+              <a:pPr/>
+              <a:t>8</a:t>
             </a:fld>
             <a:endParaRPr lang="en-US"/>
           </a:p>
@@ -5210,14 +5219,14 @@
         <p:nvPicPr>
           <p:cNvPr id="7" name="Picture 2" descr="GCIT"/>
           <p:cNvPicPr>
-            <a:picLocks noChangeAspect="1" noChangeArrowheads="1"/>
+            <a:picLocks noGrp="1" noChangeAspect="1" noChangeArrowheads="1"/>
           </p:cNvPicPr>
           <p:nvPr>
             <p:ph sz="half" idx="2"/>
           </p:nvPr>
         </p:nvPicPr>
         <p:blipFill>
-          <a:blip r:embed="rId1"/>
+          <a:blip r:embed="rId2"/>
           <a:srcRect r="1445"/>
           <a:stretch>
             <a:fillRect/>
@@ -5251,7 +5260,14 @@
         <p:cNvGrpSpPr/>
         <p:nvPr/>
       </p:nvGrpSpPr>
-      <p:grpSpPr/>
+      <p:grpSpPr>
+        <a:xfrm>
+          <a:off x="0" y="0"/>
+          <a:ext cx="0" cy="0"/>
+          <a:chOff x="0" y="0"/>
+          <a:chExt cx="0" cy="0"/>
+        </a:xfrm>
+      </p:grpSpPr>
       <p:sp>
         <p:nvSpPr>
           <p:cNvPr id="2" name="Title 1"/>
@@ -5272,6 +5288,7 @@
           <a:bodyPr>
             <a:normAutofit fontScale="90000"/>
           </a:bodyPr>
+          <a:lstStyle/>
           <a:p>
             <a:r>
               <a:rPr lang="en-US" b="1" dirty="0" smtClean="0">
@@ -5313,9 +5330,12 @@
         <p:spPr/>
         <p:txBody>
           <a:bodyPr/>
+          <a:lstStyle/>
           <a:p>
             <a:fld id="{29FF40B1-8B0E-4B72-970D-715561CA4C5D}" type="datetime1">
               <a:rPr lang="en-US" smtClean="0"/>
+              <a:pPr/>
+              <a:t>2/21/2021</a:t>
             </a:fld>
             <a:endParaRPr lang="en-US"/>
           </a:p>
@@ -5334,6 +5354,7 @@
         <p:spPr/>
         <p:txBody>
           <a:bodyPr/>
+          <a:lstStyle/>
           <a:p>
             <a:r>
               <a:rPr lang="en-US" smtClean="0"/>
@@ -5356,9 +5377,12 @@
         <p:spPr/>
         <p:txBody>
           <a:bodyPr/>
+          <a:lstStyle/>
           <a:p>
             <a:fld id="{B6F15528-21DE-4FAA-801E-634DDDAF4B2B}" type="slidenum">
               <a:rPr lang="en-US" smtClean="0"/>
+              <a:pPr/>
+              <a:t>9</a:t>
             </a:fld>
             <a:endParaRPr lang="en-US"/>
           </a:p>
@@ -5368,14 +5392,14 @@
         <p:nvPicPr>
           <p:cNvPr id="7" name="Picture 2" descr="GCIT"/>
           <p:cNvPicPr>
-            <a:picLocks noChangeAspect="1" noChangeArrowheads="1"/>
+            <a:picLocks noGrp="1" noChangeAspect="1" noChangeArrowheads="1"/>
           </p:cNvPicPr>
           <p:nvPr>
             <p:ph sz="half" idx="2"/>
           </p:nvPr>
         </p:nvPicPr>
         <p:blipFill>
-          <a:blip r:embed="rId1"/>
+          <a:blip r:embed="rId2"/>
           <a:srcRect r="1445"/>
           <a:stretch>
             <a:fillRect/>
@@ -5678,9 +5702,11 @@
       </a:bgFillStyleLst>
     </a:fmtScheme>
   </a:themeElements>
+  <a:objectDefaults/>
+  <a:extraClrSchemeLst/>
   <a:extLst>
     <a:ext uri="{05A4C25C-085E-4340-85A3-A5531E510DB2}">
-      <thm15:themeFamily xmlns:thm15="http://schemas.microsoft.com/office/thememl/2012/main" name="Office Theme" id="{62F939B6-93AF-4DB8-9C6B-D6C7DFDC589F}" vid="{4A3C46E8-61CC-4603-A589-7422A47A8E4A}"/>
+      <thm15:themeFamily xmlns:thm15="http://schemas.microsoft.com/office/thememl/2012/main" xmlns="" name="Office Theme" id="{62F939B6-93AF-4DB8-9C6B-D6C7DFDC589F}" vid="{4A3C46E8-61CC-4603-A589-7422A47A8E4A}"/>
     </a:ext>
   </a:extLst>
 </a:theme>
@@ -5964,9 +5990,11 @@
       </a:bgFillStyleLst>
     </a:fmtScheme>
   </a:themeElements>
+  <a:objectDefaults/>
+  <a:extraClrSchemeLst/>
   <a:extLst>
     <a:ext uri="{05A4C25C-085E-4340-85A3-A5531E510DB2}">
-      <thm15:themeFamily xmlns:thm15="http://schemas.microsoft.com/office/thememl/2012/main" name="Office Theme" id="{62F939B6-93AF-4DB8-9C6B-D6C7DFDC589F}" vid="{4A3C46E8-61CC-4603-A589-7422A47A8E4A}"/>
+      <thm15:themeFamily xmlns:thm15="http://schemas.microsoft.com/office/thememl/2012/main" xmlns="" name="Office Theme" id="{62F939B6-93AF-4DB8-9C6B-D6C7DFDC589F}" vid="{4A3C46E8-61CC-4603-A589-7422A47A8E4A}"/>
     </a:ext>
   </a:extLst>
 </a:theme>

--- a/fifth_review.pptx
+++ b/fifth_review.pptx
@@ -5,7 +5,7 @@
     <p:sldMasterId id="2147483648" r:id="rId1"/>
   </p:sldMasterIdLst>
   <p:notesMasterIdLst>
-    <p:notesMasterId r:id="rId11"/>
+    <p:notesMasterId r:id="rId12"/>
   </p:notesMasterIdLst>
   <p:sldIdLst>
     <p:sldId id="256" r:id="rId2"/>
@@ -13,10 +13,11 @@
     <p:sldId id="258" r:id="rId4"/>
     <p:sldId id="259" r:id="rId5"/>
     <p:sldId id="260" r:id="rId6"/>
-    <p:sldId id="261" r:id="rId7"/>
-    <p:sldId id="263" r:id="rId8"/>
-    <p:sldId id="264" r:id="rId9"/>
-    <p:sldId id="265" r:id="rId10"/>
+    <p:sldId id="266" r:id="rId7"/>
+    <p:sldId id="261" r:id="rId8"/>
+    <p:sldId id="263" r:id="rId9"/>
+    <p:sldId id="264" r:id="rId10"/>
+    <p:sldId id="265" r:id="rId11"/>
   </p:sldIdLst>
   <p:sldSz cx="9144000" cy="6858000" type="screen4x3"/>
   <p:notesSz cx="6858000" cy="9144000"/>
@@ -3617,6 +3618,179 @@
 </p:sld>
 </file>
 
+<file path=ppt/slides/slide10.xml><?xml version="1.0" encoding="utf-8"?>
+<p:sld xmlns:a="http://schemas.openxmlformats.org/drawingml/2006/main" xmlns:r="http://schemas.openxmlformats.org/officeDocument/2006/relationships" xmlns:p="http://schemas.openxmlformats.org/presentationml/2006/main">
+  <p:cSld>
+    <p:spTree>
+      <p:nvGrpSpPr>
+        <p:cNvPr id="1" name=""/>
+        <p:cNvGrpSpPr/>
+        <p:nvPr/>
+      </p:nvGrpSpPr>
+      <p:grpSpPr>
+        <a:xfrm>
+          <a:off x="0" y="0"/>
+          <a:ext cx="0" cy="0"/>
+          <a:chOff x="0" y="0"/>
+          <a:chExt cx="0" cy="0"/>
+        </a:xfrm>
+      </p:grpSpPr>
+      <p:sp>
+        <p:nvSpPr>
+          <p:cNvPr id="2" name="Title 1"/>
+          <p:cNvSpPr>
+            <a:spLocks noGrp="1"/>
+          </p:cNvSpPr>
+          <p:nvPr>
+            <p:ph type="title"/>
+          </p:nvPr>
+        </p:nvSpPr>
+        <p:spPr>
+          <a:xfrm>
+            <a:off x="762000" y="2742883"/>
+            <a:ext cx="8229600" cy="1143000"/>
+          </a:xfrm>
+        </p:spPr>
+        <p:txBody>
+          <a:bodyPr>
+            <a:normAutofit fontScale="90000"/>
+          </a:bodyPr>
+          <a:lstStyle/>
+          <a:p>
+            <a:r>
+              <a:rPr lang="en-US" b="1" dirty="0" smtClean="0">
+                <a:solidFill>
+                  <a:schemeClr val="tx2">
+                    <a:lumMod val="50000"/>
+                  </a:schemeClr>
+                </a:solidFill>
+                <a:latin typeface="Times New Roman" panose="02020603050405020304" charset="0"/>
+                <a:cs typeface="Times New Roman" panose="02020603050405020304" charset="0"/>
+              </a:rPr>
+              <a:t>Thank you for listening!</a:t>
+            </a:r>
+            <a:br>
+              <a:rPr lang="en-US" b="1" dirty="0" smtClean="0">
+                <a:solidFill>
+                  <a:schemeClr val="tx2">
+                    <a:lumMod val="50000"/>
+                  </a:schemeClr>
+                </a:solidFill>
+                <a:latin typeface="Times New Roman" panose="02020603050405020304" charset="0"/>
+                <a:cs typeface="Times New Roman" panose="02020603050405020304" charset="0"/>
+              </a:rPr>
+            </a:br>
+            <a:endParaRPr lang="en-US"/>
+          </a:p>
+        </p:txBody>
+      </p:sp>
+      <p:sp>
+        <p:nvSpPr>
+          <p:cNvPr id="4" name="Date Placeholder 3"/>
+          <p:cNvSpPr>
+            <a:spLocks noGrp="1"/>
+          </p:cNvSpPr>
+          <p:nvPr>
+            <p:ph type="dt" sz="half" idx="10"/>
+          </p:nvPr>
+        </p:nvSpPr>
+        <p:spPr/>
+        <p:txBody>
+          <a:bodyPr/>
+          <a:lstStyle/>
+          <a:p>
+            <a:fld id="{29FF40B1-8B0E-4B72-970D-715561CA4C5D}" type="datetime1">
+              <a:rPr lang="en-US" smtClean="0"/>
+              <a:pPr/>
+              <a:t>2/21/2021</a:t>
+            </a:fld>
+            <a:endParaRPr lang="en-US"/>
+          </a:p>
+        </p:txBody>
+      </p:sp>
+      <p:sp>
+        <p:nvSpPr>
+          <p:cNvPr id="5" name="Footer Placeholder 4"/>
+          <p:cNvSpPr>
+            <a:spLocks noGrp="1"/>
+          </p:cNvSpPr>
+          <p:nvPr>
+            <p:ph type="ftr" sz="quarter" idx="11"/>
+          </p:nvPr>
+        </p:nvSpPr>
+        <p:spPr/>
+        <p:txBody>
+          <a:bodyPr/>
+          <a:lstStyle/>
+          <a:p>
+            <a:r>
+              <a:rPr lang="en-US" smtClean="0"/>
+              <a:t>Student IMS @copyright 2021</a:t>
+            </a:r>
+            <a:endParaRPr lang="en-US"/>
+          </a:p>
+        </p:txBody>
+      </p:sp>
+      <p:sp>
+        <p:nvSpPr>
+          <p:cNvPr id="6" name="Slide Number Placeholder 5"/>
+          <p:cNvSpPr>
+            <a:spLocks noGrp="1"/>
+          </p:cNvSpPr>
+          <p:nvPr>
+            <p:ph type="sldNum" sz="quarter" idx="12"/>
+          </p:nvPr>
+        </p:nvSpPr>
+        <p:spPr/>
+        <p:txBody>
+          <a:bodyPr/>
+          <a:lstStyle/>
+          <a:p>
+            <a:fld id="{B6F15528-21DE-4FAA-801E-634DDDAF4B2B}" type="slidenum">
+              <a:rPr lang="en-US" smtClean="0"/>
+              <a:pPr/>
+              <a:t>10</a:t>
+            </a:fld>
+            <a:endParaRPr lang="en-US"/>
+          </a:p>
+        </p:txBody>
+      </p:sp>
+      <p:pic>
+        <p:nvPicPr>
+          <p:cNvPr id="7" name="Picture 2" descr="GCIT"/>
+          <p:cNvPicPr>
+            <a:picLocks noGrp="1" noChangeAspect="1" noChangeArrowheads="1"/>
+          </p:cNvPicPr>
+          <p:nvPr>
+            <p:ph sz="half" idx="2"/>
+          </p:nvPr>
+        </p:nvPicPr>
+        <p:blipFill>
+          <a:blip r:embed="rId2"/>
+          <a:srcRect r="1445"/>
+          <a:stretch>
+            <a:fillRect/>
+          </a:stretch>
+        </p:blipFill>
+        <p:spPr bwMode="auto">
+          <a:xfrm>
+            <a:off x="-23495" y="0"/>
+            <a:ext cx="9168130" cy="1371600"/>
+          </a:xfrm>
+          <a:prstGeom prst="rect">
+            <a:avLst/>
+          </a:prstGeom>
+          <a:noFill/>
+        </p:spPr>
+      </p:pic>
+    </p:spTree>
+  </p:cSld>
+  <p:clrMapOvr>
+    <a:masterClrMapping/>
+  </p:clrMapOvr>
+</p:sld>
+</file>
+
 <file path=ppt/slides/slide2.xml><?xml version="1.0" encoding="utf-8"?>
 <p:sld xmlns:a="http://schemas.openxmlformats.org/drawingml/2006/main" xmlns:r="http://schemas.openxmlformats.org/officeDocument/2006/relationships" xmlns:p="http://schemas.openxmlformats.org/presentationml/2006/main">
   <p:cSld>
@@ -3964,7 +4138,12 @@
           <a:lstStyle/>
           <a:p>
             <a:r>
-              <a:rPr lang="en-US">
+              <a:rPr lang="en-US" dirty="0">
+                <a:solidFill>
+                  <a:schemeClr val="tx2">
+                    <a:lumMod val="50000"/>
+                  </a:schemeClr>
+                </a:solidFill>
                 <a:latin typeface="Times New Roman" panose="02020603050405020304" charset="0"/>
                 <a:cs typeface="Times New Roman" panose="02020603050405020304" charset="0"/>
               </a:rPr>
@@ -3973,7 +4152,12 @@
           </a:p>
           <a:p>
             <a:r>
-              <a:rPr lang="en-US">
+              <a:rPr lang="en-US" dirty="0">
+                <a:solidFill>
+                  <a:schemeClr val="tx2">
+                    <a:lumMod val="50000"/>
+                  </a:schemeClr>
+                </a:solidFill>
                 <a:latin typeface="Times New Roman" panose="02020603050405020304" charset="0"/>
                 <a:cs typeface="Times New Roman" panose="02020603050405020304" charset="0"/>
               </a:rPr>
@@ -3982,7 +4166,12 @@
           </a:p>
           <a:p>
             <a:r>
-              <a:rPr lang="en-US">
+              <a:rPr lang="en-US" dirty="0">
+                <a:solidFill>
+                  <a:schemeClr val="tx2">
+                    <a:lumMod val="50000"/>
+                  </a:schemeClr>
+                </a:solidFill>
                 <a:latin typeface="Times New Roman" panose="02020603050405020304" charset="0"/>
                 <a:cs typeface="Times New Roman" panose="02020603050405020304" charset="0"/>
               </a:rPr>
@@ -4175,7 +4364,12 @@
           <a:lstStyle/>
           <a:p>
             <a:r>
-              <a:rPr lang="en-US" sz="2400">
+              <a:rPr lang="en-US" sz="2400" dirty="0">
+                <a:solidFill>
+                  <a:schemeClr val="tx2">
+                    <a:lumMod val="50000"/>
+                  </a:schemeClr>
+                </a:solidFill>
                 <a:latin typeface="Times New Roman" panose="02020603050405020304" charset="0"/>
                 <a:cs typeface="Times New Roman" panose="02020603050405020304" charset="0"/>
               </a:rPr>
@@ -4188,7 +4382,12 @@
               <a:buChar char="ü"/>
             </a:pPr>
             <a:r>
-              <a:rPr lang="en-US" sz="2400">
+              <a:rPr lang="en-US" sz="2400" dirty="0">
+                <a:solidFill>
+                  <a:schemeClr val="tx2">
+                    <a:lumMod val="50000"/>
+                  </a:schemeClr>
+                </a:solidFill>
                 <a:latin typeface="Times New Roman" panose="02020603050405020304" charset="0"/>
                 <a:cs typeface="Times New Roman" panose="02020603050405020304" charset="0"/>
               </a:rPr>
@@ -4201,7 +4400,12 @@
               <a:buChar char="•"/>
             </a:pPr>
             <a:r>
-              <a:rPr lang="en-US" sz="2400">
+              <a:rPr lang="en-US" sz="2400" dirty="0">
+                <a:solidFill>
+                  <a:schemeClr val="tx2">
+                    <a:lumMod val="50000"/>
+                  </a:schemeClr>
+                </a:solidFill>
                 <a:latin typeface="Times New Roman" panose="02020603050405020304" charset="0"/>
                 <a:cs typeface="Times New Roman" panose="02020603050405020304" charset="0"/>
               </a:rPr>
@@ -4217,7 +4421,12 @@
               </a:tabLst>
             </a:pPr>
             <a:r>
-              <a:rPr lang="en-US" sz="2400">
+              <a:rPr lang="en-US" sz="2400" dirty="0">
+                <a:solidFill>
+                  <a:schemeClr val="tx2">
+                    <a:lumMod val="50000"/>
+                  </a:schemeClr>
+                </a:solidFill>
                 <a:latin typeface="Times New Roman" panose="02020603050405020304" charset="0"/>
                 <a:cs typeface="Times New Roman" panose="02020603050405020304" charset="0"/>
               </a:rPr>
@@ -4233,7 +4442,12 @@
               </a:tabLst>
             </a:pPr>
             <a:r>
-              <a:rPr lang="en-US" sz="2400">
+              <a:rPr lang="en-US" sz="2400" dirty="0">
+                <a:solidFill>
+                  <a:schemeClr val="tx2">
+                    <a:lumMod val="50000"/>
+                  </a:schemeClr>
+                </a:solidFill>
                 <a:latin typeface="Times New Roman" panose="02020603050405020304" charset="0"/>
                 <a:cs typeface="Times New Roman" panose="02020603050405020304" charset="0"/>
               </a:rPr>
@@ -4249,7 +4463,12 @@
               </a:tabLst>
             </a:pPr>
             <a:r>
-              <a:rPr lang="en-US" sz="2400">
+              <a:rPr lang="en-US" sz="2400" dirty="0">
+                <a:solidFill>
+                  <a:schemeClr val="tx2">
+                    <a:lumMod val="50000"/>
+                  </a:schemeClr>
+                </a:solidFill>
                 <a:latin typeface="Times New Roman" panose="02020603050405020304" charset="0"/>
                 <a:cs typeface="Times New Roman" panose="02020603050405020304" charset="0"/>
               </a:rPr>
@@ -4265,7 +4484,12 @@
               </a:tabLst>
             </a:pPr>
             <a:r>
-              <a:rPr lang="en-US" sz="2400">
+              <a:rPr lang="en-US" sz="2400" dirty="0">
+                <a:solidFill>
+                  <a:schemeClr val="tx2">
+                    <a:lumMod val="50000"/>
+                  </a:schemeClr>
+                </a:solidFill>
                 <a:latin typeface="Times New Roman" panose="02020603050405020304" charset="0"/>
                 <a:cs typeface="Times New Roman" panose="02020603050405020304" charset="0"/>
               </a:rPr>
@@ -4459,6 +4683,11 @@
           <a:p>
             <a:r>
               <a:rPr lang="en-US" sz="2800" dirty="0" smtClean="0">
+                <a:solidFill>
+                  <a:schemeClr val="tx2">
+                    <a:lumMod val="50000"/>
+                  </a:schemeClr>
+                </a:solidFill>
                 <a:latin typeface="Times New Roman" panose="02020603050405020304" charset="0"/>
                 <a:cs typeface="Times New Roman" panose="02020603050405020304" charset="0"/>
               </a:rPr>
@@ -4469,6 +4698,11 @@
             <a:pPr lvl="1"/>
             <a:r>
               <a:rPr lang="en-US" sz="2400" dirty="0" smtClean="0">
+                <a:solidFill>
+                  <a:schemeClr val="tx2">
+                    <a:lumMod val="50000"/>
+                  </a:schemeClr>
+                </a:solidFill>
                 <a:latin typeface="Times New Roman" panose="02020603050405020304" charset="0"/>
                 <a:cs typeface="Times New Roman" panose="02020603050405020304" charset="0"/>
               </a:rPr>
@@ -4479,6 +4713,11 @@
             <a:pPr lvl="1"/>
             <a:r>
               <a:rPr lang="en-US" sz="2400" dirty="0" smtClean="0">
+                <a:solidFill>
+                  <a:schemeClr val="tx2">
+                    <a:lumMod val="50000"/>
+                  </a:schemeClr>
+                </a:solidFill>
                 <a:latin typeface="Times New Roman" panose="02020603050405020304" charset="0"/>
                 <a:cs typeface="Times New Roman" panose="02020603050405020304" charset="0"/>
               </a:rPr>
@@ -4489,6 +4728,11 @@
             <a:pPr lvl="1"/>
             <a:r>
               <a:rPr lang="en-US" sz="2400" dirty="0" smtClean="0">
+                <a:solidFill>
+                  <a:schemeClr val="tx2">
+                    <a:lumMod val="50000"/>
+                  </a:schemeClr>
+                </a:solidFill>
                 <a:latin typeface="Times New Roman" panose="02020603050405020304" charset="0"/>
                 <a:cs typeface="Times New Roman" panose="02020603050405020304" charset="0"/>
               </a:rPr>
@@ -4499,6 +4743,11 @@
             <a:pPr lvl="1"/>
             <a:r>
               <a:rPr lang="en-US" sz="2400" dirty="0" smtClean="0">
+                <a:solidFill>
+                  <a:schemeClr val="tx2">
+                    <a:lumMod val="50000"/>
+                  </a:schemeClr>
+                </a:solidFill>
                 <a:latin typeface="Times New Roman" panose="02020603050405020304" charset="0"/>
                 <a:cs typeface="Times New Roman" panose="02020603050405020304" charset="0"/>
               </a:rPr>
@@ -4633,64 +4882,6 @@
       </p:grpSpPr>
       <p:sp>
         <p:nvSpPr>
-          <p:cNvPr id="2" name="Title 1"/>
-          <p:cNvSpPr>
-            <a:spLocks noGrp="1"/>
-          </p:cNvSpPr>
-          <p:nvPr>
-            <p:ph type="title"/>
-          </p:nvPr>
-        </p:nvSpPr>
-        <p:spPr>
-          <a:xfrm>
-            <a:off x="420370" y="1676400"/>
-            <a:ext cx="8322945" cy="761365"/>
-          </a:xfrm>
-        </p:spPr>
-        <p:txBody>
-          <a:bodyPr/>
-          <a:lstStyle/>
-          <a:p>
-            <a:pPr algn="l"/>
-            <a:r>
-              <a:rPr lang="en-US" sz="3200" b="1">
-                <a:latin typeface="Times New Roman" panose="02020603050405020304" charset="0"/>
-                <a:cs typeface="Times New Roman" panose="02020603050405020304" charset="0"/>
-              </a:rPr>
-              <a:t>Site Map</a:t>
-            </a:r>
-          </a:p>
-        </p:txBody>
-      </p:sp>
-      <p:sp>
-        <p:nvSpPr>
-          <p:cNvPr id="3" name="Content Placeholder 2"/>
-          <p:cNvSpPr>
-            <a:spLocks noGrp="1"/>
-          </p:cNvSpPr>
-          <p:nvPr>
-            <p:ph idx="1"/>
-          </p:nvPr>
-        </p:nvSpPr>
-        <p:spPr>
-          <a:xfrm>
-            <a:off x="420370" y="2599690"/>
-            <a:ext cx="8266430" cy="3526790"/>
-          </a:xfrm>
-        </p:spPr>
-        <p:txBody>
-          <a:bodyPr/>
-          <a:lstStyle/>
-          <a:p>
-            <a:endParaRPr lang="en-US">
-              <a:latin typeface="Times New Roman" panose="02020603050405020304" charset="0"/>
-              <a:cs typeface="Times New Roman" panose="02020603050405020304" charset="0"/>
-            </a:endParaRPr>
-          </a:p>
-        </p:txBody>
-      </p:sp>
-      <p:sp>
-        <p:nvSpPr>
           <p:cNvPr id="4" name="Date Placeholder 3"/>
           <p:cNvSpPr>
             <a:spLocks noGrp="1"/>
@@ -4707,7 +4898,7 @@
             <a:fld id="{29FF40B1-8B0E-4B72-970D-715561CA4C5D}" type="datetime1">
               <a:rPr lang="en-US" smtClean="0"/>
               <a:pPr/>
-              <a:t>2/21/2021</a:t>
+              <a:t>2/22/2021</a:t>
             </a:fld>
             <a:endParaRPr lang="en-US"/>
           </a:p>
@@ -4764,11 +4955,9 @@
         <p:nvPicPr>
           <p:cNvPr id="7" name="Picture 2" descr="GCIT"/>
           <p:cNvPicPr>
-            <a:picLocks noGrp="1" noChangeAspect="1" noChangeArrowheads="1"/>
+            <a:picLocks noChangeAspect="1" noChangeArrowheads="1"/>
           </p:cNvPicPr>
-          <p:nvPr>
-            <p:ph sz="half" idx="2"/>
-          </p:nvPr>
+          <p:nvPr/>
         </p:nvPicPr>
         <p:blipFill>
           <a:blip r:embed="rId2"/>
@@ -4788,6 +4977,43 @@
           <a:noFill/>
         </p:spPr>
       </p:pic>
+      <p:sp>
+        <p:nvSpPr>
+          <p:cNvPr id="8" name="Rectangle 7"/>
+          <p:cNvSpPr/>
+          <p:nvPr/>
+        </p:nvSpPr>
+        <p:spPr>
+          <a:xfrm>
+            <a:off x="2651056" y="2819400"/>
+            <a:ext cx="3749744" cy="1200329"/>
+          </a:xfrm>
+          <a:prstGeom prst="rect">
+            <a:avLst/>
+          </a:prstGeom>
+        </p:spPr>
+        <p:txBody>
+          <a:bodyPr wrap="none">
+            <a:spAutoFit/>
+          </a:bodyPr>
+          <a:lstStyle/>
+          <a:p>
+            <a:r>
+              <a:rPr lang="en-US" sz="7200" b="1" dirty="0" smtClean="0">
+                <a:solidFill>
+                  <a:schemeClr val="tx2">
+                    <a:lumMod val="50000"/>
+                  </a:schemeClr>
+                </a:solidFill>
+                <a:latin typeface="Times New Roman" panose="02020603050405020304" charset="0"/>
+                <a:cs typeface="Times New Roman" panose="02020603050405020304" charset="0"/>
+              </a:rPr>
+              <a:t>Site Map</a:t>
+            </a:r>
+            <a:endParaRPr lang="en-US" sz="7200" dirty="0"/>
+          </a:p>
+        </p:txBody>
+      </p:sp>
     </p:spTree>
   </p:cSld>
   <p:clrMapOvr>
@@ -4815,70 +5041,6 @@
       </p:grpSpPr>
       <p:sp>
         <p:nvSpPr>
-          <p:cNvPr id="2" name="Title 1"/>
-          <p:cNvSpPr>
-            <a:spLocks noGrp="1"/>
-          </p:cNvSpPr>
-          <p:nvPr>
-            <p:ph type="title"/>
-          </p:nvPr>
-        </p:nvSpPr>
-        <p:spPr>
-          <a:xfrm>
-            <a:off x="469900" y="1447800"/>
-            <a:ext cx="8216900" cy="837565"/>
-          </a:xfrm>
-        </p:spPr>
-        <p:txBody>
-          <a:bodyPr/>
-          <a:lstStyle/>
-          <a:p>
-            <a:pPr algn="l"/>
-            <a:r>
-              <a:rPr lang="en-US" sz="3200" b="1" dirty="0" smtClean="0">
-                <a:solidFill>
-                  <a:schemeClr val="tx2">
-                    <a:lumMod val="50000"/>
-                  </a:schemeClr>
-                </a:solidFill>
-                <a:latin typeface="Times New Roman" panose="02020603050405020304" charset="0"/>
-                <a:cs typeface="Times New Roman" panose="02020603050405020304" charset="0"/>
-                <a:sym typeface="+mn-ea"/>
-              </a:rPr>
-              <a:t>UI Demo</a:t>
-            </a:r>
-          </a:p>
-        </p:txBody>
-      </p:sp>
-      <p:sp>
-        <p:nvSpPr>
-          <p:cNvPr id="3" name="Content Placeholder 2"/>
-          <p:cNvSpPr>
-            <a:spLocks noGrp="1"/>
-          </p:cNvSpPr>
-          <p:nvPr>
-            <p:ph idx="1"/>
-          </p:nvPr>
-        </p:nvSpPr>
-        <p:spPr>
-          <a:xfrm>
-            <a:off x="480695" y="2387600"/>
-            <a:ext cx="8206105" cy="3738880"/>
-          </a:xfrm>
-        </p:spPr>
-        <p:txBody>
-          <a:bodyPr/>
-          <a:lstStyle/>
-          <a:p>
-            <a:endParaRPr lang="en-US">
-              <a:latin typeface="Times New Roman" panose="02020603050405020304" charset="0"/>
-              <a:cs typeface="Times New Roman" panose="02020603050405020304" charset="0"/>
-            </a:endParaRPr>
-          </a:p>
-        </p:txBody>
-      </p:sp>
-      <p:sp>
-        <p:nvSpPr>
           <p:cNvPr id="4" name="Date Placeholder 3"/>
           <p:cNvSpPr>
             <a:spLocks noGrp="1"/>
@@ -4895,7 +5057,7 @@
             <a:fld id="{29FF40B1-8B0E-4B72-970D-715561CA4C5D}" type="datetime1">
               <a:rPr lang="en-US" smtClean="0"/>
               <a:pPr/>
-              <a:t>2/21/2021</a:t>
+              <a:t>2/22/2021</a:t>
             </a:fld>
             <a:endParaRPr lang="en-US"/>
           </a:p>
@@ -4948,39 +5110,1328 @@
           </a:p>
         </p:txBody>
       </p:sp>
-      <p:pic>
-        <p:nvPicPr>
-          <p:cNvPr id="7" name="Picture 2" descr="GCIT"/>
-          <p:cNvPicPr>
-            <a:picLocks noGrp="1" noChangeAspect="1" noChangeArrowheads="1"/>
-          </p:cNvPicPr>
-          <p:nvPr>
-            <p:ph sz="half" idx="2"/>
-          </p:nvPr>
-        </p:nvPicPr>
-        <p:blipFill>
-          <a:blip r:embed="rId2"/>
-          <a:srcRect r="1445"/>
-          <a:stretch>
-            <a:fillRect/>
-          </a:stretch>
-        </p:blipFill>
-        <p:spPr bwMode="auto">
+      <p:sp>
+        <p:nvSpPr>
+          <p:cNvPr id="8" name="Rectangle 7"/>
+          <p:cNvSpPr/>
+          <p:nvPr/>
+        </p:nvSpPr>
+        <p:spPr>
           <a:xfrm>
-            <a:off x="-23495" y="0"/>
-            <a:ext cx="9168130" cy="1371600"/>
+            <a:off x="3733800" y="152400"/>
+            <a:ext cx="1371600" cy="457200"/>
           </a:xfrm>
           <a:prstGeom prst="rect">
             <a:avLst/>
           </a:prstGeom>
-          <a:noFill/>
-        </p:spPr>
-      </p:pic>
+        </p:spPr>
+        <p:style>
+          <a:lnRef idx="2">
+            <a:schemeClr val="accent6"/>
+          </a:lnRef>
+          <a:fillRef idx="1">
+            <a:schemeClr val="lt1"/>
+          </a:fillRef>
+          <a:effectRef idx="0">
+            <a:schemeClr val="accent6"/>
+          </a:effectRef>
+          <a:fontRef idx="minor">
+            <a:schemeClr val="dk1"/>
+          </a:fontRef>
+        </p:style>
+        <p:txBody>
+          <a:bodyPr rtlCol="0" anchor="ctr"/>
+          <a:lstStyle/>
+          <a:p>
+            <a:pPr algn="ctr"/>
+            <a:r>
+              <a:rPr lang="en-US" b="1" dirty="0" smtClean="0">
+                <a:solidFill>
+                  <a:schemeClr val="accent2">
+                    <a:lumMod val="75000"/>
+                  </a:schemeClr>
+                </a:solidFill>
+              </a:rPr>
+              <a:t>0. SIMS</a:t>
+            </a:r>
+          </a:p>
+        </p:txBody>
+      </p:sp>
+      <p:sp>
+        <p:nvSpPr>
+          <p:cNvPr id="9" name="Rectangle 8"/>
+          <p:cNvSpPr/>
+          <p:nvPr/>
+        </p:nvSpPr>
+        <p:spPr>
+          <a:xfrm>
+            <a:off x="304800" y="1066800"/>
+            <a:ext cx="1981200" cy="609600"/>
+          </a:xfrm>
+          <a:prstGeom prst="rect">
+            <a:avLst/>
+          </a:prstGeom>
+        </p:spPr>
+        <p:style>
+          <a:lnRef idx="2">
+            <a:schemeClr val="accent6"/>
+          </a:lnRef>
+          <a:fillRef idx="1">
+            <a:schemeClr val="lt1"/>
+          </a:fillRef>
+          <a:effectRef idx="0">
+            <a:schemeClr val="accent6"/>
+          </a:effectRef>
+          <a:fontRef idx="minor">
+            <a:schemeClr val="dk1"/>
+          </a:fontRef>
+        </p:style>
+        <p:txBody>
+          <a:bodyPr rtlCol="0" anchor="ctr"/>
+          <a:lstStyle/>
+          <a:p>
+            <a:pPr algn="ctr"/>
+            <a:r>
+              <a:rPr lang="en-US" b="1" dirty="0" smtClean="0">
+                <a:solidFill>
+                  <a:schemeClr val="accent2">
+                    <a:lumMod val="75000"/>
+                  </a:schemeClr>
+                </a:solidFill>
+              </a:rPr>
+              <a:t>0. 1  Admin Dashboard </a:t>
+            </a:r>
+            <a:endParaRPr lang="en-US" b="1" dirty="0">
+              <a:solidFill>
+                <a:schemeClr val="accent2">
+                  <a:lumMod val="75000"/>
+                </a:schemeClr>
+              </a:solidFill>
+            </a:endParaRPr>
+          </a:p>
+        </p:txBody>
+      </p:sp>
+      <p:sp>
+        <p:nvSpPr>
+          <p:cNvPr id="11" name="Rectangle 10"/>
+          <p:cNvSpPr/>
+          <p:nvPr/>
+        </p:nvSpPr>
+        <p:spPr>
+          <a:xfrm>
+            <a:off x="3429000" y="1066800"/>
+            <a:ext cx="1981200" cy="609600"/>
+          </a:xfrm>
+          <a:prstGeom prst="rect">
+            <a:avLst/>
+          </a:prstGeom>
+        </p:spPr>
+        <p:style>
+          <a:lnRef idx="2">
+            <a:schemeClr val="accent6"/>
+          </a:lnRef>
+          <a:fillRef idx="1">
+            <a:schemeClr val="lt1"/>
+          </a:fillRef>
+          <a:effectRef idx="0">
+            <a:schemeClr val="accent6"/>
+          </a:effectRef>
+          <a:fontRef idx="minor">
+            <a:schemeClr val="dk1"/>
+          </a:fontRef>
+        </p:style>
+        <p:txBody>
+          <a:bodyPr rtlCol="0" anchor="ctr"/>
+          <a:lstStyle/>
+          <a:p>
+            <a:pPr algn="ctr"/>
+            <a:r>
+              <a:rPr lang="en-US" b="1" dirty="0" smtClean="0">
+                <a:solidFill>
+                  <a:schemeClr val="accent2">
+                    <a:lumMod val="75000"/>
+                  </a:schemeClr>
+                </a:solidFill>
+              </a:rPr>
+              <a:t>0.2  Student Dashboard </a:t>
+            </a:r>
+          </a:p>
+        </p:txBody>
+      </p:sp>
+      <p:sp>
+        <p:nvSpPr>
+          <p:cNvPr id="12" name="Rectangle 11"/>
+          <p:cNvSpPr/>
+          <p:nvPr/>
+        </p:nvSpPr>
+        <p:spPr>
+          <a:xfrm>
+            <a:off x="7086600" y="1219200"/>
+            <a:ext cx="1981200" cy="609600"/>
+          </a:xfrm>
+          <a:prstGeom prst="rect">
+            <a:avLst/>
+          </a:prstGeom>
+        </p:spPr>
+        <p:style>
+          <a:lnRef idx="2">
+            <a:schemeClr val="accent6"/>
+          </a:lnRef>
+          <a:fillRef idx="1">
+            <a:schemeClr val="lt1"/>
+          </a:fillRef>
+          <a:effectRef idx="0">
+            <a:schemeClr val="accent6"/>
+          </a:effectRef>
+          <a:fontRef idx="minor">
+            <a:schemeClr val="dk1"/>
+          </a:fontRef>
+        </p:style>
+        <p:txBody>
+          <a:bodyPr rtlCol="0" anchor="ctr"/>
+          <a:lstStyle/>
+          <a:p>
+            <a:pPr algn="ctr"/>
+            <a:r>
+              <a:rPr lang="en-US" b="1" dirty="0" smtClean="0">
+                <a:solidFill>
+                  <a:schemeClr val="accent2">
+                    <a:lumMod val="75000"/>
+                  </a:schemeClr>
+                </a:solidFill>
+              </a:rPr>
+              <a:t>0. 3  Class Teacher Dashboard </a:t>
+            </a:r>
+          </a:p>
+        </p:txBody>
+      </p:sp>
+      <p:cxnSp>
+        <p:nvCxnSpPr>
+          <p:cNvPr id="14" name="Elbow Connector 13"/>
+          <p:cNvCxnSpPr>
+            <a:stCxn id="8" idx="2"/>
+            <a:endCxn id="9" idx="0"/>
+          </p:cNvCxnSpPr>
+          <p:nvPr/>
+        </p:nvCxnSpPr>
+        <p:spPr>
+          <a:xfrm rot="5400000">
+            <a:off x="2628900" y="-723900"/>
+            <a:ext cx="457200" cy="3124200"/>
+          </a:xfrm>
+          <a:prstGeom prst="bentConnector3">
+            <a:avLst>
+              <a:gd name="adj1" fmla="val 50000"/>
+            </a:avLst>
+          </a:prstGeom>
+          <a:ln>
+            <a:tailEnd type="arrow"/>
+          </a:ln>
+        </p:spPr>
+        <p:style>
+          <a:lnRef idx="2">
+            <a:schemeClr val="accent2"/>
+          </a:lnRef>
+          <a:fillRef idx="0">
+            <a:schemeClr val="accent2"/>
+          </a:fillRef>
+          <a:effectRef idx="1">
+            <a:schemeClr val="accent2"/>
+          </a:effectRef>
+          <a:fontRef idx="minor">
+            <a:schemeClr val="tx1"/>
+          </a:fontRef>
+        </p:style>
+      </p:cxnSp>
+      <p:cxnSp>
+        <p:nvCxnSpPr>
+          <p:cNvPr id="16" name="Elbow Connector 15"/>
+          <p:cNvCxnSpPr>
+            <a:stCxn id="8" idx="2"/>
+            <a:endCxn id="12" idx="0"/>
+          </p:cNvCxnSpPr>
+          <p:nvPr/>
+        </p:nvCxnSpPr>
+        <p:spPr>
+          <a:xfrm rot="16200000" flipH="1">
+            <a:off x="5943600" y="-914400"/>
+            <a:ext cx="609600" cy="3657600"/>
+          </a:xfrm>
+          <a:prstGeom prst="bentConnector3">
+            <a:avLst>
+              <a:gd name="adj1" fmla="val 50000"/>
+            </a:avLst>
+          </a:prstGeom>
+          <a:ln>
+            <a:tailEnd type="arrow"/>
+          </a:ln>
+        </p:spPr>
+        <p:style>
+          <a:lnRef idx="2">
+            <a:schemeClr val="accent2"/>
+          </a:lnRef>
+          <a:fillRef idx="0">
+            <a:schemeClr val="accent2"/>
+          </a:fillRef>
+          <a:effectRef idx="1">
+            <a:schemeClr val="accent2"/>
+          </a:effectRef>
+          <a:fontRef idx="minor">
+            <a:schemeClr val="tx1"/>
+          </a:fontRef>
+        </p:style>
+      </p:cxnSp>
+      <p:cxnSp>
+        <p:nvCxnSpPr>
+          <p:cNvPr id="18" name="Straight Arrow Connector 17"/>
+          <p:cNvCxnSpPr>
+            <a:stCxn id="8" idx="2"/>
+            <a:endCxn id="11" idx="0"/>
+          </p:cNvCxnSpPr>
+          <p:nvPr/>
+        </p:nvCxnSpPr>
+        <p:spPr>
+          <a:xfrm rot="5400000">
+            <a:off x="4191000" y="838200"/>
+            <a:ext cx="457200" cy="1588"/>
+          </a:xfrm>
+          <a:prstGeom prst="straightConnector1">
+            <a:avLst/>
+          </a:prstGeom>
+          <a:ln>
+            <a:tailEnd type="arrow"/>
+          </a:ln>
+        </p:spPr>
+        <p:style>
+          <a:lnRef idx="2">
+            <a:schemeClr val="accent2"/>
+          </a:lnRef>
+          <a:fillRef idx="0">
+            <a:schemeClr val="accent2"/>
+          </a:fillRef>
+          <a:effectRef idx="1">
+            <a:schemeClr val="accent2"/>
+          </a:effectRef>
+          <a:fontRef idx="minor">
+            <a:schemeClr val="tx1"/>
+          </a:fontRef>
+        </p:style>
+      </p:cxnSp>
+      <p:sp>
+        <p:nvSpPr>
+          <p:cNvPr id="21" name="Rectangle 20"/>
+          <p:cNvSpPr/>
+          <p:nvPr/>
+        </p:nvSpPr>
+        <p:spPr>
+          <a:xfrm>
+            <a:off x="381000" y="1981200"/>
+            <a:ext cx="1828800" cy="381000"/>
+          </a:xfrm>
+          <a:prstGeom prst="rect">
+            <a:avLst/>
+          </a:prstGeom>
+        </p:spPr>
+        <p:style>
+          <a:lnRef idx="2">
+            <a:schemeClr val="accent6"/>
+          </a:lnRef>
+          <a:fillRef idx="1">
+            <a:schemeClr val="lt1"/>
+          </a:fillRef>
+          <a:effectRef idx="0">
+            <a:schemeClr val="accent6"/>
+          </a:effectRef>
+          <a:fontRef idx="minor">
+            <a:schemeClr val="dk1"/>
+          </a:fontRef>
+        </p:style>
+        <p:txBody>
+          <a:bodyPr rtlCol="0" anchor="ctr"/>
+          <a:lstStyle/>
+          <a:p>
+            <a:pPr algn="ctr"/>
+            <a:r>
+              <a:rPr lang="en-US" b="1" dirty="0" smtClean="0">
+                <a:solidFill>
+                  <a:schemeClr val="accent2">
+                    <a:lumMod val="75000"/>
+                  </a:schemeClr>
+                </a:solidFill>
+              </a:rPr>
+              <a:t>Attendance</a:t>
+            </a:r>
+            <a:endParaRPr lang="en-US" b="1" dirty="0" smtClean="0">
+              <a:solidFill>
+                <a:schemeClr val="accent2">
+                  <a:lumMod val="75000"/>
+                </a:schemeClr>
+              </a:solidFill>
+            </a:endParaRPr>
+          </a:p>
+        </p:txBody>
+      </p:sp>
+      <p:sp>
+        <p:nvSpPr>
+          <p:cNvPr id="22" name="Rectangle 21"/>
+          <p:cNvSpPr/>
+          <p:nvPr/>
+        </p:nvSpPr>
+        <p:spPr>
+          <a:xfrm>
+            <a:off x="381000" y="2590800"/>
+            <a:ext cx="1676400" cy="304800"/>
+          </a:xfrm>
+          <a:prstGeom prst="rect">
+            <a:avLst/>
+          </a:prstGeom>
+        </p:spPr>
+        <p:style>
+          <a:lnRef idx="2">
+            <a:schemeClr val="accent6"/>
+          </a:lnRef>
+          <a:fillRef idx="1">
+            <a:schemeClr val="lt1"/>
+          </a:fillRef>
+          <a:effectRef idx="0">
+            <a:schemeClr val="accent6"/>
+          </a:effectRef>
+          <a:fontRef idx="minor">
+            <a:schemeClr val="dk1"/>
+          </a:fontRef>
+        </p:style>
+        <p:txBody>
+          <a:bodyPr rtlCol="0" anchor="ctr"/>
+          <a:lstStyle/>
+          <a:p>
+            <a:pPr algn="ctr"/>
+            <a:r>
+              <a:rPr lang="en-US" b="1" dirty="0" smtClean="0">
+                <a:solidFill>
+                  <a:schemeClr val="accent2">
+                    <a:lumMod val="75000"/>
+                  </a:schemeClr>
+                </a:solidFill>
+              </a:rPr>
+              <a:t>Student</a:t>
+            </a:r>
+          </a:p>
+        </p:txBody>
+      </p:sp>
+      <p:sp>
+        <p:nvSpPr>
+          <p:cNvPr id="23" name="Rectangle 22"/>
+          <p:cNvSpPr/>
+          <p:nvPr/>
+        </p:nvSpPr>
+        <p:spPr>
+          <a:xfrm>
+            <a:off x="381000" y="3200400"/>
+            <a:ext cx="1676400" cy="304800"/>
+          </a:xfrm>
+          <a:prstGeom prst="rect">
+            <a:avLst/>
+          </a:prstGeom>
+        </p:spPr>
+        <p:style>
+          <a:lnRef idx="2">
+            <a:schemeClr val="accent6"/>
+          </a:lnRef>
+          <a:fillRef idx="1">
+            <a:schemeClr val="lt1"/>
+          </a:fillRef>
+          <a:effectRef idx="0">
+            <a:schemeClr val="accent6"/>
+          </a:effectRef>
+          <a:fontRef idx="minor">
+            <a:schemeClr val="dk1"/>
+          </a:fontRef>
+        </p:style>
+        <p:txBody>
+          <a:bodyPr rtlCol="0" anchor="ctr"/>
+          <a:lstStyle/>
+          <a:p>
+            <a:pPr algn="ctr"/>
+            <a:r>
+              <a:rPr lang="en-US" b="1" dirty="0" smtClean="0">
+                <a:solidFill>
+                  <a:schemeClr val="accent2">
+                    <a:lumMod val="75000"/>
+                  </a:schemeClr>
+                </a:solidFill>
+              </a:rPr>
+              <a:t>Result</a:t>
+            </a:r>
+          </a:p>
+        </p:txBody>
+      </p:sp>
+      <p:sp>
+        <p:nvSpPr>
+          <p:cNvPr id="24" name="Rectangle 23"/>
+          <p:cNvSpPr/>
+          <p:nvPr/>
+        </p:nvSpPr>
+        <p:spPr>
+          <a:xfrm>
+            <a:off x="381000" y="3810000"/>
+            <a:ext cx="1676400" cy="304800"/>
+          </a:xfrm>
+          <a:prstGeom prst="rect">
+            <a:avLst/>
+          </a:prstGeom>
+        </p:spPr>
+        <p:style>
+          <a:lnRef idx="2">
+            <a:schemeClr val="accent6"/>
+          </a:lnRef>
+          <a:fillRef idx="1">
+            <a:schemeClr val="lt1"/>
+          </a:fillRef>
+          <a:effectRef idx="0">
+            <a:schemeClr val="accent6"/>
+          </a:effectRef>
+          <a:fontRef idx="minor">
+            <a:schemeClr val="dk1"/>
+          </a:fontRef>
+        </p:style>
+        <p:txBody>
+          <a:bodyPr rtlCol="0" anchor="ctr"/>
+          <a:lstStyle/>
+          <a:p>
+            <a:pPr algn="ctr"/>
+            <a:r>
+              <a:rPr lang="en-US" b="1" dirty="0" smtClean="0">
+                <a:solidFill>
+                  <a:schemeClr val="accent2">
+                    <a:lumMod val="75000"/>
+                  </a:schemeClr>
+                </a:solidFill>
+              </a:rPr>
+              <a:t>Statement</a:t>
+            </a:r>
+          </a:p>
+        </p:txBody>
+      </p:sp>
+      <p:cxnSp>
+        <p:nvCxnSpPr>
+          <p:cNvPr id="30" name="Elbow Connector 29"/>
+          <p:cNvCxnSpPr>
+            <a:stCxn id="9" idx="1"/>
+            <a:endCxn id="22" idx="1"/>
+          </p:cNvCxnSpPr>
+          <p:nvPr/>
+        </p:nvCxnSpPr>
+        <p:spPr>
+          <a:xfrm rot="10800000" flipH="1" flipV="1">
+            <a:off x="304800" y="1371600"/>
+            <a:ext cx="76200" cy="1371600"/>
+          </a:xfrm>
+          <a:prstGeom prst="bentConnector3">
+            <a:avLst>
+              <a:gd name="adj1" fmla="val -300000"/>
+            </a:avLst>
+          </a:prstGeom>
+          <a:ln>
+            <a:tailEnd type="arrow"/>
+          </a:ln>
+        </p:spPr>
+        <p:style>
+          <a:lnRef idx="2">
+            <a:schemeClr val="accent2"/>
+          </a:lnRef>
+          <a:fillRef idx="0">
+            <a:schemeClr val="accent2"/>
+          </a:fillRef>
+          <a:effectRef idx="1">
+            <a:schemeClr val="accent2"/>
+          </a:effectRef>
+          <a:fontRef idx="minor">
+            <a:schemeClr val="tx1"/>
+          </a:fontRef>
+        </p:style>
+      </p:cxnSp>
+      <p:cxnSp>
+        <p:nvCxnSpPr>
+          <p:cNvPr id="32" name="Elbow Connector 31"/>
+          <p:cNvCxnSpPr>
+            <a:stCxn id="9" idx="1"/>
+            <a:endCxn id="23" idx="1"/>
+          </p:cNvCxnSpPr>
+          <p:nvPr/>
+        </p:nvCxnSpPr>
+        <p:spPr>
+          <a:xfrm rot="10800000" flipH="1" flipV="1">
+            <a:off x="304800" y="1371600"/>
+            <a:ext cx="76200" cy="1981200"/>
+          </a:xfrm>
+          <a:prstGeom prst="bentConnector3">
+            <a:avLst>
+              <a:gd name="adj1" fmla="val -300000"/>
+            </a:avLst>
+          </a:prstGeom>
+          <a:ln>
+            <a:tailEnd type="arrow"/>
+          </a:ln>
+        </p:spPr>
+        <p:style>
+          <a:lnRef idx="2">
+            <a:schemeClr val="accent2"/>
+          </a:lnRef>
+          <a:fillRef idx="0">
+            <a:schemeClr val="accent2"/>
+          </a:fillRef>
+          <a:effectRef idx="1">
+            <a:schemeClr val="accent2"/>
+          </a:effectRef>
+          <a:fontRef idx="minor">
+            <a:schemeClr val="tx1"/>
+          </a:fontRef>
+        </p:style>
+      </p:cxnSp>
+      <p:cxnSp>
+        <p:nvCxnSpPr>
+          <p:cNvPr id="34" name="Elbow Connector 33"/>
+          <p:cNvCxnSpPr>
+            <a:stCxn id="9" idx="1"/>
+            <a:endCxn id="24" idx="1"/>
+          </p:cNvCxnSpPr>
+          <p:nvPr/>
+        </p:nvCxnSpPr>
+        <p:spPr>
+          <a:xfrm rot="10800000" flipH="1" flipV="1">
+            <a:off x="304800" y="1371600"/>
+            <a:ext cx="76200" cy="2590800"/>
+          </a:xfrm>
+          <a:prstGeom prst="bentConnector3">
+            <a:avLst>
+              <a:gd name="adj1" fmla="val -300000"/>
+            </a:avLst>
+          </a:prstGeom>
+          <a:ln>
+            <a:tailEnd type="arrow"/>
+          </a:ln>
+        </p:spPr>
+        <p:style>
+          <a:lnRef idx="2">
+            <a:schemeClr val="accent2"/>
+          </a:lnRef>
+          <a:fillRef idx="0">
+            <a:schemeClr val="accent2"/>
+          </a:fillRef>
+          <a:effectRef idx="1">
+            <a:schemeClr val="accent2"/>
+          </a:effectRef>
+          <a:fontRef idx="minor">
+            <a:schemeClr val="tx1"/>
+          </a:fontRef>
+        </p:style>
+      </p:cxnSp>
+      <p:cxnSp>
+        <p:nvCxnSpPr>
+          <p:cNvPr id="37" name="Elbow Connector 36"/>
+          <p:cNvCxnSpPr>
+            <a:stCxn id="9" idx="1"/>
+            <a:endCxn id="21" idx="1"/>
+          </p:cNvCxnSpPr>
+          <p:nvPr/>
+        </p:nvCxnSpPr>
+        <p:spPr>
+          <a:xfrm rot="10800000" flipH="1" flipV="1">
+            <a:off x="304800" y="1371600"/>
+            <a:ext cx="76200" cy="800100"/>
+          </a:xfrm>
+          <a:prstGeom prst="bentConnector3">
+            <a:avLst>
+              <a:gd name="adj1" fmla="val -300000"/>
+            </a:avLst>
+          </a:prstGeom>
+          <a:ln>
+            <a:tailEnd type="arrow"/>
+          </a:ln>
+        </p:spPr>
+        <p:style>
+          <a:lnRef idx="2">
+            <a:schemeClr val="accent2"/>
+          </a:lnRef>
+          <a:fillRef idx="0">
+            <a:schemeClr val="accent2"/>
+          </a:fillRef>
+          <a:effectRef idx="1">
+            <a:schemeClr val="accent2"/>
+          </a:effectRef>
+          <a:fontRef idx="minor">
+            <a:schemeClr val="tx1"/>
+          </a:fontRef>
+        </p:style>
+      </p:cxnSp>
+      <p:sp>
+        <p:nvSpPr>
+          <p:cNvPr id="38" name="Rectangle 37"/>
+          <p:cNvSpPr/>
+          <p:nvPr/>
+        </p:nvSpPr>
+        <p:spPr>
+          <a:xfrm>
+            <a:off x="3505200" y="1981200"/>
+            <a:ext cx="1752600" cy="381000"/>
+          </a:xfrm>
+          <a:prstGeom prst="rect">
+            <a:avLst/>
+          </a:prstGeom>
+        </p:spPr>
+        <p:style>
+          <a:lnRef idx="2">
+            <a:schemeClr val="accent6"/>
+          </a:lnRef>
+          <a:fillRef idx="1">
+            <a:schemeClr val="lt1"/>
+          </a:fillRef>
+          <a:effectRef idx="0">
+            <a:schemeClr val="accent6"/>
+          </a:effectRef>
+          <a:fontRef idx="minor">
+            <a:schemeClr val="dk1"/>
+          </a:fontRef>
+        </p:style>
+        <p:txBody>
+          <a:bodyPr rtlCol="0" anchor="ctr"/>
+          <a:lstStyle/>
+          <a:p>
+            <a:pPr algn="ctr"/>
+            <a:r>
+              <a:rPr lang="en-US" b="1" dirty="0" smtClean="0">
+                <a:solidFill>
+                  <a:schemeClr val="accent2">
+                    <a:lumMod val="75000"/>
+                  </a:schemeClr>
+                </a:solidFill>
+              </a:rPr>
+              <a:t>Attendance</a:t>
+            </a:r>
+          </a:p>
+        </p:txBody>
+      </p:sp>
+      <p:sp>
+        <p:nvSpPr>
+          <p:cNvPr id="39" name="Rectangle 38"/>
+          <p:cNvSpPr/>
+          <p:nvPr/>
+        </p:nvSpPr>
+        <p:spPr>
+          <a:xfrm>
+            <a:off x="3505200" y="2590800"/>
+            <a:ext cx="1676400" cy="304800"/>
+          </a:xfrm>
+          <a:prstGeom prst="rect">
+            <a:avLst/>
+          </a:prstGeom>
+        </p:spPr>
+        <p:style>
+          <a:lnRef idx="2">
+            <a:schemeClr val="accent6"/>
+          </a:lnRef>
+          <a:fillRef idx="1">
+            <a:schemeClr val="lt1"/>
+          </a:fillRef>
+          <a:effectRef idx="0">
+            <a:schemeClr val="accent6"/>
+          </a:effectRef>
+          <a:fontRef idx="minor">
+            <a:schemeClr val="dk1"/>
+          </a:fontRef>
+        </p:style>
+        <p:txBody>
+          <a:bodyPr rtlCol="0" anchor="ctr"/>
+          <a:lstStyle/>
+          <a:p>
+            <a:pPr algn="ctr"/>
+            <a:r>
+              <a:rPr lang="en-US" b="1" dirty="0" smtClean="0">
+                <a:solidFill>
+                  <a:schemeClr val="accent2">
+                    <a:lumMod val="75000"/>
+                  </a:schemeClr>
+                </a:solidFill>
+              </a:rPr>
+              <a:t>Student</a:t>
+            </a:r>
+          </a:p>
+        </p:txBody>
+      </p:sp>
+      <p:sp>
+        <p:nvSpPr>
+          <p:cNvPr id="40" name="Rectangle 39"/>
+          <p:cNvSpPr/>
+          <p:nvPr/>
+        </p:nvSpPr>
+        <p:spPr>
+          <a:xfrm>
+            <a:off x="3505200" y="3200400"/>
+            <a:ext cx="1676400" cy="304800"/>
+          </a:xfrm>
+          <a:prstGeom prst="rect">
+            <a:avLst/>
+          </a:prstGeom>
+        </p:spPr>
+        <p:style>
+          <a:lnRef idx="2">
+            <a:schemeClr val="accent6"/>
+          </a:lnRef>
+          <a:fillRef idx="1">
+            <a:schemeClr val="lt1"/>
+          </a:fillRef>
+          <a:effectRef idx="0">
+            <a:schemeClr val="accent6"/>
+          </a:effectRef>
+          <a:fontRef idx="minor">
+            <a:schemeClr val="dk1"/>
+          </a:fontRef>
+        </p:style>
+        <p:txBody>
+          <a:bodyPr rtlCol="0" anchor="ctr"/>
+          <a:lstStyle/>
+          <a:p>
+            <a:pPr algn="ctr"/>
+            <a:r>
+              <a:rPr lang="en-US" b="1" dirty="0" smtClean="0">
+                <a:solidFill>
+                  <a:schemeClr val="accent2">
+                    <a:lumMod val="75000"/>
+                  </a:schemeClr>
+                </a:solidFill>
+              </a:rPr>
+              <a:t>Result</a:t>
+            </a:r>
+          </a:p>
+        </p:txBody>
+      </p:sp>
+      <p:sp>
+        <p:nvSpPr>
+          <p:cNvPr id="41" name="Rectangle 40"/>
+          <p:cNvSpPr/>
+          <p:nvPr/>
+        </p:nvSpPr>
+        <p:spPr>
+          <a:xfrm>
+            <a:off x="3505200" y="3810000"/>
+            <a:ext cx="1676400" cy="304800"/>
+          </a:xfrm>
+          <a:prstGeom prst="rect">
+            <a:avLst/>
+          </a:prstGeom>
+        </p:spPr>
+        <p:style>
+          <a:lnRef idx="2">
+            <a:schemeClr val="accent6"/>
+          </a:lnRef>
+          <a:fillRef idx="1">
+            <a:schemeClr val="lt1"/>
+          </a:fillRef>
+          <a:effectRef idx="0">
+            <a:schemeClr val="accent6"/>
+          </a:effectRef>
+          <a:fontRef idx="minor">
+            <a:schemeClr val="dk1"/>
+          </a:fontRef>
+        </p:style>
+        <p:txBody>
+          <a:bodyPr rtlCol="0" anchor="ctr"/>
+          <a:lstStyle/>
+          <a:p>
+            <a:pPr algn="ctr"/>
+            <a:r>
+              <a:rPr lang="en-US" b="1" dirty="0" smtClean="0">
+                <a:solidFill>
+                  <a:schemeClr val="accent2">
+                    <a:lumMod val="75000"/>
+                  </a:schemeClr>
+                </a:solidFill>
+              </a:rPr>
+              <a:t>Statement</a:t>
+            </a:r>
+          </a:p>
+        </p:txBody>
+      </p:sp>
+      <p:sp>
+        <p:nvSpPr>
+          <p:cNvPr id="42" name="Rectangle 41"/>
+          <p:cNvSpPr/>
+          <p:nvPr/>
+        </p:nvSpPr>
+        <p:spPr>
+          <a:xfrm>
+            <a:off x="7162800" y="2133600"/>
+            <a:ext cx="1752600" cy="381000"/>
+          </a:xfrm>
+          <a:prstGeom prst="rect">
+            <a:avLst/>
+          </a:prstGeom>
+        </p:spPr>
+        <p:style>
+          <a:lnRef idx="2">
+            <a:schemeClr val="accent6"/>
+          </a:lnRef>
+          <a:fillRef idx="1">
+            <a:schemeClr val="lt1"/>
+          </a:fillRef>
+          <a:effectRef idx="0">
+            <a:schemeClr val="accent6"/>
+          </a:effectRef>
+          <a:fontRef idx="minor">
+            <a:schemeClr val="dk1"/>
+          </a:fontRef>
+        </p:style>
+        <p:txBody>
+          <a:bodyPr rtlCol="0" anchor="ctr"/>
+          <a:lstStyle/>
+          <a:p>
+            <a:pPr algn="ctr"/>
+            <a:r>
+              <a:rPr lang="en-US" b="1" dirty="0" smtClean="0">
+                <a:solidFill>
+                  <a:schemeClr val="accent2">
+                    <a:lumMod val="75000"/>
+                  </a:schemeClr>
+                </a:solidFill>
+              </a:rPr>
+              <a:t>Attendance</a:t>
+            </a:r>
+          </a:p>
+        </p:txBody>
+      </p:sp>
+      <p:sp>
+        <p:nvSpPr>
+          <p:cNvPr id="43" name="Rectangle 42"/>
+          <p:cNvSpPr/>
+          <p:nvPr/>
+        </p:nvSpPr>
+        <p:spPr>
+          <a:xfrm>
+            <a:off x="7162800" y="2743200"/>
+            <a:ext cx="1676400" cy="304800"/>
+          </a:xfrm>
+          <a:prstGeom prst="rect">
+            <a:avLst/>
+          </a:prstGeom>
+        </p:spPr>
+        <p:style>
+          <a:lnRef idx="2">
+            <a:schemeClr val="accent6"/>
+          </a:lnRef>
+          <a:fillRef idx="1">
+            <a:schemeClr val="lt1"/>
+          </a:fillRef>
+          <a:effectRef idx="0">
+            <a:schemeClr val="accent6"/>
+          </a:effectRef>
+          <a:fontRef idx="minor">
+            <a:schemeClr val="dk1"/>
+          </a:fontRef>
+        </p:style>
+        <p:txBody>
+          <a:bodyPr rtlCol="0" anchor="ctr"/>
+          <a:lstStyle/>
+          <a:p>
+            <a:pPr algn="ctr"/>
+            <a:r>
+              <a:rPr lang="en-US" b="1" dirty="0" smtClean="0">
+                <a:solidFill>
+                  <a:schemeClr val="accent2">
+                    <a:lumMod val="75000"/>
+                  </a:schemeClr>
+                </a:solidFill>
+              </a:rPr>
+              <a:t>Student</a:t>
+            </a:r>
+          </a:p>
+        </p:txBody>
+      </p:sp>
+      <p:sp>
+        <p:nvSpPr>
+          <p:cNvPr id="44" name="Rectangle 43"/>
+          <p:cNvSpPr/>
+          <p:nvPr/>
+        </p:nvSpPr>
+        <p:spPr>
+          <a:xfrm>
+            <a:off x="7162800" y="3352800"/>
+            <a:ext cx="1676400" cy="304800"/>
+          </a:xfrm>
+          <a:prstGeom prst="rect">
+            <a:avLst/>
+          </a:prstGeom>
+        </p:spPr>
+        <p:style>
+          <a:lnRef idx="2">
+            <a:schemeClr val="accent6"/>
+          </a:lnRef>
+          <a:fillRef idx="1">
+            <a:schemeClr val="lt1"/>
+          </a:fillRef>
+          <a:effectRef idx="0">
+            <a:schemeClr val="accent6"/>
+          </a:effectRef>
+          <a:fontRef idx="minor">
+            <a:schemeClr val="dk1"/>
+          </a:fontRef>
+        </p:style>
+        <p:txBody>
+          <a:bodyPr rtlCol="0" anchor="ctr"/>
+          <a:lstStyle/>
+          <a:p>
+            <a:pPr algn="ctr"/>
+            <a:r>
+              <a:rPr lang="en-US" b="1" dirty="0" smtClean="0">
+                <a:solidFill>
+                  <a:schemeClr val="accent2">
+                    <a:lumMod val="75000"/>
+                  </a:schemeClr>
+                </a:solidFill>
+              </a:rPr>
+              <a:t>Result</a:t>
+            </a:r>
+          </a:p>
+        </p:txBody>
+      </p:sp>
+      <p:sp>
+        <p:nvSpPr>
+          <p:cNvPr id="45" name="Rectangle 44"/>
+          <p:cNvSpPr/>
+          <p:nvPr/>
+        </p:nvSpPr>
+        <p:spPr>
+          <a:xfrm>
+            <a:off x="7162800" y="3962400"/>
+            <a:ext cx="1676400" cy="304800"/>
+          </a:xfrm>
+          <a:prstGeom prst="rect">
+            <a:avLst/>
+          </a:prstGeom>
+        </p:spPr>
+        <p:style>
+          <a:lnRef idx="2">
+            <a:schemeClr val="accent6"/>
+          </a:lnRef>
+          <a:fillRef idx="1">
+            <a:schemeClr val="lt1"/>
+          </a:fillRef>
+          <a:effectRef idx="0">
+            <a:schemeClr val="accent6"/>
+          </a:effectRef>
+          <a:fontRef idx="minor">
+            <a:schemeClr val="dk1"/>
+          </a:fontRef>
+        </p:style>
+        <p:txBody>
+          <a:bodyPr rtlCol="0" anchor="ctr"/>
+          <a:lstStyle/>
+          <a:p>
+            <a:pPr algn="ctr"/>
+            <a:r>
+              <a:rPr lang="en-US" b="1" dirty="0" smtClean="0">
+                <a:solidFill>
+                  <a:schemeClr val="accent2">
+                    <a:lumMod val="75000"/>
+                  </a:schemeClr>
+                </a:solidFill>
+              </a:rPr>
+              <a:t>Statement</a:t>
+            </a:r>
+          </a:p>
+        </p:txBody>
+      </p:sp>
+      <p:cxnSp>
+        <p:nvCxnSpPr>
+          <p:cNvPr id="46" name="Elbow Connector 45"/>
+          <p:cNvCxnSpPr/>
+          <p:nvPr/>
+        </p:nvCxnSpPr>
+        <p:spPr>
+          <a:xfrm rot="10800000" flipH="1" flipV="1">
+            <a:off x="3429000" y="1371600"/>
+            <a:ext cx="76200" cy="1371600"/>
+          </a:xfrm>
+          <a:prstGeom prst="bentConnector3">
+            <a:avLst>
+              <a:gd name="adj1" fmla="val -300000"/>
+            </a:avLst>
+          </a:prstGeom>
+          <a:ln>
+            <a:tailEnd type="arrow"/>
+          </a:ln>
+        </p:spPr>
+        <p:style>
+          <a:lnRef idx="2">
+            <a:schemeClr val="accent2"/>
+          </a:lnRef>
+          <a:fillRef idx="0">
+            <a:schemeClr val="accent2"/>
+          </a:fillRef>
+          <a:effectRef idx="1">
+            <a:schemeClr val="accent2"/>
+          </a:effectRef>
+          <a:fontRef idx="minor">
+            <a:schemeClr val="tx1"/>
+          </a:fontRef>
+        </p:style>
+      </p:cxnSp>
+      <p:cxnSp>
+        <p:nvCxnSpPr>
+          <p:cNvPr id="47" name="Elbow Connector 46"/>
+          <p:cNvCxnSpPr/>
+          <p:nvPr/>
+        </p:nvCxnSpPr>
+        <p:spPr>
+          <a:xfrm rot="10800000" flipH="1" flipV="1">
+            <a:off x="3429000" y="1371600"/>
+            <a:ext cx="76200" cy="1981200"/>
+          </a:xfrm>
+          <a:prstGeom prst="bentConnector3">
+            <a:avLst>
+              <a:gd name="adj1" fmla="val -300000"/>
+            </a:avLst>
+          </a:prstGeom>
+          <a:ln>
+            <a:tailEnd type="arrow"/>
+          </a:ln>
+        </p:spPr>
+        <p:style>
+          <a:lnRef idx="2">
+            <a:schemeClr val="accent2"/>
+          </a:lnRef>
+          <a:fillRef idx="0">
+            <a:schemeClr val="accent2"/>
+          </a:fillRef>
+          <a:effectRef idx="1">
+            <a:schemeClr val="accent2"/>
+          </a:effectRef>
+          <a:fontRef idx="minor">
+            <a:schemeClr val="tx1"/>
+          </a:fontRef>
+        </p:style>
+      </p:cxnSp>
+      <p:cxnSp>
+        <p:nvCxnSpPr>
+          <p:cNvPr id="48" name="Elbow Connector 47"/>
+          <p:cNvCxnSpPr/>
+          <p:nvPr/>
+        </p:nvCxnSpPr>
+        <p:spPr>
+          <a:xfrm rot="10800000" flipH="1" flipV="1">
+            <a:off x="3429000" y="1371600"/>
+            <a:ext cx="76200" cy="2590800"/>
+          </a:xfrm>
+          <a:prstGeom prst="bentConnector3">
+            <a:avLst>
+              <a:gd name="adj1" fmla="val -300000"/>
+            </a:avLst>
+          </a:prstGeom>
+          <a:ln>
+            <a:tailEnd type="arrow"/>
+          </a:ln>
+        </p:spPr>
+        <p:style>
+          <a:lnRef idx="2">
+            <a:schemeClr val="accent2"/>
+          </a:lnRef>
+          <a:fillRef idx="0">
+            <a:schemeClr val="accent2"/>
+          </a:fillRef>
+          <a:effectRef idx="1">
+            <a:schemeClr val="accent2"/>
+          </a:effectRef>
+          <a:fontRef idx="minor">
+            <a:schemeClr val="tx1"/>
+          </a:fontRef>
+        </p:style>
+      </p:cxnSp>
+      <p:cxnSp>
+        <p:nvCxnSpPr>
+          <p:cNvPr id="49" name="Elbow Connector 48"/>
+          <p:cNvCxnSpPr/>
+          <p:nvPr/>
+        </p:nvCxnSpPr>
+        <p:spPr>
+          <a:xfrm rot="10800000" flipH="1" flipV="1">
+            <a:off x="3429000" y="1371600"/>
+            <a:ext cx="76200" cy="800100"/>
+          </a:xfrm>
+          <a:prstGeom prst="bentConnector3">
+            <a:avLst>
+              <a:gd name="adj1" fmla="val -300000"/>
+            </a:avLst>
+          </a:prstGeom>
+          <a:ln>
+            <a:tailEnd type="arrow"/>
+          </a:ln>
+        </p:spPr>
+        <p:style>
+          <a:lnRef idx="2">
+            <a:schemeClr val="accent2"/>
+          </a:lnRef>
+          <a:fillRef idx="0">
+            <a:schemeClr val="accent2"/>
+          </a:fillRef>
+          <a:effectRef idx="1">
+            <a:schemeClr val="accent2"/>
+          </a:effectRef>
+          <a:fontRef idx="minor">
+            <a:schemeClr val="tx1"/>
+          </a:fontRef>
+        </p:style>
+      </p:cxnSp>
+      <p:cxnSp>
+        <p:nvCxnSpPr>
+          <p:cNvPr id="51" name="Elbow Connector 50"/>
+          <p:cNvCxnSpPr/>
+          <p:nvPr/>
+        </p:nvCxnSpPr>
+        <p:spPr>
+          <a:xfrm rot="10800000" flipH="1" flipV="1">
+            <a:off x="7086600" y="1524000"/>
+            <a:ext cx="76200" cy="1371600"/>
+          </a:xfrm>
+          <a:prstGeom prst="bentConnector3">
+            <a:avLst>
+              <a:gd name="adj1" fmla="val -300000"/>
+            </a:avLst>
+          </a:prstGeom>
+          <a:ln>
+            <a:tailEnd type="arrow"/>
+          </a:ln>
+        </p:spPr>
+        <p:style>
+          <a:lnRef idx="2">
+            <a:schemeClr val="accent2"/>
+          </a:lnRef>
+          <a:fillRef idx="0">
+            <a:schemeClr val="accent2"/>
+          </a:fillRef>
+          <a:effectRef idx="1">
+            <a:schemeClr val="accent2"/>
+          </a:effectRef>
+          <a:fontRef idx="minor">
+            <a:schemeClr val="tx1"/>
+          </a:fontRef>
+        </p:style>
+      </p:cxnSp>
+      <p:cxnSp>
+        <p:nvCxnSpPr>
+          <p:cNvPr id="52" name="Elbow Connector 51"/>
+          <p:cNvCxnSpPr/>
+          <p:nvPr/>
+        </p:nvCxnSpPr>
+        <p:spPr>
+          <a:xfrm rot="10800000" flipH="1" flipV="1">
+            <a:off x="7086600" y="1524000"/>
+            <a:ext cx="76200" cy="1981200"/>
+          </a:xfrm>
+          <a:prstGeom prst="bentConnector3">
+            <a:avLst>
+              <a:gd name="adj1" fmla="val -300000"/>
+            </a:avLst>
+          </a:prstGeom>
+          <a:ln>
+            <a:tailEnd type="arrow"/>
+          </a:ln>
+        </p:spPr>
+        <p:style>
+          <a:lnRef idx="2">
+            <a:schemeClr val="accent2"/>
+          </a:lnRef>
+          <a:fillRef idx="0">
+            <a:schemeClr val="accent2"/>
+          </a:fillRef>
+          <a:effectRef idx="1">
+            <a:schemeClr val="accent2"/>
+          </a:effectRef>
+          <a:fontRef idx="minor">
+            <a:schemeClr val="tx1"/>
+          </a:fontRef>
+        </p:style>
+      </p:cxnSp>
+      <p:cxnSp>
+        <p:nvCxnSpPr>
+          <p:cNvPr id="53" name="Elbow Connector 52"/>
+          <p:cNvCxnSpPr/>
+          <p:nvPr/>
+        </p:nvCxnSpPr>
+        <p:spPr>
+          <a:xfrm rot="10800000" flipH="1" flipV="1">
+            <a:off x="7086600" y="1524000"/>
+            <a:ext cx="76200" cy="2590800"/>
+          </a:xfrm>
+          <a:prstGeom prst="bentConnector3">
+            <a:avLst>
+              <a:gd name="adj1" fmla="val -300000"/>
+            </a:avLst>
+          </a:prstGeom>
+          <a:ln>
+            <a:tailEnd type="arrow"/>
+          </a:ln>
+        </p:spPr>
+        <p:style>
+          <a:lnRef idx="2">
+            <a:schemeClr val="accent2"/>
+          </a:lnRef>
+          <a:fillRef idx="0">
+            <a:schemeClr val="accent2"/>
+          </a:fillRef>
+          <a:effectRef idx="1">
+            <a:schemeClr val="accent2"/>
+          </a:effectRef>
+          <a:fontRef idx="minor">
+            <a:schemeClr val="tx1"/>
+          </a:fontRef>
+        </p:style>
+      </p:cxnSp>
+      <p:cxnSp>
+        <p:nvCxnSpPr>
+          <p:cNvPr id="54" name="Elbow Connector 53"/>
+          <p:cNvCxnSpPr/>
+          <p:nvPr/>
+        </p:nvCxnSpPr>
+        <p:spPr>
+          <a:xfrm rot="10800000" flipH="1" flipV="1">
+            <a:off x="7086600" y="1524000"/>
+            <a:ext cx="76200" cy="800100"/>
+          </a:xfrm>
+          <a:prstGeom prst="bentConnector3">
+            <a:avLst>
+              <a:gd name="adj1" fmla="val -300000"/>
+            </a:avLst>
+          </a:prstGeom>
+          <a:ln>
+            <a:tailEnd type="arrow"/>
+          </a:ln>
+        </p:spPr>
+        <p:style>
+          <a:lnRef idx="2">
+            <a:schemeClr val="accent2"/>
+          </a:lnRef>
+          <a:fillRef idx="0">
+            <a:schemeClr val="accent2"/>
+          </a:fillRef>
+          <a:effectRef idx="1">
+            <a:schemeClr val="accent2"/>
+          </a:effectRef>
+          <a:fontRef idx="minor">
+            <a:schemeClr val="tx1"/>
+          </a:fontRef>
+        </p:style>
+      </p:cxnSp>
     </p:spTree>
   </p:cSld>
   <p:clrMapOvr>
     <a:masterClrMapping/>
   </p:clrMapOvr>
+  <p:timing>
+    <p:tnLst>
+      <p:par>
+        <p:cTn id="1" dur="indefinite" restart="never" nodeType="tmRoot"/>
+      </p:par>
+    </p:tnLst>
+  </p:timing>
 </p:sld>
 </file>
 
@@ -5013,14 +6464,12 @@
         </p:nvSpPr>
         <p:spPr>
           <a:xfrm>
-            <a:off x="449580" y="1676400"/>
-            <a:ext cx="8221345" cy="500380"/>
-          </a:xfrm>
-        </p:spPr>
-        <p:txBody>
-          <a:bodyPr>
-            <a:noAutofit/>
-          </a:bodyPr>
+            <a:off x="469900" y="1447800"/>
+            <a:ext cx="8216900" cy="837565"/>
+          </a:xfrm>
+        </p:spPr>
+        <p:txBody>
+          <a:bodyPr/>
           <a:lstStyle/>
           <a:p>
             <a:pPr algn="l"/>
@@ -5035,112 +6484,8 @@
                 <a:cs typeface="Times New Roman" panose="02020603050405020304" charset="0"/>
                 <a:sym typeface="+mn-ea"/>
               </a:rPr>
-              <a:t>Work progress</a:t>
-            </a:r>
-          </a:p>
-        </p:txBody>
-      </p:sp>
-      <p:sp>
-        <p:nvSpPr>
-          <p:cNvPr id="3" name="Content Placeholder 2"/>
-          <p:cNvSpPr>
-            <a:spLocks noGrp="1"/>
-          </p:cNvSpPr>
-          <p:nvPr>
-            <p:ph idx="1"/>
-          </p:nvPr>
-        </p:nvSpPr>
-        <p:spPr>
-          <a:xfrm>
-            <a:off x="523875" y="2468245"/>
-            <a:ext cx="8162925" cy="3658235"/>
-          </a:xfrm>
-        </p:spPr>
-        <p:txBody>
-          <a:bodyPr>
-            <a:normAutofit/>
-          </a:bodyPr>
-          <a:lstStyle/>
-          <a:p>
-            <a:r>
-              <a:rPr lang="en-US" sz="2400" dirty="0">
-                <a:latin typeface="Times New Roman" panose="02020603050405020304" charset="0"/>
-                <a:cs typeface="Times New Roman" panose="02020603050405020304" charset="0"/>
-              </a:rPr>
-              <a:t>Frontend </a:t>
-            </a:r>
-          </a:p>
-          <a:p>
-            <a:pPr marL="0" indent="0">
-              <a:buNone/>
-            </a:pPr>
-            <a:r>
-              <a:rPr lang="en-US" sz="2400" b="1" dirty="0">
-                <a:latin typeface="Times New Roman" panose="02020603050405020304" charset="0"/>
-                <a:cs typeface="Times New Roman" panose="02020603050405020304" charset="0"/>
-              </a:rPr>
-              <a:t>Future </a:t>
-            </a:r>
-            <a:r>
-              <a:rPr lang="en-US" sz="2400" b="1" dirty="0" smtClean="0">
-                <a:latin typeface="Times New Roman" panose="02020603050405020304" charset="0"/>
-                <a:cs typeface="Times New Roman" panose="02020603050405020304" charset="0"/>
-              </a:rPr>
-              <a:t>work</a:t>
-            </a:r>
-          </a:p>
-          <a:p>
-            <a:r>
-              <a:rPr lang="en-US" sz="2400" dirty="0" smtClean="0">
-                <a:latin typeface="Times New Roman" panose="02020603050405020304" charset="0"/>
-                <a:cs typeface="Times New Roman" panose="02020603050405020304" charset="0"/>
-              </a:rPr>
-              <a:t>Creating Migration and Models,</a:t>
-            </a:r>
-          </a:p>
-          <a:p>
-            <a:r>
-              <a:rPr lang="en-US" sz="2400" dirty="0" smtClean="0">
-                <a:latin typeface="Times New Roman" panose="02020603050405020304" charset="0"/>
-                <a:cs typeface="Times New Roman" panose="02020603050405020304" charset="0"/>
-              </a:rPr>
-              <a:t>Seeding database,</a:t>
-            </a:r>
-          </a:p>
-          <a:p>
-            <a:r>
-              <a:rPr lang="en-US" sz="2400" dirty="0" smtClean="0">
-                <a:latin typeface="Times New Roman" panose="02020603050405020304" charset="0"/>
-                <a:cs typeface="Times New Roman" panose="02020603050405020304" charset="0"/>
-              </a:rPr>
-              <a:t>Generating resource controllers,</a:t>
-            </a:r>
-            <a:endParaRPr lang="en-US" sz="2400" dirty="0" smtClean="0">
-              <a:latin typeface="Times New Roman" panose="02020603050405020304" charset="0"/>
-              <a:cs typeface="Times New Roman" panose="02020603050405020304" charset="0"/>
-            </a:endParaRPr>
-          </a:p>
-          <a:p>
-            <a:r>
-              <a:rPr lang="en-US" sz="2400" dirty="0" smtClean="0">
-                <a:latin typeface="Times New Roman" panose="02020603050405020304" charset="0"/>
-                <a:cs typeface="Times New Roman" panose="02020603050405020304" charset="0"/>
-              </a:rPr>
-              <a:t>Gates and policy,</a:t>
-            </a:r>
-            <a:endParaRPr lang="en-US" sz="2400" dirty="0" smtClean="0">
-              <a:latin typeface="Times New Roman" panose="02020603050405020304" charset="0"/>
-              <a:cs typeface="Times New Roman" panose="02020603050405020304" charset="0"/>
-            </a:endParaRPr>
-          </a:p>
-          <a:p>
-            <a:pPr marL="0" indent="0">
-              <a:buNone/>
-            </a:pPr>
-            <a:endParaRPr lang="en-US" sz="2400" dirty="0">
-              <a:latin typeface="Times New Roman" panose="02020603050405020304" charset="0"/>
-              <a:cs typeface="Times New Roman" panose="02020603050405020304" charset="0"/>
-            </a:endParaRPr>
+              <a:t>UI Demo</a:t>
+            </a:r>
           </a:p>
         </p:txBody>
       </p:sp>
@@ -5162,7 +6507,7 @@
             <a:fld id="{29FF40B1-8B0E-4B72-970D-715561CA4C5D}" type="datetime1">
               <a:rPr lang="en-US" smtClean="0"/>
               <a:pPr/>
-              <a:t>2/21/2021</a:t>
+              <a:t>2/22/2021</a:t>
             </a:fld>
             <a:endParaRPr lang="en-US"/>
           </a:p>
@@ -5248,6 +6593,13 @@
   <p:clrMapOvr>
     <a:masterClrMapping/>
   </p:clrMapOvr>
+  <p:timing>
+    <p:tnLst>
+      <p:par>
+        <p:cTn id="1" dur="indefinite" restart="never" nodeType="tmRoot"/>
+      </p:par>
+    </p:tnLst>
+  </p:timing>
 </p:sld>
 </file>
 
@@ -5280,18 +6632,57 @@
         </p:nvSpPr>
         <p:spPr>
           <a:xfrm>
-            <a:off x="762000" y="2742883"/>
-            <a:ext cx="8229600" cy="1143000"/>
+            <a:off x="449580" y="1676400"/>
+            <a:ext cx="8221345" cy="500380"/>
           </a:xfrm>
         </p:spPr>
         <p:txBody>
           <a:bodyPr>
-            <a:normAutofit fontScale="90000"/>
+            <a:noAutofit/>
           </a:bodyPr>
           <a:lstStyle/>
           <a:p>
-            <a:r>
-              <a:rPr lang="en-US" b="1" dirty="0" smtClean="0">
+            <a:pPr algn="l"/>
+            <a:r>
+              <a:rPr lang="en-US" sz="3200" b="1" dirty="0" smtClean="0">
+                <a:solidFill>
+                  <a:schemeClr val="tx2">
+                    <a:lumMod val="50000"/>
+                  </a:schemeClr>
+                </a:solidFill>
+                <a:latin typeface="Times New Roman" panose="02020603050405020304" charset="0"/>
+                <a:cs typeface="Times New Roman" panose="02020603050405020304" charset="0"/>
+                <a:sym typeface="+mn-ea"/>
+              </a:rPr>
+              <a:t>Work progress</a:t>
+            </a:r>
+          </a:p>
+        </p:txBody>
+      </p:sp>
+      <p:sp>
+        <p:nvSpPr>
+          <p:cNvPr id="3" name="Content Placeholder 2"/>
+          <p:cNvSpPr>
+            <a:spLocks noGrp="1"/>
+          </p:cNvSpPr>
+          <p:nvPr>
+            <p:ph idx="1"/>
+          </p:nvPr>
+        </p:nvSpPr>
+        <p:spPr>
+          <a:xfrm>
+            <a:off x="523875" y="2468245"/>
+            <a:ext cx="8162925" cy="3658235"/>
+          </a:xfrm>
+        </p:spPr>
+        <p:txBody>
+          <a:bodyPr>
+            <a:normAutofit/>
+          </a:bodyPr>
+          <a:lstStyle/>
+          <a:p>
+            <a:r>
+              <a:rPr lang="en-US" sz="2400" dirty="0">
                 <a:solidFill>
                   <a:schemeClr val="tx2">
                     <a:lumMod val="50000"/>
@@ -5300,10 +6691,15 @@
                 <a:latin typeface="Times New Roman" panose="02020603050405020304" charset="0"/>
                 <a:cs typeface="Times New Roman" panose="02020603050405020304" charset="0"/>
               </a:rPr>
-              <a:t>Thank you for listening!</a:t>
-            </a:r>
-            <a:br>
-              <a:rPr lang="en-US" b="1" dirty="0" smtClean="0">
+              <a:t>Frontend </a:t>
+            </a:r>
+          </a:p>
+          <a:p>
+            <a:pPr marL="0" indent="0">
+              <a:buNone/>
+            </a:pPr>
+            <a:r>
+              <a:rPr lang="en-US" sz="2400" b="1" dirty="0">
                 <a:solidFill>
                   <a:schemeClr val="tx2">
                     <a:lumMod val="50000"/>
@@ -5312,8 +6708,108 @@
                 <a:latin typeface="Times New Roman" panose="02020603050405020304" charset="0"/>
                 <a:cs typeface="Times New Roman" panose="02020603050405020304" charset="0"/>
               </a:rPr>
-            </a:br>
-            <a:endParaRPr lang="en-US"/>
+              <a:t>Future </a:t>
+            </a:r>
+            <a:r>
+              <a:rPr lang="en-US" sz="2400" b="1" dirty="0" smtClean="0">
+                <a:solidFill>
+                  <a:schemeClr val="tx2">
+                    <a:lumMod val="50000"/>
+                  </a:schemeClr>
+                </a:solidFill>
+                <a:latin typeface="Times New Roman" panose="02020603050405020304" charset="0"/>
+                <a:cs typeface="Times New Roman" panose="02020603050405020304" charset="0"/>
+              </a:rPr>
+              <a:t>work</a:t>
+            </a:r>
+          </a:p>
+          <a:p>
+            <a:r>
+              <a:rPr lang="en-US" sz="2400" dirty="0" smtClean="0">
+                <a:solidFill>
+                  <a:schemeClr val="tx2">
+                    <a:lumMod val="50000"/>
+                  </a:schemeClr>
+                </a:solidFill>
+                <a:latin typeface="Times New Roman" panose="02020603050405020304" charset="0"/>
+                <a:cs typeface="Times New Roman" panose="02020603050405020304" charset="0"/>
+              </a:rPr>
+              <a:t>Creating Migration and Models,</a:t>
+            </a:r>
+          </a:p>
+          <a:p>
+            <a:r>
+              <a:rPr lang="en-US" sz="2400" dirty="0" smtClean="0">
+                <a:solidFill>
+                  <a:schemeClr val="tx2">
+                    <a:lumMod val="50000"/>
+                  </a:schemeClr>
+                </a:solidFill>
+                <a:latin typeface="Times New Roman" panose="02020603050405020304" charset="0"/>
+                <a:cs typeface="Times New Roman" panose="02020603050405020304" charset="0"/>
+              </a:rPr>
+              <a:t>Seeding database,</a:t>
+            </a:r>
+          </a:p>
+          <a:p>
+            <a:r>
+              <a:rPr lang="en-US" sz="2400" dirty="0" smtClean="0">
+                <a:solidFill>
+                  <a:schemeClr val="tx2">
+                    <a:lumMod val="50000"/>
+                  </a:schemeClr>
+                </a:solidFill>
+                <a:latin typeface="Times New Roman" panose="02020603050405020304" charset="0"/>
+                <a:cs typeface="Times New Roman" panose="02020603050405020304" charset="0"/>
+              </a:rPr>
+              <a:t>Generating resource controllers,</a:t>
+            </a:r>
+            <a:endParaRPr lang="en-US" sz="2400" dirty="0" smtClean="0">
+              <a:solidFill>
+                <a:schemeClr val="tx2">
+                  <a:lumMod val="50000"/>
+                </a:schemeClr>
+              </a:solidFill>
+              <a:latin typeface="Times New Roman" panose="02020603050405020304" charset="0"/>
+              <a:cs typeface="Times New Roman" panose="02020603050405020304" charset="0"/>
+            </a:endParaRPr>
+          </a:p>
+          <a:p>
+            <a:r>
+              <a:rPr lang="en-US" sz="2400" dirty="0" smtClean="0">
+                <a:solidFill>
+                  <a:schemeClr val="tx2">
+                    <a:lumMod val="50000"/>
+                  </a:schemeClr>
+                </a:solidFill>
+                <a:latin typeface="Times New Roman" panose="02020603050405020304" charset="0"/>
+                <a:cs typeface="Times New Roman" panose="02020603050405020304" charset="0"/>
+              </a:rPr>
+              <a:t>Gates and policy,</a:t>
+            </a:r>
+            <a:endParaRPr lang="en-US" sz="2400" dirty="0" smtClean="0">
+              <a:solidFill>
+                <a:schemeClr val="tx2">
+                  <a:lumMod val="50000"/>
+                </a:schemeClr>
+              </a:solidFill>
+              <a:latin typeface="Times New Roman" panose="02020603050405020304" charset="0"/>
+              <a:cs typeface="Times New Roman" panose="02020603050405020304" charset="0"/>
+            </a:endParaRPr>
+          </a:p>
+          <a:p>
+            <a:pPr marL="0" indent="0">
+              <a:buNone/>
+            </a:pPr>
+            <a:endParaRPr lang="en-US" sz="2400" dirty="0">
+              <a:solidFill>
+                <a:schemeClr val="tx2">
+                  <a:lumMod val="50000"/>
+                </a:schemeClr>
+              </a:solidFill>
+              <a:latin typeface="Times New Roman" panose="02020603050405020304" charset="0"/>
+              <a:cs typeface="Times New Roman" panose="02020603050405020304" charset="0"/>
+            </a:endParaRPr>
           </a:p>
         </p:txBody>
       </p:sp>

--- a/fifth_review.pptx
+++ b/fifth_review.pptx
@@ -202,7 +202,7 @@
             <a:fld id="{27B7BF55-4331-405B-BD3D-A916DA9DD4EF}" type="datetimeFigureOut">
               <a:rPr lang="en-US" smtClean="0"/>
               <a:pPr/>
-              <a:t>2/21/2021</a:t>
+              <a:t>2/22/2021</a:t>
             </a:fld>
             <a:endParaRPr lang="en-US"/>
           </a:p>
@@ -650,7 +650,7 @@
             <a:fld id="{4C484411-CE80-4393-BC22-731792D8F56D}" type="datetime1">
               <a:rPr lang="en-US" smtClean="0"/>
               <a:pPr/>
-              <a:t>2/21/2021</a:t>
+              <a:t>2/22/2021</a:t>
             </a:fld>
             <a:endParaRPr lang="en-US"/>
           </a:p>
@@ -821,7 +821,7 @@
             <a:fld id="{1CA51FB7-0011-4112-B16C-C28BEE58E834}" type="datetime1">
               <a:rPr lang="en-US" smtClean="0"/>
               <a:pPr/>
-              <a:t>2/21/2021</a:t>
+              <a:t>2/22/2021</a:t>
             </a:fld>
             <a:endParaRPr lang="en-US"/>
           </a:p>
@@ -1002,7 +1002,7 @@
             <a:fld id="{0D810325-AC91-463B-9DEC-6DFD76EF917E}" type="datetime1">
               <a:rPr lang="en-US" smtClean="0"/>
               <a:pPr/>
-              <a:t>2/21/2021</a:t>
+              <a:t>2/22/2021</a:t>
             </a:fld>
             <a:endParaRPr lang="en-US"/>
           </a:p>
@@ -1173,7 +1173,7 @@
             <a:fld id="{29FF40B1-8B0E-4B72-970D-715561CA4C5D}" type="datetime1">
               <a:rPr lang="en-US" smtClean="0"/>
               <a:pPr/>
-              <a:t>2/21/2021</a:t>
+              <a:t>2/22/2021</a:t>
             </a:fld>
             <a:endParaRPr lang="en-US"/>
           </a:p>
@@ -1420,7 +1420,7 @@
             <a:fld id="{C256BA5A-254D-4C01-A5C1-C9457C87A202}" type="datetime1">
               <a:rPr lang="en-US" smtClean="0"/>
               <a:pPr/>
-              <a:t>2/21/2021</a:t>
+              <a:t>2/22/2021</a:t>
             </a:fld>
             <a:endParaRPr lang="en-US"/>
           </a:p>
@@ -1709,7 +1709,7 @@
             <a:fld id="{11FC07AE-EECC-4B39-B2AC-B06E310F3617}" type="datetime1">
               <a:rPr lang="en-US" smtClean="0"/>
               <a:pPr/>
-              <a:t>2/21/2021</a:t>
+              <a:t>2/22/2021</a:t>
             </a:fld>
             <a:endParaRPr lang="en-US"/>
           </a:p>
@@ -2132,7 +2132,7 @@
             <a:fld id="{BB69D00F-91AD-43A6-9361-AB22366665FE}" type="datetime1">
               <a:rPr lang="en-US" smtClean="0"/>
               <a:pPr/>
-              <a:t>2/21/2021</a:t>
+              <a:t>2/22/2021</a:t>
             </a:fld>
             <a:endParaRPr lang="en-US"/>
           </a:p>
@@ -2251,7 +2251,7 @@
             <a:fld id="{56146552-625F-461E-A982-793A12B6DAF8}" type="datetime1">
               <a:rPr lang="en-US" smtClean="0"/>
               <a:pPr/>
-              <a:t>2/21/2021</a:t>
+              <a:t>2/22/2021</a:t>
             </a:fld>
             <a:endParaRPr lang="en-US"/>
           </a:p>
@@ -2347,7 +2347,7 @@
             <a:fld id="{08E4212E-F36A-40A9-859F-7B0EFF380630}" type="datetime1">
               <a:rPr lang="en-US" smtClean="0"/>
               <a:pPr/>
-              <a:t>2/21/2021</a:t>
+              <a:t>2/22/2021</a:t>
             </a:fld>
             <a:endParaRPr lang="en-US"/>
           </a:p>
@@ -2625,7 +2625,7 @@
             <a:fld id="{1256D674-32B0-4689-AB1B-636389CFCA04}" type="datetime1">
               <a:rPr lang="en-US" smtClean="0"/>
               <a:pPr/>
-              <a:t>2/21/2021</a:t>
+              <a:t>2/22/2021</a:t>
             </a:fld>
             <a:endParaRPr lang="en-US"/>
           </a:p>
@@ -2879,7 +2879,7 @@
             <a:fld id="{4766EF3B-70A3-4B13-97EA-E44332BDF0AF}" type="datetime1">
               <a:rPr lang="en-US" smtClean="0"/>
               <a:pPr/>
-              <a:t>2/21/2021</a:t>
+              <a:t>2/22/2021</a:t>
             </a:fld>
             <a:endParaRPr lang="en-US"/>
           </a:p>
@@ -3093,7 +3093,7 @@
             <a:fld id="{4E3BC41F-EA4F-43A4-B4D7-7693D03AF8C4}" type="datetime1">
               <a:rPr lang="en-US" smtClean="0"/>
               <a:pPr/>
-              <a:t>2/21/2021</a:t>
+              <a:t>2/22/2021</a:t>
             </a:fld>
             <a:endParaRPr lang="en-US"/>
           </a:p>
@@ -3557,7 +3557,7 @@
             <a:fld id="{931F7737-6EA6-4FBE-AACE-8EEC38063CAC}" type="datetime1">
               <a:rPr lang="en-US" smtClean="0"/>
               <a:pPr/>
-              <a:t>2/21/2021</a:t>
+              <a:t>2/22/2021</a:t>
             </a:fld>
             <a:endParaRPr lang="en-US"/>
           </a:p>
@@ -3615,6 +3615,13 @@
   <p:clrMapOvr>
     <a:masterClrMapping/>
   </p:clrMapOvr>
+  <p:timing>
+    <p:tnLst>
+      <p:par>
+        <p:cTn id="1" dur="indefinite" restart="never" nodeType="tmRoot"/>
+      </p:par>
+    </p:tnLst>
+  </p:timing>
 </p:sld>
 </file>
 
@@ -3702,7 +3709,7 @@
             <a:fld id="{29FF40B1-8B0E-4B72-970D-715561CA4C5D}" type="datetime1">
               <a:rPr lang="en-US" smtClean="0"/>
               <a:pPr/>
-              <a:t>2/21/2021</a:t>
+              <a:t>2/22/2021</a:t>
             </a:fld>
             <a:endParaRPr lang="en-US"/>
           </a:p>
@@ -3774,8 +3781,8 @@
         </p:blipFill>
         <p:spPr bwMode="auto">
           <a:xfrm>
-            <a:off x="-23495" y="0"/>
-            <a:ext cx="9168130" cy="1371600"/>
+            <a:off x="-1" y="0"/>
+            <a:ext cx="9144635" cy="1371600"/>
           </a:xfrm>
           <a:prstGeom prst="rect">
             <a:avLst/>
@@ -3826,7 +3833,7 @@
             <a:fld id="{29FF40B1-8B0E-4B72-970D-715561CA4C5D}" type="datetime1">
               <a:rPr lang="en-US" smtClean="0"/>
               <a:pPr/>
-              <a:t>2/21/2021</a:t>
+              <a:t>2/22/2021</a:t>
             </a:fld>
             <a:endParaRPr lang="en-US"/>
           </a:p>
@@ -3914,7 +3921,7 @@
         <p:spPr>
           <a:xfrm>
             <a:off x="683260" y="1973580"/>
-            <a:ext cx="7594600" cy="3538220"/>
+            <a:ext cx="7594600" cy="3970318"/>
           </a:xfrm>
           <a:prstGeom prst="rect">
             <a:avLst/>
@@ -4022,7 +4029,19 @@
                 <a:latin typeface="Times New Roman" panose="02020603050405020304" charset="0"/>
                 <a:cs typeface="Times New Roman" panose="02020603050405020304" charset="0"/>
               </a:rPr>
-              <a:t>UI Demo</a:t>
+              <a:t>UI </a:t>
+            </a:r>
+            <a:r>
+              <a:rPr lang="en-US" sz="2800" b="1" dirty="0" smtClean="0">
+                <a:solidFill>
+                  <a:schemeClr val="tx2">
+                    <a:lumMod val="50000"/>
+                  </a:schemeClr>
+                </a:solidFill>
+                <a:latin typeface="Times New Roman" panose="02020603050405020304" charset="0"/>
+                <a:cs typeface="Times New Roman" panose="02020603050405020304" charset="0"/>
+              </a:rPr>
+              <a:t>Demo</a:t>
             </a:r>
           </a:p>
           <a:p>
@@ -4039,8 +4058,46 @@
                 <a:latin typeface="Times New Roman" panose="02020603050405020304" charset="0"/>
                 <a:cs typeface="Times New Roman" panose="02020603050405020304" charset="0"/>
               </a:rPr>
-              <a:t>Work progress</a:t>
-            </a:r>
+              <a:t>Work </a:t>
+            </a:r>
+            <a:r>
+              <a:rPr lang="en-US" sz="2800" b="1" dirty="0" smtClean="0">
+                <a:solidFill>
+                  <a:schemeClr val="tx2">
+                    <a:lumMod val="50000"/>
+                  </a:schemeClr>
+                </a:solidFill>
+                <a:latin typeface="Times New Roman" panose="02020603050405020304" charset="0"/>
+                <a:cs typeface="Times New Roman" panose="02020603050405020304" charset="0"/>
+              </a:rPr>
+              <a:t>progress</a:t>
+            </a:r>
+          </a:p>
+          <a:p>
+            <a:pPr marL="342900" indent="-342900">
+              <a:buAutoNum type="arabicPeriod"/>
+            </a:pPr>
+            <a:r>
+              <a:rPr lang="en-US" sz="2800" b="1" dirty="0" smtClean="0">
+                <a:solidFill>
+                  <a:schemeClr val="tx2">
+                    <a:lumMod val="50000"/>
+                  </a:schemeClr>
+                </a:solidFill>
+                <a:latin typeface="Times New Roman" panose="02020603050405020304" charset="0"/>
+                <a:cs typeface="Times New Roman" panose="02020603050405020304" charset="0"/>
+              </a:rPr>
+              <a:t>Future Work</a:t>
+            </a:r>
+            <a:endParaRPr lang="en-US" sz="2800" b="1" dirty="0" smtClean="0">
+              <a:solidFill>
+                <a:schemeClr val="tx2">
+                  <a:lumMod val="50000"/>
+                </a:schemeClr>
+              </a:solidFill>
+              <a:latin typeface="Times New Roman" panose="02020603050405020304" charset="0"/>
+              <a:cs typeface="Times New Roman" panose="02020603050405020304" charset="0"/>
+            </a:endParaRPr>
           </a:p>
           <a:p>
             <a:endParaRPr lang="en-US" sz="2800" b="1" dirty="0">
@@ -4060,6 +4117,13 @@
   <p:clrMapOvr>
     <a:masterClrMapping/>
   </p:clrMapOvr>
+  <p:timing>
+    <p:tnLst>
+      <p:par>
+        <p:cTn id="1" dur="indefinite" restart="never" nodeType="tmRoot"/>
+      </p:par>
+    </p:tnLst>
+  </p:timing>
 </p:sld>
 </file>
 
@@ -4198,7 +4262,7 @@
             <a:fld id="{29FF40B1-8B0E-4B72-970D-715561CA4C5D}" type="datetime1">
               <a:rPr lang="en-US" smtClean="0"/>
               <a:pPr/>
-              <a:t>2/21/2021</a:t>
+              <a:t>2/22/2021</a:t>
             </a:fld>
             <a:endParaRPr lang="en-US"/>
           </a:p>
@@ -4270,8 +4334,8 @@
         </p:blipFill>
         <p:spPr bwMode="auto">
           <a:xfrm>
-            <a:off x="-23495" y="0"/>
-            <a:ext cx="9168130" cy="1371600"/>
+            <a:off x="-1" y="0"/>
+            <a:ext cx="9144635" cy="1371600"/>
           </a:xfrm>
           <a:prstGeom prst="rect">
             <a:avLst/>
@@ -4284,6 +4348,13 @@
   <p:clrMapOvr>
     <a:masterClrMapping/>
   </p:clrMapOvr>
+  <p:timing>
+    <p:tnLst>
+      <p:par>
+        <p:cTn id="1" dur="indefinite" restart="never" nodeType="tmRoot"/>
+      </p:par>
+    </p:tnLst>
+  </p:timing>
 </p:sld>
 </file>
 
@@ -4516,7 +4587,7 @@
             <a:fld id="{29FF40B1-8B0E-4B72-970D-715561CA4C5D}" type="datetime1">
               <a:rPr lang="en-US" smtClean="0"/>
               <a:pPr/>
-              <a:t>2/21/2021</a:t>
+              <a:t>2/22/2021</a:t>
             </a:fld>
             <a:endParaRPr lang="en-US"/>
           </a:p>
@@ -4588,8 +4659,8 @@
         </p:blipFill>
         <p:spPr bwMode="auto">
           <a:xfrm>
-            <a:off x="-23495" y="0"/>
-            <a:ext cx="9168130" cy="1371600"/>
+            <a:off x="-1" y="0"/>
+            <a:ext cx="9144635" cy="1371600"/>
           </a:xfrm>
           <a:prstGeom prst="rect">
             <a:avLst/>
@@ -4602,6 +4673,13 @@
   <p:clrMapOvr>
     <a:masterClrMapping/>
   </p:clrMapOvr>
+  <p:timing>
+    <p:tnLst>
+      <p:par>
+        <p:cTn id="1" dur="indefinite" restart="never" nodeType="tmRoot"/>
+      </p:par>
+    </p:tnLst>
+  </p:timing>
 </p:sld>
 </file>
 
@@ -4691,13 +4769,10 @@
                 <a:latin typeface="Times New Roman" panose="02020603050405020304" charset="0"/>
                 <a:cs typeface="Times New Roman" panose="02020603050405020304" charset="0"/>
               </a:rPr>
-              <a:t>The end product should be able to manage student detail such as :-</a:t>
-            </a:r>
-          </a:p>
-          <a:p>
-            <a:pPr lvl="1"/>
-            <a:r>
-              <a:rPr lang="en-US" sz="2400" dirty="0" smtClean="0">
+              <a:t>The end product should be able to manage student </a:t>
+            </a:r>
+            <a:r>
+              <a:rPr lang="en-US" sz="2800" dirty="0" smtClean="0">
                 <a:solidFill>
                   <a:schemeClr val="tx2">
                     <a:lumMod val="50000"/>
@@ -4706,13 +4781,10 @@
                 <a:latin typeface="Times New Roman" panose="02020603050405020304" charset="0"/>
                 <a:cs typeface="Times New Roman" panose="02020603050405020304" charset="0"/>
               </a:rPr>
-              <a:t>Attendance</a:t>
-            </a:r>
-          </a:p>
-          <a:p>
-            <a:pPr lvl="1"/>
-            <a:r>
-              <a:rPr lang="en-US" sz="2400" dirty="0" smtClean="0">
+              <a:t>information</a:t>
+            </a:r>
+            <a:r>
+              <a:rPr lang="en-US" sz="2800" dirty="0" smtClean="0">
                 <a:solidFill>
                   <a:schemeClr val="tx2">
                     <a:lumMod val="50000"/>
@@ -4721,13 +4793,10 @@
                 <a:latin typeface="Times New Roman" panose="02020603050405020304" charset="0"/>
                 <a:cs typeface="Times New Roman" panose="02020603050405020304" charset="0"/>
               </a:rPr>
-              <a:t>Statement</a:t>
-            </a:r>
-          </a:p>
-          <a:p>
-            <a:pPr lvl="1"/>
-            <a:r>
-              <a:rPr lang="en-US" sz="2400" dirty="0" smtClean="0">
+              <a:t> </a:t>
+            </a:r>
+            <a:r>
+              <a:rPr lang="en-US" sz="2800" dirty="0" smtClean="0">
                 <a:solidFill>
                   <a:schemeClr val="tx2">
                     <a:lumMod val="50000"/>
@@ -4736,7 +4805,7 @@
                 <a:latin typeface="Times New Roman" panose="02020603050405020304" charset="0"/>
                 <a:cs typeface="Times New Roman" panose="02020603050405020304" charset="0"/>
               </a:rPr>
-              <a:t>Result</a:t>
+              <a:t>such as :-</a:t>
             </a:r>
           </a:p>
           <a:p>
@@ -4751,8 +4820,101 @@
                 <a:latin typeface="Times New Roman" panose="02020603050405020304" charset="0"/>
                 <a:cs typeface="Times New Roman" panose="02020603050405020304" charset="0"/>
               </a:rPr>
-              <a:t>Bio data</a:t>
-            </a:r>
+              <a:t>Attendance,</a:t>
+            </a:r>
+            <a:endParaRPr lang="en-US" sz="2400" dirty="0" smtClean="0">
+              <a:solidFill>
+                <a:schemeClr val="tx2">
+                  <a:lumMod val="50000"/>
+                </a:schemeClr>
+              </a:solidFill>
+              <a:latin typeface="Times New Roman" panose="02020603050405020304" charset="0"/>
+              <a:cs typeface="Times New Roman" panose="02020603050405020304" charset="0"/>
+            </a:endParaRPr>
+          </a:p>
+          <a:p>
+            <a:pPr lvl="1"/>
+            <a:r>
+              <a:rPr lang="en-US" sz="2400" dirty="0" smtClean="0">
+                <a:solidFill>
+                  <a:schemeClr val="tx2">
+                    <a:lumMod val="50000"/>
+                  </a:schemeClr>
+                </a:solidFill>
+                <a:latin typeface="Times New Roman" panose="02020603050405020304" charset="0"/>
+                <a:cs typeface="Times New Roman" panose="02020603050405020304" charset="0"/>
+              </a:rPr>
+              <a:t>Statement,</a:t>
+            </a:r>
+            <a:endParaRPr lang="en-US" sz="2400" dirty="0" smtClean="0">
+              <a:solidFill>
+                <a:schemeClr val="tx2">
+                  <a:lumMod val="50000"/>
+                </a:schemeClr>
+              </a:solidFill>
+              <a:latin typeface="Times New Roman" panose="02020603050405020304" charset="0"/>
+              <a:cs typeface="Times New Roman" panose="02020603050405020304" charset="0"/>
+            </a:endParaRPr>
+          </a:p>
+          <a:p>
+            <a:pPr lvl="1"/>
+            <a:r>
+              <a:rPr lang="en-US" sz="2400" dirty="0" smtClean="0">
+                <a:solidFill>
+                  <a:schemeClr val="tx2">
+                    <a:lumMod val="50000"/>
+                  </a:schemeClr>
+                </a:solidFill>
+                <a:latin typeface="Times New Roman" panose="02020603050405020304" charset="0"/>
+                <a:cs typeface="Times New Roman" panose="02020603050405020304" charset="0"/>
+              </a:rPr>
+              <a:t>Result, and</a:t>
+            </a:r>
+            <a:endParaRPr lang="en-US" sz="2400" dirty="0" smtClean="0">
+              <a:solidFill>
+                <a:schemeClr val="tx2">
+                  <a:lumMod val="50000"/>
+                </a:schemeClr>
+              </a:solidFill>
+              <a:latin typeface="Times New Roman" panose="02020603050405020304" charset="0"/>
+              <a:cs typeface="Times New Roman" panose="02020603050405020304" charset="0"/>
+            </a:endParaRPr>
+          </a:p>
+          <a:p>
+            <a:pPr lvl="1"/>
+            <a:r>
+              <a:rPr lang="en-US" sz="2400" dirty="0" smtClean="0">
+                <a:solidFill>
+                  <a:schemeClr val="tx2">
+                    <a:lumMod val="50000"/>
+                  </a:schemeClr>
+                </a:solidFill>
+                <a:latin typeface="Times New Roman" panose="02020603050405020304" charset="0"/>
+                <a:cs typeface="Times New Roman" panose="02020603050405020304" charset="0"/>
+              </a:rPr>
+              <a:t>Bio </a:t>
+            </a:r>
+            <a:r>
+              <a:rPr lang="en-US" sz="2400" dirty="0" smtClean="0">
+                <a:solidFill>
+                  <a:schemeClr val="tx2">
+                    <a:lumMod val="50000"/>
+                  </a:schemeClr>
+                </a:solidFill>
+                <a:latin typeface="Times New Roman" panose="02020603050405020304" charset="0"/>
+                <a:cs typeface="Times New Roman" panose="02020603050405020304" charset="0"/>
+              </a:rPr>
+              <a:t>data (student detail).</a:t>
+            </a:r>
+            <a:endParaRPr lang="en-US" sz="2400" dirty="0" smtClean="0">
+              <a:solidFill>
+                <a:schemeClr val="tx2">
+                  <a:lumMod val="50000"/>
+                </a:schemeClr>
+              </a:solidFill>
+              <a:latin typeface="Times New Roman" panose="02020603050405020304" charset="0"/>
+              <a:cs typeface="Times New Roman" panose="02020603050405020304" charset="0"/>
+            </a:endParaRPr>
           </a:p>
         </p:txBody>
       </p:sp>
@@ -4774,7 +4936,7 @@
             <a:fld id="{29FF40B1-8B0E-4B72-970D-715561CA4C5D}" type="datetime1">
               <a:rPr lang="en-US" smtClean="0"/>
               <a:pPr/>
-              <a:t>2/21/2021</a:t>
+              <a:t>2/22/2021</a:t>
             </a:fld>
             <a:endParaRPr lang="en-US"/>
           </a:p>
@@ -4846,8 +5008,8 @@
         </p:blipFill>
         <p:spPr bwMode="auto">
           <a:xfrm>
-            <a:off x="-23495" y="0"/>
-            <a:ext cx="9168130" cy="1371600"/>
+            <a:off x="-1" y="0"/>
+            <a:ext cx="9144635" cy="1371600"/>
           </a:xfrm>
           <a:prstGeom prst="rect">
             <a:avLst/>
@@ -4860,6 +5022,13 @@
   <p:clrMapOvr>
     <a:masterClrMapping/>
   </p:clrMapOvr>
+  <p:timing>
+    <p:tnLst>
+      <p:par>
+        <p:cTn id="1" dur="indefinite" restart="never" nodeType="tmRoot"/>
+      </p:par>
+    </p:tnLst>
+  </p:timing>
 </p:sld>
 </file>
 
@@ -4968,8 +5137,8 @@
         </p:blipFill>
         <p:spPr bwMode="auto">
           <a:xfrm>
-            <a:off x="-23495" y="0"/>
-            <a:ext cx="9168130" cy="1371600"/>
+            <a:off x="-1" y="0"/>
+            <a:ext cx="9144635" cy="1371600"/>
           </a:xfrm>
           <a:prstGeom prst="rect">
             <a:avLst/>
@@ -5019,6 +5188,13 @@
   <p:clrMapOvr>
     <a:masterClrMapping/>
   </p:clrMapOvr>
+  <p:timing>
+    <p:tnLst>
+      <p:par>
+        <p:cTn id="1" dur="indefinite" restart="never" nodeType="tmRoot"/>
+      </p:par>
+    </p:tnLst>
+  </p:timing>
 </p:sld>
 </file>
 
@@ -5049,7 +5225,12 @@
             <p:ph type="dt" sz="half" idx="10"/>
           </p:nvPr>
         </p:nvSpPr>
-        <p:spPr/>
+        <p:spPr>
+          <a:xfrm>
+            <a:off x="457201" y="6051550"/>
+            <a:ext cx="2133600" cy="365125"/>
+          </a:xfrm>
+        </p:spPr>
         <p:txBody>
           <a:bodyPr/>
           <a:lstStyle/>
@@ -5073,7 +5254,12 @@
             <p:ph type="ftr" sz="quarter" idx="11"/>
           </p:nvPr>
         </p:nvSpPr>
-        <p:spPr/>
+        <p:spPr>
+          <a:xfrm>
+            <a:off x="3124201" y="6051550"/>
+            <a:ext cx="2895600" cy="365125"/>
+          </a:xfrm>
+        </p:spPr>
         <p:txBody>
           <a:bodyPr/>
           <a:lstStyle/>
@@ -5096,7 +5282,12 @@
             <p:ph type="sldNum" sz="quarter" idx="12"/>
           </p:nvPr>
         </p:nvSpPr>
-        <p:spPr/>
+        <p:spPr>
+          <a:xfrm>
+            <a:off x="6553201" y="6051550"/>
+            <a:ext cx="2133600" cy="365125"/>
+          </a:xfrm>
+        </p:spPr>
         <p:txBody>
           <a:bodyPr/>
           <a:lstStyle/>
@@ -5106,7 +5297,7 @@
               <a:pPr/>
               <a:t>7</a:t>
             </a:fld>
-            <a:endParaRPr lang="en-US"/>
+            <a:endParaRPr lang="en-US" dirty="0"/>
           </a:p>
         </p:txBody>
       </p:sp>
@@ -5118,7 +5309,7 @@
         </p:nvSpPr>
         <p:spPr>
           <a:xfrm>
-            <a:off x="3733800" y="152400"/>
+            <a:off x="4114802" y="1752600"/>
             <a:ext cx="1371600" cy="457200"/>
           </a:xfrm>
           <a:prstGeom prst="rect">
@@ -5165,7 +5356,7 @@
         </p:nvSpPr>
         <p:spPr>
           <a:xfrm>
-            <a:off x="304800" y="1066800"/>
+            <a:off x="685802" y="2667000"/>
             <a:ext cx="1981200" cy="609600"/>
           </a:xfrm>
           <a:prstGeom prst="rect">
@@ -5219,7 +5410,7 @@
         </p:nvSpPr>
         <p:spPr>
           <a:xfrm>
-            <a:off x="3429000" y="1066800"/>
+            <a:off x="3810002" y="2667000"/>
             <a:ext cx="1981200" cy="609600"/>
           </a:xfrm>
           <a:prstGeom prst="rect">
@@ -5253,8 +5444,25 @@
                   </a:schemeClr>
                 </a:solidFill>
               </a:rPr>
-              <a:t>0.2  Student Dashboard </a:t>
-            </a:r>
+              <a:t>0.2  </a:t>
+            </a:r>
+            <a:r>
+              <a:rPr lang="en-US" b="1" dirty="0" smtClean="0">
+                <a:solidFill>
+                  <a:schemeClr val="accent2">
+                    <a:lumMod val="75000"/>
+                  </a:schemeClr>
+                </a:solidFill>
+              </a:rPr>
+              <a:t>Student</a:t>
+            </a:r>
+            <a:endParaRPr lang="en-US" b="1" dirty="0" smtClean="0">
+              <a:solidFill>
+                <a:schemeClr val="accent2">
+                  <a:lumMod val="75000"/>
+                </a:schemeClr>
+              </a:solidFill>
+            </a:endParaRPr>
           </a:p>
         </p:txBody>
       </p:sp>
@@ -5266,7 +5474,7 @@
         </p:nvSpPr>
         <p:spPr>
           <a:xfrm>
-            <a:off x="7086600" y="1219200"/>
+            <a:off x="6781803" y="2819400"/>
             <a:ext cx="1981200" cy="609600"/>
           </a:xfrm>
           <a:prstGeom prst="rect">
@@ -5316,7 +5524,7 @@
         </p:nvCxnSpPr>
         <p:spPr>
           <a:xfrm rot="5400000">
-            <a:off x="2628900" y="-723900"/>
+            <a:off x="3009902" y="876300"/>
             <a:ext cx="457200" cy="3124200"/>
           </a:xfrm>
           <a:prstGeom prst="bentConnector3">
@@ -5354,8 +5562,8 @@
         </p:nvCxnSpPr>
         <p:spPr>
           <a:xfrm rot="16200000" flipH="1">
-            <a:off x="5943600" y="-914400"/>
-            <a:ext cx="609600" cy="3657600"/>
+            <a:off x="5981702" y="1028699"/>
+            <a:ext cx="609600" cy="2971801"/>
           </a:xfrm>
           <a:prstGeom prst="bentConnector3">
             <a:avLst>
@@ -5392,7 +5600,7 @@
         </p:nvCxnSpPr>
         <p:spPr>
           <a:xfrm rot="5400000">
-            <a:off x="4191000" y="838200"/>
+            <a:off x="4572002" y="2438400"/>
             <a:ext cx="457200" cy="1588"/>
           </a:xfrm>
           <a:prstGeom prst="straightConnector1">
@@ -5425,7 +5633,7 @@
         </p:nvSpPr>
         <p:spPr>
           <a:xfrm>
-            <a:off x="381000" y="1981200"/>
+            <a:off x="762002" y="3429000"/>
             <a:ext cx="1828800" cy="381000"/>
           </a:xfrm>
           <a:prstGeom prst="rect">
@@ -5434,13 +5642,13 @@
         </p:spPr>
         <p:style>
           <a:lnRef idx="2">
-            <a:schemeClr val="accent6"/>
+            <a:schemeClr val="accent3"/>
           </a:lnRef>
           <a:fillRef idx="1">
             <a:schemeClr val="lt1"/>
           </a:fillRef>
           <a:effectRef idx="0">
-            <a:schemeClr val="accent6"/>
+            <a:schemeClr val="accent3"/>
           </a:effectRef>
           <a:fontRef idx="minor">
             <a:schemeClr val="dk1"/>
@@ -5454,20 +5662,11 @@
             <a:r>
               <a:rPr lang="en-US" b="1" dirty="0" smtClean="0">
                 <a:solidFill>
-                  <a:schemeClr val="accent2">
-                    <a:lumMod val="75000"/>
-                  </a:schemeClr>
+                  <a:srgbClr val="00B050"/>
                 </a:solidFill>
               </a:rPr>
               <a:t>Attendance</a:t>
             </a:r>
-            <a:endParaRPr lang="en-US" b="1" dirty="0" smtClean="0">
-              <a:solidFill>
-                <a:schemeClr val="accent2">
-                  <a:lumMod val="75000"/>
-                </a:schemeClr>
-              </a:solidFill>
-            </a:endParaRPr>
           </a:p>
         </p:txBody>
       </p:sp>
@@ -5479,7 +5678,7 @@
         </p:nvSpPr>
         <p:spPr>
           <a:xfrm>
-            <a:off x="381000" y="2590800"/>
+            <a:off x="762002" y="3962400"/>
             <a:ext cx="1676400" cy="304800"/>
           </a:xfrm>
           <a:prstGeom prst="rect">
@@ -5488,13 +5687,13 @@
         </p:spPr>
         <p:style>
           <a:lnRef idx="2">
-            <a:schemeClr val="accent6"/>
+            <a:schemeClr val="accent3"/>
           </a:lnRef>
           <a:fillRef idx="1">
             <a:schemeClr val="lt1"/>
           </a:fillRef>
           <a:effectRef idx="0">
-            <a:schemeClr val="accent6"/>
+            <a:schemeClr val="accent3"/>
           </a:effectRef>
           <a:fontRef idx="minor">
             <a:schemeClr val="dk1"/>
@@ -5508,13 +5707,16 @@
             <a:r>
               <a:rPr lang="en-US" b="1" dirty="0" smtClean="0">
                 <a:solidFill>
-                  <a:schemeClr val="accent2">
-                    <a:lumMod val="75000"/>
-                  </a:schemeClr>
+                  <a:srgbClr val="00B050"/>
                 </a:solidFill>
               </a:rPr>
-              <a:t>Student</a:t>
-            </a:r>
+              <a:t>Student Details</a:t>
+            </a:r>
+            <a:endParaRPr lang="en-US" b="1" dirty="0" smtClean="0">
+              <a:solidFill>
+                <a:srgbClr val="00B050"/>
+              </a:solidFill>
+            </a:endParaRPr>
           </a:p>
         </p:txBody>
       </p:sp>
@@ -5526,7 +5728,7 @@
         </p:nvSpPr>
         <p:spPr>
           <a:xfrm>
-            <a:off x="381000" y="3200400"/>
+            <a:off x="762002" y="4419600"/>
             <a:ext cx="1676400" cy="304800"/>
           </a:xfrm>
           <a:prstGeom prst="rect">
@@ -5535,13 +5737,13 @@
         </p:spPr>
         <p:style>
           <a:lnRef idx="2">
-            <a:schemeClr val="accent6"/>
+            <a:schemeClr val="accent3"/>
           </a:lnRef>
           <a:fillRef idx="1">
             <a:schemeClr val="lt1"/>
           </a:fillRef>
           <a:effectRef idx="0">
-            <a:schemeClr val="accent6"/>
+            <a:schemeClr val="accent3"/>
           </a:effectRef>
           <a:fontRef idx="minor">
             <a:schemeClr val="dk1"/>
@@ -5555,9 +5757,7 @@
             <a:r>
               <a:rPr lang="en-US" b="1" dirty="0" smtClean="0">
                 <a:solidFill>
-                  <a:schemeClr val="accent2">
-                    <a:lumMod val="75000"/>
-                  </a:schemeClr>
+                  <a:srgbClr val="00B050"/>
                 </a:solidFill>
               </a:rPr>
               <a:t>Result</a:t>
@@ -5573,7 +5773,7 @@
         </p:nvSpPr>
         <p:spPr>
           <a:xfrm>
-            <a:off x="381000" y="3810000"/>
+            <a:off x="762002" y="4876800"/>
             <a:ext cx="1676400" cy="304800"/>
           </a:xfrm>
           <a:prstGeom prst="rect">
@@ -5582,13 +5782,13 @@
         </p:spPr>
         <p:style>
           <a:lnRef idx="2">
-            <a:schemeClr val="accent6"/>
+            <a:schemeClr val="accent3"/>
           </a:lnRef>
           <a:fillRef idx="1">
             <a:schemeClr val="lt1"/>
           </a:fillRef>
           <a:effectRef idx="0">
-            <a:schemeClr val="accent6"/>
+            <a:schemeClr val="accent3"/>
           </a:effectRef>
           <a:fontRef idx="minor">
             <a:schemeClr val="dk1"/>
@@ -5602,9 +5802,7 @@
             <a:r>
               <a:rPr lang="en-US" b="1" dirty="0" smtClean="0">
                 <a:solidFill>
-                  <a:schemeClr val="accent2">
-                    <a:lumMod val="75000"/>
-                  </a:schemeClr>
+                  <a:srgbClr val="00B050"/>
                 </a:solidFill>
               </a:rPr>
               <a:t>Statement</a:t>
@@ -5623,8 +5821,8 @@
         </p:nvCxnSpPr>
         <p:spPr>
           <a:xfrm rot="10800000" flipH="1" flipV="1">
-            <a:off x="304800" y="1371600"/>
-            <a:ext cx="76200" cy="1371600"/>
+            <a:off x="685802" y="2971800"/>
+            <a:ext cx="76200" cy="1143000"/>
           </a:xfrm>
           <a:prstGeom prst="bentConnector3">
             <a:avLst>
@@ -5661,8 +5859,8 @@
         </p:nvCxnSpPr>
         <p:spPr>
           <a:xfrm rot="10800000" flipH="1" flipV="1">
-            <a:off x="304800" y="1371600"/>
-            <a:ext cx="76200" cy="1981200"/>
+            <a:off x="685802" y="2971800"/>
+            <a:ext cx="76200" cy="1600200"/>
           </a:xfrm>
           <a:prstGeom prst="bentConnector3">
             <a:avLst>
@@ -5699,8 +5897,8 @@
         </p:nvCxnSpPr>
         <p:spPr>
           <a:xfrm rot="10800000" flipH="1" flipV="1">
-            <a:off x="304800" y="1371600"/>
-            <a:ext cx="76200" cy="2590800"/>
+            <a:off x="685802" y="2971800"/>
+            <a:ext cx="76200" cy="2057400"/>
           </a:xfrm>
           <a:prstGeom prst="bentConnector3">
             <a:avLst>
@@ -5737,8 +5935,8 @@
         </p:nvCxnSpPr>
         <p:spPr>
           <a:xfrm rot="10800000" flipH="1" flipV="1">
-            <a:off x="304800" y="1371600"/>
-            <a:ext cx="76200" cy="800100"/>
+            <a:off x="685802" y="2971800"/>
+            <a:ext cx="76200" cy="647700"/>
           </a:xfrm>
           <a:prstGeom prst="bentConnector3">
             <a:avLst>
@@ -5772,7 +5970,7 @@
         </p:nvSpPr>
         <p:spPr>
           <a:xfrm>
-            <a:off x="3505200" y="1981200"/>
+            <a:off x="3886202" y="3429000"/>
             <a:ext cx="1752600" cy="381000"/>
           </a:xfrm>
           <a:prstGeom prst="rect">
@@ -5781,13 +5979,13 @@
         </p:spPr>
         <p:style>
           <a:lnRef idx="2">
-            <a:schemeClr val="accent6"/>
+            <a:schemeClr val="accent5"/>
           </a:lnRef>
           <a:fillRef idx="1">
             <a:schemeClr val="lt1"/>
           </a:fillRef>
           <a:effectRef idx="0">
-            <a:schemeClr val="accent6"/>
+            <a:schemeClr val="accent5"/>
           </a:effectRef>
           <a:fontRef idx="minor">
             <a:schemeClr val="dk1"/>
@@ -5801,9 +5999,7 @@
             <a:r>
               <a:rPr lang="en-US" b="1" dirty="0" smtClean="0">
                 <a:solidFill>
-                  <a:schemeClr val="accent2">
-                    <a:lumMod val="75000"/>
-                  </a:schemeClr>
+                  <a:srgbClr val="00B0F0"/>
                 </a:solidFill>
               </a:rPr>
               <a:t>Attendance</a:t>
@@ -5819,7 +6015,7 @@
         </p:nvSpPr>
         <p:spPr>
           <a:xfrm>
-            <a:off x="3505200" y="2590800"/>
+            <a:off x="3886202" y="4038600"/>
             <a:ext cx="1676400" cy="304800"/>
           </a:xfrm>
           <a:prstGeom prst="rect">
@@ -5828,13 +6024,13 @@
         </p:spPr>
         <p:style>
           <a:lnRef idx="2">
-            <a:schemeClr val="accent6"/>
+            <a:schemeClr val="accent5"/>
           </a:lnRef>
           <a:fillRef idx="1">
             <a:schemeClr val="lt1"/>
           </a:fillRef>
           <a:effectRef idx="0">
-            <a:schemeClr val="accent6"/>
+            <a:schemeClr val="accent5"/>
           </a:effectRef>
           <a:fontRef idx="minor">
             <a:schemeClr val="dk1"/>
@@ -5848,12 +6044,10 @@
             <a:r>
               <a:rPr lang="en-US" b="1" dirty="0" smtClean="0">
                 <a:solidFill>
-                  <a:schemeClr val="accent2">
-                    <a:lumMod val="75000"/>
-                  </a:schemeClr>
+                  <a:srgbClr val="00B0F0"/>
                 </a:solidFill>
               </a:rPr>
-              <a:t>Student</a:t>
+              <a:t>Detail</a:t>
             </a:r>
           </a:p>
         </p:txBody>
@@ -5866,7 +6060,7 @@
         </p:nvSpPr>
         <p:spPr>
           <a:xfrm>
-            <a:off x="3505200" y="3200400"/>
+            <a:off x="3886202" y="4495800"/>
             <a:ext cx="1676400" cy="304800"/>
           </a:xfrm>
           <a:prstGeom prst="rect">
@@ -5875,13 +6069,13 @@
         </p:spPr>
         <p:style>
           <a:lnRef idx="2">
-            <a:schemeClr val="accent6"/>
+            <a:schemeClr val="accent5"/>
           </a:lnRef>
           <a:fillRef idx="1">
             <a:schemeClr val="lt1"/>
           </a:fillRef>
           <a:effectRef idx="0">
-            <a:schemeClr val="accent6"/>
+            <a:schemeClr val="accent5"/>
           </a:effectRef>
           <a:fontRef idx="minor">
             <a:schemeClr val="dk1"/>
@@ -5895,9 +6089,7 @@
             <a:r>
               <a:rPr lang="en-US" b="1" dirty="0" smtClean="0">
                 <a:solidFill>
-                  <a:schemeClr val="accent2">
-                    <a:lumMod val="75000"/>
-                  </a:schemeClr>
+                  <a:srgbClr val="00B0F0"/>
                 </a:solidFill>
               </a:rPr>
               <a:t>Result</a:t>
@@ -5913,7 +6105,7 @@
         </p:nvSpPr>
         <p:spPr>
           <a:xfrm>
-            <a:off x="3505200" y="3810000"/>
+            <a:off x="3886202" y="4953000"/>
             <a:ext cx="1676400" cy="304800"/>
           </a:xfrm>
           <a:prstGeom prst="rect">
@@ -5922,13 +6114,13 @@
         </p:spPr>
         <p:style>
           <a:lnRef idx="2">
-            <a:schemeClr val="accent6"/>
+            <a:schemeClr val="accent5"/>
           </a:lnRef>
           <a:fillRef idx="1">
             <a:schemeClr val="lt1"/>
           </a:fillRef>
           <a:effectRef idx="0">
-            <a:schemeClr val="accent6"/>
+            <a:schemeClr val="accent5"/>
           </a:effectRef>
           <a:fontRef idx="minor">
             <a:schemeClr val="dk1"/>
@@ -5942,9 +6134,7 @@
             <a:r>
               <a:rPr lang="en-US" b="1" dirty="0" smtClean="0">
                 <a:solidFill>
-                  <a:schemeClr val="accent2">
-                    <a:lumMod val="75000"/>
-                  </a:schemeClr>
+                  <a:srgbClr val="00B0F0"/>
                 </a:solidFill>
               </a:rPr>
               <a:t>Statement</a:t>
@@ -5960,7 +6150,7 @@
         </p:nvSpPr>
         <p:spPr>
           <a:xfrm>
-            <a:off x="7162800" y="2133600"/>
+            <a:off x="6858003" y="3505200"/>
             <a:ext cx="1752600" cy="381000"/>
           </a:xfrm>
           <a:prstGeom prst="rect">
@@ -5969,13 +6159,13 @@
         </p:spPr>
         <p:style>
           <a:lnRef idx="2">
-            <a:schemeClr val="accent6"/>
+            <a:schemeClr val="accent4"/>
           </a:lnRef>
           <a:fillRef idx="1">
             <a:schemeClr val="lt1"/>
           </a:fillRef>
           <a:effectRef idx="0">
-            <a:schemeClr val="accent6"/>
+            <a:schemeClr val="accent4"/>
           </a:effectRef>
           <a:fontRef idx="minor">
             <a:schemeClr val="dk1"/>
@@ -5989,8 +6179,8 @@
             <a:r>
               <a:rPr lang="en-US" b="1" dirty="0" smtClean="0">
                 <a:solidFill>
-                  <a:schemeClr val="accent2">
-                    <a:lumMod val="75000"/>
+                  <a:schemeClr val="accent4">
+                    <a:lumMod val="50000"/>
                   </a:schemeClr>
                 </a:solidFill>
               </a:rPr>
@@ -6007,7 +6197,7 @@
         </p:nvSpPr>
         <p:spPr>
           <a:xfrm>
-            <a:off x="7162800" y="2743200"/>
+            <a:off x="6858003" y="4038600"/>
             <a:ext cx="1676400" cy="304800"/>
           </a:xfrm>
           <a:prstGeom prst="rect">
@@ -6016,13 +6206,13 @@
         </p:spPr>
         <p:style>
           <a:lnRef idx="2">
-            <a:schemeClr val="accent6"/>
+            <a:schemeClr val="accent4"/>
           </a:lnRef>
           <a:fillRef idx="1">
             <a:schemeClr val="lt1"/>
           </a:fillRef>
           <a:effectRef idx="0">
-            <a:schemeClr val="accent6"/>
+            <a:schemeClr val="accent4"/>
           </a:effectRef>
           <a:fontRef idx="minor">
             <a:schemeClr val="dk1"/>
@@ -6036,13 +6226,20 @@
             <a:r>
               <a:rPr lang="en-US" b="1" dirty="0" smtClean="0">
                 <a:solidFill>
-                  <a:schemeClr val="accent2">
-                    <a:lumMod val="75000"/>
+                  <a:schemeClr val="accent4">
+                    <a:lumMod val="50000"/>
                   </a:schemeClr>
                 </a:solidFill>
               </a:rPr>
-              <a:t>Student</a:t>
-            </a:r>
+              <a:t>Student Details</a:t>
+            </a:r>
+            <a:endParaRPr lang="en-US" b="1" dirty="0" smtClean="0">
+              <a:solidFill>
+                <a:schemeClr val="accent4">
+                  <a:lumMod val="50000"/>
+                </a:schemeClr>
+              </a:solidFill>
+            </a:endParaRPr>
           </a:p>
         </p:txBody>
       </p:sp>
@@ -6054,7 +6251,7 @@
         </p:nvSpPr>
         <p:spPr>
           <a:xfrm>
-            <a:off x="7162800" y="3352800"/>
+            <a:off x="6858003" y="4495800"/>
             <a:ext cx="1676400" cy="304800"/>
           </a:xfrm>
           <a:prstGeom prst="rect">
@@ -6063,13 +6260,13 @@
         </p:spPr>
         <p:style>
           <a:lnRef idx="2">
-            <a:schemeClr val="accent6"/>
+            <a:schemeClr val="accent4"/>
           </a:lnRef>
           <a:fillRef idx="1">
             <a:schemeClr val="lt1"/>
           </a:fillRef>
           <a:effectRef idx="0">
-            <a:schemeClr val="accent6"/>
+            <a:schemeClr val="accent4"/>
           </a:effectRef>
           <a:fontRef idx="minor">
             <a:schemeClr val="dk1"/>
@@ -6083,8 +6280,8 @@
             <a:r>
               <a:rPr lang="en-US" b="1" dirty="0" smtClean="0">
                 <a:solidFill>
-                  <a:schemeClr val="accent2">
-                    <a:lumMod val="75000"/>
+                  <a:schemeClr val="accent4">
+                    <a:lumMod val="50000"/>
                   </a:schemeClr>
                 </a:solidFill>
               </a:rPr>
@@ -6101,7 +6298,7 @@
         </p:nvSpPr>
         <p:spPr>
           <a:xfrm>
-            <a:off x="7162800" y="3962400"/>
+            <a:off x="6858003" y="4953000"/>
             <a:ext cx="1676400" cy="304800"/>
           </a:xfrm>
           <a:prstGeom prst="rect">
@@ -6110,13 +6307,13 @@
         </p:spPr>
         <p:style>
           <a:lnRef idx="2">
-            <a:schemeClr val="accent6"/>
+            <a:schemeClr val="accent4"/>
           </a:lnRef>
           <a:fillRef idx="1">
             <a:schemeClr val="lt1"/>
           </a:fillRef>
           <a:effectRef idx="0">
-            <a:schemeClr val="accent6"/>
+            <a:schemeClr val="accent4"/>
           </a:effectRef>
           <a:fontRef idx="minor">
             <a:schemeClr val="dk1"/>
@@ -6130,8 +6327,8 @@
             <a:r>
               <a:rPr lang="en-US" b="1" dirty="0" smtClean="0">
                 <a:solidFill>
-                  <a:schemeClr val="accent2">
-                    <a:lumMod val="75000"/>
+                  <a:schemeClr val="accent4">
+                    <a:lumMod val="50000"/>
                   </a:schemeClr>
                 </a:solidFill>
               </a:rPr>
@@ -6143,13 +6340,16 @@
       <p:cxnSp>
         <p:nvCxnSpPr>
           <p:cNvPr id="46" name="Elbow Connector 45"/>
-          <p:cNvCxnSpPr/>
+          <p:cNvCxnSpPr>
+            <a:stCxn id="11" idx="1"/>
+            <a:endCxn id="39" idx="1"/>
+          </p:cNvCxnSpPr>
           <p:nvPr/>
         </p:nvCxnSpPr>
         <p:spPr>
           <a:xfrm rot="10800000" flipH="1" flipV="1">
-            <a:off x="3429000" y="1371600"/>
-            <a:ext cx="76200" cy="1371600"/>
+            <a:off x="3810002" y="2971800"/>
+            <a:ext cx="76200" cy="1219200"/>
           </a:xfrm>
           <a:prstGeom prst="bentConnector3">
             <a:avLst>
@@ -6178,13 +6378,16 @@
       <p:cxnSp>
         <p:nvCxnSpPr>
           <p:cNvPr id="47" name="Elbow Connector 46"/>
-          <p:cNvCxnSpPr/>
+          <p:cNvCxnSpPr>
+            <a:stCxn id="11" idx="1"/>
+            <a:endCxn id="40" idx="1"/>
+          </p:cNvCxnSpPr>
           <p:nvPr/>
         </p:nvCxnSpPr>
         <p:spPr>
           <a:xfrm rot="10800000" flipH="1" flipV="1">
-            <a:off x="3429000" y="1371600"/>
-            <a:ext cx="76200" cy="1981200"/>
+            <a:off x="3810002" y="2971800"/>
+            <a:ext cx="76200" cy="1676400"/>
           </a:xfrm>
           <a:prstGeom prst="bentConnector3">
             <a:avLst>
@@ -6213,13 +6416,16 @@
       <p:cxnSp>
         <p:nvCxnSpPr>
           <p:cNvPr id="48" name="Elbow Connector 47"/>
-          <p:cNvCxnSpPr/>
+          <p:cNvCxnSpPr>
+            <a:stCxn id="11" idx="1"/>
+            <a:endCxn id="41" idx="1"/>
+          </p:cNvCxnSpPr>
           <p:nvPr/>
         </p:nvCxnSpPr>
         <p:spPr>
           <a:xfrm rot="10800000" flipH="1" flipV="1">
-            <a:off x="3429000" y="1371600"/>
-            <a:ext cx="76200" cy="2590800"/>
+            <a:off x="3810002" y="2971800"/>
+            <a:ext cx="76200" cy="2133600"/>
           </a:xfrm>
           <a:prstGeom prst="bentConnector3">
             <a:avLst>
@@ -6248,13 +6454,16 @@
       <p:cxnSp>
         <p:nvCxnSpPr>
           <p:cNvPr id="49" name="Elbow Connector 48"/>
-          <p:cNvCxnSpPr/>
+          <p:cNvCxnSpPr>
+            <a:stCxn id="11" idx="1"/>
+            <a:endCxn id="38" idx="1"/>
+          </p:cNvCxnSpPr>
           <p:nvPr/>
         </p:nvCxnSpPr>
         <p:spPr>
           <a:xfrm rot="10800000" flipH="1" flipV="1">
-            <a:off x="3429000" y="1371600"/>
-            <a:ext cx="76200" cy="800100"/>
+            <a:off x="3810002" y="2971800"/>
+            <a:ext cx="76200" cy="647700"/>
           </a:xfrm>
           <a:prstGeom prst="bentConnector3">
             <a:avLst>
@@ -6283,13 +6492,16 @@
       <p:cxnSp>
         <p:nvCxnSpPr>
           <p:cNvPr id="51" name="Elbow Connector 50"/>
-          <p:cNvCxnSpPr/>
+          <p:cNvCxnSpPr>
+            <a:stCxn id="12" idx="1"/>
+            <a:endCxn id="43" idx="1"/>
+          </p:cNvCxnSpPr>
           <p:nvPr/>
         </p:nvCxnSpPr>
         <p:spPr>
           <a:xfrm rot="10800000" flipH="1" flipV="1">
-            <a:off x="7086600" y="1524000"/>
-            <a:ext cx="76200" cy="1371600"/>
+            <a:off x="6781803" y="3124200"/>
+            <a:ext cx="76200" cy="1066800"/>
           </a:xfrm>
           <a:prstGeom prst="bentConnector3">
             <a:avLst>
@@ -6318,13 +6530,16 @@
       <p:cxnSp>
         <p:nvCxnSpPr>
           <p:cNvPr id="52" name="Elbow Connector 51"/>
-          <p:cNvCxnSpPr/>
+          <p:cNvCxnSpPr>
+            <a:stCxn id="12" idx="1"/>
+            <a:endCxn id="44" idx="1"/>
+          </p:cNvCxnSpPr>
           <p:nvPr/>
         </p:nvCxnSpPr>
         <p:spPr>
           <a:xfrm rot="10800000" flipH="1" flipV="1">
-            <a:off x="7086600" y="1524000"/>
-            <a:ext cx="76200" cy="1981200"/>
+            <a:off x="6781803" y="3124200"/>
+            <a:ext cx="76200" cy="1524000"/>
           </a:xfrm>
           <a:prstGeom prst="bentConnector3">
             <a:avLst>
@@ -6353,13 +6568,16 @@
       <p:cxnSp>
         <p:nvCxnSpPr>
           <p:cNvPr id="53" name="Elbow Connector 52"/>
-          <p:cNvCxnSpPr/>
+          <p:cNvCxnSpPr>
+            <a:stCxn id="12" idx="1"/>
+            <a:endCxn id="45" idx="1"/>
+          </p:cNvCxnSpPr>
           <p:nvPr/>
         </p:nvCxnSpPr>
         <p:spPr>
           <a:xfrm rot="10800000" flipH="1" flipV="1">
-            <a:off x="7086600" y="1524000"/>
-            <a:ext cx="76200" cy="2590800"/>
+            <a:off x="6781803" y="3124200"/>
+            <a:ext cx="76200" cy="1981200"/>
           </a:xfrm>
           <a:prstGeom prst="bentConnector3">
             <a:avLst>
@@ -6388,17 +6606,380 @@
       <p:cxnSp>
         <p:nvCxnSpPr>
           <p:cNvPr id="54" name="Elbow Connector 53"/>
-          <p:cNvCxnSpPr/>
+          <p:cNvCxnSpPr>
+            <a:stCxn id="12" idx="1"/>
+            <a:endCxn id="42" idx="1"/>
+          </p:cNvCxnSpPr>
           <p:nvPr/>
         </p:nvCxnSpPr>
         <p:spPr>
           <a:xfrm rot="10800000" flipH="1" flipV="1">
-            <a:off x="7086600" y="1524000"/>
-            <a:ext cx="76200" cy="800100"/>
+            <a:off x="6781803" y="3124200"/>
+            <a:ext cx="76200" cy="571500"/>
           </a:xfrm>
           <a:prstGeom prst="bentConnector3">
             <a:avLst>
               <a:gd name="adj1" fmla="val -300000"/>
+            </a:avLst>
+          </a:prstGeom>
+          <a:ln>
+            <a:tailEnd type="arrow"/>
+          </a:ln>
+        </p:spPr>
+        <p:style>
+          <a:lnRef idx="2">
+            <a:schemeClr val="accent2"/>
+          </a:lnRef>
+          <a:fillRef idx="0">
+            <a:schemeClr val="accent2"/>
+          </a:fillRef>
+          <a:effectRef idx="1">
+            <a:schemeClr val="accent2"/>
+          </a:effectRef>
+          <a:fontRef idx="minor">
+            <a:schemeClr val="tx1"/>
+          </a:fontRef>
+        </p:style>
+      </p:cxnSp>
+      <p:pic>
+        <p:nvPicPr>
+          <p:cNvPr id="36" name="Picture 2" descr="GCIT"/>
+          <p:cNvPicPr>
+            <a:picLocks noChangeAspect="1" noChangeArrowheads="1"/>
+          </p:cNvPicPr>
+          <p:nvPr/>
+        </p:nvPicPr>
+        <p:blipFill>
+          <a:blip r:embed="rId2"/>
+          <a:srcRect r="1445"/>
+          <a:stretch>
+            <a:fillRect/>
+          </a:stretch>
+        </p:blipFill>
+        <p:spPr bwMode="auto">
+          <a:xfrm>
+            <a:off x="-1" y="0"/>
+            <a:ext cx="9144635" cy="1371600"/>
+          </a:xfrm>
+          <a:prstGeom prst="rect">
+            <a:avLst/>
+          </a:prstGeom>
+          <a:noFill/>
+        </p:spPr>
+      </p:pic>
+      <p:sp>
+        <p:nvSpPr>
+          <p:cNvPr id="50" name="Rectangle 49"/>
+          <p:cNvSpPr/>
+          <p:nvPr/>
+        </p:nvSpPr>
+        <p:spPr>
+          <a:xfrm>
+            <a:off x="762001" y="5334000"/>
+            <a:ext cx="1676400" cy="304800"/>
+          </a:xfrm>
+          <a:prstGeom prst="rect">
+            <a:avLst/>
+          </a:prstGeom>
+        </p:spPr>
+        <p:style>
+          <a:lnRef idx="2">
+            <a:schemeClr val="accent3"/>
+          </a:lnRef>
+          <a:fillRef idx="1">
+            <a:schemeClr val="lt1"/>
+          </a:fillRef>
+          <a:effectRef idx="0">
+            <a:schemeClr val="accent3"/>
+          </a:effectRef>
+          <a:fontRef idx="minor">
+            <a:schemeClr val="dk1"/>
+          </a:fontRef>
+        </p:style>
+        <p:txBody>
+          <a:bodyPr rtlCol="0" anchor="ctr"/>
+          <a:lstStyle/>
+          <a:p>
+            <a:pPr algn="ctr"/>
+            <a:r>
+              <a:rPr lang="en-US" b="1" dirty="0" smtClean="0">
+                <a:solidFill>
+                  <a:srgbClr val="00B050"/>
+                </a:solidFill>
+              </a:rPr>
+              <a:t>Add Class</a:t>
+            </a:r>
+          </a:p>
+        </p:txBody>
+      </p:sp>
+      <p:cxnSp>
+        <p:nvCxnSpPr>
+          <p:cNvPr id="55" name="Elbow Connector 54"/>
+          <p:cNvCxnSpPr>
+            <a:stCxn id="9" idx="1"/>
+            <a:endCxn id="50" idx="1"/>
+          </p:cNvCxnSpPr>
+          <p:nvPr/>
+        </p:nvCxnSpPr>
+        <p:spPr>
+          <a:xfrm rot="10800000" flipH="1" flipV="1">
+            <a:off x="685801" y="2971800"/>
+            <a:ext cx="76199" cy="2514600"/>
+          </a:xfrm>
+          <a:prstGeom prst="bentConnector3">
+            <a:avLst>
+              <a:gd name="adj1" fmla="val -300004"/>
+            </a:avLst>
+          </a:prstGeom>
+          <a:ln>
+            <a:tailEnd type="arrow"/>
+          </a:ln>
+        </p:spPr>
+        <p:style>
+          <a:lnRef idx="2">
+            <a:schemeClr val="accent2"/>
+          </a:lnRef>
+          <a:fillRef idx="0">
+            <a:schemeClr val="accent2"/>
+          </a:fillRef>
+          <a:effectRef idx="1">
+            <a:schemeClr val="accent2"/>
+          </a:effectRef>
+          <a:fontRef idx="minor">
+            <a:schemeClr val="tx1"/>
+          </a:fontRef>
+        </p:style>
+      </p:cxnSp>
+      <p:sp>
+        <p:nvSpPr>
+          <p:cNvPr id="58" name="Rectangle 57"/>
+          <p:cNvSpPr/>
+          <p:nvPr/>
+        </p:nvSpPr>
+        <p:spPr>
+          <a:xfrm>
+            <a:off x="6858002" y="5410200"/>
+            <a:ext cx="1828800" cy="304800"/>
+          </a:xfrm>
+          <a:prstGeom prst="rect">
+            <a:avLst/>
+          </a:prstGeom>
+        </p:spPr>
+        <p:style>
+          <a:lnRef idx="2">
+            <a:schemeClr val="accent4"/>
+          </a:lnRef>
+          <a:fillRef idx="1">
+            <a:schemeClr val="lt1"/>
+          </a:fillRef>
+          <a:effectRef idx="0">
+            <a:schemeClr val="accent4"/>
+          </a:effectRef>
+          <a:fontRef idx="minor">
+            <a:schemeClr val="dk1"/>
+          </a:fontRef>
+        </p:style>
+        <p:txBody>
+          <a:bodyPr rtlCol="0" anchor="ctr"/>
+          <a:lstStyle/>
+          <a:p>
+            <a:pPr algn="ctr"/>
+            <a:r>
+              <a:rPr lang="en-US" b="1" dirty="0" smtClean="0">
+                <a:solidFill>
+                  <a:schemeClr val="accent4">
+                    <a:lumMod val="50000"/>
+                  </a:schemeClr>
+                </a:solidFill>
+              </a:rPr>
+              <a:t>Approve Student</a:t>
+            </a:r>
+          </a:p>
+        </p:txBody>
+      </p:sp>
+      <p:cxnSp>
+        <p:nvCxnSpPr>
+          <p:cNvPr id="67" name="Elbow Connector 66"/>
+          <p:cNvCxnSpPr>
+            <a:stCxn id="12" idx="1"/>
+            <a:endCxn id="58" idx="1"/>
+          </p:cNvCxnSpPr>
+          <p:nvPr/>
+        </p:nvCxnSpPr>
+        <p:spPr>
+          <a:xfrm rot="10800000" flipH="1" flipV="1">
+            <a:off x="6781802" y="3124200"/>
+            <a:ext cx="76199" cy="2438400"/>
+          </a:xfrm>
+          <a:prstGeom prst="bentConnector3">
+            <a:avLst>
+              <a:gd name="adj1" fmla="val -300004"/>
+            </a:avLst>
+          </a:prstGeom>
+          <a:ln>
+            <a:tailEnd type="arrow"/>
+          </a:ln>
+        </p:spPr>
+        <p:style>
+          <a:lnRef idx="2">
+            <a:schemeClr val="accent2"/>
+          </a:lnRef>
+          <a:fillRef idx="0">
+            <a:schemeClr val="accent2"/>
+          </a:fillRef>
+          <a:effectRef idx="1">
+            <a:schemeClr val="accent2"/>
+          </a:effectRef>
+          <a:fontRef idx="minor">
+            <a:schemeClr val="tx1"/>
+          </a:fontRef>
+        </p:style>
+      </p:cxnSp>
+      <p:sp>
+        <p:nvSpPr>
+          <p:cNvPr id="71" name="Rectangle 70"/>
+          <p:cNvSpPr/>
+          <p:nvPr/>
+        </p:nvSpPr>
+        <p:spPr>
+          <a:xfrm>
+            <a:off x="3886201" y="5486400"/>
+            <a:ext cx="1676400" cy="304800"/>
+          </a:xfrm>
+          <a:prstGeom prst="rect">
+            <a:avLst/>
+          </a:prstGeom>
+        </p:spPr>
+        <p:style>
+          <a:lnRef idx="2">
+            <a:schemeClr val="accent5"/>
+          </a:lnRef>
+          <a:fillRef idx="1">
+            <a:schemeClr val="lt1"/>
+          </a:fillRef>
+          <a:effectRef idx="0">
+            <a:schemeClr val="accent5"/>
+          </a:effectRef>
+          <a:fontRef idx="minor">
+            <a:schemeClr val="dk1"/>
+          </a:fontRef>
+        </p:style>
+        <p:txBody>
+          <a:bodyPr rtlCol="0" anchor="ctr"/>
+          <a:lstStyle/>
+          <a:p>
+            <a:pPr algn="ctr"/>
+            <a:r>
+              <a:rPr lang="en-US" b="1" dirty="0" smtClean="0">
+                <a:solidFill>
+                  <a:srgbClr val="00B0F0"/>
+                </a:solidFill>
+              </a:rPr>
+              <a:t>Join Class</a:t>
+            </a:r>
+          </a:p>
+        </p:txBody>
+      </p:sp>
+      <p:cxnSp>
+        <p:nvCxnSpPr>
+          <p:cNvPr id="80" name="Elbow Connector 79"/>
+          <p:cNvCxnSpPr>
+            <a:stCxn id="11" idx="1"/>
+            <a:endCxn id="71" idx="1"/>
+          </p:cNvCxnSpPr>
+          <p:nvPr/>
+        </p:nvCxnSpPr>
+        <p:spPr>
+          <a:xfrm rot="10800000" flipH="1" flipV="1">
+            <a:off x="3810001" y="2971800"/>
+            <a:ext cx="76199" cy="2667000"/>
+          </a:xfrm>
+          <a:prstGeom prst="bentConnector3">
+            <a:avLst>
+              <a:gd name="adj1" fmla="val -300004"/>
+            </a:avLst>
+          </a:prstGeom>
+          <a:ln>
+            <a:tailEnd type="arrow"/>
+          </a:ln>
+        </p:spPr>
+        <p:style>
+          <a:lnRef idx="2">
+            <a:schemeClr val="accent2"/>
+          </a:lnRef>
+          <a:fillRef idx="0">
+            <a:schemeClr val="accent2"/>
+          </a:fillRef>
+          <a:effectRef idx="1">
+            <a:schemeClr val="accent2"/>
+          </a:effectRef>
+          <a:fontRef idx="minor">
+            <a:schemeClr val="tx1"/>
+          </a:fontRef>
+        </p:style>
+      </p:cxnSp>
+      <p:sp>
+        <p:nvSpPr>
+          <p:cNvPr id="84" name="Rectangle 83"/>
+          <p:cNvSpPr/>
+          <p:nvPr/>
+        </p:nvSpPr>
+        <p:spPr>
+          <a:xfrm>
+            <a:off x="762001" y="5715000"/>
+            <a:ext cx="1981200" cy="304800"/>
+          </a:xfrm>
+          <a:prstGeom prst="rect">
+            <a:avLst/>
+          </a:prstGeom>
+        </p:spPr>
+        <p:style>
+          <a:lnRef idx="2">
+            <a:schemeClr val="accent3"/>
+          </a:lnRef>
+          <a:fillRef idx="1">
+            <a:schemeClr val="lt1"/>
+          </a:fillRef>
+          <a:effectRef idx="0">
+            <a:schemeClr val="accent3"/>
+          </a:effectRef>
+          <a:fontRef idx="minor">
+            <a:schemeClr val="dk1"/>
+          </a:fontRef>
+        </p:style>
+        <p:txBody>
+          <a:bodyPr rtlCol="0" anchor="ctr"/>
+          <a:lstStyle/>
+          <a:p>
+            <a:pPr algn="ctr"/>
+            <a:r>
+              <a:rPr lang="en-US" b="1" dirty="0" smtClean="0">
+                <a:solidFill>
+                  <a:srgbClr val="00B050"/>
+                </a:solidFill>
+              </a:rPr>
+              <a:t>Add Class teacher</a:t>
+            </a:r>
+          </a:p>
+        </p:txBody>
+      </p:sp>
+      <p:cxnSp>
+        <p:nvCxnSpPr>
+          <p:cNvPr id="85" name="Elbow Connector 84"/>
+          <p:cNvCxnSpPr>
+            <a:stCxn id="9" idx="1"/>
+            <a:endCxn id="84" idx="1"/>
+          </p:cNvCxnSpPr>
+          <p:nvPr/>
+        </p:nvCxnSpPr>
+        <p:spPr>
+          <a:xfrm rot="10800000" flipH="1" flipV="1">
+            <a:off x="685801" y="2971800"/>
+            <a:ext cx="76199" cy="2895600"/>
+          </a:xfrm>
+          <a:prstGeom prst="bentConnector3">
+            <a:avLst>
+              <a:gd name="adj1" fmla="val -300004"/>
             </a:avLst>
           </a:prstGeom>
           <a:ln>
@@ -6464,17 +7045,18 @@
         </p:nvSpPr>
         <p:spPr>
           <a:xfrm>
-            <a:off x="469900" y="1447800"/>
+            <a:off x="469900" y="3048635"/>
             <a:ext cx="8216900" cy="837565"/>
           </a:xfrm>
         </p:spPr>
         <p:txBody>
-          <a:bodyPr/>
-          <a:lstStyle/>
-          <a:p>
-            <a:pPr algn="l"/>
-            <a:r>
-              <a:rPr lang="en-US" sz="3200" b="1" dirty="0" smtClean="0">
+          <a:bodyPr>
+            <a:noAutofit/>
+          </a:bodyPr>
+          <a:lstStyle/>
+          <a:p>
+            <a:r>
+              <a:rPr lang="en-US" sz="7200" b="1" dirty="0" smtClean="0">
                 <a:solidFill>
                   <a:schemeClr val="tx2">
                     <a:lumMod val="50000"/>
@@ -6579,8 +7161,8 @@
         </p:blipFill>
         <p:spPr bwMode="auto">
           <a:xfrm>
-            <a:off x="-23495" y="0"/>
-            <a:ext cx="9168130" cy="1371600"/>
+            <a:off x="-1" y="0"/>
+            <a:ext cx="9144635" cy="1371600"/>
           </a:xfrm>
           <a:prstGeom prst="rect">
             <a:avLst/>
@@ -6762,7 +7344,33 @@
                 <a:latin typeface="Times New Roman" panose="02020603050405020304" charset="0"/>
                 <a:cs typeface="Times New Roman" panose="02020603050405020304" charset="0"/>
               </a:rPr>
-              <a:t>Generating resource controllers,</a:t>
+              <a:t>Generating resource controllers</a:t>
+            </a:r>
+            <a:r>
+              <a:rPr lang="en-US" sz="2400" dirty="0" smtClean="0">
+                <a:solidFill>
+                  <a:schemeClr val="tx2">
+                    <a:lumMod val="50000"/>
+                  </a:schemeClr>
+                </a:solidFill>
+                <a:latin typeface="Times New Roman" panose="02020603050405020304" charset="0"/>
+                <a:cs typeface="Times New Roman" panose="02020603050405020304" charset="0"/>
+              </a:rPr>
+              <a:t>,</a:t>
+            </a:r>
+          </a:p>
+          <a:p>
+            <a:r>
+              <a:rPr lang="en-US" sz="2400" dirty="0" smtClean="0">
+                <a:solidFill>
+                  <a:schemeClr val="tx2">
+                    <a:lumMod val="50000"/>
+                  </a:schemeClr>
+                </a:solidFill>
+                <a:latin typeface="Times New Roman" panose="02020603050405020304" charset="0"/>
+                <a:cs typeface="Times New Roman" panose="02020603050405020304" charset="0"/>
+              </a:rPr>
+              <a:t>Authentication,</a:t>
             </a:r>
             <a:endParaRPr lang="en-US" sz="2400" dirty="0" smtClean="0">
               <a:solidFill>
@@ -6785,7 +7393,31 @@
                 <a:latin typeface="Times New Roman" panose="02020603050405020304" charset="0"/>
                 <a:cs typeface="Times New Roman" panose="02020603050405020304" charset="0"/>
               </a:rPr>
-              <a:t>Gates and policy,</a:t>
+              <a:t>Authorization using Gates </a:t>
+            </a:r>
+            <a:r>
+              <a:rPr lang="en-US" sz="2400" dirty="0" smtClean="0">
+                <a:solidFill>
+                  <a:schemeClr val="tx2">
+                    <a:lumMod val="50000"/>
+                  </a:schemeClr>
+                </a:solidFill>
+                <a:latin typeface="Times New Roman" panose="02020603050405020304" charset="0"/>
+                <a:cs typeface="Times New Roman" panose="02020603050405020304" charset="0"/>
+              </a:rPr>
+              <a:t>and policy</a:t>
+            </a:r>
+            <a:r>
+              <a:rPr lang="en-US" sz="2400" dirty="0" smtClean="0">
+                <a:solidFill>
+                  <a:schemeClr val="tx2">
+                    <a:lumMod val="50000"/>
+                  </a:schemeClr>
+                </a:solidFill>
+                <a:latin typeface="Times New Roman" panose="02020603050405020304" charset="0"/>
+                <a:cs typeface="Times New Roman" panose="02020603050405020304" charset="0"/>
+              </a:rPr>
+              <a:t>,</a:t>
             </a:r>
             <a:endParaRPr lang="en-US" sz="2400" dirty="0" smtClean="0">
               <a:solidFill>
@@ -6797,20 +7429,6 @@
               <a:cs typeface="Times New Roman" panose="02020603050405020304" charset="0"/>
             </a:endParaRPr>
           </a:p>
-          <a:p>
-            <a:pPr marL="0" indent="0">
-              <a:buNone/>
-            </a:pPr>
-            <a:endParaRPr lang="en-US" sz="2400" dirty="0">
-              <a:solidFill>
-                <a:schemeClr val="tx2">
-                  <a:lumMod val="50000"/>
-                </a:schemeClr>
-              </a:solidFill>
-              <a:latin typeface="Times New Roman" panose="02020603050405020304" charset="0"/>
-              <a:cs typeface="Times New Roman" panose="02020603050405020304" charset="0"/>
-            </a:endParaRPr>
-          </a:p>
         </p:txBody>
       </p:sp>
       <p:sp>
@@ -6831,7 +7449,7 @@
             <a:fld id="{29FF40B1-8B0E-4B72-970D-715561CA4C5D}" type="datetime1">
               <a:rPr lang="en-US" smtClean="0"/>
               <a:pPr/>
-              <a:t>2/21/2021</a:t>
+              <a:t>2/22/2021</a:t>
             </a:fld>
             <a:endParaRPr lang="en-US"/>
           </a:p>
@@ -6903,8 +7521,8 @@
         </p:blipFill>
         <p:spPr bwMode="auto">
           <a:xfrm>
-            <a:off x="-23495" y="0"/>
-            <a:ext cx="9168130" cy="1371600"/>
+            <a:off x="-1" y="0"/>
+            <a:ext cx="9144635" cy="1371600"/>
           </a:xfrm>
           <a:prstGeom prst="rect">
             <a:avLst/>
@@ -7202,7 +7820,7 @@
   <a:extraClrSchemeLst/>
   <a:extLst>
     <a:ext uri="{05A4C25C-085E-4340-85A3-A5531E510DB2}">
-      <thm15:themeFamily xmlns:thm15="http://schemas.microsoft.com/office/thememl/2012/main" xmlns="" name="Office Theme" id="{62F939B6-93AF-4DB8-9C6B-D6C7DFDC589F}" vid="{4A3C46E8-61CC-4603-A589-7422A47A8E4A}"/>
+      <thm15:themeFamily xmlns="" xmlns:thm15="http://schemas.microsoft.com/office/thememl/2012/main" name="Office Theme" id="{62F939B6-93AF-4DB8-9C6B-D6C7DFDC589F}" vid="{4A3C46E8-61CC-4603-A589-7422A47A8E4A}"/>
     </a:ext>
   </a:extLst>
 </a:theme>
@@ -7490,7 +8108,7 @@
   <a:extraClrSchemeLst/>
   <a:extLst>
     <a:ext uri="{05A4C25C-085E-4340-85A3-A5531E510DB2}">
-      <thm15:themeFamily xmlns:thm15="http://schemas.microsoft.com/office/thememl/2012/main" xmlns="" name="Office Theme" id="{62F939B6-93AF-4DB8-9C6B-D6C7DFDC589F}" vid="{4A3C46E8-61CC-4603-A589-7422A47A8E4A}"/>
+      <thm15:themeFamily xmlns="" xmlns:thm15="http://schemas.microsoft.com/office/thememl/2012/main" name="Office Theme" id="{62F939B6-93AF-4DB8-9C6B-D6C7DFDC589F}" vid="{4A3C46E8-61CC-4603-A589-7422A47A8E4A}"/>
     </a:ext>
   </a:extLst>
 </a:theme>
